--- a/ENTREGABLES/4. CUARTO TRIMESTRE/5. PRESENTACION/CTS.pptx
+++ b/ENTREGABLES/4. CUARTO TRIMESTRE/5. PRESENTACION/CTS.pptx
@@ -5,28 +5,30 @@
     <p:sldMasterId id="2147483648" r:id="rId1"/>
   </p:sldMasterIdLst>
   <p:notesMasterIdLst>
-    <p:notesMasterId r:id="rId21"/>
+    <p:notesMasterId r:id="rId23"/>
   </p:notesMasterIdLst>
   <p:sldIdLst>
     <p:sldId id="256" r:id="rId2"/>
     <p:sldId id="272" r:id="rId3"/>
     <p:sldId id="271" r:id="rId4"/>
-    <p:sldId id="273" r:id="rId5"/>
-    <p:sldId id="274" r:id="rId6"/>
+    <p:sldId id="274" r:id="rId5"/>
+    <p:sldId id="273" r:id="rId6"/>
     <p:sldId id="257" r:id="rId7"/>
     <p:sldId id="258" r:id="rId8"/>
-    <p:sldId id="259" r:id="rId9"/>
-    <p:sldId id="260" r:id="rId10"/>
-    <p:sldId id="261" r:id="rId11"/>
-    <p:sldId id="262" r:id="rId12"/>
-    <p:sldId id="263" r:id="rId13"/>
-    <p:sldId id="264" r:id="rId14"/>
-    <p:sldId id="267" r:id="rId15"/>
-    <p:sldId id="265" r:id="rId16"/>
-    <p:sldId id="266" r:id="rId17"/>
-    <p:sldId id="268" r:id="rId18"/>
-    <p:sldId id="269" r:id="rId19"/>
-    <p:sldId id="270" r:id="rId20"/>
+    <p:sldId id="277" r:id="rId9"/>
+    <p:sldId id="259" r:id="rId10"/>
+    <p:sldId id="260" r:id="rId11"/>
+    <p:sldId id="261" r:id="rId12"/>
+    <p:sldId id="262" r:id="rId13"/>
+    <p:sldId id="263" r:id="rId14"/>
+    <p:sldId id="264" r:id="rId15"/>
+    <p:sldId id="267" r:id="rId16"/>
+    <p:sldId id="265" r:id="rId17"/>
+    <p:sldId id="266" r:id="rId18"/>
+    <p:sldId id="268" r:id="rId19"/>
+    <p:sldId id="269" r:id="rId20"/>
+    <p:sldId id="270" r:id="rId21"/>
+    <p:sldId id="276" r:id="rId22"/>
   </p:sldIdLst>
   <p:sldSz cx="9144000" cy="5143500" type="screen16x9"/>
   <p:notesSz cx="6858000" cy="9144000"/>
@@ -275,7 +277,7 @@
       </p15:sldGuideLst>
     </p:ext>
     <p:ext uri="http://customooxmlschemas.google.com/">
-      <go:slidesCustomData xmlns:go="http://customooxmlschemas.google.com/" xmlns:ahyp="http://schemas.microsoft.com/office/drawing/2018/hyperlinkcolor" xmlns:p15="http://schemas.microsoft.com/office/powerpoint/2012/main" xmlns:p14="http://schemas.microsoft.com/office/powerpoint/2010/main" xmlns:com="http://schemas.openxmlformats.org/drawingml/2006/compatibility" xmlns:pvml="urn:schemas-microsoft-com:office:powerpoint" xmlns:v="urn:schemas-microsoft-com:vml" xmlns:o="urn:schemas-microsoft-com:office:office" xmlns:dgm="http://schemas.openxmlformats.org/drawingml/2006/diagram" xmlns:c="http://schemas.openxmlformats.org/drawingml/2006/chart" xmlns:mv="urn:schemas-microsoft-com:mac:vml" xmlns:mc="http://schemas.openxmlformats.org/markup-compatibility/2006" xmlns="" r:id="rId22" roundtripDataSignature="AMtx7mi99H8fPDJS/GyUaEz38gL+0xO46g=="/>
+      <go:slidesCustomData xmlns:go="http://customooxmlschemas.google.com/" xmlns:ahyp="http://schemas.microsoft.com/office/drawing/2018/hyperlinkcolor" xmlns:p15="http://schemas.microsoft.com/office/powerpoint/2012/main" xmlns:p14="http://schemas.microsoft.com/office/powerpoint/2010/main" xmlns:com="http://schemas.openxmlformats.org/drawingml/2006/compatibility" xmlns:pvml="urn:schemas-microsoft-com:office:powerpoint" xmlns:v="urn:schemas-microsoft-com:vml" xmlns:o="urn:schemas-microsoft-com:office:office" xmlns:dgm="http://schemas.openxmlformats.org/drawingml/2006/diagram" xmlns:c="http://schemas.openxmlformats.org/drawingml/2006/chart" xmlns:mv="urn:schemas-microsoft-com:mac:vml" xmlns:mc="http://schemas.openxmlformats.org/markup-compatibility/2006" xmlns="" r:id="rId25" roundtripDataSignature="AMtx7mi99H8fPDJS/GyUaEz38gL+0xO46g=="/>
     </p:ext>
   </p:extLst>
 </p:presentation>
@@ -831,6 +833,214 @@
   <p:cSld>
     <p:spTree>
       <p:nvGrpSpPr>
+        <p:cNvPr id="1" name="Shape 96"/>
+        <p:cNvGrpSpPr/>
+        <p:nvPr/>
+      </p:nvGrpSpPr>
+      <p:grpSpPr>
+        <a:xfrm>
+          <a:off x="0" y="0"/>
+          <a:ext cx="0" cy="0"/>
+          <a:chOff x="0" y="0"/>
+          <a:chExt cx="0" cy="0"/>
+        </a:xfrm>
+      </p:grpSpPr>
+      <p:sp>
+        <p:nvSpPr>
+          <p:cNvPr id="97" name="Google Shape;97;gfefd4b1171_0_52:notes"/>
+          <p:cNvSpPr>
+            <a:spLocks noGrp="1" noRot="1" noChangeAspect="1"/>
+          </p:cNvSpPr>
+          <p:nvPr>
+            <p:ph type="sldImg" idx="2"/>
+          </p:nvPr>
+        </p:nvSpPr>
+        <p:spPr>
+          <a:xfrm>
+            <a:off x="381000" y="685800"/>
+            <a:ext cx="6096000" cy="3429000"/>
+          </a:xfrm>
+          <a:custGeom>
+            <a:avLst/>
+            <a:gdLst/>
+            <a:ahLst/>
+            <a:cxnLst/>
+            <a:rect l="l" t="t" r="r" b="b"/>
+            <a:pathLst>
+              <a:path w="120000" h="120000" extrusionOk="0">
+                <a:moveTo>
+                  <a:pt x="0" y="0"/>
+                </a:moveTo>
+                <a:lnTo>
+                  <a:pt x="120000" y="0"/>
+                </a:lnTo>
+                <a:lnTo>
+                  <a:pt x="120000" y="120000"/>
+                </a:lnTo>
+                <a:lnTo>
+                  <a:pt x="0" y="120000"/>
+                </a:lnTo>
+                <a:close/>
+              </a:path>
+            </a:pathLst>
+          </a:custGeom>
+        </p:spPr>
+      </p:sp>
+      <p:sp>
+        <p:nvSpPr>
+          <p:cNvPr id="98" name="Google Shape;98;gfefd4b1171_0_52:notes"/>
+          <p:cNvSpPr txBox="1">
+            <a:spLocks noGrp="1"/>
+          </p:cNvSpPr>
+          <p:nvPr>
+            <p:ph type="body" idx="1"/>
+          </p:nvPr>
+        </p:nvSpPr>
+        <p:spPr>
+          <a:xfrm>
+            <a:off x="685800" y="4343400"/>
+            <a:ext cx="5486400" cy="4114800"/>
+          </a:xfrm>
+          <a:prstGeom prst="rect">
+            <a:avLst/>
+          </a:prstGeom>
+        </p:spPr>
+        <p:txBody>
+          <a:bodyPr spcFirstLastPara="1" wrap="square" lIns="91425" tIns="91425" rIns="91425" bIns="91425" anchor="t" anchorCtr="0">
+            <a:noAutofit/>
+          </a:bodyPr>
+          <a:lstStyle/>
+          <a:p>
+            <a:pPr marL="0" lvl="0" indent="0" algn="l" rtl="0">
+              <a:spcBef>
+                <a:spcPts val="0"/>
+              </a:spcBef>
+              <a:spcAft>
+                <a:spcPts val="0"/>
+              </a:spcAft>
+              <a:buNone/>
+            </a:pPr>
+            <a:endParaRPr/>
+          </a:p>
+        </p:txBody>
+      </p:sp>
+    </p:spTree>
+  </p:cSld>
+  <p:clrMapOvr>
+    <a:masterClrMapping/>
+  </p:clrMapOvr>
+</p:notes>
+</file>
+
+<file path=ppt/notesSlides/notesSlide11.xml><?xml version="1.0" encoding="utf-8"?>
+<p:notes xmlns:a="http://schemas.openxmlformats.org/drawingml/2006/main" xmlns:r="http://schemas.openxmlformats.org/officeDocument/2006/relationships" xmlns:p="http://schemas.openxmlformats.org/presentationml/2006/main" showMasterSp="0" showMasterPhAnim="0">
+  <p:cSld>
+    <p:spTree>
+      <p:nvGrpSpPr>
+        <p:cNvPr id="1" name="Shape 102"/>
+        <p:cNvGrpSpPr/>
+        <p:nvPr/>
+      </p:nvGrpSpPr>
+      <p:grpSpPr>
+        <a:xfrm>
+          <a:off x="0" y="0"/>
+          <a:ext cx="0" cy="0"/>
+          <a:chOff x="0" y="0"/>
+          <a:chExt cx="0" cy="0"/>
+        </a:xfrm>
+      </p:grpSpPr>
+      <p:sp>
+        <p:nvSpPr>
+          <p:cNvPr id="103" name="Google Shape;103;gfefd4b1171_0_46:notes"/>
+          <p:cNvSpPr>
+            <a:spLocks noGrp="1" noRot="1" noChangeAspect="1"/>
+          </p:cNvSpPr>
+          <p:nvPr>
+            <p:ph type="sldImg" idx="2"/>
+          </p:nvPr>
+        </p:nvSpPr>
+        <p:spPr>
+          <a:xfrm>
+            <a:off x="381000" y="685800"/>
+            <a:ext cx="6096000" cy="3429000"/>
+          </a:xfrm>
+          <a:custGeom>
+            <a:avLst/>
+            <a:gdLst/>
+            <a:ahLst/>
+            <a:cxnLst/>
+            <a:rect l="l" t="t" r="r" b="b"/>
+            <a:pathLst>
+              <a:path w="120000" h="120000" extrusionOk="0">
+                <a:moveTo>
+                  <a:pt x="0" y="0"/>
+                </a:moveTo>
+                <a:lnTo>
+                  <a:pt x="120000" y="0"/>
+                </a:lnTo>
+                <a:lnTo>
+                  <a:pt x="120000" y="120000"/>
+                </a:lnTo>
+                <a:lnTo>
+                  <a:pt x="0" y="120000"/>
+                </a:lnTo>
+                <a:close/>
+              </a:path>
+            </a:pathLst>
+          </a:custGeom>
+        </p:spPr>
+      </p:sp>
+      <p:sp>
+        <p:nvSpPr>
+          <p:cNvPr id="104" name="Google Shape;104;gfefd4b1171_0_46:notes"/>
+          <p:cNvSpPr txBox="1">
+            <a:spLocks noGrp="1"/>
+          </p:cNvSpPr>
+          <p:nvPr>
+            <p:ph type="body" idx="1"/>
+          </p:nvPr>
+        </p:nvSpPr>
+        <p:spPr>
+          <a:xfrm>
+            <a:off x="685800" y="4343400"/>
+            <a:ext cx="5486400" cy="4114800"/>
+          </a:xfrm>
+          <a:prstGeom prst="rect">
+            <a:avLst/>
+          </a:prstGeom>
+        </p:spPr>
+        <p:txBody>
+          <a:bodyPr spcFirstLastPara="1" wrap="square" lIns="91425" tIns="91425" rIns="91425" bIns="91425" anchor="t" anchorCtr="0">
+            <a:noAutofit/>
+          </a:bodyPr>
+          <a:lstStyle/>
+          <a:p>
+            <a:pPr marL="0" lvl="0" indent="0" algn="l" rtl="0">
+              <a:spcBef>
+                <a:spcPts val="0"/>
+              </a:spcBef>
+              <a:spcAft>
+                <a:spcPts val="0"/>
+              </a:spcAft>
+              <a:buNone/>
+            </a:pPr>
+            <a:endParaRPr/>
+          </a:p>
+        </p:txBody>
+      </p:sp>
+    </p:spTree>
+  </p:cSld>
+  <p:clrMapOvr>
+    <a:masterClrMapping/>
+  </p:clrMapOvr>
+</p:notes>
+</file>
+
+<file path=ppt/notesSlides/notesSlide12.xml><?xml version="1.0" encoding="utf-8"?>
+<p:notes xmlns:a="http://schemas.openxmlformats.org/drawingml/2006/main" xmlns:r="http://schemas.openxmlformats.org/officeDocument/2006/relationships" xmlns:p="http://schemas.openxmlformats.org/presentationml/2006/main" showMasterSp="0" showMasterPhAnim="0">
+  <p:cSld>
+    <p:spTree>
+      <p:nvGrpSpPr>
         <p:cNvPr id="1" name="Shape 108"/>
         <p:cNvGrpSpPr/>
         <p:nvPr/>
@@ -931,6 +1141,144 @@
 </file>
 
 <file path=ppt/notesSlides/notesSlide2.xml><?xml version="1.0" encoding="utf-8"?>
+<p:notes xmlns:a="http://schemas.openxmlformats.org/drawingml/2006/main" xmlns:r="http://schemas.openxmlformats.org/officeDocument/2006/relationships" xmlns:p="http://schemas.openxmlformats.org/presentationml/2006/main">
+  <p:cSld>
+    <p:spTree>
+      <p:nvGrpSpPr>
+        <p:cNvPr id="1" name=""/>
+        <p:cNvGrpSpPr/>
+        <p:nvPr/>
+      </p:nvGrpSpPr>
+      <p:grpSpPr>
+        <a:xfrm>
+          <a:off x="0" y="0"/>
+          <a:ext cx="0" cy="0"/>
+          <a:chOff x="0" y="0"/>
+          <a:chExt cx="0" cy="0"/>
+        </a:xfrm>
+      </p:grpSpPr>
+      <p:sp>
+        <p:nvSpPr>
+          <p:cNvPr id="2" name="Marcador de imagen de diapositiva 1"/>
+          <p:cNvSpPr>
+            <a:spLocks noGrp="1" noRot="1" noChangeAspect="1"/>
+          </p:cNvSpPr>
+          <p:nvPr>
+            <p:ph type="sldImg"/>
+          </p:nvPr>
+        </p:nvSpPr>
+        <p:spPr>
+          <a:xfrm>
+            <a:off x="381000" y="685800"/>
+            <a:ext cx="6096000" cy="3429000"/>
+          </a:xfrm>
+        </p:spPr>
+      </p:sp>
+      <p:sp>
+        <p:nvSpPr>
+          <p:cNvPr id="3" name="Marcador de notas 2"/>
+          <p:cNvSpPr>
+            <a:spLocks noGrp="1"/>
+          </p:cNvSpPr>
+          <p:nvPr>
+            <p:ph type="body" idx="1"/>
+          </p:nvPr>
+        </p:nvSpPr>
+        <p:spPr/>
+        <p:txBody>
+          <a:bodyPr/>
+          <a:lstStyle/>
+          <a:p>
+            <a:r>
+              <a:rPr lang="es-CO" dirty="0"/>
+              <a:t>REALIZAR UN APLICATIVO WEB PARA EL CONTROL DE MANTENIMIENTO DE EWQUIPO DE COMPUTO PARA UNA EMPRESA POR MEDIO DE TICKETS </a:t>
+            </a:r>
+          </a:p>
+          <a:p>
+            <a:endParaRPr lang="es-CO" dirty="0"/>
+          </a:p>
+        </p:txBody>
+      </p:sp>
+    </p:spTree>
+    <p:extLst>
+      <p:ext uri="{BB962C8B-B14F-4D97-AF65-F5344CB8AC3E}">
+        <p14:creationId xmlns:p14="http://schemas.microsoft.com/office/powerpoint/2010/main" val="2896341490"/>
+      </p:ext>
+    </p:extLst>
+  </p:cSld>
+  <p:clrMapOvr>
+    <a:masterClrMapping/>
+  </p:clrMapOvr>
+</p:notes>
+</file>
+
+<file path=ppt/notesSlides/notesSlide3.xml><?xml version="1.0" encoding="utf-8"?>
+<p:notes xmlns:a="http://schemas.openxmlformats.org/drawingml/2006/main" xmlns:r="http://schemas.openxmlformats.org/officeDocument/2006/relationships" xmlns:p="http://schemas.openxmlformats.org/presentationml/2006/main">
+  <p:cSld>
+    <p:spTree>
+      <p:nvGrpSpPr>
+        <p:cNvPr id="1" name=""/>
+        <p:cNvGrpSpPr/>
+        <p:nvPr/>
+      </p:nvGrpSpPr>
+      <p:grpSpPr>
+        <a:xfrm>
+          <a:off x="0" y="0"/>
+          <a:ext cx="0" cy="0"/>
+          <a:chOff x="0" y="0"/>
+          <a:chExt cx="0" cy="0"/>
+        </a:xfrm>
+      </p:grpSpPr>
+      <p:sp>
+        <p:nvSpPr>
+          <p:cNvPr id="2" name="Marcador de imagen de diapositiva 1"/>
+          <p:cNvSpPr>
+            <a:spLocks noGrp="1" noRot="1" noChangeAspect="1"/>
+          </p:cNvSpPr>
+          <p:nvPr>
+            <p:ph type="sldImg"/>
+          </p:nvPr>
+        </p:nvSpPr>
+        <p:spPr>
+          <a:xfrm>
+            <a:off x="381000" y="685800"/>
+            <a:ext cx="6096000" cy="3429000"/>
+          </a:xfrm>
+        </p:spPr>
+      </p:sp>
+      <p:sp>
+        <p:nvSpPr>
+          <p:cNvPr id="3" name="Marcador de notas 2"/>
+          <p:cNvSpPr>
+            <a:spLocks noGrp="1"/>
+          </p:cNvSpPr>
+          <p:nvPr>
+            <p:ph type="body" idx="1"/>
+          </p:nvPr>
+        </p:nvSpPr>
+        <p:spPr/>
+        <p:txBody>
+          <a:bodyPr/>
+          <a:lstStyle/>
+          <a:p>
+            <a:endParaRPr lang="es-CO" dirty="0"/>
+          </a:p>
+        </p:txBody>
+      </p:sp>
+    </p:spTree>
+    <p:extLst>
+      <p:ext uri="{BB962C8B-B14F-4D97-AF65-F5344CB8AC3E}">
+        <p14:creationId xmlns:p14="http://schemas.microsoft.com/office/powerpoint/2010/main" val="2801173389"/>
+      </p:ext>
+    </p:extLst>
+  </p:cSld>
+  <p:clrMapOvr>
+    <a:masterClrMapping/>
+  </p:clrMapOvr>
+</p:notes>
+</file>
+
+<file path=ppt/notesSlides/notesSlide4.xml><?xml version="1.0" encoding="utf-8"?>
 <p:notes xmlns:a="http://schemas.openxmlformats.org/drawingml/2006/main" xmlns:r="http://schemas.openxmlformats.org/officeDocument/2006/relationships" xmlns:p="http://schemas.openxmlformats.org/presentationml/2006/main" showMasterSp="0" showMasterPhAnim="0">
   <p:cSld>
     <p:spTree>
@@ -1034,7 +1382,7 @@
 </p:notes>
 </file>
 
-<file path=ppt/notesSlides/notesSlide3.xml><?xml version="1.0" encoding="utf-8"?>
+<file path=ppt/notesSlides/notesSlide5.xml><?xml version="1.0" encoding="utf-8"?>
 <p:notes xmlns:a="http://schemas.openxmlformats.org/drawingml/2006/main" xmlns:r="http://schemas.openxmlformats.org/officeDocument/2006/relationships" xmlns:p="http://schemas.openxmlformats.org/presentationml/2006/main" showMasterSp="0" showMasterPhAnim="0">
   <p:cSld>
     <p:spTree>
@@ -1138,7 +1486,7 @@
 </p:notes>
 </file>
 
-<file path=ppt/notesSlides/notesSlide4.xml><?xml version="1.0" encoding="utf-8"?>
+<file path=ppt/notesSlides/notesSlide6.xml><?xml version="1.0" encoding="utf-8"?>
 <p:notes xmlns:a="http://schemas.openxmlformats.org/drawingml/2006/main" xmlns:r="http://schemas.openxmlformats.org/officeDocument/2006/relationships" xmlns:p="http://schemas.openxmlformats.org/presentationml/2006/main" showMasterSp="0" showMasterPhAnim="0">
   <p:cSld>
     <p:spTree>
@@ -1242,7 +1590,7 @@
 </p:notes>
 </file>
 
-<file path=ppt/notesSlides/notesSlide5.xml><?xml version="1.0" encoding="utf-8"?>
+<file path=ppt/notesSlides/notesSlide7.xml><?xml version="1.0" encoding="utf-8"?>
 <p:notes xmlns:a="http://schemas.openxmlformats.org/drawingml/2006/main" xmlns:r="http://schemas.openxmlformats.org/officeDocument/2006/relationships" xmlns:p="http://schemas.openxmlformats.org/presentationml/2006/main" showMasterSp="0" showMasterPhAnim="0">
   <p:cSld>
     <p:spTree>
@@ -1346,7 +1694,7 @@
 </p:notes>
 </file>
 
-<file path=ppt/notesSlides/notesSlide6.xml><?xml version="1.0" encoding="utf-8"?>
+<file path=ppt/notesSlides/notesSlide8.xml><?xml version="1.0" encoding="utf-8"?>
 <p:notes xmlns:a="http://schemas.openxmlformats.org/drawingml/2006/main" xmlns:r="http://schemas.openxmlformats.org/officeDocument/2006/relationships" xmlns:p="http://schemas.openxmlformats.org/presentationml/2006/main" showMasterSp="0" showMasterPhAnim="0">
   <p:cSld>
     <p:spTree>
@@ -1450,7 +1798,7 @@
 </p:notes>
 </file>
 
-<file path=ppt/notesSlides/notesSlide7.xml><?xml version="1.0" encoding="utf-8"?>
+<file path=ppt/notesSlides/notesSlide9.xml><?xml version="1.0" encoding="utf-8"?>
 <p:notes xmlns:a="http://schemas.openxmlformats.org/drawingml/2006/main" xmlns:r="http://schemas.openxmlformats.org/officeDocument/2006/relationships" xmlns:p="http://schemas.openxmlformats.org/presentationml/2006/main" showMasterSp="0" showMasterPhAnim="0">
   <p:cSld>
     <p:spTree>
@@ -1511,214 +1859,6 @@
       <p:sp>
         <p:nvSpPr>
           <p:cNvPr id="92" name="Google Shape;92;gfefd4b1171_0_40:notes"/>
-          <p:cNvSpPr txBox="1">
-            <a:spLocks noGrp="1"/>
-          </p:cNvSpPr>
-          <p:nvPr>
-            <p:ph type="body" idx="1"/>
-          </p:nvPr>
-        </p:nvSpPr>
-        <p:spPr>
-          <a:xfrm>
-            <a:off x="685800" y="4343400"/>
-            <a:ext cx="5486400" cy="4114800"/>
-          </a:xfrm>
-          <a:prstGeom prst="rect">
-            <a:avLst/>
-          </a:prstGeom>
-        </p:spPr>
-        <p:txBody>
-          <a:bodyPr spcFirstLastPara="1" wrap="square" lIns="91425" tIns="91425" rIns="91425" bIns="91425" anchor="t" anchorCtr="0">
-            <a:noAutofit/>
-          </a:bodyPr>
-          <a:lstStyle/>
-          <a:p>
-            <a:pPr marL="0" lvl="0" indent="0" algn="l" rtl="0">
-              <a:spcBef>
-                <a:spcPts val="0"/>
-              </a:spcBef>
-              <a:spcAft>
-                <a:spcPts val="0"/>
-              </a:spcAft>
-              <a:buNone/>
-            </a:pPr>
-            <a:endParaRPr/>
-          </a:p>
-        </p:txBody>
-      </p:sp>
-    </p:spTree>
-  </p:cSld>
-  <p:clrMapOvr>
-    <a:masterClrMapping/>
-  </p:clrMapOvr>
-</p:notes>
-</file>
-
-<file path=ppt/notesSlides/notesSlide8.xml><?xml version="1.0" encoding="utf-8"?>
-<p:notes xmlns:a="http://schemas.openxmlformats.org/drawingml/2006/main" xmlns:r="http://schemas.openxmlformats.org/officeDocument/2006/relationships" xmlns:p="http://schemas.openxmlformats.org/presentationml/2006/main" showMasterSp="0" showMasterPhAnim="0">
-  <p:cSld>
-    <p:spTree>
-      <p:nvGrpSpPr>
-        <p:cNvPr id="1" name="Shape 96"/>
-        <p:cNvGrpSpPr/>
-        <p:nvPr/>
-      </p:nvGrpSpPr>
-      <p:grpSpPr>
-        <a:xfrm>
-          <a:off x="0" y="0"/>
-          <a:ext cx="0" cy="0"/>
-          <a:chOff x="0" y="0"/>
-          <a:chExt cx="0" cy="0"/>
-        </a:xfrm>
-      </p:grpSpPr>
-      <p:sp>
-        <p:nvSpPr>
-          <p:cNvPr id="97" name="Google Shape;97;gfefd4b1171_0_52:notes"/>
-          <p:cNvSpPr>
-            <a:spLocks noGrp="1" noRot="1" noChangeAspect="1"/>
-          </p:cNvSpPr>
-          <p:nvPr>
-            <p:ph type="sldImg" idx="2"/>
-          </p:nvPr>
-        </p:nvSpPr>
-        <p:spPr>
-          <a:xfrm>
-            <a:off x="381000" y="685800"/>
-            <a:ext cx="6096000" cy="3429000"/>
-          </a:xfrm>
-          <a:custGeom>
-            <a:avLst/>
-            <a:gdLst/>
-            <a:ahLst/>
-            <a:cxnLst/>
-            <a:rect l="l" t="t" r="r" b="b"/>
-            <a:pathLst>
-              <a:path w="120000" h="120000" extrusionOk="0">
-                <a:moveTo>
-                  <a:pt x="0" y="0"/>
-                </a:moveTo>
-                <a:lnTo>
-                  <a:pt x="120000" y="0"/>
-                </a:lnTo>
-                <a:lnTo>
-                  <a:pt x="120000" y="120000"/>
-                </a:lnTo>
-                <a:lnTo>
-                  <a:pt x="0" y="120000"/>
-                </a:lnTo>
-                <a:close/>
-              </a:path>
-            </a:pathLst>
-          </a:custGeom>
-        </p:spPr>
-      </p:sp>
-      <p:sp>
-        <p:nvSpPr>
-          <p:cNvPr id="98" name="Google Shape;98;gfefd4b1171_0_52:notes"/>
-          <p:cNvSpPr txBox="1">
-            <a:spLocks noGrp="1"/>
-          </p:cNvSpPr>
-          <p:nvPr>
-            <p:ph type="body" idx="1"/>
-          </p:nvPr>
-        </p:nvSpPr>
-        <p:spPr>
-          <a:xfrm>
-            <a:off x="685800" y="4343400"/>
-            <a:ext cx="5486400" cy="4114800"/>
-          </a:xfrm>
-          <a:prstGeom prst="rect">
-            <a:avLst/>
-          </a:prstGeom>
-        </p:spPr>
-        <p:txBody>
-          <a:bodyPr spcFirstLastPara="1" wrap="square" lIns="91425" tIns="91425" rIns="91425" bIns="91425" anchor="t" anchorCtr="0">
-            <a:noAutofit/>
-          </a:bodyPr>
-          <a:lstStyle/>
-          <a:p>
-            <a:pPr marL="0" lvl="0" indent="0" algn="l" rtl="0">
-              <a:spcBef>
-                <a:spcPts val="0"/>
-              </a:spcBef>
-              <a:spcAft>
-                <a:spcPts val="0"/>
-              </a:spcAft>
-              <a:buNone/>
-            </a:pPr>
-            <a:endParaRPr/>
-          </a:p>
-        </p:txBody>
-      </p:sp>
-    </p:spTree>
-  </p:cSld>
-  <p:clrMapOvr>
-    <a:masterClrMapping/>
-  </p:clrMapOvr>
-</p:notes>
-</file>
-
-<file path=ppt/notesSlides/notesSlide9.xml><?xml version="1.0" encoding="utf-8"?>
-<p:notes xmlns:a="http://schemas.openxmlformats.org/drawingml/2006/main" xmlns:r="http://schemas.openxmlformats.org/officeDocument/2006/relationships" xmlns:p="http://schemas.openxmlformats.org/presentationml/2006/main" showMasterSp="0" showMasterPhAnim="0">
-  <p:cSld>
-    <p:spTree>
-      <p:nvGrpSpPr>
-        <p:cNvPr id="1" name="Shape 102"/>
-        <p:cNvGrpSpPr/>
-        <p:nvPr/>
-      </p:nvGrpSpPr>
-      <p:grpSpPr>
-        <a:xfrm>
-          <a:off x="0" y="0"/>
-          <a:ext cx="0" cy="0"/>
-          <a:chOff x="0" y="0"/>
-          <a:chExt cx="0" cy="0"/>
-        </a:xfrm>
-      </p:grpSpPr>
-      <p:sp>
-        <p:nvSpPr>
-          <p:cNvPr id="103" name="Google Shape;103;gfefd4b1171_0_46:notes"/>
-          <p:cNvSpPr>
-            <a:spLocks noGrp="1" noRot="1" noChangeAspect="1"/>
-          </p:cNvSpPr>
-          <p:nvPr>
-            <p:ph type="sldImg" idx="2"/>
-          </p:nvPr>
-        </p:nvSpPr>
-        <p:spPr>
-          <a:xfrm>
-            <a:off x="381000" y="685800"/>
-            <a:ext cx="6096000" cy="3429000"/>
-          </a:xfrm>
-          <a:custGeom>
-            <a:avLst/>
-            <a:gdLst/>
-            <a:ahLst/>
-            <a:cxnLst/>
-            <a:rect l="l" t="t" r="r" b="b"/>
-            <a:pathLst>
-              <a:path w="120000" h="120000" extrusionOk="0">
-                <a:moveTo>
-                  <a:pt x="0" y="0"/>
-                </a:moveTo>
-                <a:lnTo>
-                  <a:pt x="120000" y="0"/>
-                </a:lnTo>
-                <a:lnTo>
-                  <a:pt x="120000" y="120000"/>
-                </a:lnTo>
-                <a:lnTo>
-                  <a:pt x="0" y="120000"/>
-                </a:lnTo>
-                <a:close/>
-              </a:path>
-            </a:pathLst>
-          </a:custGeom>
-        </p:spPr>
-      </p:sp>
-      <p:sp>
-        <p:nvSpPr>
-          <p:cNvPr id="104" name="Google Shape;104;gfefd4b1171_0_46:notes"/>
           <p:cNvSpPr txBox="1">
             <a:spLocks noGrp="1"/>
           </p:cNvSpPr>
@@ -6928,6 +7068,2131 @@
   <p:cSld>
     <p:spTree>
       <p:nvGrpSpPr>
+        <p:cNvPr id="1" name="Shape 80"/>
+        <p:cNvGrpSpPr/>
+        <p:nvPr/>
+      </p:nvGrpSpPr>
+      <p:grpSpPr>
+        <a:xfrm>
+          <a:off x="0" y="0"/>
+          <a:ext cx="0" cy="0"/>
+          <a:chOff x="0" y="0"/>
+          <a:chExt cx="0" cy="0"/>
+        </a:xfrm>
+      </p:grpSpPr>
+      <p:sp>
+        <p:nvSpPr>
+          <p:cNvPr id="81" name="Google Shape;81;gfefd4b1171_0_22"/>
+          <p:cNvSpPr txBox="1"/>
+          <p:nvPr/>
+        </p:nvSpPr>
+        <p:spPr>
+          <a:xfrm>
+            <a:off x="4004350" y="35725"/>
+            <a:ext cx="4605900" cy="523200"/>
+          </a:xfrm>
+          <a:prstGeom prst="rect">
+            <a:avLst/>
+          </a:prstGeom>
+          <a:noFill/>
+          <a:ln>
+            <a:noFill/>
+          </a:ln>
+        </p:spPr>
+        <p:txBody>
+          <a:bodyPr spcFirstLastPara="1" wrap="square" lIns="91425" tIns="45700" rIns="91425" bIns="45700" anchor="t" anchorCtr="0">
+            <a:spAutoFit/>
+          </a:bodyPr>
+          <a:lstStyle/>
+          <a:p>
+            <a:pPr marL="0" marR="0" lvl="0" indent="0" algn="r" rtl="0">
+              <a:spcBef>
+                <a:spcPts val="0"/>
+              </a:spcBef>
+              <a:spcAft>
+                <a:spcPts val="0"/>
+              </a:spcAft>
+              <a:buNone/>
+            </a:pPr>
+            <a:r>
+              <a:rPr lang="es-ES" sz="2800" b="1">
+                <a:solidFill>
+                  <a:srgbClr val="3F3F3F"/>
+                </a:solidFill>
+                <a:latin typeface="Calibri"/>
+                <a:ea typeface="Calibri"/>
+                <a:cs typeface="Calibri"/>
+                <a:sym typeface="Calibri"/>
+              </a:rPr>
+              <a:t>ESTRUCTURA BASE DE DATOS</a:t>
+            </a:r>
+            <a:endParaRPr sz="2800" b="1" i="0" u="none" strike="noStrike" cap="none">
+              <a:solidFill>
+                <a:srgbClr val="3F3F3F"/>
+              </a:solidFill>
+              <a:latin typeface="Calibri"/>
+              <a:ea typeface="Calibri"/>
+              <a:cs typeface="Calibri"/>
+              <a:sym typeface="Calibri"/>
+            </a:endParaRPr>
+          </a:p>
+        </p:txBody>
+      </p:sp>
+      <p:sp>
+        <p:nvSpPr>
+          <p:cNvPr id="82" name="Google Shape;82;gfefd4b1171_0_22"/>
+          <p:cNvSpPr txBox="1"/>
+          <p:nvPr/>
+        </p:nvSpPr>
+        <p:spPr>
+          <a:xfrm>
+            <a:off x="1482392" y="558925"/>
+            <a:ext cx="6627300" cy="1416000"/>
+          </a:xfrm>
+          <a:prstGeom prst="rect">
+            <a:avLst/>
+          </a:prstGeom>
+          <a:noFill/>
+          <a:ln>
+            <a:noFill/>
+          </a:ln>
+        </p:spPr>
+        <p:txBody>
+          <a:bodyPr spcFirstLastPara="1" wrap="square" lIns="91425" tIns="91425" rIns="91425" bIns="91425" anchor="t" anchorCtr="0">
+            <a:spAutoFit/>
+          </a:bodyPr>
+          <a:lstStyle/>
+          <a:p>
+            <a:pPr marL="0" lvl="0" indent="0" algn="l" rtl="0">
+              <a:spcBef>
+                <a:spcPts val="0"/>
+              </a:spcBef>
+              <a:spcAft>
+                <a:spcPts val="0"/>
+              </a:spcAft>
+              <a:buNone/>
+            </a:pPr>
+            <a:r>
+              <a:rPr lang="es-ES" sz="1000" dirty="0">
+                <a:latin typeface="Calibri"/>
+                <a:ea typeface="Calibri"/>
+                <a:cs typeface="Calibri"/>
+                <a:sym typeface="Calibri"/>
+              </a:rPr>
+              <a:t>TABLA TICKET</a:t>
+            </a:r>
+            <a:endParaRPr sz="1000" dirty="0">
+              <a:latin typeface="Calibri"/>
+              <a:ea typeface="Calibri"/>
+              <a:cs typeface="Calibri"/>
+              <a:sym typeface="Calibri"/>
+            </a:endParaRPr>
+          </a:p>
+          <a:p>
+            <a:pPr marL="0" lvl="0" indent="0" algn="l" rtl="0">
+              <a:spcBef>
+                <a:spcPts val="0"/>
+              </a:spcBef>
+              <a:spcAft>
+                <a:spcPts val="0"/>
+              </a:spcAft>
+              <a:buNone/>
+            </a:pPr>
+            <a:endParaRPr sz="1000" dirty="0">
+              <a:latin typeface="Calibri"/>
+              <a:ea typeface="Calibri"/>
+              <a:cs typeface="Calibri"/>
+              <a:sym typeface="Calibri"/>
+            </a:endParaRPr>
+          </a:p>
+          <a:p>
+            <a:pPr marL="0" lvl="0" indent="0" algn="l" rtl="0">
+              <a:spcBef>
+                <a:spcPts val="0"/>
+              </a:spcBef>
+              <a:spcAft>
+                <a:spcPts val="0"/>
+              </a:spcAft>
+              <a:buNone/>
+            </a:pPr>
+            <a:r>
+              <a:rPr lang="es-ES" sz="1000" dirty="0">
+                <a:latin typeface="Calibri"/>
+                <a:ea typeface="Calibri"/>
+                <a:cs typeface="Calibri"/>
+                <a:sym typeface="Calibri"/>
+              </a:rPr>
+              <a:t>Almacena los ticket de los requerimientos que fueron solicitados por los clientes.</a:t>
+            </a:r>
+            <a:endParaRPr sz="1000" dirty="0">
+              <a:latin typeface="Calibri"/>
+              <a:ea typeface="Calibri"/>
+              <a:cs typeface="Calibri"/>
+              <a:sym typeface="Calibri"/>
+            </a:endParaRPr>
+          </a:p>
+          <a:p>
+            <a:pPr marL="0" lvl="0" indent="0" algn="l" rtl="0">
+              <a:spcBef>
+                <a:spcPts val="0"/>
+              </a:spcBef>
+              <a:spcAft>
+                <a:spcPts val="0"/>
+              </a:spcAft>
+              <a:buNone/>
+            </a:pPr>
+            <a:endParaRPr sz="1000" dirty="0">
+              <a:latin typeface="Calibri"/>
+              <a:ea typeface="Calibri"/>
+              <a:cs typeface="Calibri"/>
+              <a:sym typeface="Calibri"/>
+            </a:endParaRPr>
+          </a:p>
+          <a:p>
+            <a:pPr marL="0" lvl="0" indent="0" algn="l" rtl="0">
+              <a:spcBef>
+                <a:spcPts val="0"/>
+              </a:spcBef>
+              <a:spcAft>
+                <a:spcPts val="0"/>
+              </a:spcAft>
+              <a:buNone/>
+            </a:pPr>
+            <a:r>
+              <a:rPr lang="es-ES" sz="1000" dirty="0">
+                <a:latin typeface="Calibri"/>
+                <a:ea typeface="Calibri"/>
+                <a:cs typeface="Calibri"/>
+                <a:sym typeface="Calibri"/>
+              </a:rPr>
+              <a:t>ENTIDAD: Ticket</a:t>
+            </a:r>
+            <a:endParaRPr sz="1000" dirty="0">
+              <a:latin typeface="Calibri"/>
+              <a:ea typeface="Calibri"/>
+              <a:cs typeface="Calibri"/>
+              <a:sym typeface="Calibri"/>
+            </a:endParaRPr>
+          </a:p>
+          <a:p>
+            <a:pPr marL="0" lvl="0" indent="0" algn="l" rtl="0">
+              <a:spcBef>
+                <a:spcPts val="0"/>
+              </a:spcBef>
+              <a:spcAft>
+                <a:spcPts val="0"/>
+              </a:spcAft>
+              <a:buNone/>
+            </a:pPr>
+            <a:r>
+              <a:rPr lang="es-ES" sz="1000" dirty="0">
+                <a:latin typeface="Calibri"/>
+                <a:ea typeface="Calibri"/>
+                <a:cs typeface="Calibri"/>
+                <a:sym typeface="Calibri"/>
+              </a:rPr>
+              <a:t>NOMBRE TÉCNICO: TicK</a:t>
+            </a:r>
+            <a:endParaRPr sz="1000" dirty="0">
+              <a:latin typeface="Calibri"/>
+              <a:ea typeface="Calibri"/>
+              <a:cs typeface="Calibri"/>
+              <a:sym typeface="Calibri"/>
+            </a:endParaRPr>
+          </a:p>
+          <a:p>
+            <a:pPr marL="0" lvl="0" indent="0" algn="l" rtl="0">
+              <a:spcBef>
+                <a:spcPts val="0"/>
+              </a:spcBef>
+              <a:spcAft>
+                <a:spcPts val="0"/>
+              </a:spcAft>
+              <a:buNone/>
+            </a:pPr>
+            <a:r>
+              <a:rPr lang="es-ES" sz="1000" dirty="0">
+                <a:latin typeface="Calibri"/>
+                <a:ea typeface="Calibri"/>
+                <a:cs typeface="Calibri"/>
+                <a:sym typeface="Calibri"/>
+              </a:rPr>
+              <a:t>DESCRIPCIÓN: Datos tickets</a:t>
+            </a:r>
+            <a:endParaRPr sz="1000" dirty="0">
+              <a:latin typeface="Calibri"/>
+              <a:ea typeface="Calibri"/>
+              <a:cs typeface="Calibri"/>
+              <a:sym typeface="Calibri"/>
+            </a:endParaRPr>
+          </a:p>
+          <a:p>
+            <a:pPr marL="0" lvl="0" indent="0" algn="l" rtl="0">
+              <a:spcBef>
+                <a:spcPts val="0"/>
+              </a:spcBef>
+              <a:spcAft>
+                <a:spcPts val="0"/>
+              </a:spcAft>
+              <a:buNone/>
+            </a:pPr>
+            <a:endParaRPr sz="1000" dirty="0">
+              <a:latin typeface="Calibri"/>
+              <a:ea typeface="Calibri"/>
+              <a:cs typeface="Calibri"/>
+              <a:sym typeface="Calibri"/>
+            </a:endParaRPr>
+          </a:p>
+        </p:txBody>
+      </p:sp>
+      <p:graphicFrame>
+        <p:nvGraphicFramePr>
+          <p:cNvPr id="83" name="Google Shape;83;gfefd4b1171_0_22"/>
+          <p:cNvGraphicFramePr/>
+          <p:nvPr>
+            <p:extLst>
+              <p:ext uri="{D42A27DB-BD31-4B8C-83A1-F6EECF244321}">
+                <p14:modId xmlns:p14="http://schemas.microsoft.com/office/powerpoint/2010/main" val="3247278346"/>
+              </p:ext>
+            </p:extLst>
+          </p:nvPr>
+        </p:nvGraphicFramePr>
+        <p:xfrm>
+          <a:off x="870692" y="1974925"/>
+          <a:ext cx="7239000" cy="2087760"/>
+        </p:xfrm>
+        <a:graphic>
+          <a:graphicData uri="http://schemas.openxmlformats.org/drawingml/2006/table">
+            <a:tbl>
+              <a:tblPr>
+                <a:tableStyleId>{710129CB-633A-4B35-92EB-04DC812985FB}</a:tableStyleId>
+              </a:tblPr>
+              <a:tblGrid>
+                <a:gridCol w="1447800">
+                  <a:extLst>
+                    <a:ext uri="{9D8B030D-6E8A-4147-A177-3AD203B41FA5}">
+                      <a16:colId xmlns:a16="http://schemas.microsoft.com/office/drawing/2014/main" val="20000"/>
+                    </a:ext>
+                  </a:extLst>
+                </a:gridCol>
+                <a:gridCol w="1447800">
+                  <a:extLst>
+                    <a:ext uri="{9D8B030D-6E8A-4147-A177-3AD203B41FA5}">
+                      <a16:colId xmlns:a16="http://schemas.microsoft.com/office/drawing/2014/main" val="20001"/>
+                    </a:ext>
+                  </a:extLst>
+                </a:gridCol>
+                <a:gridCol w="1447800">
+                  <a:extLst>
+                    <a:ext uri="{9D8B030D-6E8A-4147-A177-3AD203B41FA5}">
+                      <a16:colId xmlns:a16="http://schemas.microsoft.com/office/drawing/2014/main" val="20002"/>
+                    </a:ext>
+                  </a:extLst>
+                </a:gridCol>
+                <a:gridCol w="1447800">
+                  <a:extLst>
+                    <a:ext uri="{9D8B030D-6E8A-4147-A177-3AD203B41FA5}">
+                      <a16:colId xmlns:a16="http://schemas.microsoft.com/office/drawing/2014/main" val="20003"/>
+                    </a:ext>
+                  </a:extLst>
+                </a:gridCol>
+                <a:gridCol w="1447800">
+                  <a:extLst>
+                    <a:ext uri="{9D8B030D-6E8A-4147-A177-3AD203B41FA5}">
+                      <a16:colId xmlns:a16="http://schemas.microsoft.com/office/drawing/2014/main" val="20004"/>
+                    </a:ext>
+                  </a:extLst>
+                </a:gridCol>
+              </a:tblGrid>
+              <a:tr h="381000">
+                <a:tc>
+                  <a:txBody>
+                    <a:bodyPr/>
+                    <a:lstStyle/>
+                    <a:p>
+                      <a:pPr marL="0" lvl="0" indent="0" algn="l" rtl="0">
+                        <a:spcBef>
+                          <a:spcPts val="0"/>
+                        </a:spcBef>
+                        <a:spcAft>
+                          <a:spcPts val="0"/>
+                        </a:spcAft>
+                        <a:buNone/>
+                      </a:pPr>
+                      <a:r>
+                        <a:rPr lang="es-ES" sz="800" dirty="0">
+                          <a:solidFill>
+                            <a:schemeClr val="tx1"/>
+                          </a:solidFill>
+                        </a:rPr>
+                        <a:t>NEMÓNICO</a:t>
+                      </a:r>
+                      <a:endParaRPr sz="800" dirty="0">
+                        <a:solidFill>
+                          <a:schemeClr val="tx1"/>
+                        </a:solidFill>
+                        <a:latin typeface="Calibri" panose="020F0502020204030204" pitchFamily="34" charset="0"/>
+                        <a:cs typeface="Calibri" panose="020F0502020204030204" pitchFamily="34" charset="0"/>
+                      </a:endParaRPr>
+                    </a:p>
+                  </a:txBody>
+                  <a:tcPr marL="91425" marR="91425" marT="91425" marB="91425">
+                    <a:lnL w="12700" cap="flat" cmpd="sng" algn="ctr">
+                      <a:solidFill>
+                        <a:schemeClr val="tx1"/>
+                      </a:solidFill>
+                      <a:prstDash val="solid"/>
+                      <a:round/>
+                      <a:headEnd type="none" w="med" len="med"/>
+                      <a:tailEnd type="none" w="med" len="med"/>
+                    </a:lnL>
+                    <a:lnR w="12700" cap="flat" cmpd="sng" algn="ctr">
+                      <a:solidFill>
+                        <a:schemeClr val="tx1"/>
+                      </a:solidFill>
+                      <a:prstDash val="solid"/>
+                      <a:round/>
+                      <a:headEnd type="none" w="med" len="med"/>
+                      <a:tailEnd type="none" w="med" len="med"/>
+                    </a:lnR>
+                    <a:lnT w="12700" cap="flat" cmpd="sng" algn="ctr">
+                      <a:solidFill>
+                        <a:schemeClr val="tx1"/>
+                      </a:solidFill>
+                      <a:prstDash val="solid"/>
+                      <a:round/>
+                      <a:headEnd type="none" w="med" len="med"/>
+                      <a:tailEnd type="none" w="med" len="med"/>
+                    </a:lnT>
+                    <a:lnB w="12700" cap="flat" cmpd="sng" algn="ctr">
+                      <a:solidFill>
+                        <a:schemeClr val="tx1"/>
+                      </a:solidFill>
+                      <a:prstDash val="solid"/>
+                      <a:round/>
+                      <a:headEnd type="none" w="med" len="med"/>
+                      <a:tailEnd type="none" w="med" len="med"/>
+                    </a:lnB>
+                    <a:solidFill>
+                      <a:schemeClr val="accent6"/>
+                    </a:solidFill>
+                  </a:tcPr>
+                </a:tc>
+                <a:tc>
+                  <a:txBody>
+                    <a:bodyPr/>
+                    <a:lstStyle/>
+                    <a:p>
+                      <a:pPr marL="0" lvl="0" indent="0" algn="l" rtl="0">
+                        <a:spcBef>
+                          <a:spcPts val="0"/>
+                        </a:spcBef>
+                        <a:spcAft>
+                          <a:spcPts val="0"/>
+                        </a:spcAft>
+                        <a:buNone/>
+                      </a:pPr>
+                      <a:r>
+                        <a:rPr lang="es-ES" sz="800" dirty="0">
+                          <a:solidFill>
+                            <a:schemeClr val="tx1"/>
+                          </a:solidFill>
+                        </a:rPr>
+                        <a:t>TIPO_LLAVE</a:t>
+                      </a:r>
+                      <a:endParaRPr sz="800" dirty="0">
+                        <a:solidFill>
+                          <a:schemeClr val="tx1"/>
+                        </a:solidFill>
+                        <a:latin typeface="Calibri" panose="020F0502020204030204" pitchFamily="34" charset="0"/>
+                        <a:cs typeface="Calibri" panose="020F0502020204030204" pitchFamily="34" charset="0"/>
+                      </a:endParaRPr>
+                    </a:p>
+                  </a:txBody>
+                  <a:tcPr marL="91425" marR="91425" marT="91425" marB="91425">
+                    <a:lnL w="12700" cap="flat" cmpd="sng" algn="ctr">
+                      <a:solidFill>
+                        <a:schemeClr val="tx1"/>
+                      </a:solidFill>
+                      <a:prstDash val="solid"/>
+                      <a:round/>
+                      <a:headEnd type="none" w="med" len="med"/>
+                      <a:tailEnd type="none" w="med" len="med"/>
+                    </a:lnL>
+                    <a:lnR w="12700" cap="flat" cmpd="sng" algn="ctr">
+                      <a:solidFill>
+                        <a:schemeClr val="tx1"/>
+                      </a:solidFill>
+                      <a:prstDash val="solid"/>
+                      <a:round/>
+                      <a:headEnd type="none" w="med" len="med"/>
+                      <a:tailEnd type="none" w="med" len="med"/>
+                    </a:lnR>
+                    <a:lnT w="12700" cap="flat" cmpd="sng" algn="ctr">
+                      <a:solidFill>
+                        <a:schemeClr val="tx1"/>
+                      </a:solidFill>
+                      <a:prstDash val="solid"/>
+                      <a:round/>
+                      <a:headEnd type="none" w="med" len="med"/>
+                      <a:tailEnd type="none" w="med" len="med"/>
+                    </a:lnT>
+                    <a:lnB w="12700" cap="flat" cmpd="sng" algn="ctr">
+                      <a:solidFill>
+                        <a:schemeClr val="tx1"/>
+                      </a:solidFill>
+                      <a:prstDash val="solid"/>
+                      <a:round/>
+                      <a:headEnd type="none" w="med" len="med"/>
+                      <a:tailEnd type="none" w="med" len="med"/>
+                    </a:lnB>
+                    <a:solidFill>
+                      <a:schemeClr val="accent6"/>
+                    </a:solidFill>
+                  </a:tcPr>
+                </a:tc>
+                <a:tc>
+                  <a:txBody>
+                    <a:bodyPr/>
+                    <a:lstStyle/>
+                    <a:p>
+                      <a:pPr marL="0" lvl="0" indent="0" algn="l" rtl="0">
+                        <a:spcBef>
+                          <a:spcPts val="0"/>
+                        </a:spcBef>
+                        <a:spcAft>
+                          <a:spcPts val="0"/>
+                        </a:spcAft>
+                        <a:buNone/>
+                      </a:pPr>
+                      <a:r>
+                        <a:rPr lang="es-ES" sz="800" dirty="0">
+                          <a:solidFill>
+                            <a:schemeClr val="tx1"/>
+                          </a:solidFill>
+                        </a:rPr>
+                        <a:t>TIPO_DATO</a:t>
+                      </a:r>
+                      <a:endParaRPr sz="800" dirty="0">
+                        <a:solidFill>
+                          <a:schemeClr val="tx1"/>
+                        </a:solidFill>
+                        <a:latin typeface="Calibri" panose="020F0502020204030204" pitchFamily="34" charset="0"/>
+                        <a:cs typeface="Calibri" panose="020F0502020204030204" pitchFamily="34" charset="0"/>
+                      </a:endParaRPr>
+                    </a:p>
+                  </a:txBody>
+                  <a:tcPr marL="91425" marR="91425" marT="91425" marB="91425">
+                    <a:lnL w="12700" cap="flat" cmpd="sng" algn="ctr">
+                      <a:solidFill>
+                        <a:schemeClr val="tx1"/>
+                      </a:solidFill>
+                      <a:prstDash val="solid"/>
+                      <a:round/>
+                      <a:headEnd type="none" w="med" len="med"/>
+                      <a:tailEnd type="none" w="med" len="med"/>
+                    </a:lnL>
+                    <a:lnR w="12700" cap="flat" cmpd="sng" algn="ctr">
+                      <a:solidFill>
+                        <a:schemeClr val="tx1"/>
+                      </a:solidFill>
+                      <a:prstDash val="solid"/>
+                      <a:round/>
+                      <a:headEnd type="none" w="med" len="med"/>
+                      <a:tailEnd type="none" w="med" len="med"/>
+                    </a:lnR>
+                    <a:lnT w="12700" cap="flat" cmpd="sng" algn="ctr">
+                      <a:solidFill>
+                        <a:schemeClr val="tx1"/>
+                      </a:solidFill>
+                      <a:prstDash val="solid"/>
+                      <a:round/>
+                      <a:headEnd type="none" w="med" len="med"/>
+                      <a:tailEnd type="none" w="med" len="med"/>
+                    </a:lnT>
+                    <a:lnB w="12700" cap="flat" cmpd="sng" algn="ctr">
+                      <a:solidFill>
+                        <a:schemeClr val="tx1"/>
+                      </a:solidFill>
+                      <a:prstDash val="solid"/>
+                      <a:round/>
+                      <a:headEnd type="none" w="med" len="med"/>
+                      <a:tailEnd type="none" w="med" len="med"/>
+                    </a:lnB>
+                    <a:solidFill>
+                      <a:schemeClr val="accent6"/>
+                    </a:solidFill>
+                  </a:tcPr>
+                </a:tc>
+                <a:tc>
+                  <a:txBody>
+                    <a:bodyPr/>
+                    <a:lstStyle/>
+                    <a:p>
+                      <a:pPr marL="0" lvl="0" indent="0" algn="l" rtl="0">
+                        <a:spcBef>
+                          <a:spcPts val="0"/>
+                        </a:spcBef>
+                        <a:spcAft>
+                          <a:spcPts val="0"/>
+                        </a:spcAft>
+                        <a:buNone/>
+                      </a:pPr>
+                      <a:r>
+                        <a:rPr lang="es-ES" sz="800" dirty="0">
+                          <a:solidFill>
+                            <a:schemeClr val="tx1"/>
+                          </a:solidFill>
+                        </a:rPr>
+                        <a:t>LONGITUD</a:t>
+                      </a:r>
+                      <a:endParaRPr sz="800" dirty="0">
+                        <a:solidFill>
+                          <a:schemeClr val="tx1"/>
+                        </a:solidFill>
+                        <a:latin typeface="Calibri" panose="020F0502020204030204" pitchFamily="34" charset="0"/>
+                        <a:cs typeface="Calibri" panose="020F0502020204030204" pitchFamily="34" charset="0"/>
+                      </a:endParaRPr>
+                    </a:p>
+                  </a:txBody>
+                  <a:tcPr marL="91425" marR="91425" marT="91425" marB="91425">
+                    <a:lnL w="12700" cap="flat" cmpd="sng" algn="ctr">
+                      <a:solidFill>
+                        <a:schemeClr val="tx1"/>
+                      </a:solidFill>
+                      <a:prstDash val="solid"/>
+                      <a:round/>
+                      <a:headEnd type="none" w="med" len="med"/>
+                      <a:tailEnd type="none" w="med" len="med"/>
+                    </a:lnL>
+                    <a:lnR w="12700" cap="flat" cmpd="sng" algn="ctr">
+                      <a:solidFill>
+                        <a:schemeClr val="tx1"/>
+                      </a:solidFill>
+                      <a:prstDash val="solid"/>
+                      <a:round/>
+                      <a:headEnd type="none" w="med" len="med"/>
+                      <a:tailEnd type="none" w="med" len="med"/>
+                    </a:lnR>
+                    <a:lnT w="12700" cap="flat" cmpd="sng" algn="ctr">
+                      <a:solidFill>
+                        <a:schemeClr val="tx1"/>
+                      </a:solidFill>
+                      <a:prstDash val="solid"/>
+                      <a:round/>
+                      <a:headEnd type="none" w="med" len="med"/>
+                      <a:tailEnd type="none" w="med" len="med"/>
+                    </a:lnT>
+                    <a:lnB w="12700" cap="flat" cmpd="sng" algn="ctr">
+                      <a:solidFill>
+                        <a:schemeClr val="tx1"/>
+                      </a:solidFill>
+                      <a:prstDash val="solid"/>
+                      <a:round/>
+                      <a:headEnd type="none" w="med" len="med"/>
+                      <a:tailEnd type="none" w="med" len="med"/>
+                    </a:lnB>
+                    <a:solidFill>
+                      <a:schemeClr val="accent6"/>
+                    </a:solidFill>
+                  </a:tcPr>
+                </a:tc>
+                <a:tc>
+                  <a:txBody>
+                    <a:bodyPr/>
+                    <a:lstStyle/>
+                    <a:p>
+                      <a:pPr marL="0" lvl="0" indent="0" algn="l" rtl="0">
+                        <a:spcBef>
+                          <a:spcPts val="0"/>
+                        </a:spcBef>
+                        <a:spcAft>
+                          <a:spcPts val="0"/>
+                        </a:spcAft>
+                        <a:buNone/>
+                      </a:pPr>
+                      <a:r>
+                        <a:rPr lang="es-ES" sz="800" dirty="0">
+                          <a:solidFill>
+                            <a:schemeClr val="tx1"/>
+                          </a:solidFill>
+                        </a:rPr>
+                        <a:t>DESCRIPCIÓN</a:t>
+                      </a:r>
+                      <a:endParaRPr sz="800" dirty="0">
+                        <a:solidFill>
+                          <a:schemeClr val="tx1"/>
+                        </a:solidFill>
+                        <a:latin typeface="Calibri" panose="020F0502020204030204" pitchFamily="34" charset="0"/>
+                        <a:cs typeface="Calibri" panose="020F0502020204030204" pitchFamily="34" charset="0"/>
+                      </a:endParaRPr>
+                    </a:p>
+                  </a:txBody>
+                  <a:tcPr marL="91425" marR="91425" marT="91425" marB="91425">
+                    <a:lnL w="12700" cap="flat" cmpd="sng" algn="ctr">
+                      <a:solidFill>
+                        <a:schemeClr val="tx1"/>
+                      </a:solidFill>
+                      <a:prstDash val="solid"/>
+                      <a:round/>
+                      <a:headEnd type="none" w="med" len="med"/>
+                      <a:tailEnd type="none" w="med" len="med"/>
+                    </a:lnL>
+                    <a:lnR w="12700" cap="flat" cmpd="sng" algn="ctr">
+                      <a:solidFill>
+                        <a:schemeClr val="tx1"/>
+                      </a:solidFill>
+                      <a:prstDash val="solid"/>
+                      <a:round/>
+                      <a:headEnd type="none" w="med" len="med"/>
+                      <a:tailEnd type="none" w="med" len="med"/>
+                    </a:lnR>
+                    <a:lnT w="12700" cap="flat" cmpd="sng" algn="ctr">
+                      <a:solidFill>
+                        <a:schemeClr val="tx1"/>
+                      </a:solidFill>
+                      <a:prstDash val="solid"/>
+                      <a:round/>
+                      <a:headEnd type="none" w="med" len="med"/>
+                      <a:tailEnd type="none" w="med" len="med"/>
+                    </a:lnT>
+                    <a:lnB w="12700" cap="flat" cmpd="sng" algn="ctr">
+                      <a:solidFill>
+                        <a:schemeClr val="tx1"/>
+                      </a:solidFill>
+                      <a:prstDash val="solid"/>
+                      <a:round/>
+                      <a:headEnd type="none" w="med" len="med"/>
+                      <a:tailEnd type="none" w="med" len="med"/>
+                    </a:lnB>
+                    <a:solidFill>
+                      <a:schemeClr val="accent6"/>
+                    </a:solidFill>
+                  </a:tcPr>
+                </a:tc>
+                <a:extLst>
+                  <a:ext uri="{0D108BD9-81ED-4DB2-BD59-A6C34878D82A}">
+                    <a16:rowId xmlns:a16="http://schemas.microsoft.com/office/drawing/2014/main" val="10000"/>
+                  </a:ext>
+                </a:extLst>
+              </a:tr>
+              <a:tr h="381000">
+                <a:tc>
+                  <a:txBody>
+                    <a:bodyPr/>
+                    <a:lstStyle/>
+                    <a:p>
+                      <a:pPr marL="0" lvl="0" indent="0" algn="l" rtl="0">
+                        <a:spcBef>
+                          <a:spcPts val="0"/>
+                        </a:spcBef>
+                        <a:spcAft>
+                          <a:spcPts val="0"/>
+                        </a:spcAft>
+                        <a:buNone/>
+                      </a:pPr>
+                      <a:r>
+                        <a:rPr lang="es-ES" sz="800" dirty="0"/>
+                        <a:t>IDTICKET</a:t>
+                      </a:r>
+                      <a:endParaRPr sz="800" dirty="0">
+                        <a:latin typeface="Calibri" panose="020F0502020204030204" pitchFamily="34" charset="0"/>
+                        <a:cs typeface="Calibri" panose="020F0502020204030204" pitchFamily="34" charset="0"/>
+                      </a:endParaRPr>
+                    </a:p>
+                  </a:txBody>
+                  <a:tcPr marL="91425" marR="91425" marT="91425" marB="91425">
+                    <a:lnL w="12700" cap="flat" cmpd="sng" algn="ctr">
+                      <a:solidFill>
+                        <a:schemeClr val="tx1"/>
+                      </a:solidFill>
+                      <a:prstDash val="solid"/>
+                      <a:round/>
+                      <a:headEnd type="none" w="med" len="med"/>
+                      <a:tailEnd type="none" w="med" len="med"/>
+                    </a:lnL>
+                    <a:lnR w="12700" cap="flat" cmpd="sng" algn="ctr">
+                      <a:solidFill>
+                        <a:schemeClr val="tx1"/>
+                      </a:solidFill>
+                      <a:prstDash val="solid"/>
+                      <a:round/>
+                      <a:headEnd type="none" w="med" len="med"/>
+                      <a:tailEnd type="none" w="med" len="med"/>
+                    </a:lnR>
+                    <a:lnT w="12700" cap="flat" cmpd="sng" algn="ctr">
+                      <a:solidFill>
+                        <a:schemeClr val="tx1"/>
+                      </a:solidFill>
+                      <a:prstDash val="solid"/>
+                      <a:round/>
+                      <a:headEnd type="none" w="med" len="med"/>
+                      <a:tailEnd type="none" w="med" len="med"/>
+                    </a:lnT>
+                    <a:lnB w="12700" cap="flat" cmpd="sng" algn="ctr">
+                      <a:solidFill>
+                        <a:schemeClr val="tx1"/>
+                      </a:solidFill>
+                      <a:prstDash val="solid"/>
+                      <a:round/>
+                      <a:headEnd type="none" w="med" len="med"/>
+                      <a:tailEnd type="none" w="med" len="med"/>
+                    </a:lnB>
+                    <a:solidFill>
+                      <a:schemeClr val="accent6">
+                        <a:lumMod val="60000"/>
+                        <a:lumOff val="40000"/>
+                      </a:schemeClr>
+                    </a:solidFill>
+                  </a:tcPr>
+                </a:tc>
+                <a:tc>
+                  <a:txBody>
+                    <a:bodyPr/>
+                    <a:lstStyle/>
+                    <a:p>
+                      <a:pPr marL="0" lvl="0" indent="0" algn="l" rtl="0">
+                        <a:spcBef>
+                          <a:spcPts val="0"/>
+                        </a:spcBef>
+                        <a:spcAft>
+                          <a:spcPts val="0"/>
+                        </a:spcAft>
+                        <a:buNone/>
+                      </a:pPr>
+                      <a:r>
+                        <a:rPr lang="es-ES" sz="800" dirty="0"/>
+                        <a:t>PRIMARIA</a:t>
+                      </a:r>
+                      <a:endParaRPr sz="800" dirty="0">
+                        <a:latin typeface="Calibri" panose="020F0502020204030204" pitchFamily="34" charset="0"/>
+                        <a:cs typeface="Calibri" panose="020F0502020204030204" pitchFamily="34" charset="0"/>
+                      </a:endParaRPr>
+                    </a:p>
+                  </a:txBody>
+                  <a:tcPr marL="91425" marR="91425" marT="91425" marB="91425">
+                    <a:lnL w="12700" cap="flat" cmpd="sng" algn="ctr">
+                      <a:solidFill>
+                        <a:schemeClr val="tx1"/>
+                      </a:solidFill>
+                      <a:prstDash val="solid"/>
+                      <a:round/>
+                      <a:headEnd type="none" w="med" len="med"/>
+                      <a:tailEnd type="none" w="med" len="med"/>
+                    </a:lnL>
+                    <a:lnR w="12700" cap="flat" cmpd="sng" algn="ctr">
+                      <a:solidFill>
+                        <a:schemeClr val="tx1"/>
+                      </a:solidFill>
+                      <a:prstDash val="solid"/>
+                      <a:round/>
+                      <a:headEnd type="none" w="med" len="med"/>
+                      <a:tailEnd type="none" w="med" len="med"/>
+                    </a:lnR>
+                    <a:lnT w="12700" cap="flat" cmpd="sng" algn="ctr">
+                      <a:solidFill>
+                        <a:schemeClr val="tx1"/>
+                      </a:solidFill>
+                      <a:prstDash val="solid"/>
+                      <a:round/>
+                      <a:headEnd type="none" w="med" len="med"/>
+                      <a:tailEnd type="none" w="med" len="med"/>
+                    </a:lnT>
+                    <a:lnB w="12700" cap="flat" cmpd="sng" algn="ctr">
+                      <a:solidFill>
+                        <a:schemeClr val="tx1"/>
+                      </a:solidFill>
+                      <a:prstDash val="solid"/>
+                      <a:round/>
+                      <a:headEnd type="none" w="med" len="med"/>
+                      <a:tailEnd type="none" w="med" len="med"/>
+                    </a:lnB>
+                    <a:solidFill>
+                      <a:schemeClr val="accent6">
+                        <a:lumMod val="60000"/>
+                        <a:lumOff val="40000"/>
+                      </a:schemeClr>
+                    </a:solidFill>
+                  </a:tcPr>
+                </a:tc>
+                <a:tc>
+                  <a:txBody>
+                    <a:bodyPr/>
+                    <a:lstStyle/>
+                    <a:p>
+                      <a:pPr marL="0" lvl="0" indent="0" algn="l" rtl="0">
+                        <a:spcBef>
+                          <a:spcPts val="0"/>
+                        </a:spcBef>
+                        <a:spcAft>
+                          <a:spcPts val="0"/>
+                        </a:spcAft>
+                        <a:buNone/>
+                      </a:pPr>
+                      <a:r>
+                        <a:rPr lang="es-ES" sz="800" dirty="0"/>
+                        <a:t>INT</a:t>
+                      </a:r>
+                      <a:endParaRPr sz="800" dirty="0">
+                        <a:latin typeface="Calibri" panose="020F0502020204030204" pitchFamily="34" charset="0"/>
+                        <a:cs typeface="Calibri" panose="020F0502020204030204" pitchFamily="34" charset="0"/>
+                      </a:endParaRPr>
+                    </a:p>
+                  </a:txBody>
+                  <a:tcPr marL="91425" marR="91425" marT="91425" marB="91425">
+                    <a:lnL w="12700" cap="flat" cmpd="sng" algn="ctr">
+                      <a:solidFill>
+                        <a:schemeClr val="tx1"/>
+                      </a:solidFill>
+                      <a:prstDash val="solid"/>
+                      <a:round/>
+                      <a:headEnd type="none" w="med" len="med"/>
+                      <a:tailEnd type="none" w="med" len="med"/>
+                    </a:lnL>
+                    <a:lnR w="12700" cap="flat" cmpd="sng" algn="ctr">
+                      <a:solidFill>
+                        <a:schemeClr val="tx1"/>
+                      </a:solidFill>
+                      <a:prstDash val="solid"/>
+                      <a:round/>
+                      <a:headEnd type="none" w="med" len="med"/>
+                      <a:tailEnd type="none" w="med" len="med"/>
+                    </a:lnR>
+                    <a:lnT w="12700" cap="flat" cmpd="sng" algn="ctr">
+                      <a:solidFill>
+                        <a:schemeClr val="tx1"/>
+                      </a:solidFill>
+                      <a:prstDash val="solid"/>
+                      <a:round/>
+                      <a:headEnd type="none" w="med" len="med"/>
+                      <a:tailEnd type="none" w="med" len="med"/>
+                    </a:lnT>
+                    <a:lnB w="12700" cap="flat" cmpd="sng" algn="ctr">
+                      <a:solidFill>
+                        <a:schemeClr val="tx1"/>
+                      </a:solidFill>
+                      <a:prstDash val="solid"/>
+                      <a:round/>
+                      <a:headEnd type="none" w="med" len="med"/>
+                      <a:tailEnd type="none" w="med" len="med"/>
+                    </a:lnB>
+                    <a:solidFill>
+                      <a:schemeClr val="accent6">
+                        <a:lumMod val="60000"/>
+                        <a:lumOff val="40000"/>
+                      </a:schemeClr>
+                    </a:solidFill>
+                  </a:tcPr>
+                </a:tc>
+                <a:tc>
+                  <a:txBody>
+                    <a:bodyPr/>
+                    <a:lstStyle/>
+                    <a:p>
+                      <a:pPr marL="0" lvl="0" indent="0" algn="l" rtl="0">
+                        <a:spcBef>
+                          <a:spcPts val="0"/>
+                        </a:spcBef>
+                        <a:spcAft>
+                          <a:spcPts val="0"/>
+                        </a:spcAft>
+                        <a:buNone/>
+                      </a:pPr>
+                      <a:r>
+                        <a:rPr lang="es-ES" sz="800"/>
+                        <a:t>10</a:t>
+                      </a:r>
+                      <a:endParaRPr sz="800">
+                        <a:latin typeface="Calibri" panose="020F0502020204030204" pitchFamily="34" charset="0"/>
+                        <a:cs typeface="Calibri" panose="020F0502020204030204" pitchFamily="34" charset="0"/>
+                      </a:endParaRPr>
+                    </a:p>
+                  </a:txBody>
+                  <a:tcPr marL="91425" marR="91425" marT="91425" marB="91425">
+                    <a:lnL w="12700" cap="flat" cmpd="sng" algn="ctr">
+                      <a:solidFill>
+                        <a:schemeClr val="tx1"/>
+                      </a:solidFill>
+                      <a:prstDash val="solid"/>
+                      <a:round/>
+                      <a:headEnd type="none" w="med" len="med"/>
+                      <a:tailEnd type="none" w="med" len="med"/>
+                    </a:lnL>
+                    <a:lnR w="12700" cap="flat" cmpd="sng" algn="ctr">
+                      <a:solidFill>
+                        <a:schemeClr val="tx1"/>
+                      </a:solidFill>
+                      <a:prstDash val="solid"/>
+                      <a:round/>
+                      <a:headEnd type="none" w="med" len="med"/>
+                      <a:tailEnd type="none" w="med" len="med"/>
+                    </a:lnR>
+                    <a:lnT w="12700" cap="flat" cmpd="sng" algn="ctr">
+                      <a:solidFill>
+                        <a:schemeClr val="tx1"/>
+                      </a:solidFill>
+                      <a:prstDash val="solid"/>
+                      <a:round/>
+                      <a:headEnd type="none" w="med" len="med"/>
+                      <a:tailEnd type="none" w="med" len="med"/>
+                    </a:lnT>
+                    <a:lnB w="12700" cap="flat" cmpd="sng" algn="ctr">
+                      <a:solidFill>
+                        <a:schemeClr val="tx1"/>
+                      </a:solidFill>
+                      <a:prstDash val="solid"/>
+                      <a:round/>
+                      <a:headEnd type="none" w="med" len="med"/>
+                      <a:tailEnd type="none" w="med" len="med"/>
+                    </a:lnB>
+                    <a:solidFill>
+                      <a:schemeClr val="accent6">
+                        <a:lumMod val="60000"/>
+                        <a:lumOff val="40000"/>
+                      </a:schemeClr>
+                    </a:solidFill>
+                  </a:tcPr>
+                </a:tc>
+                <a:tc>
+                  <a:txBody>
+                    <a:bodyPr/>
+                    <a:lstStyle/>
+                    <a:p>
+                      <a:pPr marL="0" lvl="0" indent="0" algn="l" rtl="0">
+                        <a:spcBef>
+                          <a:spcPts val="0"/>
+                        </a:spcBef>
+                        <a:spcAft>
+                          <a:spcPts val="0"/>
+                        </a:spcAft>
+                        <a:buNone/>
+                      </a:pPr>
+                      <a:r>
+                        <a:rPr lang="es-ES" sz="800"/>
+                        <a:t>Número de identificación del ticket</a:t>
+                      </a:r>
+                      <a:endParaRPr sz="800">
+                        <a:latin typeface="Calibri" panose="020F0502020204030204" pitchFamily="34" charset="0"/>
+                        <a:cs typeface="Calibri" panose="020F0502020204030204" pitchFamily="34" charset="0"/>
+                      </a:endParaRPr>
+                    </a:p>
+                  </a:txBody>
+                  <a:tcPr marL="91425" marR="91425" marT="91425" marB="91425">
+                    <a:lnL w="12700" cap="flat" cmpd="sng" algn="ctr">
+                      <a:solidFill>
+                        <a:schemeClr val="tx1"/>
+                      </a:solidFill>
+                      <a:prstDash val="solid"/>
+                      <a:round/>
+                      <a:headEnd type="none" w="med" len="med"/>
+                      <a:tailEnd type="none" w="med" len="med"/>
+                    </a:lnL>
+                    <a:lnR w="12700" cap="flat" cmpd="sng" algn="ctr">
+                      <a:solidFill>
+                        <a:schemeClr val="tx1"/>
+                      </a:solidFill>
+                      <a:prstDash val="solid"/>
+                      <a:round/>
+                      <a:headEnd type="none" w="med" len="med"/>
+                      <a:tailEnd type="none" w="med" len="med"/>
+                    </a:lnR>
+                    <a:lnT w="12700" cap="flat" cmpd="sng" algn="ctr">
+                      <a:solidFill>
+                        <a:schemeClr val="tx1"/>
+                      </a:solidFill>
+                      <a:prstDash val="solid"/>
+                      <a:round/>
+                      <a:headEnd type="none" w="med" len="med"/>
+                      <a:tailEnd type="none" w="med" len="med"/>
+                    </a:lnT>
+                    <a:lnB w="12700" cap="flat" cmpd="sng" algn="ctr">
+                      <a:solidFill>
+                        <a:schemeClr val="tx1"/>
+                      </a:solidFill>
+                      <a:prstDash val="solid"/>
+                      <a:round/>
+                      <a:headEnd type="none" w="med" len="med"/>
+                      <a:tailEnd type="none" w="med" len="med"/>
+                    </a:lnB>
+                    <a:solidFill>
+                      <a:schemeClr val="accent6">
+                        <a:lumMod val="60000"/>
+                        <a:lumOff val="40000"/>
+                      </a:schemeClr>
+                    </a:solidFill>
+                  </a:tcPr>
+                </a:tc>
+                <a:extLst>
+                  <a:ext uri="{0D108BD9-81ED-4DB2-BD59-A6C34878D82A}">
+                    <a16:rowId xmlns:a16="http://schemas.microsoft.com/office/drawing/2014/main" val="10001"/>
+                  </a:ext>
+                </a:extLst>
+              </a:tr>
+              <a:tr h="381000">
+                <a:tc>
+                  <a:txBody>
+                    <a:bodyPr/>
+                    <a:lstStyle/>
+                    <a:p>
+                      <a:pPr marL="0" lvl="0" indent="0" algn="l" rtl="0">
+                        <a:spcBef>
+                          <a:spcPts val="0"/>
+                        </a:spcBef>
+                        <a:spcAft>
+                          <a:spcPts val="0"/>
+                        </a:spcAft>
+                        <a:buNone/>
+                      </a:pPr>
+                      <a:r>
+                        <a:rPr lang="es-ES" sz="800"/>
+                        <a:t>FECHA_CREACION</a:t>
+                      </a:r>
+                      <a:endParaRPr sz="800">
+                        <a:latin typeface="Calibri" panose="020F0502020204030204" pitchFamily="34" charset="0"/>
+                        <a:cs typeface="Calibri" panose="020F0502020204030204" pitchFamily="34" charset="0"/>
+                      </a:endParaRPr>
+                    </a:p>
+                  </a:txBody>
+                  <a:tcPr marL="91425" marR="91425" marT="91425" marB="91425">
+                    <a:lnL w="12700" cap="flat" cmpd="sng" algn="ctr">
+                      <a:solidFill>
+                        <a:schemeClr val="tx1"/>
+                      </a:solidFill>
+                      <a:prstDash val="solid"/>
+                      <a:round/>
+                      <a:headEnd type="none" w="med" len="med"/>
+                      <a:tailEnd type="none" w="med" len="med"/>
+                    </a:lnL>
+                    <a:lnR w="12700" cap="flat" cmpd="sng" algn="ctr">
+                      <a:solidFill>
+                        <a:schemeClr val="tx1"/>
+                      </a:solidFill>
+                      <a:prstDash val="solid"/>
+                      <a:round/>
+                      <a:headEnd type="none" w="med" len="med"/>
+                      <a:tailEnd type="none" w="med" len="med"/>
+                    </a:lnR>
+                    <a:lnT w="12700" cap="flat" cmpd="sng" algn="ctr">
+                      <a:solidFill>
+                        <a:schemeClr val="tx1"/>
+                      </a:solidFill>
+                      <a:prstDash val="solid"/>
+                      <a:round/>
+                      <a:headEnd type="none" w="med" len="med"/>
+                      <a:tailEnd type="none" w="med" len="med"/>
+                    </a:lnT>
+                    <a:lnB w="12700" cap="flat" cmpd="sng" algn="ctr">
+                      <a:solidFill>
+                        <a:schemeClr val="tx1"/>
+                      </a:solidFill>
+                      <a:prstDash val="solid"/>
+                      <a:round/>
+                      <a:headEnd type="none" w="med" len="med"/>
+                      <a:tailEnd type="none" w="med" len="med"/>
+                    </a:lnB>
+                    <a:solidFill>
+                      <a:schemeClr val="accent6">
+                        <a:lumMod val="60000"/>
+                        <a:lumOff val="40000"/>
+                      </a:schemeClr>
+                    </a:solidFill>
+                  </a:tcPr>
+                </a:tc>
+                <a:tc>
+                  <a:txBody>
+                    <a:bodyPr/>
+                    <a:lstStyle/>
+                    <a:p>
+                      <a:pPr marL="0" lvl="0" indent="0" algn="l" rtl="0">
+                        <a:spcBef>
+                          <a:spcPts val="0"/>
+                        </a:spcBef>
+                        <a:spcAft>
+                          <a:spcPts val="0"/>
+                        </a:spcAft>
+                        <a:buNone/>
+                      </a:pPr>
+                      <a:endParaRPr sz="800" dirty="0">
+                        <a:latin typeface="Calibri" panose="020F0502020204030204" pitchFamily="34" charset="0"/>
+                        <a:cs typeface="Calibri" panose="020F0502020204030204" pitchFamily="34" charset="0"/>
+                      </a:endParaRPr>
+                    </a:p>
+                  </a:txBody>
+                  <a:tcPr marL="91425" marR="91425" marT="91425" marB="91425">
+                    <a:lnL w="12700" cap="flat" cmpd="sng" algn="ctr">
+                      <a:solidFill>
+                        <a:schemeClr val="tx1"/>
+                      </a:solidFill>
+                      <a:prstDash val="solid"/>
+                      <a:round/>
+                      <a:headEnd type="none" w="med" len="med"/>
+                      <a:tailEnd type="none" w="med" len="med"/>
+                    </a:lnL>
+                    <a:lnR w="12700" cap="flat" cmpd="sng" algn="ctr">
+                      <a:solidFill>
+                        <a:schemeClr val="tx1"/>
+                      </a:solidFill>
+                      <a:prstDash val="solid"/>
+                      <a:round/>
+                      <a:headEnd type="none" w="med" len="med"/>
+                      <a:tailEnd type="none" w="med" len="med"/>
+                    </a:lnR>
+                    <a:lnT w="12700" cap="flat" cmpd="sng" algn="ctr">
+                      <a:solidFill>
+                        <a:schemeClr val="tx1"/>
+                      </a:solidFill>
+                      <a:prstDash val="solid"/>
+                      <a:round/>
+                      <a:headEnd type="none" w="med" len="med"/>
+                      <a:tailEnd type="none" w="med" len="med"/>
+                    </a:lnT>
+                    <a:lnB w="12700" cap="flat" cmpd="sng" algn="ctr">
+                      <a:solidFill>
+                        <a:schemeClr val="tx1"/>
+                      </a:solidFill>
+                      <a:prstDash val="solid"/>
+                      <a:round/>
+                      <a:headEnd type="none" w="med" len="med"/>
+                      <a:tailEnd type="none" w="med" len="med"/>
+                    </a:lnB>
+                    <a:solidFill>
+                      <a:schemeClr val="accent6">
+                        <a:lumMod val="60000"/>
+                        <a:lumOff val="40000"/>
+                      </a:schemeClr>
+                    </a:solidFill>
+                  </a:tcPr>
+                </a:tc>
+                <a:tc>
+                  <a:txBody>
+                    <a:bodyPr/>
+                    <a:lstStyle/>
+                    <a:p>
+                      <a:pPr marL="0" lvl="0" indent="0" algn="l" rtl="0">
+                        <a:spcBef>
+                          <a:spcPts val="0"/>
+                        </a:spcBef>
+                        <a:spcAft>
+                          <a:spcPts val="0"/>
+                        </a:spcAft>
+                        <a:buNone/>
+                      </a:pPr>
+                      <a:r>
+                        <a:rPr lang="es-ES" sz="800" dirty="0"/>
+                        <a:t>DATE</a:t>
+                      </a:r>
+                      <a:endParaRPr sz="800" dirty="0">
+                        <a:latin typeface="Calibri" panose="020F0502020204030204" pitchFamily="34" charset="0"/>
+                        <a:cs typeface="Calibri" panose="020F0502020204030204" pitchFamily="34" charset="0"/>
+                      </a:endParaRPr>
+                    </a:p>
+                  </a:txBody>
+                  <a:tcPr marL="91425" marR="91425" marT="91425" marB="91425">
+                    <a:lnL w="12700" cap="flat" cmpd="sng" algn="ctr">
+                      <a:solidFill>
+                        <a:schemeClr val="tx1"/>
+                      </a:solidFill>
+                      <a:prstDash val="solid"/>
+                      <a:round/>
+                      <a:headEnd type="none" w="med" len="med"/>
+                      <a:tailEnd type="none" w="med" len="med"/>
+                    </a:lnL>
+                    <a:lnR w="12700" cap="flat" cmpd="sng" algn="ctr">
+                      <a:solidFill>
+                        <a:schemeClr val="tx1"/>
+                      </a:solidFill>
+                      <a:prstDash val="solid"/>
+                      <a:round/>
+                      <a:headEnd type="none" w="med" len="med"/>
+                      <a:tailEnd type="none" w="med" len="med"/>
+                    </a:lnR>
+                    <a:lnT w="12700" cap="flat" cmpd="sng" algn="ctr">
+                      <a:solidFill>
+                        <a:schemeClr val="tx1"/>
+                      </a:solidFill>
+                      <a:prstDash val="solid"/>
+                      <a:round/>
+                      <a:headEnd type="none" w="med" len="med"/>
+                      <a:tailEnd type="none" w="med" len="med"/>
+                    </a:lnT>
+                    <a:lnB w="12700" cap="flat" cmpd="sng" algn="ctr">
+                      <a:solidFill>
+                        <a:schemeClr val="tx1"/>
+                      </a:solidFill>
+                      <a:prstDash val="solid"/>
+                      <a:round/>
+                      <a:headEnd type="none" w="med" len="med"/>
+                      <a:tailEnd type="none" w="med" len="med"/>
+                    </a:lnB>
+                    <a:solidFill>
+                      <a:schemeClr val="accent6">
+                        <a:lumMod val="60000"/>
+                        <a:lumOff val="40000"/>
+                      </a:schemeClr>
+                    </a:solidFill>
+                  </a:tcPr>
+                </a:tc>
+                <a:tc>
+                  <a:txBody>
+                    <a:bodyPr/>
+                    <a:lstStyle/>
+                    <a:p>
+                      <a:pPr marL="0" lvl="0" indent="0" algn="l" rtl="0">
+                        <a:spcBef>
+                          <a:spcPts val="0"/>
+                        </a:spcBef>
+                        <a:spcAft>
+                          <a:spcPts val="0"/>
+                        </a:spcAft>
+                        <a:buNone/>
+                      </a:pPr>
+                      <a:r>
+                        <a:rPr lang="es-ES" sz="800" dirty="0"/>
+                        <a:t>1000- 9999</a:t>
+                      </a:r>
+                      <a:endParaRPr sz="800" dirty="0">
+                        <a:latin typeface="Calibri" panose="020F0502020204030204" pitchFamily="34" charset="0"/>
+                        <a:cs typeface="Calibri" panose="020F0502020204030204" pitchFamily="34" charset="0"/>
+                      </a:endParaRPr>
+                    </a:p>
+                  </a:txBody>
+                  <a:tcPr marL="91425" marR="91425" marT="91425" marB="91425">
+                    <a:lnL w="12700" cap="flat" cmpd="sng" algn="ctr">
+                      <a:solidFill>
+                        <a:schemeClr val="tx1"/>
+                      </a:solidFill>
+                      <a:prstDash val="solid"/>
+                      <a:round/>
+                      <a:headEnd type="none" w="med" len="med"/>
+                      <a:tailEnd type="none" w="med" len="med"/>
+                    </a:lnL>
+                    <a:lnR w="12700" cap="flat" cmpd="sng" algn="ctr">
+                      <a:solidFill>
+                        <a:schemeClr val="tx1"/>
+                      </a:solidFill>
+                      <a:prstDash val="solid"/>
+                      <a:round/>
+                      <a:headEnd type="none" w="med" len="med"/>
+                      <a:tailEnd type="none" w="med" len="med"/>
+                    </a:lnR>
+                    <a:lnT w="12700" cap="flat" cmpd="sng" algn="ctr">
+                      <a:solidFill>
+                        <a:schemeClr val="tx1"/>
+                      </a:solidFill>
+                      <a:prstDash val="solid"/>
+                      <a:round/>
+                      <a:headEnd type="none" w="med" len="med"/>
+                      <a:tailEnd type="none" w="med" len="med"/>
+                    </a:lnT>
+                    <a:lnB w="12700" cap="flat" cmpd="sng" algn="ctr">
+                      <a:solidFill>
+                        <a:schemeClr val="tx1"/>
+                      </a:solidFill>
+                      <a:prstDash val="solid"/>
+                      <a:round/>
+                      <a:headEnd type="none" w="med" len="med"/>
+                      <a:tailEnd type="none" w="med" len="med"/>
+                    </a:lnB>
+                    <a:solidFill>
+                      <a:schemeClr val="accent6">
+                        <a:lumMod val="60000"/>
+                        <a:lumOff val="40000"/>
+                      </a:schemeClr>
+                    </a:solidFill>
+                  </a:tcPr>
+                </a:tc>
+                <a:tc>
+                  <a:txBody>
+                    <a:bodyPr/>
+                    <a:lstStyle/>
+                    <a:p>
+                      <a:pPr marL="0" lvl="0" indent="0" algn="l" rtl="0">
+                        <a:spcBef>
+                          <a:spcPts val="0"/>
+                        </a:spcBef>
+                        <a:spcAft>
+                          <a:spcPts val="0"/>
+                        </a:spcAft>
+                        <a:buNone/>
+                      </a:pPr>
+                      <a:r>
+                        <a:rPr lang="es-ES" sz="800"/>
+                        <a:t>Fecha cuando se creó el Ticket</a:t>
+                      </a:r>
+                      <a:endParaRPr sz="800">
+                        <a:latin typeface="Calibri" panose="020F0502020204030204" pitchFamily="34" charset="0"/>
+                        <a:cs typeface="Calibri" panose="020F0502020204030204" pitchFamily="34" charset="0"/>
+                      </a:endParaRPr>
+                    </a:p>
+                  </a:txBody>
+                  <a:tcPr marL="91425" marR="91425" marT="91425" marB="91425">
+                    <a:lnL w="12700" cap="flat" cmpd="sng" algn="ctr">
+                      <a:solidFill>
+                        <a:schemeClr val="tx1"/>
+                      </a:solidFill>
+                      <a:prstDash val="solid"/>
+                      <a:round/>
+                      <a:headEnd type="none" w="med" len="med"/>
+                      <a:tailEnd type="none" w="med" len="med"/>
+                    </a:lnL>
+                    <a:lnR w="12700" cap="flat" cmpd="sng" algn="ctr">
+                      <a:solidFill>
+                        <a:schemeClr val="tx1"/>
+                      </a:solidFill>
+                      <a:prstDash val="solid"/>
+                      <a:round/>
+                      <a:headEnd type="none" w="med" len="med"/>
+                      <a:tailEnd type="none" w="med" len="med"/>
+                    </a:lnR>
+                    <a:lnT w="12700" cap="flat" cmpd="sng" algn="ctr">
+                      <a:solidFill>
+                        <a:schemeClr val="tx1"/>
+                      </a:solidFill>
+                      <a:prstDash val="solid"/>
+                      <a:round/>
+                      <a:headEnd type="none" w="med" len="med"/>
+                      <a:tailEnd type="none" w="med" len="med"/>
+                    </a:lnT>
+                    <a:lnB w="12700" cap="flat" cmpd="sng" algn="ctr">
+                      <a:solidFill>
+                        <a:schemeClr val="tx1"/>
+                      </a:solidFill>
+                      <a:prstDash val="solid"/>
+                      <a:round/>
+                      <a:headEnd type="none" w="med" len="med"/>
+                      <a:tailEnd type="none" w="med" len="med"/>
+                    </a:lnB>
+                    <a:solidFill>
+                      <a:schemeClr val="accent6">
+                        <a:lumMod val="60000"/>
+                        <a:lumOff val="40000"/>
+                      </a:schemeClr>
+                    </a:solidFill>
+                  </a:tcPr>
+                </a:tc>
+                <a:extLst>
+                  <a:ext uri="{0D108BD9-81ED-4DB2-BD59-A6C34878D82A}">
+                    <a16:rowId xmlns:a16="http://schemas.microsoft.com/office/drawing/2014/main" val="10002"/>
+                  </a:ext>
+                </a:extLst>
+              </a:tr>
+              <a:tr h="381000">
+                <a:tc>
+                  <a:txBody>
+                    <a:bodyPr/>
+                    <a:lstStyle/>
+                    <a:p>
+                      <a:pPr marL="0" lvl="0" indent="0" algn="l" rtl="0">
+                        <a:spcBef>
+                          <a:spcPts val="0"/>
+                        </a:spcBef>
+                        <a:spcAft>
+                          <a:spcPts val="0"/>
+                        </a:spcAft>
+                        <a:buNone/>
+                      </a:pPr>
+                      <a:r>
+                        <a:rPr lang="es-ES" sz="800"/>
+                        <a:t>HORA_CREACION</a:t>
+                      </a:r>
+                      <a:endParaRPr sz="800">
+                        <a:latin typeface="Calibri" panose="020F0502020204030204" pitchFamily="34" charset="0"/>
+                        <a:cs typeface="Calibri" panose="020F0502020204030204" pitchFamily="34" charset="0"/>
+                      </a:endParaRPr>
+                    </a:p>
+                  </a:txBody>
+                  <a:tcPr marL="91425" marR="91425" marT="91425" marB="91425">
+                    <a:lnL w="12700" cap="flat" cmpd="sng" algn="ctr">
+                      <a:solidFill>
+                        <a:schemeClr val="tx1"/>
+                      </a:solidFill>
+                      <a:prstDash val="solid"/>
+                      <a:round/>
+                      <a:headEnd type="none" w="med" len="med"/>
+                      <a:tailEnd type="none" w="med" len="med"/>
+                    </a:lnL>
+                    <a:lnR w="12700" cap="flat" cmpd="sng" algn="ctr">
+                      <a:solidFill>
+                        <a:schemeClr val="tx1"/>
+                      </a:solidFill>
+                      <a:prstDash val="solid"/>
+                      <a:round/>
+                      <a:headEnd type="none" w="med" len="med"/>
+                      <a:tailEnd type="none" w="med" len="med"/>
+                    </a:lnR>
+                    <a:lnT w="12700" cap="flat" cmpd="sng" algn="ctr">
+                      <a:solidFill>
+                        <a:schemeClr val="tx1"/>
+                      </a:solidFill>
+                      <a:prstDash val="solid"/>
+                      <a:round/>
+                      <a:headEnd type="none" w="med" len="med"/>
+                      <a:tailEnd type="none" w="med" len="med"/>
+                    </a:lnT>
+                    <a:lnB w="12700" cap="flat" cmpd="sng" algn="ctr">
+                      <a:solidFill>
+                        <a:schemeClr val="tx1"/>
+                      </a:solidFill>
+                      <a:prstDash val="solid"/>
+                      <a:round/>
+                      <a:headEnd type="none" w="med" len="med"/>
+                      <a:tailEnd type="none" w="med" len="med"/>
+                    </a:lnB>
+                    <a:solidFill>
+                      <a:schemeClr val="accent6">
+                        <a:lumMod val="60000"/>
+                        <a:lumOff val="40000"/>
+                      </a:schemeClr>
+                    </a:solidFill>
+                  </a:tcPr>
+                </a:tc>
+                <a:tc>
+                  <a:txBody>
+                    <a:bodyPr/>
+                    <a:lstStyle/>
+                    <a:p>
+                      <a:pPr marL="0" lvl="0" indent="0" algn="l" rtl="0">
+                        <a:spcBef>
+                          <a:spcPts val="0"/>
+                        </a:spcBef>
+                        <a:spcAft>
+                          <a:spcPts val="0"/>
+                        </a:spcAft>
+                        <a:buNone/>
+                      </a:pPr>
+                      <a:endParaRPr sz="800" dirty="0">
+                        <a:latin typeface="Calibri" panose="020F0502020204030204" pitchFamily="34" charset="0"/>
+                        <a:cs typeface="Calibri" panose="020F0502020204030204" pitchFamily="34" charset="0"/>
+                      </a:endParaRPr>
+                    </a:p>
+                  </a:txBody>
+                  <a:tcPr marL="91425" marR="91425" marT="91425" marB="91425">
+                    <a:lnL w="12700" cap="flat" cmpd="sng" algn="ctr">
+                      <a:solidFill>
+                        <a:schemeClr val="tx1"/>
+                      </a:solidFill>
+                      <a:prstDash val="solid"/>
+                      <a:round/>
+                      <a:headEnd type="none" w="med" len="med"/>
+                      <a:tailEnd type="none" w="med" len="med"/>
+                    </a:lnL>
+                    <a:lnR w="12700" cap="flat" cmpd="sng" algn="ctr">
+                      <a:solidFill>
+                        <a:schemeClr val="tx1"/>
+                      </a:solidFill>
+                      <a:prstDash val="solid"/>
+                      <a:round/>
+                      <a:headEnd type="none" w="med" len="med"/>
+                      <a:tailEnd type="none" w="med" len="med"/>
+                    </a:lnR>
+                    <a:lnT w="12700" cap="flat" cmpd="sng" algn="ctr">
+                      <a:solidFill>
+                        <a:schemeClr val="tx1"/>
+                      </a:solidFill>
+                      <a:prstDash val="solid"/>
+                      <a:round/>
+                      <a:headEnd type="none" w="med" len="med"/>
+                      <a:tailEnd type="none" w="med" len="med"/>
+                    </a:lnT>
+                    <a:lnB w="12700" cap="flat" cmpd="sng" algn="ctr">
+                      <a:solidFill>
+                        <a:schemeClr val="tx1"/>
+                      </a:solidFill>
+                      <a:prstDash val="solid"/>
+                      <a:round/>
+                      <a:headEnd type="none" w="med" len="med"/>
+                      <a:tailEnd type="none" w="med" len="med"/>
+                    </a:lnB>
+                    <a:solidFill>
+                      <a:schemeClr val="accent6">
+                        <a:lumMod val="60000"/>
+                        <a:lumOff val="40000"/>
+                      </a:schemeClr>
+                    </a:solidFill>
+                  </a:tcPr>
+                </a:tc>
+                <a:tc>
+                  <a:txBody>
+                    <a:bodyPr/>
+                    <a:lstStyle/>
+                    <a:p>
+                      <a:pPr marL="0" lvl="0" indent="0" algn="l" rtl="0">
+                        <a:spcBef>
+                          <a:spcPts val="0"/>
+                        </a:spcBef>
+                        <a:spcAft>
+                          <a:spcPts val="0"/>
+                        </a:spcAft>
+                        <a:buNone/>
+                      </a:pPr>
+                      <a:r>
+                        <a:rPr lang="es-ES" sz="800" dirty="0"/>
+                        <a:t>TIME</a:t>
+                      </a:r>
+                      <a:endParaRPr sz="800" dirty="0">
+                        <a:latin typeface="Calibri" panose="020F0502020204030204" pitchFamily="34" charset="0"/>
+                        <a:cs typeface="Calibri" panose="020F0502020204030204" pitchFamily="34" charset="0"/>
+                      </a:endParaRPr>
+                    </a:p>
+                  </a:txBody>
+                  <a:tcPr marL="91425" marR="91425" marT="91425" marB="91425">
+                    <a:lnL w="12700" cap="flat" cmpd="sng" algn="ctr">
+                      <a:solidFill>
+                        <a:schemeClr val="tx1"/>
+                      </a:solidFill>
+                      <a:prstDash val="solid"/>
+                      <a:round/>
+                      <a:headEnd type="none" w="med" len="med"/>
+                      <a:tailEnd type="none" w="med" len="med"/>
+                    </a:lnL>
+                    <a:lnR w="12700" cap="flat" cmpd="sng" algn="ctr">
+                      <a:solidFill>
+                        <a:schemeClr val="tx1"/>
+                      </a:solidFill>
+                      <a:prstDash val="solid"/>
+                      <a:round/>
+                      <a:headEnd type="none" w="med" len="med"/>
+                      <a:tailEnd type="none" w="med" len="med"/>
+                    </a:lnR>
+                    <a:lnT w="12700" cap="flat" cmpd="sng" algn="ctr">
+                      <a:solidFill>
+                        <a:schemeClr val="tx1"/>
+                      </a:solidFill>
+                      <a:prstDash val="solid"/>
+                      <a:round/>
+                      <a:headEnd type="none" w="med" len="med"/>
+                      <a:tailEnd type="none" w="med" len="med"/>
+                    </a:lnT>
+                    <a:lnB w="12700" cap="flat" cmpd="sng" algn="ctr">
+                      <a:solidFill>
+                        <a:schemeClr val="tx1"/>
+                      </a:solidFill>
+                      <a:prstDash val="solid"/>
+                      <a:round/>
+                      <a:headEnd type="none" w="med" len="med"/>
+                      <a:tailEnd type="none" w="med" len="med"/>
+                    </a:lnB>
+                    <a:solidFill>
+                      <a:schemeClr val="accent6">
+                        <a:lumMod val="60000"/>
+                        <a:lumOff val="40000"/>
+                      </a:schemeClr>
+                    </a:solidFill>
+                  </a:tcPr>
+                </a:tc>
+                <a:tc>
+                  <a:txBody>
+                    <a:bodyPr/>
+                    <a:lstStyle/>
+                    <a:p>
+                      <a:pPr marL="0" lvl="0" indent="0" algn="l" rtl="0">
+                        <a:spcBef>
+                          <a:spcPts val="0"/>
+                        </a:spcBef>
+                        <a:spcAft>
+                          <a:spcPts val="0"/>
+                        </a:spcAft>
+                        <a:buNone/>
+                      </a:pPr>
+                      <a:r>
+                        <a:rPr lang="es-ES" sz="800" dirty="0"/>
+                        <a:t>1000- 9999</a:t>
+                      </a:r>
+                      <a:endParaRPr sz="800" dirty="0">
+                        <a:latin typeface="Calibri" panose="020F0502020204030204" pitchFamily="34" charset="0"/>
+                        <a:cs typeface="Calibri" panose="020F0502020204030204" pitchFamily="34" charset="0"/>
+                      </a:endParaRPr>
+                    </a:p>
+                  </a:txBody>
+                  <a:tcPr marL="91425" marR="91425" marT="91425" marB="91425">
+                    <a:lnL w="12700" cap="flat" cmpd="sng" algn="ctr">
+                      <a:solidFill>
+                        <a:schemeClr val="tx1"/>
+                      </a:solidFill>
+                      <a:prstDash val="solid"/>
+                      <a:round/>
+                      <a:headEnd type="none" w="med" len="med"/>
+                      <a:tailEnd type="none" w="med" len="med"/>
+                    </a:lnL>
+                    <a:lnR w="12700" cap="flat" cmpd="sng" algn="ctr">
+                      <a:solidFill>
+                        <a:schemeClr val="tx1"/>
+                      </a:solidFill>
+                      <a:prstDash val="solid"/>
+                      <a:round/>
+                      <a:headEnd type="none" w="med" len="med"/>
+                      <a:tailEnd type="none" w="med" len="med"/>
+                    </a:lnR>
+                    <a:lnT w="12700" cap="flat" cmpd="sng" algn="ctr">
+                      <a:solidFill>
+                        <a:schemeClr val="tx1"/>
+                      </a:solidFill>
+                      <a:prstDash val="solid"/>
+                      <a:round/>
+                      <a:headEnd type="none" w="med" len="med"/>
+                      <a:tailEnd type="none" w="med" len="med"/>
+                    </a:lnT>
+                    <a:lnB w="12700" cap="flat" cmpd="sng" algn="ctr">
+                      <a:solidFill>
+                        <a:schemeClr val="tx1"/>
+                      </a:solidFill>
+                      <a:prstDash val="solid"/>
+                      <a:round/>
+                      <a:headEnd type="none" w="med" len="med"/>
+                      <a:tailEnd type="none" w="med" len="med"/>
+                    </a:lnB>
+                    <a:solidFill>
+                      <a:schemeClr val="accent6">
+                        <a:lumMod val="60000"/>
+                        <a:lumOff val="40000"/>
+                      </a:schemeClr>
+                    </a:solidFill>
+                  </a:tcPr>
+                </a:tc>
+                <a:tc>
+                  <a:txBody>
+                    <a:bodyPr/>
+                    <a:lstStyle/>
+                    <a:p>
+                      <a:pPr marL="0" lvl="0" indent="0" algn="l" rtl="0">
+                        <a:spcBef>
+                          <a:spcPts val="0"/>
+                        </a:spcBef>
+                        <a:spcAft>
+                          <a:spcPts val="0"/>
+                        </a:spcAft>
+                        <a:buNone/>
+                      </a:pPr>
+                      <a:r>
+                        <a:rPr lang="es-ES" sz="800" dirty="0"/>
+                        <a:t>Hora cuando se creó el Ticket</a:t>
+                      </a:r>
+                      <a:endParaRPr sz="800" dirty="0">
+                        <a:latin typeface="Calibri" panose="020F0502020204030204" pitchFamily="34" charset="0"/>
+                        <a:cs typeface="Calibri" panose="020F0502020204030204" pitchFamily="34" charset="0"/>
+                      </a:endParaRPr>
+                    </a:p>
+                  </a:txBody>
+                  <a:tcPr marL="91425" marR="91425" marT="91425" marB="91425">
+                    <a:lnL w="12700" cap="flat" cmpd="sng" algn="ctr">
+                      <a:solidFill>
+                        <a:schemeClr val="tx1"/>
+                      </a:solidFill>
+                      <a:prstDash val="solid"/>
+                      <a:round/>
+                      <a:headEnd type="none" w="med" len="med"/>
+                      <a:tailEnd type="none" w="med" len="med"/>
+                    </a:lnL>
+                    <a:lnR w="12700" cap="flat" cmpd="sng" algn="ctr">
+                      <a:solidFill>
+                        <a:schemeClr val="tx1"/>
+                      </a:solidFill>
+                      <a:prstDash val="solid"/>
+                      <a:round/>
+                      <a:headEnd type="none" w="med" len="med"/>
+                      <a:tailEnd type="none" w="med" len="med"/>
+                    </a:lnR>
+                    <a:lnT w="12700" cap="flat" cmpd="sng" algn="ctr">
+                      <a:solidFill>
+                        <a:schemeClr val="tx1"/>
+                      </a:solidFill>
+                      <a:prstDash val="solid"/>
+                      <a:round/>
+                      <a:headEnd type="none" w="med" len="med"/>
+                      <a:tailEnd type="none" w="med" len="med"/>
+                    </a:lnT>
+                    <a:lnB w="12700" cap="flat" cmpd="sng" algn="ctr">
+                      <a:solidFill>
+                        <a:schemeClr val="tx1"/>
+                      </a:solidFill>
+                      <a:prstDash val="solid"/>
+                      <a:round/>
+                      <a:headEnd type="none" w="med" len="med"/>
+                      <a:tailEnd type="none" w="med" len="med"/>
+                    </a:lnB>
+                    <a:solidFill>
+                      <a:schemeClr val="accent6">
+                        <a:lumMod val="60000"/>
+                        <a:lumOff val="40000"/>
+                      </a:schemeClr>
+                    </a:solidFill>
+                  </a:tcPr>
+                </a:tc>
+                <a:extLst>
+                  <a:ext uri="{0D108BD9-81ED-4DB2-BD59-A6C34878D82A}">
+                    <a16:rowId xmlns:a16="http://schemas.microsoft.com/office/drawing/2014/main" val="10003"/>
+                  </a:ext>
+                </a:extLst>
+              </a:tr>
+              <a:tr h="381000">
+                <a:tc>
+                  <a:txBody>
+                    <a:bodyPr/>
+                    <a:lstStyle/>
+                    <a:p>
+                      <a:pPr marL="0" lvl="0" indent="0" algn="l" rtl="0">
+                        <a:spcBef>
+                          <a:spcPts val="0"/>
+                        </a:spcBef>
+                        <a:spcAft>
+                          <a:spcPts val="0"/>
+                        </a:spcAft>
+                        <a:buNone/>
+                      </a:pPr>
+                      <a:r>
+                        <a:rPr lang="es-ES" sz="800"/>
+                        <a:t>REQUERIMIENTOS_IDREQUERIMIENTOS</a:t>
+                      </a:r>
+                      <a:endParaRPr sz="800">
+                        <a:latin typeface="Calibri" panose="020F0502020204030204" pitchFamily="34" charset="0"/>
+                        <a:cs typeface="Calibri" panose="020F0502020204030204" pitchFamily="34" charset="0"/>
+                      </a:endParaRPr>
+                    </a:p>
+                  </a:txBody>
+                  <a:tcPr marL="91425" marR="91425" marT="91425" marB="91425">
+                    <a:lnL w="12700" cap="flat" cmpd="sng" algn="ctr">
+                      <a:solidFill>
+                        <a:schemeClr val="tx1"/>
+                      </a:solidFill>
+                      <a:prstDash val="solid"/>
+                      <a:round/>
+                      <a:headEnd type="none" w="med" len="med"/>
+                      <a:tailEnd type="none" w="med" len="med"/>
+                    </a:lnL>
+                    <a:lnR w="12700" cap="flat" cmpd="sng" algn="ctr">
+                      <a:solidFill>
+                        <a:schemeClr val="tx1"/>
+                      </a:solidFill>
+                      <a:prstDash val="solid"/>
+                      <a:round/>
+                      <a:headEnd type="none" w="med" len="med"/>
+                      <a:tailEnd type="none" w="med" len="med"/>
+                    </a:lnR>
+                    <a:lnT w="12700" cap="flat" cmpd="sng" algn="ctr">
+                      <a:solidFill>
+                        <a:schemeClr val="tx1"/>
+                      </a:solidFill>
+                      <a:prstDash val="solid"/>
+                      <a:round/>
+                      <a:headEnd type="none" w="med" len="med"/>
+                      <a:tailEnd type="none" w="med" len="med"/>
+                    </a:lnT>
+                    <a:lnB w="12700" cap="flat" cmpd="sng" algn="ctr">
+                      <a:solidFill>
+                        <a:schemeClr val="tx1"/>
+                      </a:solidFill>
+                      <a:prstDash val="solid"/>
+                      <a:round/>
+                      <a:headEnd type="none" w="med" len="med"/>
+                      <a:tailEnd type="none" w="med" len="med"/>
+                    </a:lnB>
+                    <a:solidFill>
+                      <a:schemeClr val="accent6">
+                        <a:lumMod val="60000"/>
+                        <a:lumOff val="40000"/>
+                      </a:schemeClr>
+                    </a:solidFill>
+                  </a:tcPr>
+                </a:tc>
+                <a:tc>
+                  <a:txBody>
+                    <a:bodyPr/>
+                    <a:lstStyle/>
+                    <a:p>
+                      <a:pPr marL="0" lvl="0" indent="0" algn="l" rtl="0">
+                        <a:spcBef>
+                          <a:spcPts val="0"/>
+                        </a:spcBef>
+                        <a:spcAft>
+                          <a:spcPts val="0"/>
+                        </a:spcAft>
+                        <a:buNone/>
+                      </a:pPr>
+                      <a:r>
+                        <a:rPr lang="es-ES" sz="800" dirty="0"/>
+                        <a:t>FORANEA</a:t>
+                      </a:r>
+                      <a:endParaRPr sz="800" dirty="0">
+                        <a:latin typeface="Calibri" panose="020F0502020204030204" pitchFamily="34" charset="0"/>
+                        <a:cs typeface="Calibri" panose="020F0502020204030204" pitchFamily="34" charset="0"/>
+                      </a:endParaRPr>
+                    </a:p>
+                  </a:txBody>
+                  <a:tcPr marL="91425" marR="91425" marT="91425" marB="91425">
+                    <a:lnL w="12700" cap="flat" cmpd="sng" algn="ctr">
+                      <a:solidFill>
+                        <a:schemeClr val="tx1"/>
+                      </a:solidFill>
+                      <a:prstDash val="solid"/>
+                      <a:round/>
+                      <a:headEnd type="none" w="med" len="med"/>
+                      <a:tailEnd type="none" w="med" len="med"/>
+                    </a:lnL>
+                    <a:lnR w="12700" cap="flat" cmpd="sng" algn="ctr">
+                      <a:solidFill>
+                        <a:schemeClr val="tx1"/>
+                      </a:solidFill>
+                      <a:prstDash val="solid"/>
+                      <a:round/>
+                      <a:headEnd type="none" w="med" len="med"/>
+                      <a:tailEnd type="none" w="med" len="med"/>
+                    </a:lnR>
+                    <a:lnT w="12700" cap="flat" cmpd="sng" algn="ctr">
+                      <a:solidFill>
+                        <a:schemeClr val="tx1"/>
+                      </a:solidFill>
+                      <a:prstDash val="solid"/>
+                      <a:round/>
+                      <a:headEnd type="none" w="med" len="med"/>
+                      <a:tailEnd type="none" w="med" len="med"/>
+                    </a:lnT>
+                    <a:lnB w="12700" cap="flat" cmpd="sng" algn="ctr">
+                      <a:solidFill>
+                        <a:schemeClr val="tx1"/>
+                      </a:solidFill>
+                      <a:prstDash val="solid"/>
+                      <a:round/>
+                      <a:headEnd type="none" w="med" len="med"/>
+                      <a:tailEnd type="none" w="med" len="med"/>
+                    </a:lnB>
+                    <a:solidFill>
+                      <a:schemeClr val="accent6">
+                        <a:lumMod val="60000"/>
+                        <a:lumOff val="40000"/>
+                      </a:schemeClr>
+                    </a:solidFill>
+                  </a:tcPr>
+                </a:tc>
+                <a:tc>
+                  <a:txBody>
+                    <a:bodyPr/>
+                    <a:lstStyle/>
+                    <a:p>
+                      <a:pPr marL="0" lvl="0" indent="0" algn="l" rtl="0">
+                        <a:spcBef>
+                          <a:spcPts val="0"/>
+                        </a:spcBef>
+                        <a:spcAft>
+                          <a:spcPts val="0"/>
+                        </a:spcAft>
+                        <a:buNone/>
+                      </a:pPr>
+                      <a:r>
+                        <a:rPr lang="es-ES" sz="800" dirty="0"/>
+                        <a:t>INT</a:t>
+                      </a:r>
+                      <a:endParaRPr sz="800" dirty="0">
+                        <a:latin typeface="Calibri" panose="020F0502020204030204" pitchFamily="34" charset="0"/>
+                        <a:cs typeface="Calibri" panose="020F0502020204030204" pitchFamily="34" charset="0"/>
+                      </a:endParaRPr>
+                    </a:p>
+                  </a:txBody>
+                  <a:tcPr marL="91425" marR="91425" marT="91425" marB="91425">
+                    <a:lnL w="12700" cap="flat" cmpd="sng" algn="ctr">
+                      <a:solidFill>
+                        <a:schemeClr val="tx1"/>
+                      </a:solidFill>
+                      <a:prstDash val="solid"/>
+                      <a:round/>
+                      <a:headEnd type="none" w="med" len="med"/>
+                      <a:tailEnd type="none" w="med" len="med"/>
+                    </a:lnL>
+                    <a:lnR w="12700" cap="flat" cmpd="sng" algn="ctr">
+                      <a:solidFill>
+                        <a:schemeClr val="tx1"/>
+                      </a:solidFill>
+                      <a:prstDash val="solid"/>
+                      <a:round/>
+                      <a:headEnd type="none" w="med" len="med"/>
+                      <a:tailEnd type="none" w="med" len="med"/>
+                    </a:lnR>
+                    <a:lnT w="12700" cap="flat" cmpd="sng" algn="ctr">
+                      <a:solidFill>
+                        <a:schemeClr val="tx1"/>
+                      </a:solidFill>
+                      <a:prstDash val="solid"/>
+                      <a:round/>
+                      <a:headEnd type="none" w="med" len="med"/>
+                      <a:tailEnd type="none" w="med" len="med"/>
+                    </a:lnT>
+                    <a:lnB w="12700" cap="flat" cmpd="sng" algn="ctr">
+                      <a:solidFill>
+                        <a:schemeClr val="tx1"/>
+                      </a:solidFill>
+                      <a:prstDash val="solid"/>
+                      <a:round/>
+                      <a:headEnd type="none" w="med" len="med"/>
+                      <a:tailEnd type="none" w="med" len="med"/>
+                    </a:lnB>
+                    <a:solidFill>
+                      <a:schemeClr val="accent6">
+                        <a:lumMod val="60000"/>
+                        <a:lumOff val="40000"/>
+                      </a:schemeClr>
+                    </a:solidFill>
+                  </a:tcPr>
+                </a:tc>
+                <a:tc>
+                  <a:txBody>
+                    <a:bodyPr/>
+                    <a:lstStyle/>
+                    <a:p>
+                      <a:pPr marL="0" lvl="0" indent="0" algn="l" rtl="0">
+                        <a:spcBef>
+                          <a:spcPts val="0"/>
+                        </a:spcBef>
+                        <a:spcAft>
+                          <a:spcPts val="0"/>
+                        </a:spcAft>
+                        <a:buNone/>
+                      </a:pPr>
+                      <a:r>
+                        <a:rPr lang="es-ES" sz="800" dirty="0"/>
+                        <a:t>10</a:t>
+                      </a:r>
+                      <a:endParaRPr sz="800" dirty="0">
+                        <a:latin typeface="Calibri" panose="020F0502020204030204" pitchFamily="34" charset="0"/>
+                        <a:cs typeface="Calibri" panose="020F0502020204030204" pitchFamily="34" charset="0"/>
+                      </a:endParaRPr>
+                    </a:p>
+                  </a:txBody>
+                  <a:tcPr marL="91425" marR="91425" marT="91425" marB="91425">
+                    <a:lnL w="12700" cap="flat" cmpd="sng" algn="ctr">
+                      <a:solidFill>
+                        <a:schemeClr val="tx1"/>
+                      </a:solidFill>
+                      <a:prstDash val="solid"/>
+                      <a:round/>
+                      <a:headEnd type="none" w="med" len="med"/>
+                      <a:tailEnd type="none" w="med" len="med"/>
+                    </a:lnL>
+                    <a:lnR w="12700" cap="flat" cmpd="sng" algn="ctr">
+                      <a:solidFill>
+                        <a:schemeClr val="tx1"/>
+                      </a:solidFill>
+                      <a:prstDash val="solid"/>
+                      <a:round/>
+                      <a:headEnd type="none" w="med" len="med"/>
+                      <a:tailEnd type="none" w="med" len="med"/>
+                    </a:lnR>
+                    <a:lnT w="12700" cap="flat" cmpd="sng" algn="ctr">
+                      <a:solidFill>
+                        <a:schemeClr val="tx1"/>
+                      </a:solidFill>
+                      <a:prstDash val="solid"/>
+                      <a:round/>
+                      <a:headEnd type="none" w="med" len="med"/>
+                      <a:tailEnd type="none" w="med" len="med"/>
+                    </a:lnT>
+                    <a:lnB w="12700" cap="flat" cmpd="sng" algn="ctr">
+                      <a:solidFill>
+                        <a:schemeClr val="tx1"/>
+                      </a:solidFill>
+                      <a:prstDash val="solid"/>
+                      <a:round/>
+                      <a:headEnd type="none" w="med" len="med"/>
+                      <a:tailEnd type="none" w="med" len="med"/>
+                    </a:lnB>
+                    <a:solidFill>
+                      <a:schemeClr val="accent6">
+                        <a:lumMod val="60000"/>
+                        <a:lumOff val="40000"/>
+                      </a:schemeClr>
+                    </a:solidFill>
+                  </a:tcPr>
+                </a:tc>
+                <a:tc>
+                  <a:txBody>
+                    <a:bodyPr/>
+                    <a:lstStyle/>
+                    <a:p>
+                      <a:pPr marL="0" lvl="0" indent="0" algn="l" rtl="0">
+                        <a:spcBef>
+                          <a:spcPts val="0"/>
+                        </a:spcBef>
+                        <a:spcAft>
+                          <a:spcPts val="0"/>
+                        </a:spcAft>
+                        <a:buNone/>
+                      </a:pPr>
+                      <a:r>
+                        <a:rPr lang="es-ES" sz="800" dirty="0"/>
+                        <a:t>Número de identificación del requerimiento</a:t>
+                      </a:r>
+                      <a:endParaRPr sz="800" dirty="0">
+                        <a:latin typeface="Calibri" panose="020F0502020204030204" pitchFamily="34" charset="0"/>
+                        <a:cs typeface="Calibri" panose="020F0502020204030204" pitchFamily="34" charset="0"/>
+                      </a:endParaRPr>
+                    </a:p>
+                  </a:txBody>
+                  <a:tcPr marL="91425" marR="91425" marT="91425" marB="91425">
+                    <a:lnL w="12700" cap="flat" cmpd="sng" algn="ctr">
+                      <a:solidFill>
+                        <a:schemeClr val="tx1"/>
+                      </a:solidFill>
+                      <a:prstDash val="solid"/>
+                      <a:round/>
+                      <a:headEnd type="none" w="med" len="med"/>
+                      <a:tailEnd type="none" w="med" len="med"/>
+                    </a:lnL>
+                    <a:lnR w="12700" cap="flat" cmpd="sng" algn="ctr">
+                      <a:solidFill>
+                        <a:schemeClr val="tx1"/>
+                      </a:solidFill>
+                      <a:prstDash val="solid"/>
+                      <a:round/>
+                      <a:headEnd type="none" w="med" len="med"/>
+                      <a:tailEnd type="none" w="med" len="med"/>
+                    </a:lnR>
+                    <a:lnT w="12700" cap="flat" cmpd="sng" algn="ctr">
+                      <a:solidFill>
+                        <a:schemeClr val="tx1"/>
+                      </a:solidFill>
+                      <a:prstDash val="solid"/>
+                      <a:round/>
+                      <a:headEnd type="none" w="med" len="med"/>
+                      <a:tailEnd type="none" w="med" len="med"/>
+                    </a:lnT>
+                    <a:lnB w="12700" cap="flat" cmpd="sng" algn="ctr">
+                      <a:solidFill>
+                        <a:schemeClr val="tx1"/>
+                      </a:solidFill>
+                      <a:prstDash val="solid"/>
+                      <a:round/>
+                      <a:headEnd type="none" w="med" len="med"/>
+                      <a:tailEnd type="none" w="med" len="med"/>
+                    </a:lnB>
+                    <a:solidFill>
+                      <a:schemeClr val="accent6">
+                        <a:lumMod val="60000"/>
+                        <a:lumOff val="40000"/>
+                      </a:schemeClr>
+                    </a:solidFill>
+                  </a:tcPr>
+                </a:tc>
+                <a:extLst>
+                  <a:ext uri="{0D108BD9-81ED-4DB2-BD59-A6C34878D82A}">
+                    <a16:rowId xmlns:a16="http://schemas.microsoft.com/office/drawing/2014/main" val="10004"/>
+                  </a:ext>
+                </a:extLst>
+              </a:tr>
+            </a:tbl>
+          </a:graphicData>
+        </a:graphic>
+      </p:graphicFrame>
+    </p:spTree>
+  </p:cSld>
+  <p:clrMapOvr>
+    <a:masterClrMapping/>
+  </p:clrMapOvr>
+</p:sld>
+</file>
+
+<file path=ppt/slides/slide11.xml><?xml version="1.0" encoding="utf-8"?>
+<p:sld xmlns:a="http://schemas.openxmlformats.org/drawingml/2006/main" xmlns:r="http://schemas.openxmlformats.org/officeDocument/2006/relationships" xmlns:p="http://schemas.openxmlformats.org/presentationml/2006/main">
+  <p:cSld>
+    <p:spTree>
+      <p:nvGrpSpPr>
         <p:cNvPr id="1" name="Shape 87"/>
         <p:cNvGrpSpPr/>
         <p:nvPr/>
@@ -8664,7 +10929,7 @@
 </p:sld>
 </file>
 
-<file path=ppt/slides/slide11.xml><?xml version="1.0" encoding="utf-8"?>
+<file path=ppt/slides/slide12.xml><?xml version="1.0" encoding="utf-8"?>
 <p:sld xmlns:a="http://schemas.openxmlformats.org/drawingml/2006/main" xmlns:r="http://schemas.openxmlformats.org/officeDocument/2006/relationships" xmlns:p="http://schemas.openxmlformats.org/presentationml/2006/main">
   <p:cSld>
     <p:spTree>
@@ -10047,7 +12312,7 @@
 </p:sld>
 </file>
 
-<file path=ppt/slides/slide12.xml><?xml version="1.0" encoding="utf-8"?>
+<file path=ppt/slides/slide13.xml><?xml version="1.0" encoding="utf-8"?>
 <p:sld xmlns:a="http://schemas.openxmlformats.org/drawingml/2006/main" xmlns:r="http://schemas.openxmlformats.org/officeDocument/2006/relationships" xmlns:p="http://schemas.openxmlformats.org/presentationml/2006/main">
   <p:cSld>
     <p:spTree>
@@ -11430,7 +13695,7 @@
 </p:sld>
 </file>
 
-<file path=ppt/slides/slide13.xml><?xml version="1.0" encoding="utf-8"?>
+<file path=ppt/slides/slide14.xml><?xml version="1.0" encoding="utf-8"?>
 <p:sld xmlns:a="http://schemas.openxmlformats.org/drawingml/2006/main" xmlns:r="http://schemas.openxmlformats.org/officeDocument/2006/relationships" xmlns:p="http://schemas.openxmlformats.org/presentationml/2006/main">
   <p:cSld>
     <p:spTree>
@@ -14953,7 +17218,7 @@
 </p:sld>
 </file>
 
-<file path=ppt/slides/slide14.xml><?xml version="1.0" encoding="utf-8"?>
+<file path=ppt/slides/slide15.xml><?xml version="1.0" encoding="utf-8"?>
 <p:sld xmlns:a="http://schemas.openxmlformats.org/drawingml/2006/main" xmlns:r="http://schemas.openxmlformats.org/officeDocument/2006/relationships" xmlns:p="http://schemas.openxmlformats.org/presentationml/2006/main">
   <p:cSld>
     <p:spTree>
@@ -15673,7 +17938,7 @@
 </p:sld>
 </file>
 
-<file path=ppt/slides/slide15.xml><?xml version="1.0" encoding="utf-8"?>
+<file path=ppt/slides/slide16.xml><?xml version="1.0" encoding="utf-8"?>
 <p:sld xmlns:a="http://schemas.openxmlformats.org/drawingml/2006/main" xmlns:r="http://schemas.openxmlformats.org/officeDocument/2006/relationships" xmlns:p="http://schemas.openxmlformats.org/presentationml/2006/main">
   <p:cSld>
     <p:spTree>
@@ -18820,7 +21085,7 @@
 </p:sld>
 </file>
 
-<file path=ppt/slides/slide16.xml><?xml version="1.0" encoding="utf-8"?>
+<file path=ppt/slides/slide17.xml><?xml version="1.0" encoding="utf-8"?>
 <p:sld xmlns:a="http://schemas.openxmlformats.org/drawingml/2006/main" xmlns:r="http://schemas.openxmlformats.org/officeDocument/2006/relationships" xmlns:p="http://schemas.openxmlformats.org/presentationml/2006/main">
   <p:cSld>
     <p:spTree>
@@ -20929,7 +23194,7 @@
 </p:sld>
 </file>
 
-<file path=ppt/slides/slide17.xml><?xml version="1.0" encoding="utf-8"?>
+<file path=ppt/slides/slide18.xml><?xml version="1.0" encoding="utf-8"?>
 <p:sld xmlns:a="http://schemas.openxmlformats.org/drawingml/2006/main" xmlns:r="http://schemas.openxmlformats.org/officeDocument/2006/relationships" xmlns:p="http://schemas.openxmlformats.org/presentationml/2006/main">
   <p:cSld>
     <p:spTree>
@@ -24415,7 +26680,7 @@
 </p:sld>
 </file>
 
-<file path=ppt/slides/slide18.xml><?xml version="1.0" encoding="utf-8"?>
+<file path=ppt/slides/slide19.xml><?xml version="1.0" encoding="utf-8"?>
 <p:sld xmlns:a="http://schemas.openxmlformats.org/drawingml/2006/main" xmlns:r="http://schemas.openxmlformats.org/officeDocument/2006/relationships" xmlns:p="http://schemas.openxmlformats.org/presentationml/2006/main">
   <p:cSld>
     <p:spTree>
@@ -25640,1555 +27905,6 @@
     <p:extLst>
       <p:ext uri="{BB962C8B-B14F-4D97-AF65-F5344CB8AC3E}">
         <p14:creationId xmlns:p14="http://schemas.microsoft.com/office/powerpoint/2010/main" val="2575176928"/>
-      </p:ext>
-    </p:extLst>
-  </p:cSld>
-  <p:clrMapOvr>
-    <a:masterClrMapping/>
-  </p:clrMapOvr>
-</p:sld>
-</file>
-
-<file path=ppt/slides/slide19.xml><?xml version="1.0" encoding="utf-8"?>
-<p:sld xmlns:a="http://schemas.openxmlformats.org/drawingml/2006/main" xmlns:r="http://schemas.openxmlformats.org/officeDocument/2006/relationships" xmlns:p="http://schemas.openxmlformats.org/presentationml/2006/main">
-  <p:cSld>
-    <p:spTree>
-      <p:nvGrpSpPr>
-        <p:cNvPr id="1" name=""/>
-        <p:cNvGrpSpPr/>
-        <p:nvPr/>
-      </p:nvGrpSpPr>
-      <p:grpSpPr>
-        <a:xfrm>
-          <a:off x="0" y="0"/>
-          <a:ext cx="0" cy="0"/>
-          <a:chOff x="0" y="0"/>
-          <a:chExt cx="0" cy="0"/>
-        </a:xfrm>
-      </p:grpSpPr>
-      <p:sp>
-        <p:nvSpPr>
-          <p:cNvPr id="2" name="Google Shape;112;gfefd4b1171_0_58">
-            <a:extLst>
-              <a:ext uri="{FF2B5EF4-FFF2-40B4-BE49-F238E27FC236}">
-                <a16:creationId xmlns:a16="http://schemas.microsoft.com/office/drawing/2014/main" id="{F6BDF18F-7DFC-ACB0-17C7-0F9CB6354709}"/>
-              </a:ext>
-            </a:extLst>
-          </p:cNvPr>
-          <p:cNvSpPr txBox="1"/>
-          <p:nvPr/>
-        </p:nvSpPr>
-        <p:spPr>
-          <a:xfrm>
-            <a:off x="1496175" y="535517"/>
-            <a:ext cx="5289185" cy="954077"/>
-          </a:xfrm>
-          <a:prstGeom prst="rect">
-            <a:avLst/>
-          </a:prstGeom>
-          <a:noFill/>
-          <a:ln>
-            <a:noFill/>
-          </a:ln>
-        </p:spPr>
-        <p:txBody>
-          <a:bodyPr spcFirstLastPara="1" wrap="square" lIns="91425" tIns="91425" rIns="91425" bIns="91425" anchor="t" anchorCtr="0">
-            <a:spAutoFit/>
-          </a:bodyPr>
-          <a:lstStyle/>
-          <a:p>
-            <a:pPr marL="0" lvl="0" indent="0" algn="l" rtl="0">
-              <a:spcBef>
-                <a:spcPts val="0"/>
-              </a:spcBef>
-              <a:spcAft>
-                <a:spcPts val="0"/>
-              </a:spcAft>
-              <a:buNone/>
-            </a:pPr>
-            <a:r>
-              <a:rPr lang="es-ES" sz="1000" dirty="0">
-                <a:latin typeface="Calibri"/>
-                <a:ea typeface="Calibri"/>
-                <a:cs typeface="Calibri"/>
-                <a:sym typeface="Calibri"/>
-              </a:rPr>
-              <a:t>TABLA </a:t>
-            </a:r>
-            <a:r>
-              <a:rPr lang="es-MX" sz="1000" dirty="0">
-                <a:latin typeface="Calibri"/>
-                <a:ea typeface="Calibri"/>
-                <a:cs typeface="Calibri"/>
-                <a:sym typeface="Calibri"/>
-              </a:rPr>
-              <a:t>PERFILES</a:t>
-            </a:r>
-            <a:endParaRPr sz="1000" dirty="0">
-              <a:latin typeface="Calibri"/>
-              <a:ea typeface="Calibri"/>
-              <a:cs typeface="Calibri"/>
-              <a:sym typeface="Calibri"/>
-            </a:endParaRPr>
-          </a:p>
-          <a:p>
-            <a:pPr marL="0" lvl="0" indent="0" algn="l" rtl="0">
-              <a:spcBef>
-                <a:spcPts val="0"/>
-              </a:spcBef>
-              <a:spcAft>
-                <a:spcPts val="0"/>
-              </a:spcAft>
-              <a:buNone/>
-            </a:pPr>
-            <a:r>
-              <a:rPr lang="es-ES" sz="1000" dirty="0">
-                <a:latin typeface="Calibri"/>
-                <a:ea typeface="Calibri"/>
-                <a:cs typeface="Calibri"/>
-                <a:sym typeface="Calibri"/>
-              </a:rPr>
-              <a:t>Almacena los perfiles de los usuarios que se encuentran en el sistema de información .</a:t>
-            </a:r>
-            <a:endParaRPr sz="1000" dirty="0">
-              <a:latin typeface="Calibri"/>
-              <a:ea typeface="Calibri"/>
-              <a:cs typeface="Calibri"/>
-              <a:sym typeface="Calibri"/>
-            </a:endParaRPr>
-          </a:p>
-          <a:p>
-            <a:pPr marL="0" lvl="0" indent="0" algn="l" rtl="0">
-              <a:spcBef>
-                <a:spcPts val="0"/>
-              </a:spcBef>
-              <a:spcAft>
-                <a:spcPts val="0"/>
-              </a:spcAft>
-              <a:buNone/>
-            </a:pPr>
-            <a:r>
-              <a:rPr lang="es-ES" sz="1000" dirty="0">
-                <a:latin typeface="Calibri"/>
-                <a:ea typeface="Calibri"/>
-                <a:cs typeface="Calibri"/>
-                <a:sym typeface="Calibri"/>
-              </a:rPr>
-              <a:t>ENTIDAD: </a:t>
-            </a:r>
-            <a:r>
-              <a:rPr lang="es-MX" sz="1000" dirty="0">
-                <a:latin typeface="Calibri"/>
-                <a:ea typeface="Calibri"/>
-                <a:cs typeface="Calibri"/>
-                <a:sym typeface="Calibri"/>
-              </a:rPr>
-              <a:t>PERFILES</a:t>
-            </a:r>
-            <a:endParaRPr sz="1000" dirty="0">
-              <a:latin typeface="Calibri"/>
-              <a:ea typeface="Calibri"/>
-              <a:cs typeface="Calibri"/>
-              <a:sym typeface="Calibri"/>
-            </a:endParaRPr>
-          </a:p>
-          <a:p>
-            <a:pPr marL="0" lvl="0" indent="0" algn="l" rtl="0">
-              <a:spcBef>
-                <a:spcPts val="0"/>
-              </a:spcBef>
-              <a:spcAft>
-                <a:spcPts val="0"/>
-              </a:spcAft>
-              <a:buNone/>
-            </a:pPr>
-            <a:r>
-              <a:rPr lang="es-ES" sz="1000" dirty="0">
-                <a:latin typeface="Calibri"/>
-                <a:ea typeface="Calibri"/>
-                <a:cs typeface="Calibri"/>
-                <a:sym typeface="Calibri"/>
-              </a:rPr>
-              <a:t>NOMBRE TÉCNICO: </a:t>
-            </a:r>
-            <a:r>
-              <a:rPr lang="es-MX" sz="1000" dirty="0">
-                <a:latin typeface="Calibri"/>
-                <a:ea typeface="Calibri"/>
-                <a:cs typeface="Calibri"/>
-                <a:sym typeface="Calibri"/>
-              </a:rPr>
-              <a:t>PER</a:t>
-            </a:r>
-            <a:endParaRPr sz="1000" dirty="0">
-              <a:latin typeface="Calibri"/>
-              <a:ea typeface="Calibri"/>
-              <a:cs typeface="Calibri"/>
-              <a:sym typeface="Calibri"/>
-            </a:endParaRPr>
-          </a:p>
-          <a:p>
-            <a:pPr marL="0" lvl="0" indent="0" algn="l" rtl="0">
-              <a:spcBef>
-                <a:spcPts val="0"/>
-              </a:spcBef>
-              <a:spcAft>
-                <a:spcPts val="0"/>
-              </a:spcAft>
-              <a:buNone/>
-            </a:pPr>
-            <a:r>
-              <a:rPr lang="es-ES" sz="1000" dirty="0">
-                <a:latin typeface="Calibri"/>
-                <a:ea typeface="Calibri"/>
-                <a:cs typeface="Calibri"/>
-                <a:sym typeface="Calibri"/>
-              </a:rPr>
-              <a:t>DESCRIPCIÓN: Datos perfiles</a:t>
-            </a:r>
-            <a:endParaRPr sz="1000" dirty="0">
-              <a:latin typeface="Calibri"/>
-              <a:ea typeface="Calibri"/>
-              <a:cs typeface="Calibri"/>
-              <a:sym typeface="Calibri"/>
-            </a:endParaRPr>
-          </a:p>
-        </p:txBody>
-      </p:sp>
-      <p:graphicFrame>
-        <p:nvGraphicFramePr>
-          <p:cNvPr id="3" name="Tabla 3">
-            <a:extLst>
-              <a:ext uri="{FF2B5EF4-FFF2-40B4-BE49-F238E27FC236}">
-                <a16:creationId xmlns:a16="http://schemas.microsoft.com/office/drawing/2014/main" id="{3E093429-B0BE-C056-FF56-403F24C00BA0}"/>
-              </a:ext>
-            </a:extLst>
-          </p:cNvPr>
-          <p:cNvGraphicFramePr>
-            <a:graphicFrameLocks noGrp="1"/>
-          </p:cNvGraphicFramePr>
-          <p:nvPr>
-            <p:extLst>
-              <p:ext uri="{D42A27DB-BD31-4B8C-83A1-F6EECF244321}">
-                <p14:modId xmlns:p14="http://schemas.microsoft.com/office/powerpoint/2010/main" val="2376834391"/>
-              </p:ext>
-            </p:extLst>
-          </p:nvPr>
-        </p:nvGraphicFramePr>
-        <p:xfrm>
-          <a:off x="1563880" y="1830070"/>
-          <a:ext cx="6056120" cy="1569720"/>
-        </p:xfrm>
-        <a:graphic>
-          <a:graphicData uri="http://schemas.openxmlformats.org/drawingml/2006/table">
-            <a:tbl>
-              <a:tblPr firstRow="1" bandRow="1">
-                <a:tableStyleId>{710129CB-633A-4B35-92EB-04DC812985FB}</a:tableStyleId>
-              </a:tblPr>
-              <a:tblGrid>
-                <a:gridCol w="1247686">
-                  <a:extLst>
-                    <a:ext uri="{9D8B030D-6E8A-4147-A177-3AD203B41FA5}">
-                      <a16:colId xmlns:a16="http://schemas.microsoft.com/office/drawing/2014/main" val="1643563973"/>
-                    </a:ext>
-                  </a:extLst>
-                </a:gridCol>
-                <a:gridCol w="1150834">
-                  <a:extLst>
-                    <a:ext uri="{9D8B030D-6E8A-4147-A177-3AD203B41FA5}">
-                      <a16:colId xmlns:a16="http://schemas.microsoft.com/office/drawing/2014/main" val="469299672"/>
-                    </a:ext>
-                  </a:extLst>
-                </a:gridCol>
-                <a:gridCol w="1219200">
-                  <a:extLst>
-                    <a:ext uri="{9D8B030D-6E8A-4147-A177-3AD203B41FA5}">
-                      <a16:colId xmlns:a16="http://schemas.microsoft.com/office/drawing/2014/main" val="1681400146"/>
-                    </a:ext>
-                  </a:extLst>
-                </a:gridCol>
-                <a:gridCol w="1219200">
-                  <a:extLst>
-                    <a:ext uri="{9D8B030D-6E8A-4147-A177-3AD203B41FA5}">
-                      <a16:colId xmlns:a16="http://schemas.microsoft.com/office/drawing/2014/main" val="1987176182"/>
-                    </a:ext>
-                  </a:extLst>
-                </a:gridCol>
-                <a:gridCol w="1219200">
-                  <a:extLst>
-                    <a:ext uri="{9D8B030D-6E8A-4147-A177-3AD203B41FA5}">
-                      <a16:colId xmlns:a16="http://schemas.microsoft.com/office/drawing/2014/main" val="350454106"/>
-                    </a:ext>
-                  </a:extLst>
-                </a:gridCol>
-              </a:tblGrid>
-              <a:tr h="370840">
-                <a:tc>
-                  <a:txBody>
-                    <a:bodyPr/>
-                    <a:lstStyle/>
-                    <a:p>
-                      <a:r>
-                        <a:rPr lang="es-MX" sz="800" dirty="0">
-                          <a:latin typeface="Calibri" panose="020F0502020204030204" pitchFamily="34" charset="0"/>
-                          <a:cs typeface="Calibri" panose="020F0502020204030204" pitchFamily="34" charset="0"/>
-                        </a:rPr>
-                        <a:t>NEMONICO</a:t>
-                      </a:r>
-                      <a:endParaRPr lang="es-CO" sz="800" dirty="0">
-                        <a:latin typeface="Calibri" panose="020F0502020204030204" pitchFamily="34" charset="0"/>
-                        <a:cs typeface="Calibri" panose="020F0502020204030204" pitchFamily="34" charset="0"/>
-                      </a:endParaRPr>
-                    </a:p>
-                  </a:txBody>
-                  <a:tcPr>
-                    <a:lnL w="12700" cap="flat" cmpd="sng" algn="ctr">
-                      <a:solidFill>
-                        <a:schemeClr val="tx1"/>
-                      </a:solidFill>
-                      <a:prstDash val="solid"/>
-                      <a:round/>
-                      <a:headEnd type="none" w="med" len="med"/>
-                      <a:tailEnd type="none" w="med" len="med"/>
-                    </a:lnL>
-                    <a:lnR w="12700" cap="flat" cmpd="sng" algn="ctr">
-                      <a:solidFill>
-                        <a:schemeClr val="tx1"/>
-                      </a:solidFill>
-                      <a:prstDash val="solid"/>
-                      <a:round/>
-                      <a:headEnd type="none" w="med" len="med"/>
-                      <a:tailEnd type="none" w="med" len="med"/>
-                    </a:lnR>
-                    <a:lnT w="12700" cap="flat" cmpd="sng" algn="ctr">
-                      <a:solidFill>
-                        <a:schemeClr val="tx1"/>
-                      </a:solidFill>
-                      <a:prstDash val="solid"/>
-                      <a:round/>
-                      <a:headEnd type="none" w="med" len="med"/>
-                      <a:tailEnd type="none" w="med" len="med"/>
-                    </a:lnT>
-                    <a:lnB w="12700" cap="flat" cmpd="sng" algn="ctr">
-                      <a:solidFill>
-                        <a:schemeClr val="tx1"/>
-                      </a:solidFill>
-                      <a:prstDash val="solid"/>
-                      <a:round/>
-                      <a:headEnd type="none" w="med" len="med"/>
-                      <a:tailEnd type="none" w="med" len="med"/>
-                    </a:lnB>
-                    <a:solidFill>
-                      <a:schemeClr val="accent6"/>
-                    </a:solidFill>
-                  </a:tcPr>
-                </a:tc>
-                <a:tc>
-                  <a:txBody>
-                    <a:bodyPr/>
-                    <a:lstStyle/>
-                    <a:p>
-                      <a:r>
-                        <a:rPr lang="es-MX" sz="800" dirty="0">
-                          <a:latin typeface="Calibri" panose="020F0502020204030204" pitchFamily="34" charset="0"/>
-                          <a:cs typeface="Calibri" panose="020F0502020204030204" pitchFamily="34" charset="0"/>
-                        </a:rPr>
-                        <a:t>TIPO_LLAVE</a:t>
-                      </a:r>
-                      <a:endParaRPr lang="es-CO" sz="800" dirty="0">
-                        <a:latin typeface="Calibri" panose="020F0502020204030204" pitchFamily="34" charset="0"/>
-                        <a:cs typeface="Calibri" panose="020F0502020204030204" pitchFamily="34" charset="0"/>
-                      </a:endParaRPr>
-                    </a:p>
-                  </a:txBody>
-                  <a:tcPr>
-                    <a:lnL w="12700" cap="flat" cmpd="sng" algn="ctr">
-                      <a:solidFill>
-                        <a:schemeClr val="tx1"/>
-                      </a:solidFill>
-                      <a:prstDash val="solid"/>
-                      <a:round/>
-                      <a:headEnd type="none" w="med" len="med"/>
-                      <a:tailEnd type="none" w="med" len="med"/>
-                    </a:lnL>
-                    <a:lnR w="12700" cap="flat" cmpd="sng" algn="ctr">
-                      <a:solidFill>
-                        <a:schemeClr val="tx1"/>
-                      </a:solidFill>
-                      <a:prstDash val="solid"/>
-                      <a:round/>
-                      <a:headEnd type="none" w="med" len="med"/>
-                      <a:tailEnd type="none" w="med" len="med"/>
-                    </a:lnR>
-                    <a:lnT w="12700" cap="flat" cmpd="sng" algn="ctr">
-                      <a:solidFill>
-                        <a:schemeClr val="tx1"/>
-                      </a:solidFill>
-                      <a:prstDash val="solid"/>
-                      <a:round/>
-                      <a:headEnd type="none" w="med" len="med"/>
-                      <a:tailEnd type="none" w="med" len="med"/>
-                    </a:lnT>
-                    <a:lnB w="12700" cap="flat" cmpd="sng" algn="ctr">
-                      <a:solidFill>
-                        <a:schemeClr val="tx1"/>
-                      </a:solidFill>
-                      <a:prstDash val="solid"/>
-                      <a:round/>
-                      <a:headEnd type="none" w="med" len="med"/>
-                      <a:tailEnd type="none" w="med" len="med"/>
-                    </a:lnB>
-                    <a:solidFill>
-                      <a:schemeClr val="accent6"/>
-                    </a:solidFill>
-                  </a:tcPr>
-                </a:tc>
-                <a:tc>
-                  <a:txBody>
-                    <a:bodyPr/>
-                    <a:lstStyle/>
-                    <a:p>
-                      <a:r>
-                        <a:rPr lang="es-MX" sz="800" dirty="0">
-                          <a:latin typeface="Calibri" panose="020F0502020204030204" pitchFamily="34" charset="0"/>
-                          <a:cs typeface="Calibri" panose="020F0502020204030204" pitchFamily="34" charset="0"/>
-                        </a:rPr>
-                        <a:t>TIPO_DATO</a:t>
-                      </a:r>
-                      <a:endParaRPr lang="es-CO" sz="800" dirty="0">
-                        <a:latin typeface="Calibri" panose="020F0502020204030204" pitchFamily="34" charset="0"/>
-                        <a:cs typeface="Calibri" panose="020F0502020204030204" pitchFamily="34" charset="0"/>
-                      </a:endParaRPr>
-                    </a:p>
-                  </a:txBody>
-                  <a:tcPr>
-                    <a:lnL w="12700" cap="flat" cmpd="sng" algn="ctr">
-                      <a:solidFill>
-                        <a:schemeClr val="tx1"/>
-                      </a:solidFill>
-                      <a:prstDash val="solid"/>
-                      <a:round/>
-                      <a:headEnd type="none" w="med" len="med"/>
-                      <a:tailEnd type="none" w="med" len="med"/>
-                    </a:lnL>
-                    <a:lnR w="12700" cap="flat" cmpd="sng" algn="ctr">
-                      <a:solidFill>
-                        <a:schemeClr val="tx1"/>
-                      </a:solidFill>
-                      <a:prstDash val="solid"/>
-                      <a:round/>
-                      <a:headEnd type="none" w="med" len="med"/>
-                      <a:tailEnd type="none" w="med" len="med"/>
-                    </a:lnR>
-                    <a:lnT w="12700" cap="flat" cmpd="sng" algn="ctr">
-                      <a:solidFill>
-                        <a:schemeClr val="tx1"/>
-                      </a:solidFill>
-                      <a:prstDash val="solid"/>
-                      <a:round/>
-                      <a:headEnd type="none" w="med" len="med"/>
-                      <a:tailEnd type="none" w="med" len="med"/>
-                    </a:lnT>
-                    <a:lnB w="12700" cap="flat" cmpd="sng" algn="ctr">
-                      <a:solidFill>
-                        <a:schemeClr val="tx1"/>
-                      </a:solidFill>
-                      <a:prstDash val="solid"/>
-                      <a:round/>
-                      <a:headEnd type="none" w="med" len="med"/>
-                      <a:tailEnd type="none" w="med" len="med"/>
-                    </a:lnB>
-                    <a:solidFill>
-                      <a:schemeClr val="accent6"/>
-                    </a:solidFill>
-                  </a:tcPr>
-                </a:tc>
-                <a:tc>
-                  <a:txBody>
-                    <a:bodyPr/>
-                    <a:lstStyle/>
-                    <a:p>
-                      <a:r>
-                        <a:rPr lang="es-MX" sz="800" dirty="0">
-                          <a:latin typeface="Calibri" panose="020F0502020204030204" pitchFamily="34" charset="0"/>
-                          <a:cs typeface="Calibri" panose="020F0502020204030204" pitchFamily="34" charset="0"/>
-                        </a:rPr>
-                        <a:t>LONGITUD</a:t>
-                      </a:r>
-                      <a:endParaRPr lang="es-CO" sz="800" dirty="0">
-                        <a:latin typeface="Calibri" panose="020F0502020204030204" pitchFamily="34" charset="0"/>
-                        <a:cs typeface="Calibri" panose="020F0502020204030204" pitchFamily="34" charset="0"/>
-                      </a:endParaRPr>
-                    </a:p>
-                  </a:txBody>
-                  <a:tcPr>
-                    <a:lnL w="12700" cap="flat" cmpd="sng" algn="ctr">
-                      <a:solidFill>
-                        <a:schemeClr val="tx1"/>
-                      </a:solidFill>
-                      <a:prstDash val="solid"/>
-                      <a:round/>
-                      <a:headEnd type="none" w="med" len="med"/>
-                      <a:tailEnd type="none" w="med" len="med"/>
-                    </a:lnL>
-                    <a:lnR w="12700" cap="flat" cmpd="sng" algn="ctr">
-                      <a:solidFill>
-                        <a:schemeClr val="tx1"/>
-                      </a:solidFill>
-                      <a:prstDash val="solid"/>
-                      <a:round/>
-                      <a:headEnd type="none" w="med" len="med"/>
-                      <a:tailEnd type="none" w="med" len="med"/>
-                    </a:lnR>
-                    <a:lnT w="12700" cap="flat" cmpd="sng" algn="ctr">
-                      <a:solidFill>
-                        <a:schemeClr val="tx1"/>
-                      </a:solidFill>
-                      <a:prstDash val="solid"/>
-                      <a:round/>
-                      <a:headEnd type="none" w="med" len="med"/>
-                      <a:tailEnd type="none" w="med" len="med"/>
-                    </a:lnT>
-                    <a:lnB w="12700" cap="flat" cmpd="sng" algn="ctr">
-                      <a:solidFill>
-                        <a:schemeClr val="tx1"/>
-                      </a:solidFill>
-                      <a:prstDash val="solid"/>
-                      <a:round/>
-                      <a:headEnd type="none" w="med" len="med"/>
-                      <a:tailEnd type="none" w="med" len="med"/>
-                    </a:lnB>
-                    <a:solidFill>
-                      <a:schemeClr val="accent6"/>
-                    </a:solidFill>
-                  </a:tcPr>
-                </a:tc>
-                <a:tc>
-                  <a:txBody>
-                    <a:bodyPr/>
-                    <a:lstStyle/>
-                    <a:p>
-                      <a:r>
-                        <a:rPr lang="es-MX" sz="800" dirty="0">
-                          <a:latin typeface="Calibri" panose="020F0502020204030204" pitchFamily="34" charset="0"/>
-                          <a:cs typeface="Calibri" panose="020F0502020204030204" pitchFamily="34" charset="0"/>
-                        </a:rPr>
-                        <a:t>DESCRIPCION </a:t>
-                      </a:r>
-                      <a:endParaRPr lang="es-CO" sz="800" dirty="0">
-                        <a:latin typeface="Calibri" panose="020F0502020204030204" pitchFamily="34" charset="0"/>
-                        <a:cs typeface="Calibri" panose="020F0502020204030204" pitchFamily="34" charset="0"/>
-                      </a:endParaRPr>
-                    </a:p>
-                  </a:txBody>
-                  <a:tcPr>
-                    <a:lnL w="12700" cap="flat" cmpd="sng" algn="ctr">
-                      <a:solidFill>
-                        <a:schemeClr val="tx1"/>
-                      </a:solidFill>
-                      <a:prstDash val="solid"/>
-                      <a:round/>
-                      <a:headEnd type="none" w="med" len="med"/>
-                      <a:tailEnd type="none" w="med" len="med"/>
-                    </a:lnL>
-                    <a:lnR w="12700" cap="flat" cmpd="sng" algn="ctr">
-                      <a:solidFill>
-                        <a:schemeClr val="tx1"/>
-                      </a:solidFill>
-                      <a:prstDash val="solid"/>
-                      <a:round/>
-                      <a:headEnd type="none" w="med" len="med"/>
-                      <a:tailEnd type="none" w="med" len="med"/>
-                    </a:lnR>
-                    <a:lnT w="12700" cap="flat" cmpd="sng" algn="ctr">
-                      <a:solidFill>
-                        <a:schemeClr val="tx1"/>
-                      </a:solidFill>
-                      <a:prstDash val="solid"/>
-                      <a:round/>
-                      <a:headEnd type="none" w="med" len="med"/>
-                      <a:tailEnd type="none" w="med" len="med"/>
-                    </a:lnT>
-                    <a:lnB w="12700" cap="flat" cmpd="sng" algn="ctr">
-                      <a:solidFill>
-                        <a:schemeClr val="tx1"/>
-                      </a:solidFill>
-                      <a:prstDash val="solid"/>
-                      <a:round/>
-                      <a:headEnd type="none" w="med" len="med"/>
-                      <a:tailEnd type="none" w="med" len="med"/>
-                    </a:lnB>
-                    <a:solidFill>
-                      <a:schemeClr val="accent6"/>
-                    </a:solidFill>
-                  </a:tcPr>
-                </a:tc>
-                <a:extLst>
-                  <a:ext uri="{0D108BD9-81ED-4DB2-BD59-A6C34878D82A}">
-                    <a16:rowId xmlns:a16="http://schemas.microsoft.com/office/drawing/2014/main" val="2954781391"/>
-                  </a:ext>
-                </a:extLst>
-              </a:tr>
-              <a:tr h="370840">
-                <a:tc>
-                  <a:txBody>
-                    <a:bodyPr/>
-                    <a:lstStyle/>
-                    <a:p>
-                      <a:r>
-                        <a:rPr lang="es-MX" sz="800" dirty="0">
-                          <a:latin typeface="Calibri" panose="020F0502020204030204" pitchFamily="34" charset="0"/>
-                          <a:cs typeface="Calibri" panose="020F0502020204030204" pitchFamily="34" charset="0"/>
-                        </a:rPr>
-                        <a:t>IDPERFILES</a:t>
-                      </a:r>
-                      <a:endParaRPr lang="es-CO" sz="800" dirty="0">
-                        <a:latin typeface="Calibri" panose="020F0502020204030204" pitchFamily="34" charset="0"/>
-                        <a:cs typeface="Calibri" panose="020F0502020204030204" pitchFamily="34" charset="0"/>
-                      </a:endParaRPr>
-                    </a:p>
-                  </a:txBody>
-                  <a:tcPr>
-                    <a:lnL w="12700" cap="flat" cmpd="sng" algn="ctr">
-                      <a:solidFill>
-                        <a:schemeClr val="tx1"/>
-                      </a:solidFill>
-                      <a:prstDash val="solid"/>
-                      <a:round/>
-                      <a:headEnd type="none" w="med" len="med"/>
-                      <a:tailEnd type="none" w="med" len="med"/>
-                    </a:lnL>
-                    <a:lnR w="12700" cap="flat" cmpd="sng" algn="ctr">
-                      <a:solidFill>
-                        <a:schemeClr val="tx1"/>
-                      </a:solidFill>
-                      <a:prstDash val="solid"/>
-                      <a:round/>
-                      <a:headEnd type="none" w="med" len="med"/>
-                      <a:tailEnd type="none" w="med" len="med"/>
-                    </a:lnR>
-                    <a:lnT w="12700" cap="flat" cmpd="sng" algn="ctr">
-                      <a:solidFill>
-                        <a:schemeClr val="tx1"/>
-                      </a:solidFill>
-                      <a:prstDash val="solid"/>
-                      <a:round/>
-                      <a:headEnd type="none" w="med" len="med"/>
-                      <a:tailEnd type="none" w="med" len="med"/>
-                    </a:lnT>
-                    <a:lnB w="12700" cap="flat" cmpd="sng" algn="ctr">
-                      <a:solidFill>
-                        <a:schemeClr val="tx1"/>
-                      </a:solidFill>
-                      <a:prstDash val="solid"/>
-                      <a:round/>
-                      <a:headEnd type="none" w="med" len="med"/>
-                      <a:tailEnd type="none" w="med" len="med"/>
-                    </a:lnB>
-                    <a:solidFill>
-                      <a:schemeClr val="accent6">
-                        <a:lumMod val="60000"/>
-                        <a:lumOff val="40000"/>
-                      </a:schemeClr>
-                    </a:solidFill>
-                  </a:tcPr>
-                </a:tc>
-                <a:tc>
-                  <a:txBody>
-                    <a:bodyPr/>
-                    <a:lstStyle/>
-                    <a:p>
-                      <a:r>
-                        <a:rPr lang="es-MX" sz="800" dirty="0">
-                          <a:latin typeface="Calibri" panose="020F0502020204030204" pitchFamily="34" charset="0"/>
-                          <a:cs typeface="Calibri" panose="020F0502020204030204" pitchFamily="34" charset="0"/>
-                        </a:rPr>
-                        <a:t>PRIMARIA</a:t>
-                      </a:r>
-                      <a:endParaRPr lang="es-CO" sz="800" dirty="0">
-                        <a:latin typeface="Calibri" panose="020F0502020204030204" pitchFamily="34" charset="0"/>
-                        <a:cs typeface="Calibri" panose="020F0502020204030204" pitchFamily="34" charset="0"/>
-                      </a:endParaRPr>
-                    </a:p>
-                  </a:txBody>
-                  <a:tcPr>
-                    <a:lnL w="12700" cap="flat" cmpd="sng" algn="ctr">
-                      <a:solidFill>
-                        <a:schemeClr val="tx1"/>
-                      </a:solidFill>
-                      <a:prstDash val="solid"/>
-                      <a:round/>
-                      <a:headEnd type="none" w="med" len="med"/>
-                      <a:tailEnd type="none" w="med" len="med"/>
-                    </a:lnL>
-                    <a:lnR w="12700" cap="flat" cmpd="sng" algn="ctr">
-                      <a:solidFill>
-                        <a:schemeClr val="tx1"/>
-                      </a:solidFill>
-                      <a:prstDash val="solid"/>
-                      <a:round/>
-                      <a:headEnd type="none" w="med" len="med"/>
-                      <a:tailEnd type="none" w="med" len="med"/>
-                    </a:lnR>
-                    <a:lnT w="12700" cap="flat" cmpd="sng" algn="ctr">
-                      <a:solidFill>
-                        <a:schemeClr val="tx1"/>
-                      </a:solidFill>
-                      <a:prstDash val="solid"/>
-                      <a:round/>
-                      <a:headEnd type="none" w="med" len="med"/>
-                      <a:tailEnd type="none" w="med" len="med"/>
-                    </a:lnT>
-                    <a:lnB w="12700" cap="flat" cmpd="sng" algn="ctr">
-                      <a:solidFill>
-                        <a:schemeClr val="tx1"/>
-                      </a:solidFill>
-                      <a:prstDash val="solid"/>
-                      <a:round/>
-                      <a:headEnd type="none" w="med" len="med"/>
-                      <a:tailEnd type="none" w="med" len="med"/>
-                    </a:lnB>
-                    <a:solidFill>
-                      <a:schemeClr val="accent6">
-                        <a:lumMod val="60000"/>
-                        <a:lumOff val="40000"/>
-                      </a:schemeClr>
-                    </a:solidFill>
-                  </a:tcPr>
-                </a:tc>
-                <a:tc>
-                  <a:txBody>
-                    <a:bodyPr/>
-                    <a:lstStyle/>
-                    <a:p>
-                      <a:r>
-                        <a:rPr lang="es-MX" sz="800" dirty="0">
-                          <a:latin typeface="Calibri" panose="020F0502020204030204" pitchFamily="34" charset="0"/>
-                          <a:cs typeface="Calibri" panose="020F0502020204030204" pitchFamily="34" charset="0"/>
-                        </a:rPr>
-                        <a:t>INT</a:t>
-                      </a:r>
-                      <a:endParaRPr lang="es-CO" sz="800" dirty="0">
-                        <a:latin typeface="Calibri" panose="020F0502020204030204" pitchFamily="34" charset="0"/>
-                        <a:cs typeface="Calibri" panose="020F0502020204030204" pitchFamily="34" charset="0"/>
-                      </a:endParaRPr>
-                    </a:p>
-                  </a:txBody>
-                  <a:tcPr>
-                    <a:lnL w="12700" cap="flat" cmpd="sng" algn="ctr">
-                      <a:solidFill>
-                        <a:schemeClr val="tx1"/>
-                      </a:solidFill>
-                      <a:prstDash val="solid"/>
-                      <a:round/>
-                      <a:headEnd type="none" w="med" len="med"/>
-                      <a:tailEnd type="none" w="med" len="med"/>
-                    </a:lnL>
-                    <a:lnR w="12700" cap="flat" cmpd="sng" algn="ctr">
-                      <a:solidFill>
-                        <a:schemeClr val="tx1"/>
-                      </a:solidFill>
-                      <a:prstDash val="solid"/>
-                      <a:round/>
-                      <a:headEnd type="none" w="med" len="med"/>
-                      <a:tailEnd type="none" w="med" len="med"/>
-                    </a:lnR>
-                    <a:lnT w="12700" cap="flat" cmpd="sng" algn="ctr">
-                      <a:solidFill>
-                        <a:schemeClr val="tx1"/>
-                      </a:solidFill>
-                      <a:prstDash val="solid"/>
-                      <a:round/>
-                      <a:headEnd type="none" w="med" len="med"/>
-                      <a:tailEnd type="none" w="med" len="med"/>
-                    </a:lnT>
-                    <a:lnB w="12700" cap="flat" cmpd="sng" algn="ctr">
-                      <a:solidFill>
-                        <a:schemeClr val="tx1"/>
-                      </a:solidFill>
-                      <a:prstDash val="solid"/>
-                      <a:round/>
-                      <a:headEnd type="none" w="med" len="med"/>
-                      <a:tailEnd type="none" w="med" len="med"/>
-                    </a:lnB>
-                    <a:solidFill>
-                      <a:schemeClr val="accent6">
-                        <a:lumMod val="60000"/>
-                        <a:lumOff val="40000"/>
-                      </a:schemeClr>
-                    </a:solidFill>
-                  </a:tcPr>
-                </a:tc>
-                <a:tc>
-                  <a:txBody>
-                    <a:bodyPr/>
-                    <a:lstStyle/>
-                    <a:p>
-                      <a:r>
-                        <a:rPr lang="es-MX" sz="800" dirty="0">
-                          <a:latin typeface="Calibri" panose="020F0502020204030204" pitchFamily="34" charset="0"/>
-                          <a:cs typeface="Calibri" panose="020F0502020204030204" pitchFamily="34" charset="0"/>
-                        </a:rPr>
-                        <a:t>10</a:t>
-                      </a:r>
-                      <a:endParaRPr lang="es-CO" sz="800" dirty="0">
-                        <a:latin typeface="Calibri" panose="020F0502020204030204" pitchFamily="34" charset="0"/>
-                        <a:cs typeface="Calibri" panose="020F0502020204030204" pitchFamily="34" charset="0"/>
-                      </a:endParaRPr>
-                    </a:p>
-                  </a:txBody>
-                  <a:tcPr>
-                    <a:lnL w="12700" cap="flat" cmpd="sng" algn="ctr">
-                      <a:solidFill>
-                        <a:schemeClr val="tx1"/>
-                      </a:solidFill>
-                      <a:prstDash val="solid"/>
-                      <a:round/>
-                      <a:headEnd type="none" w="med" len="med"/>
-                      <a:tailEnd type="none" w="med" len="med"/>
-                    </a:lnL>
-                    <a:lnR w="12700" cap="flat" cmpd="sng" algn="ctr">
-                      <a:solidFill>
-                        <a:schemeClr val="tx1"/>
-                      </a:solidFill>
-                      <a:prstDash val="solid"/>
-                      <a:round/>
-                      <a:headEnd type="none" w="med" len="med"/>
-                      <a:tailEnd type="none" w="med" len="med"/>
-                    </a:lnR>
-                    <a:lnT w="12700" cap="flat" cmpd="sng" algn="ctr">
-                      <a:solidFill>
-                        <a:schemeClr val="tx1"/>
-                      </a:solidFill>
-                      <a:prstDash val="solid"/>
-                      <a:round/>
-                      <a:headEnd type="none" w="med" len="med"/>
-                      <a:tailEnd type="none" w="med" len="med"/>
-                    </a:lnT>
-                    <a:lnB w="12700" cap="flat" cmpd="sng" algn="ctr">
-                      <a:solidFill>
-                        <a:schemeClr val="tx1"/>
-                      </a:solidFill>
-                      <a:prstDash val="solid"/>
-                      <a:round/>
-                      <a:headEnd type="none" w="med" len="med"/>
-                      <a:tailEnd type="none" w="med" len="med"/>
-                    </a:lnB>
-                    <a:solidFill>
-                      <a:schemeClr val="accent6">
-                        <a:lumMod val="60000"/>
-                        <a:lumOff val="40000"/>
-                      </a:schemeClr>
-                    </a:solidFill>
-                  </a:tcPr>
-                </a:tc>
-                <a:tc>
-                  <a:txBody>
-                    <a:bodyPr/>
-                    <a:lstStyle/>
-                    <a:p>
-                      <a:r>
-                        <a:rPr lang="es-MX" sz="800" dirty="0">
-                          <a:latin typeface="Calibri" panose="020F0502020204030204" pitchFamily="34" charset="0"/>
-                          <a:cs typeface="Calibri" panose="020F0502020204030204" pitchFamily="34" charset="0"/>
-                        </a:rPr>
-                        <a:t>Numero de identificación de los perfiles  de los usuarios</a:t>
-                      </a:r>
-                      <a:endParaRPr lang="es-CO" sz="800" dirty="0">
-                        <a:latin typeface="Calibri" panose="020F0502020204030204" pitchFamily="34" charset="0"/>
-                        <a:cs typeface="Calibri" panose="020F0502020204030204" pitchFamily="34" charset="0"/>
-                      </a:endParaRPr>
-                    </a:p>
-                  </a:txBody>
-                  <a:tcPr>
-                    <a:lnL w="12700" cap="flat" cmpd="sng" algn="ctr">
-                      <a:solidFill>
-                        <a:schemeClr val="tx1"/>
-                      </a:solidFill>
-                      <a:prstDash val="solid"/>
-                      <a:round/>
-                      <a:headEnd type="none" w="med" len="med"/>
-                      <a:tailEnd type="none" w="med" len="med"/>
-                    </a:lnL>
-                    <a:lnR w="12700" cap="flat" cmpd="sng" algn="ctr">
-                      <a:solidFill>
-                        <a:schemeClr val="tx1"/>
-                      </a:solidFill>
-                      <a:prstDash val="solid"/>
-                      <a:round/>
-                      <a:headEnd type="none" w="med" len="med"/>
-                      <a:tailEnd type="none" w="med" len="med"/>
-                    </a:lnR>
-                    <a:lnT w="12700" cap="flat" cmpd="sng" algn="ctr">
-                      <a:solidFill>
-                        <a:schemeClr val="tx1"/>
-                      </a:solidFill>
-                      <a:prstDash val="solid"/>
-                      <a:round/>
-                      <a:headEnd type="none" w="med" len="med"/>
-                      <a:tailEnd type="none" w="med" len="med"/>
-                    </a:lnT>
-                    <a:lnB w="12700" cap="flat" cmpd="sng" algn="ctr">
-                      <a:solidFill>
-                        <a:schemeClr val="tx1"/>
-                      </a:solidFill>
-                      <a:prstDash val="solid"/>
-                      <a:round/>
-                      <a:headEnd type="none" w="med" len="med"/>
-                      <a:tailEnd type="none" w="med" len="med"/>
-                    </a:lnB>
-                    <a:solidFill>
-                      <a:schemeClr val="accent6">
-                        <a:lumMod val="60000"/>
-                        <a:lumOff val="40000"/>
-                      </a:schemeClr>
-                    </a:solidFill>
-                  </a:tcPr>
-                </a:tc>
-                <a:extLst>
-                  <a:ext uri="{0D108BD9-81ED-4DB2-BD59-A6C34878D82A}">
-                    <a16:rowId xmlns:a16="http://schemas.microsoft.com/office/drawing/2014/main" val="2087476772"/>
-                  </a:ext>
-                </a:extLst>
-              </a:tr>
-              <a:tr h="370840">
-                <a:tc>
-                  <a:txBody>
-                    <a:bodyPr/>
-                    <a:lstStyle/>
-                    <a:p>
-                      <a:r>
-                        <a:rPr lang="es-MX" sz="800" dirty="0">
-                          <a:latin typeface="Calibri" panose="020F0502020204030204" pitchFamily="34" charset="0"/>
-                          <a:cs typeface="Calibri" panose="020F0502020204030204" pitchFamily="34" charset="0"/>
-                        </a:rPr>
-                        <a:t>NOMBRE_USUARIO</a:t>
-                      </a:r>
-                      <a:endParaRPr lang="es-CO" sz="800" dirty="0">
-                        <a:latin typeface="Calibri" panose="020F0502020204030204" pitchFamily="34" charset="0"/>
-                        <a:cs typeface="Calibri" panose="020F0502020204030204" pitchFamily="34" charset="0"/>
-                      </a:endParaRPr>
-                    </a:p>
-                  </a:txBody>
-                  <a:tcPr>
-                    <a:lnL w="12700" cap="flat" cmpd="sng" algn="ctr">
-                      <a:solidFill>
-                        <a:schemeClr val="tx1"/>
-                      </a:solidFill>
-                      <a:prstDash val="solid"/>
-                      <a:round/>
-                      <a:headEnd type="none" w="med" len="med"/>
-                      <a:tailEnd type="none" w="med" len="med"/>
-                    </a:lnL>
-                    <a:lnR w="12700" cap="flat" cmpd="sng" algn="ctr">
-                      <a:solidFill>
-                        <a:schemeClr val="tx1"/>
-                      </a:solidFill>
-                      <a:prstDash val="solid"/>
-                      <a:round/>
-                      <a:headEnd type="none" w="med" len="med"/>
-                      <a:tailEnd type="none" w="med" len="med"/>
-                    </a:lnR>
-                    <a:lnT w="12700" cap="flat" cmpd="sng" algn="ctr">
-                      <a:solidFill>
-                        <a:schemeClr val="tx1"/>
-                      </a:solidFill>
-                      <a:prstDash val="solid"/>
-                      <a:round/>
-                      <a:headEnd type="none" w="med" len="med"/>
-                      <a:tailEnd type="none" w="med" len="med"/>
-                    </a:lnT>
-                    <a:lnB w="12700" cap="flat" cmpd="sng" algn="ctr">
-                      <a:solidFill>
-                        <a:schemeClr val="tx1"/>
-                      </a:solidFill>
-                      <a:prstDash val="solid"/>
-                      <a:round/>
-                      <a:headEnd type="none" w="med" len="med"/>
-                      <a:tailEnd type="none" w="med" len="med"/>
-                    </a:lnB>
-                    <a:solidFill>
-                      <a:schemeClr val="accent6">
-                        <a:lumMod val="60000"/>
-                        <a:lumOff val="40000"/>
-                      </a:schemeClr>
-                    </a:solidFill>
-                  </a:tcPr>
-                </a:tc>
-                <a:tc>
-                  <a:txBody>
-                    <a:bodyPr/>
-                    <a:lstStyle/>
-                    <a:p>
-                      <a:endParaRPr lang="es-CO" sz="800" dirty="0">
-                        <a:latin typeface="Calibri" panose="020F0502020204030204" pitchFamily="34" charset="0"/>
-                        <a:cs typeface="Calibri" panose="020F0502020204030204" pitchFamily="34" charset="0"/>
-                      </a:endParaRPr>
-                    </a:p>
-                  </a:txBody>
-                  <a:tcPr>
-                    <a:lnL w="12700" cap="flat" cmpd="sng" algn="ctr">
-                      <a:solidFill>
-                        <a:schemeClr val="tx1"/>
-                      </a:solidFill>
-                      <a:prstDash val="solid"/>
-                      <a:round/>
-                      <a:headEnd type="none" w="med" len="med"/>
-                      <a:tailEnd type="none" w="med" len="med"/>
-                    </a:lnL>
-                    <a:lnR w="12700" cap="flat" cmpd="sng" algn="ctr">
-                      <a:solidFill>
-                        <a:schemeClr val="tx1"/>
-                      </a:solidFill>
-                      <a:prstDash val="solid"/>
-                      <a:round/>
-                      <a:headEnd type="none" w="med" len="med"/>
-                      <a:tailEnd type="none" w="med" len="med"/>
-                    </a:lnR>
-                    <a:lnT w="12700" cap="flat" cmpd="sng" algn="ctr">
-                      <a:solidFill>
-                        <a:schemeClr val="tx1"/>
-                      </a:solidFill>
-                      <a:prstDash val="solid"/>
-                      <a:round/>
-                      <a:headEnd type="none" w="med" len="med"/>
-                      <a:tailEnd type="none" w="med" len="med"/>
-                    </a:lnT>
-                    <a:lnB w="12700" cap="flat" cmpd="sng" algn="ctr">
-                      <a:solidFill>
-                        <a:schemeClr val="tx1"/>
-                      </a:solidFill>
-                      <a:prstDash val="solid"/>
-                      <a:round/>
-                      <a:headEnd type="none" w="med" len="med"/>
-                      <a:tailEnd type="none" w="med" len="med"/>
-                    </a:lnB>
-                    <a:solidFill>
-                      <a:schemeClr val="accent6">
-                        <a:lumMod val="60000"/>
-                        <a:lumOff val="40000"/>
-                      </a:schemeClr>
-                    </a:solidFill>
-                  </a:tcPr>
-                </a:tc>
-                <a:tc>
-                  <a:txBody>
-                    <a:bodyPr/>
-                    <a:lstStyle/>
-                    <a:p>
-                      <a:r>
-                        <a:rPr lang="es-MX" sz="800" dirty="0">
-                          <a:latin typeface="Calibri" panose="020F0502020204030204" pitchFamily="34" charset="0"/>
-                          <a:cs typeface="Calibri" panose="020F0502020204030204" pitchFamily="34" charset="0"/>
-                        </a:rPr>
-                        <a:t>VARCHAR</a:t>
-                      </a:r>
-                      <a:endParaRPr lang="es-CO" sz="800" dirty="0">
-                        <a:latin typeface="Calibri" panose="020F0502020204030204" pitchFamily="34" charset="0"/>
-                        <a:cs typeface="Calibri" panose="020F0502020204030204" pitchFamily="34" charset="0"/>
-                      </a:endParaRPr>
-                    </a:p>
-                  </a:txBody>
-                  <a:tcPr>
-                    <a:lnL w="12700" cap="flat" cmpd="sng" algn="ctr">
-                      <a:solidFill>
-                        <a:schemeClr val="tx1"/>
-                      </a:solidFill>
-                      <a:prstDash val="solid"/>
-                      <a:round/>
-                      <a:headEnd type="none" w="med" len="med"/>
-                      <a:tailEnd type="none" w="med" len="med"/>
-                    </a:lnL>
-                    <a:lnR w="12700" cap="flat" cmpd="sng" algn="ctr">
-                      <a:solidFill>
-                        <a:schemeClr val="tx1"/>
-                      </a:solidFill>
-                      <a:prstDash val="solid"/>
-                      <a:round/>
-                      <a:headEnd type="none" w="med" len="med"/>
-                      <a:tailEnd type="none" w="med" len="med"/>
-                    </a:lnR>
-                    <a:lnT w="12700" cap="flat" cmpd="sng" algn="ctr">
-                      <a:solidFill>
-                        <a:schemeClr val="tx1"/>
-                      </a:solidFill>
-                      <a:prstDash val="solid"/>
-                      <a:round/>
-                      <a:headEnd type="none" w="med" len="med"/>
-                      <a:tailEnd type="none" w="med" len="med"/>
-                    </a:lnT>
-                    <a:lnB w="12700" cap="flat" cmpd="sng" algn="ctr">
-                      <a:solidFill>
-                        <a:schemeClr val="tx1"/>
-                      </a:solidFill>
-                      <a:prstDash val="solid"/>
-                      <a:round/>
-                      <a:headEnd type="none" w="med" len="med"/>
-                      <a:tailEnd type="none" w="med" len="med"/>
-                    </a:lnB>
-                    <a:solidFill>
-                      <a:schemeClr val="accent6">
-                        <a:lumMod val="60000"/>
-                        <a:lumOff val="40000"/>
-                      </a:schemeClr>
-                    </a:solidFill>
-                  </a:tcPr>
-                </a:tc>
-                <a:tc>
-                  <a:txBody>
-                    <a:bodyPr/>
-                    <a:lstStyle/>
-                    <a:p>
-                      <a:r>
-                        <a:rPr lang="es-MX" sz="800" dirty="0">
-                          <a:latin typeface="Calibri" panose="020F0502020204030204" pitchFamily="34" charset="0"/>
-                          <a:cs typeface="Calibri" panose="020F0502020204030204" pitchFamily="34" charset="0"/>
-                        </a:rPr>
-                        <a:t>45</a:t>
-                      </a:r>
-                      <a:endParaRPr lang="es-CO" sz="800" dirty="0">
-                        <a:latin typeface="Calibri" panose="020F0502020204030204" pitchFamily="34" charset="0"/>
-                        <a:cs typeface="Calibri" panose="020F0502020204030204" pitchFamily="34" charset="0"/>
-                      </a:endParaRPr>
-                    </a:p>
-                  </a:txBody>
-                  <a:tcPr>
-                    <a:lnL w="12700" cap="flat" cmpd="sng" algn="ctr">
-                      <a:solidFill>
-                        <a:schemeClr val="tx1"/>
-                      </a:solidFill>
-                      <a:prstDash val="solid"/>
-                      <a:round/>
-                      <a:headEnd type="none" w="med" len="med"/>
-                      <a:tailEnd type="none" w="med" len="med"/>
-                    </a:lnL>
-                    <a:lnR w="12700" cap="flat" cmpd="sng" algn="ctr">
-                      <a:solidFill>
-                        <a:schemeClr val="tx1"/>
-                      </a:solidFill>
-                      <a:prstDash val="solid"/>
-                      <a:round/>
-                      <a:headEnd type="none" w="med" len="med"/>
-                      <a:tailEnd type="none" w="med" len="med"/>
-                    </a:lnR>
-                    <a:lnT w="12700" cap="flat" cmpd="sng" algn="ctr">
-                      <a:solidFill>
-                        <a:schemeClr val="tx1"/>
-                      </a:solidFill>
-                      <a:prstDash val="solid"/>
-                      <a:round/>
-                      <a:headEnd type="none" w="med" len="med"/>
-                      <a:tailEnd type="none" w="med" len="med"/>
-                    </a:lnT>
-                    <a:lnB w="12700" cap="flat" cmpd="sng" algn="ctr">
-                      <a:solidFill>
-                        <a:schemeClr val="tx1"/>
-                      </a:solidFill>
-                      <a:prstDash val="solid"/>
-                      <a:round/>
-                      <a:headEnd type="none" w="med" len="med"/>
-                      <a:tailEnd type="none" w="med" len="med"/>
-                    </a:lnB>
-                    <a:solidFill>
-                      <a:schemeClr val="accent6">
-                        <a:lumMod val="60000"/>
-                        <a:lumOff val="40000"/>
-                      </a:schemeClr>
-                    </a:solidFill>
-                  </a:tcPr>
-                </a:tc>
-                <a:tc>
-                  <a:txBody>
-                    <a:bodyPr/>
-                    <a:lstStyle/>
-                    <a:p>
-                      <a:r>
-                        <a:rPr lang="es-MX" sz="800" dirty="0">
-                          <a:latin typeface="Calibri" panose="020F0502020204030204" pitchFamily="34" charset="0"/>
-                          <a:cs typeface="Calibri" panose="020F0502020204030204" pitchFamily="34" charset="0"/>
-                        </a:rPr>
-                        <a:t>Nombre del usuario</a:t>
-                      </a:r>
-                      <a:endParaRPr lang="es-CO" sz="800" dirty="0">
-                        <a:latin typeface="Calibri" panose="020F0502020204030204" pitchFamily="34" charset="0"/>
-                        <a:cs typeface="Calibri" panose="020F0502020204030204" pitchFamily="34" charset="0"/>
-                      </a:endParaRPr>
-                    </a:p>
-                  </a:txBody>
-                  <a:tcPr>
-                    <a:lnL w="12700" cap="flat" cmpd="sng" algn="ctr">
-                      <a:solidFill>
-                        <a:schemeClr val="tx1"/>
-                      </a:solidFill>
-                      <a:prstDash val="solid"/>
-                      <a:round/>
-                      <a:headEnd type="none" w="med" len="med"/>
-                      <a:tailEnd type="none" w="med" len="med"/>
-                    </a:lnL>
-                    <a:lnR w="12700" cap="flat" cmpd="sng" algn="ctr">
-                      <a:solidFill>
-                        <a:schemeClr val="tx1"/>
-                      </a:solidFill>
-                      <a:prstDash val="solid"/>
-                      <a:round/>
-                      <a:headEnd type="none" w="med" len="med"/>
-                      <a:tailEnd type="none" w="med" len="med"/>
-                    </a:lnR>
-                    <a:lnT w="12700" cap="flat" cmpd="sng" algn="ctr">
-                      <a:solidFill>
-                        <a:schemeClr val="tx1"/>
-                      </a:solidFill>
-                      <a:prstDash val="solid"/>
-                      <a:round/>
-                      <a:headEnd type="none" w="med" len="med"/>
-                      <a:tailEnd type="none" w="med" len="med"/>
-                    </a:lnT>
-                    <a:lnB w="12700" cap="flat" cmpd="sng" algn="ctr">
-                      <a:solidFill>
-                        <a:schemeClr val="tx1"/>
-                      </a:solidFill>
-                      <a:prstDash val="solid"/>
-                      <a:round/>
-                      <a:headEnd type="none" w="med" len="med"/>
-                      <a:tailEnd type="none" w="med" len="med"/>
-                    </a:lnB>
-                    <a:solidFill>
-                      <a:schemeClr val="accent6">
-                        <a:lumMod val="60000"/>
-                        <a:lumOff val="40000"/>
-                      </a:schemeClr>
-                    </a:solidFill>
-                  </a:tcPr>
-                </a:tc>
-                <a:extLst>
-                  <a:ext uri="{0D108BD9-81ED-4DB2-BD59-A6C34878D82A}">
-                    <a16:rowId xmlns:a16="http://schemas.microsoft.com/office/drawing/2014/main" val="2052450053"/>
-                  </a:ext>
-                </a:extLst>
-              </a:tr>
-              <a:tr h="370840">
-                <a:tc>
-                  <a:txBody>
-                    <a:bodyPr/>
-                    <a:lstStyle/>
-                    <a:p>
-                      <a:r>
-                        <a:rPr lang="es-MX" sz="800" dirty="0">
-                          <a:latin typeface="Calibri" panose="020F0502020204030204" pitchFamily="34" charset="0"/>
-                          <a:cs typeface="Calibri" panose="020F0502020204030204" pitchFamily="34" charset="0"/>
-                        </a:rPr>
-                        <a:t>CONTRASENA_USUARIO</a:t>
-                      </a:r>
-                      <a:endParaRPr lang="es-CO" sz="800" dirty="0">
-                        <a:latin typeface="Calibri" panose="020F0502020204030204" pitchFamily="34" charset="0"/>
-                        <a:cs typeface="Calibri" panose="020F0502020204030204" pitchFamily="34" charset="0"/>
-                      </a:endParaRPr>
-                    </a:p>
-                  </a:txBody>
-                  <a:tcPr>
-                    <a:lnL w="12700" cap="flat" cmpd="sng" algn="ctr">
-                      <a:solidFill>
-                        <a:schemeClr val="tx1"/>
-                      </a:solidFill>
-                      <a:prstDash val="solid"/>
-                      <a:round/>
-                      <a:headEnd type="none" w="med" len="med"/>
-                      <a:tailEnd type="none" w="med" len="med"/>
-                    </a:lnL>
-                    <a:lnR w="12700" cap="flat" cmpd="sng" algn="ctr">
-                      <a:solidFill>
-                        <a:schemeClr val="tx1"/>
-                      </a:solidFill>
-                      <a:prstDash val="solid"/>
-                      <a:round/>
-                      <a:headEnd type="none" w="med" len="med"/>
-                      <a:tailEnd type="none" w="med" len="med"/>
-                    </a:lnR>
-                    <a:lnT w="12700" cap="flat" cmpd="sng" algn="ctr">
-                      <a:solidFill>
-                        <a:schemeClr val="tx1"/>
-                      </a:solidFill>
-                      <a:prstDash val="solid"/>
-                      <a:round/>
-                      <a:headEnd type="none" w="med" len="med"/>
-                      <a:tailEnd type="none" w="med" len="med"/>
-                    </a:lnT>
-                    <a:lnB w="12700" cap="flat" cmpd="sng" algn="ctr">
-                      <a:solidFill>
-                        <a:schemeClr val="tx1"/>
-                      </a:solidFill>
-                      <a:prstDash val="solid"/>
-                      <a:round/>
-                      <a:headEnd type="none" w="med" len="med"/>
-                      <a:tailEnd type="none" w="med" len="med"/>
-                    </a:lnB>
-                    <a:solidFill>
-                      <a:schemeClr val="accent6">
-                        <a:lumMod val="60000"/>
-                        <a:lumOff val="40000"/>
-                      </a:schemeClr>
-                    </a:solidFill>
-                  </a:tcPr>
-                </a:tc>
-                <a:tc>
-                  <a:txBody>
-                    <a:bodyPr/>
-                    <a:lstStyle/>
-                    <a:p>
-                      <a:endParaRPr lang="es-CO" sz="800" dirty="0">
-                        <a:latin typeface="Calibri" panose="020F0502020204030204" pitchFamily="34" charset="0"/>
-                        <a:cs typeface="Calibri" panose="020F0502020204030204" pitchFamily="34" charset="0"/>
-                      </a:endParaRPr>
-                    </a:p>
-                  </a:txBody>
-                  <a:tcPr>
-                    <a:lnL w="12700" cap="flat" cmpd="sng" algn="ctr">
-                      <a:solidFill>
-                        <a:schemeClr val="tx1"/>
-                      </a:solidFill>
-                      <a:prstDash val="solid"/>
-                      <a:round/>
-                      <a:headEnd type="none" w="med" len="med"/>
-                      <a:tailEnd type="none" w="med" len="med"/>
-                    </a:lnL>
-                    <a:lnR w="12700" cap="flat" cmpd="sng" algn="ctr">
-                      <a:solidFill>
-                        <a:schemeClr val="tx1"/>
-                      </a:solidFill>
-                      <a:prstDash val="solid"/>
-                      <a:round/>
-                      <a:headEnd type="none" w="med" len="med"/>
-                      <a:tailEnd type="none" w="med" len="med"/>
-                    </a:lnR>
-                    <a:lnT w="12700" cap="flat" cmpd="sng" algn="ctr">
-                      <a:solidFill>
-                        <a:schemeClr val="tx1"/>
-                      </a:solidFill>
-                      <a:prstDash val="solid"/>
-                      <a:round/>
-                      <a:headEnd type="none" w="med" len="med"/>
-                      <a:tailEnd type="none" w="med" len="med"/>
-                    </a:lnT>
-                    <a:lnB w="12700" cap="flat" cmpd="sng" algn="ctr">
-                      <a:solidFill>
-                        <a:schemeClr val="tx1"/>
-                      </a:solidFill>
-                      <a:prstDash val="solid"/>
-                      <a:round/>
-                      <a:headEnd type="none" w="med" len="med"/>
-                      <a:tailEnd type="none" w="med" len="med"/>
-                    </a:lnB>
-                    <a:solidFill>
-                      <a:schemeClr val="accent6">
-                        <a:lumMod val="60000"/>
-                        <a:lumOff val="40000"/>
-                      </a:schemeClr>
-                    </a:solidFill>
-                  </a:tcPr>
-                </a:tc>
-                <a:tc>
-                  <a:txBody>
-                    <a:bodyPr/>
-                    <a:lstStyle/>
-                    <a:p>
-                      <a:r>
-                        <a:rPr lang="es-MX" sz="800" dirty="0">
-                          <a:latin typeface="Calibri" panose="020F0502020204030204" pitchFamily="34" charset="0"/>
-                          <a:cs typeface="Calibri" panose="020F0502020204030204" pitchFamily="34" charset="0"/>
-                        </a:rPr>
-                        <a:t>VARCHAR</a:t>
-                      </a:r>
-                      <a:endParaRPr lang="es-CO" sz="800" dirty="0">
-                        <a:latin typeface="Calibri" panose="020F0502020204030204" pitchFamily="34" charset="0"/>
-                        <a:cs typeface="Calibri" panose="020F0502020204030204" pitchFamily="34" charset="0"/>
-                      </a:endParaRPr>
-                    </a:p>
-                  </a:txBody>
-                  <a:tcPr>
-                    <a:lnL w="12700" cap="flat" cmpd="sng" algn="ctr">
-                      <a:solidFill>
-                        <a:schemeClr val="tx1"/>
-                      </a:solidFill>
-                      <a:prstDash val="solid"/>
-                      <a:round/>
-                      <a:headEnd type="none" w="med" len="med"/>
-                      <a:tailEnd type="none" w="med" len="med"/>
-                    </a:lnL>
-                    <a:lnR w="12700" cap="flat" cmpd="sng" algn="ctr">
-                      <a:solidFill>
-                        <a:schemeClr val="tx1"/>
-                      </a:solidFill>
-                      <a:prstDash val="solid"/>
-                      <a:round/>
-                      <a:headEnd type="none" w="med" len="med"/>
-                      <a:tailEnd type="none" w="med" len="med"/>
-                    </a:lnR>
-                    <a:lnT w="12700" cap="flat" cmpd="sng" algn="ctr">
-                      <a:solidFill>
-                        <a:schemeClr val="tx1"/>
-                      </a:solidFill>
-                      <a:prstDash val="solid"/>
-                      <a:round/>
-                      <a:headEnd type="none" w="med" len="med"/>
-                      <a:tailEnd type="none" w="med" len="med"/>
-                    </a:lnT>
-                    <a:lnB w="12700" cap="flat" cmpd="sng" algn="ctr">
-                      <a:solidFill>
-                        <a:schemeClr val="tx1"/>
-                      </a:solidFill>
-                      <a:prstDash val="solid"/>
-                      <a:round/>
-                      <a:headEnd type="none" w="med" len="med"/>
-                      <a:tailEnd type="none" w="med" len="med"/>
-                    </a:lnB>
-                    <a:solidFill>
-                      <a:schemeClr val="accent6">
-                        <a:lumMod val="60000"/>
-                        <a:lumOff val="40000"/>
-                      </a:schemeClr>
-                    </a:solidFill>
-                  </a:tcPr>
-                </a:tc>
-                <a:tc>
-                  <a:txBody>
-                    <a:bodyPr/>
-                    <a:lstStyle/>
-                    <a:p>
-                      <a:r>
-                        <a:rPr lang="es-MX" sz="800" dirty="0">
-                          <a:latin typeface="Calibri" panose="020F0502020204030204" pitchFamily="34" charset="0"/>
-                          <a:cs typeface="Calibri" panose="020F0502020204030204" pitchFamily="34" charset="0"/>
-                        </a:rPr>
-                        <a:t>45</a:t>
-                      </a:r>
-                      <a:endParaRPr lang="es-CO" sz="800" dirty="0">
-                        <a:latin typeface="Calibri" panose="020F0502020204030204" pitchFamily="34" charset="0"/>
-                        <a:cs typeface="Calibri" panose="020F0502020204030204" pitchFamily="34" charset="0"/>
-                      </a:endParaRPr>
-                    </a:p>
-                  </a:txBody>
-                  <a:tcPr>
-                    <a:lnL w="12700" cap="flat" cmpd="sng" algn="ctr">
-                      <a:solidFill>
-                        <a:schemeClr val="tx1"/>
-                      </a:solidFill>
-                      <a:prstDash val="solid"/>
-                      <a:round/>
-                      <a:headEnd type="none" w="med" len="med"/>
-                      <a:tailEnd type="none" w="med" len="med"/>
-                    </a:lnL>
-                    <a:lnR w="12700" cap="flat" cmpd="sng" algn="ctr">
-                      <a:solidFill>
-                        <a:schemeClr val="tx1"/>
-                      </a:solidFill>
-                      <a:prstDash val="solid"/>
-                      <a:round/>
-                      <a:headEnd type="none" w="med" len="med"/>
-                      <a:tailEnd type="none" w="med" len="med"/>
-                    </a:lnR>
-                    <a:lnT w="12700" cap="flat" cmpd="sng" algn="ctr">
-                      <a:solidFill>
-                        <a:schemeClr val="tx1"/>
-                      </a:solidFill>
-                      <a:prstDash val="solid"/>
-                      <a:round/>
-                      <a:headEnd type="none" w="med" len="med"/>
-                      <a:tailEnd type="none" w="med" len="med"/>
-                    </a:lnT>
-                    <a:lnB w="12700" cap="flat" cmpd="sng" algn="ctr">
-                      <a:solidFill>
-                        <a:schemeClr val="tx1"/>
-                      </a:solidFill>
-                      <a:prstDash val="solid"/>
-                      <a:round/>
-                      <a:headEnd type="none" w="med" len="med"/>
-                      <a:tailEnd type="none" w="med" len="med"/>
-                    </a:lnB>
-                    <a:solidFill>
-                      <a:schemeClr val="accent6">
-                        <a:lumMod val="60000"/>
-                        <a:lumOff val="40000"/>
-                      </a:schemeClr>
-                    </a:solidFill>
-                  </a:tcPr>
-                </a:tc>
-                <a:tc>
-                  <a:txBody>
-                    <a:bodyPr/>
-                    <a:lstStyle/>
-                    <a:p>
-                      <a:r>
-                        <a:rPr lang="es-MX" sz="800" dirty="0">
-                          <a:latin typeface="Calibri" panose="020F0502020204030204" pitchFamily="34" charset="0"/>
-                          <a:cs typeface="Calibri" panose="020F0502020204030204" pitchFamily="34" charset="0"/>
-                        </a:rPr>
-                        <a:t>Contraseña del usuario</a:t>
-                      </a:r>
-                      <a:endParaRPr lang="es-CO" sz="800" dirty="0">
-                        <a:latin typeface="Calibri" panose="020F0502020204030204" pitchFamily="34" charset="0"/>
-                        <a:cs typeface="Calibri" panose="020F0502020204030204" pitchFamily="34" charset="0"/>
-                      </a:endParaRPr>
-                    </a:p>
-                  </a:txBody>
-                  <a:tcPr>
-                    <a:lnL w="12700" cap="flat" cmpd="sng" algn="ctr">
-                      <a:solidFill>
-                        <a:schemeClr val="tx1"/>
-                      </a:solidFill>
-                      <a:prstDash val="solid"/>
-                      <a:round/>
-                      <a:headEnd type="none" w="med" len="med"/>
-                      <a:tailEnd type="none" w="med" len="med"/>
-                    </a:lnL>
-                    <a:lnR w="12700" cap="flat" cmpd="sng" algn="ctr">
-                      <a:solidFill>
-                        <a:schemeClr val="tx1"/>
-                      </a:solidFill>
-                      <a:prstDash val="solid"/>
-                      <a:round/>
-                      <a:headEnd type="none" w="med" len="med"/>
-                      <a:tailEnd type="none" w="med" len="med"/>
-                    </a:lnR>
-                    <a:lnT w="12700" cap="flat" cmpd="sng" algn="ctr">
-                      <a:solidFill>
-                        <a:schemeClr val="tx1"/>
-                      </a:solidFill>
-                      <a:prstDash val="solid"/>
-                      <a:round/>
-                      <a:headEnd type="none" w="med" len="med"/>
-                      <a:tailEnd type="none" w="med" len="med"/>
-                    </a:lnT>
-                    <a:lnB w="12700" cap="flat" cmpd="sng" algn="ctr">
-                      <a:solidFill>
-                        <a:schemeClr val="tx1"/>
-                      </a:solidFill>
-                      <a:prstDash val="solid"/>
-                      <a:round/>
-                      <a:headEnd type="none" w="med" len="med"/>
-                      <a:tailEnd type="none" w="med" len="med"/>
-                    </a:lnB>
-                    <a:solidFill>
-                      <a:schemeClr val="accent6">
-                        <a:lumMod val="60000"/>
-                        <a:lumOff val="40000"/>
-                      </a:schemeClr>
-                    </a:solidFill>
-                  </a:tcPr>
-                </a:tc>
-                <a:extLst>
-                  <a:ext uri="{0D108BD9-81ED-4DB2-BD59-A6C34878D82A}">
-                    <a16:rowId xmlns:a16="http://schemas.microsoft.com/office/drawing/2014/main" val="1834159154"/>
-                  </a:ext>
-                </a:extLst>
-              </a:tr>
-            </a:tbl>
-          </a:graphicData>
-        </a:graphic>
-      </p:graphicFrame>
-    </p:spTree>
-    <p:extLst>
-      <p:ext uri="{BB962C8B-B14F-4D97-AF65-F5344CB8AC3E}">
-        <p14:creationId xmlns:p14="http://schemas.microsoft.com/office/powerpoint/2010/main" val="2365352243"/>
       </p:ext>
     </p:extLst>
   </p:cSld>
@@ -27680,6 +28396,1709 @@
 </p:sld>
 </file>
 
+<file path=ppt/slides/slide20.xml><?xml version="1.0" encoding="utf-8"?>
+<p:sld xmlns:a="http://schemas.openxmlformats.org/drawingml/2006/main" xmlns:r="http://schemas.openxmlformats.org/officeDocument/2006/relationships" xmlns:p="http://schemas.openxmlformats.org/presentationml/2006/main">
+  <p:cSld>
+    <p:spTree>
+      <p:nvGrpSpPr>
+        <p:cNvPr id="1" name=""/>
+        <p:cNvGrpSpPr/>
+        <p:nvPr/>
+      </p:nvGrpSpPr>
+      <p:grpSpPr>
+        <a:xfrm>
+          <a:off x="0" y="0"/>
+          <a:ext cx="0" cy="0"/>
+          <a:chOff x="0" y="0"/>
+          <a:chExt cx="0" cy="0"/>
+        </a:xfrm>
+      </p:grpSpPr>
+      <p:sp>
+        <p:nvSpPr>
+          <p:cNvPr id="2" name="Google Shape;112;gfefd4b1171_0_58">
+            <a:extLst>
+              <a:ext uri="{FF2B5EF4-FFF2-40B4-BE49-F238E27FC236}">
+                <a16:creationId xmlns:a16="http://schemas.microsoft.com/office/drawing/2014/main" id="{F6BDF18F-7DFC-ACB0-17C7-0F9CB6354709}"/>
+              </a:ext>
+            </a:extLst>
+          </p:cNvPr>
+          <p:cNvSpPr txBox="1"/>
+          <p:nvPr/>
+        </p:nvSpPr>
+        <p:spPr>
+          <a:xfrm>
+            <a:off x="1496175" y="535517"/>
+            <a:ext cx="5289185" cy="954077"/>
+          </a:xfrm>
+          <a:prstGeom prst="rect">
+            <a:avLst/>
+          </a:prstGeom>
+          <a:noFill/>
+          <a:ln>
+            <a:noFill/>
+          </a:ln>
+        </p:spPr>
+        <p:txBody>
+          <a:bodyPr spcFirstLastPara="1" wrap="square" lIns="91425" tIns="91425" rIns="91425" bIns="91425" anchor="t" anchorCtr="0">
+            <a:spAutoFit/>
+          </a:bodyPr>
+          <a:lstStyle/>
+          <a:p>
+            <a:pPr marL="0" lvl="0" indent="0" algn="l" rtl="0">
+              <a:spcBef>
+                <a:spcPts val="0"/>
+              </a:spcBef>
+              <a:spcAft>
+                <a:spcPts val="0"/>
+              </a:spcAft>
+              <a:buNone/>
+            </a:pPr>
+            <a:r>
+              <a:rPr lang="es-ES" sz="1000" dirty="0">
+                <a:latin typeface="Calibri"/>
+                <a:ea typeface="Calibri"/>
+                <a:cs typeface="Calibri"/>
+                <a:sym typeface="Calibri"/>
+              </a:rPr>
+              <a:t>TABLA </a:t>
+            </a:r>
+            <a:r>
+              <a:rPr lang="es-MX" sz="1000" dirty="0">
+                <a:latin typeface="Calibri"/>
+                <a:ea typeface="Calibri"/>
+                <a:cs typeface="Calibri"/>
+                <a:sym typeface="Calibri"/>
+              </a:rPr>
+              <a:t>PERFILES</a:t>
+            </a:r>
+            <a:endParaRPr sz="1000" dirty="0">
+              <a:latin typeface="Calibri"/>
+              <a:ea typeface="Calibri"/>
+              <a:cs typeface="Calibri"/>
+              <a:sym typeface="Calibri"/>
+            </a:endParaRPr>
+          </a:p>
+          <a:p>
+            <a:pPr marL="0" lvl="0" indent="0" algn="l" rtl="0">
+              <a:spcBef>
+                <a:spcPts val="0"/>
+              </a:spcBef>
+              <a:spcAft>
+                <a:spcPts val="0"/>
+              </a:spcAft>
+              <a:buNone/>
+            </a:pPr>
+            <a:r>
+              <a:rPr lang="es-ES" sz="1000" dirty="0">
+                <a:latin typeface="Calibri"/>
+                <a:ea typeface="Calibri"/>
+                <a:cs typeface="Calibri"/>
+                <a:sym typeface="Calibri"/>
+              </a:rPr>
+              <a:t>Almacena los perfiles de los usuarios que se encuentran en el sistema de información .</a:t>
+            </a:r>
+            <a:endParaRPr sz="1000" dirty="0">
+              <a:latin typeface="Calibri"/>
+              <a:ea typeface="Calibri"/>
+              <a:cs typeface="Calibri"/>
+              <a:sym typeface="Calibri"/>
+            </a:endParaRPr>
+          </a:p>
+          <a:p>
+            <a:pPr marL="0" lvl="0" indent="0" algn="l" rtl="0">
+              <a:spcBef>
+                <a:spcPts val="0"/>
+              </a:spcBef>
+              <a:spcAft>
+                <a:spcPts val="0"/>
+              </a:spcAft>
+              <a:buNone/>
+            </a:pPr>
+            <a:r>
+              <a:rPr lang="es-ES" sz="1000" dirty="0">
+                <a:latin typeface="Calibri"/>
+                <a:ea typeface="Calibri"/>
+                <a:cs typeface="Calibri"/>
+                <a:sym typeface="Calibri"/>
+              </a:rPr>
+              <a:t>ENTIDAD: </a:t>
+            </a:r>
+            <a:r>
+              <a:rPr lang="es-MX" sz="1000" dirty="0">
+                <a:latin typeface="Calibri"/>
+                <a:ea typeface="Calibri"/>
+                <a:cs typeface="Calibri"/>
+                <a:sym typeface="Calibri"/>
+              </a:rPr>
+              <a:t>PERFILES</a:t>
+            </a:r>
+            <a:endParaRPr sz="1000" dirty="0">
+              <a:latin typeface="Calibri"/>
+              <a:ea typeface="Calibri"/>
+              <a:cs typeface="Calibri"/>
+              <a:sym typeface="Calibri"/>
+            </a:endParaRPr>
+          </a:p>
+          <a:p>
+            <a:pPr marL="0" lvl="0" indent="0" algn="l" rtl="0">
+              <a:spcBef>
+                <a:spcPts val="0"/>
+              </a:spcBef>
+              <a:spcAft>
+                <a:spcPts val="0"/>
+              </a:spcAft>
+              <a:buNone/>
+            </a:pPr>
+            <a:r>
+              <a:rPr lang="es-ES" sz="1000" dirty="0">
+                <a:latin typeface="Calibri"/>
+                <a:ea typeface="Calibri"/>
+                <a:cs typeface="Calibri"/>
+                <a:sym typeface="Calibri"/>
+              </a:rPr>
+              <a:t>NOMBRE TÉCNICO: </a:t>
+            </a:r>
+            <a:r>
+              <a:rPr lang="es-MX" sz="1000" dirty="0">
+                <a:latin typeface="Calibri"/>
+                <a:ea typeface="Calibri"/>
+                <a:cs typeface="Calibri"/>
+                <a:sym typeface="Calibri"/>
+              </a:rPr>
+              <a:t>PER</a:t>
+            </a:r>
+            <a:endParaRPr sz="1000" dirty="0">
+              <a:latin typeface="Calibri"/>
+              <a:ea typeface="Calibri"/>
+              <a:cs typeface="Calibri"/>
+              <a:sym typeface="Calibri"/>
+            </a:endParaRPr>
+          </a:p>
+          <a:p>
+            <a:pPr marL="0" lvl="0" indent="0" algn="l" rtl="0">
+              <a:spcBef>
+                <a:spcPts val="0"/>
+              </a:spcBef>
+              <a:spcAft>
+                <a:spcPts val="0"/>
+              </a:spcAft>
+              <a:buNone/>
+            </a:pPr>
+            <a:r>
+              <a:rPr lang="es-ES" sz="1000" dirty="0">
+                <a:latin typeface="Calibri"/>
+                <a:ea typeface="Calibri"/>
+                <a:cs typeface="Calibri"/>
+                <a:sym typeface="Calibri"/>
+              </a:rPr>
+              <a:t>DESCRIPCIÓN: Datos perfiles</a:t>
+            </a:r>
+            <a:endParaRPr sz="1000" dirty="0">
+              <a:latin typeface="Calibri"/>
+              <a:ea typeface="Calibri"/>
+              <a:cs typeface="Calibri"/>
+              <a:sym typeface="Calibri"/>
+            </a:endParaRPr>
+          </a:p>
+        </p:txBody>
+      </p:sp>
+      <p:graphicFrame>
+        <p:nvGraphicFramePr>
+          <p:cNvPr id="3" name="Tabla 3">
+            <a:extLst>
+              <a:ext uri="{FF2B5EF4-FFF2-40B4-BE49-F238E27FC236}">
+                <a16:creationId xmlns:a16="http://schemas.microsoft.com/office/drawing/2014/main" id="{3E093429-B0BE-C056-FF56-403F24C00BA0}"/>
+              </a:ext>
+            </a:extLst>
+          </p:cNvPr>
+          <p:cNvGraphicFramePr>
+            <a:graphicFrameLocks noGrp="1"/>
+          </p:cNvGraphicFramePr>
+          <p:nvPr>
+            <p:extLst>
+              <p:ext uri="{D42A27DB-BD31-4B8C-83A1-F6EECF244321}">
+                <p14:modId xmlns:p14="http://schemas.microsoft.com/office/powerpoint/2010/main" val="2376834391"/>
+              </p:ext>
+            </p:extLst>
+          </p:nvPr>
+        </p:nvGraphicFramePr>
+        <p:xfrm>
+          <a:off x="1563880" y="1830070"/>
+          <a:ext cx="6056120" cy="1569720"/>
+        </p:xfrm>
+        <a:graphic>
+          <a:graphicData uri="http://schemas.openxmlformats.org/drawingml/2006/table">
+            <a:tbl>
+              <a:tblPr firstRow="1" bandRow="1">
+                <a:tableStyleId>{710129CB-633A-4B35-92EB-04DC812985FB}</a:tableStyleId>
+              </a:tblPr>
+              <a:tblGrid>
+                <a:gridCol w="1247686">
+                  <a:extLst>
+                    <a:ext uri="{9D8B030D-6E8A-4147-A177-3AD203B41FA5}">
+                      <a16:colId xmlns:a16="http://schemas.microsoft.com/office/drawing/2014/main" val="1643563973"/>
+                    </a:ext>
+                  </a:extLst>
+                </a:gridCol>
+                <a:gridCol w="1150834">
+                  <a:extLst>
+                    <a:ext uri="{9D8B030D-6E8A-4147-A177-3AD203B41FA5}">
+                      <a16:colId xmlns:a16="http://schemas.microsoft.com/office/drawing/2014/main" val="469299672"/>
+                    </a:ext>
+                  </a:extLst>
+                </a:gridCol>
+                <a:gridCol w="1219200">
+                  <a:extLst>
+                    <a:ext uri="{9D8B030D-6E8A-4147-A177-3AD203B41FA5}">
+                      <a16:colId xmlns:a16="http://schemas.microsoft.com/office/drawing/2014/main" val="1681400146"/>
+                    </a:ext>
+                  </a:extLst>
+                </a:gridCol>
+                <a:gridCol w="1219200">
+                  <a:extLst>
+                    <a:ext uri="{9D8B030D-6E8A-4147-A177-3AD203B41FA5}">
+                      <a16:colId xmlns:a16="http://schemas.microsoft.com/office/drawing/2014/main" val="1987176182"/>
+                    </a:ext>
+                  </a:extLst>
+                </a:gridCol>
+                <a:gridCol w="1219200">
+                  <a:extLst>
+                    <a:ext uri="{9D8B030D-6E8A-4147-A177-3AD203B41FA5}">
+                      <a16:colId xmlns:a16="http://schemas.microsoft.com/office/drawing/2014/main" val="350454106"/>
+                    </a:ext>
+                  </a:extLst>
+                </a:gridCol>
+              </a:tblGrid>
+              <a:tr h="370840">
+                <a:tc>
+                  <a:txBody>
+                    <a:bodyPr/>
+                    <a:lstStyle/>
+                    <a:p>
+                      <a:r>
+                        <a:rPr lang="es-MX" sz="800" dirty="0">
+                          <a:latin typeface="Calibri" panose="020F0502020204030204" pitchFamily="34" charset="0"/>
+                          <a:cs typeface="Calibri" panose="020F0502020204030204" pitchFamily="34" charset="0"/>
+                        </a:rPr>
+                        <a:t>NEMONICO</a:t>
+                      </a:r>
+                      <a:endParaRPr lang="es-CO" sz="800" dirty="0">
+                        <a:latin typeface="Calibri" panose="020F0502020204030204" pitchFamily="34" charset="0"/>
+                        <a:cs typeface="Calibri" panose="020F0502020204030204" pitchFamily="34" charset="0"/>
+                      </a:endParaRPr>
+                    </a:p>
+                  </a:txBody>
+                  <a:tcPr>
+                    <a:lnL w="12700" cap="flat" cmpd="sng" algn="ctr">
+                      <a:solidFill>
+                        <a:schemeClr val="tx1"/>
+                      </a:solidFill>
+                      <a:prstDash val="solid"/>
+                      <a:round/>
+                      <a:headEnd type="none" w="med" len="med"/>
+                      <a:tailEnd type="none" w="med" len="med"/>
+                    </a:lnL>
+                    <a:lnR w="12700" cap="flat" cmpd="sng" algn="ctr">
+                      <a:solidFill>
+                        <a:schemeClr val="tx1"/>
+                      </a:solidFill>
+                      <a:prstDash val="solid"/>
+                      <a:round/>
+                      <a:headEnd type="none" w="med" len="med"/>
+                      <a:tailEnd type="none" w="med" len="med"/>
+                    </a:lnR>
+                    <a:lnT w="12700" cap="flat" cmpd="sng" algn="ctr">
+                      <a:solidFill>
+                        <a:schemeClr val="tx1"/>
+                      </a:solidFill>
+                      <a:prstDash val="solid"/>
+                      <a:round/>
+                      <a:headEnd type="none" w="med" len="med"/>
+                      <a:tailEnd type="none" w="med" len="med"/>
+                    </a:lnT>
+                    <a:lnB w="12700" cap="flat" cmpd="sng" algn="ctr">
+                      <a:solidFill>
+                        <a:schemeClr val="tx1"/>
+                      </a:solidFill>
+                      <a:prstDash val="solid"/>
+                      <a:round/>
+                      <a:headEnd type="none" w="med" len="med"/>
+                      <a:tailEnd type="none" w="med" len="med"/>
+                    </a:lnB>
+                    <a:solidFill>
+                      <a:schemeClr val="accent6"/>
+                    </a:solidFill>
+                  </a:tcPr>
+                </a:tc>
+                <a:tc>
+                  <a:txBody>
+                    <a:bodyPr/>
+                    <a:lstStyle/>
+                    <a:p>
+                      <a:r>
+                        <a:rPr lang="es-MX" sz="800" dirty="0">
+                          <a:latin typeface="Calibri" panose="020F0502020204030204" pitchFamily="34" charset="0"/>
+                          <a:cs typeface="Calibri" panose="020F0502020204030204" pitchFamily="34" charset="0"/>
+                        </a:rPr>
+                        <a:t>TIPO_LLAVE</a:t>
+                      </a:r>
+                      <a:endParaRPr lang="es-CO" sz="800" dirty="0">
+                        <a:latin typeface="Calibri" panose="020F0502020204030204" pitchFamily="34" charset="0"/>
+                        <a:cs typeface="Calibri" panose="020F0502020204030204" pitchFamily="34" charset="0"/>
+                      </a:endParaRPr>
+                    </a:p>
+                  </a:txBody>
+                  <a:tcPr>
+                    <a:lnL w="12700" cap="flat" cmpd="sng" algn="ctr">
+                      <a:solidFill>
+                        <a:schemeClr val="tx1"/>
+                      </a:solidFill>
+                      <a:prstDash val="solid"/>
+                      <a:round/>
+                      <a:headEnd type="none" w="med" len="med"/>
+                      <a:tailEnd type="none" w="med" len="med"/>
+                    </a:lnL>
+                    <a:lnR w="12700" cap="flat" cmpd="sng" algn="ctr">
+                      <a:solidFill>
+                        <a:schemeClr val="tx1"/>
+                      </a:solidFill>
+                      <a:prstDash val="solid"/>
+                      <a:round/>
+                      <a:headEnd type="none" w="med" len="med"/>
+                      <a:tailEnd type="none" w="med" len="med"/>
+                    </a:lnR>
+                    <a:lnT w="12700" cap="flat" cmpd="sng" algn="ctr">
+                      <a:solidFill>
+                        <a:schemeClr val="tx1"/>
+                      </a:solidFill>
+                      <a:prstDash val="solid"/>
+                      <a:round/>
+                      <a:headEnd type="none" w="med" len="med"/>
+                      <a:tailEnd type="none" w="med" len="med"/>
+                    </a:lnT>
+                    <a:lnB w="12700" cap="flat" cmpd="sng" algn="ctr">
+                      <a:solidFill>
+                        <a:schemeClr val="tx1"/>
+                      </a:solidFill>
+                      <a:prstDash val="solid"/>
+                      <a:round/>
+                      <a:headEnd type="none" w="med" len="med"/>
+                      <a:tailEnd type="none" w="med" len="med"/>
+                    </a:lnB>
+                    <a:solidFill>
+                      <a:schemeClr val="accent6"/>
+                    </a:solidFill>
+                  </a:tcPr>
+                </a:tc>
+                <a:tc>
+                  <a:txBody>
+                    <a:bodyPr/>
+                    <a:lstStyle/>
+                    <a:p>
+                      <a:r>
+                        <a:rPr lang="es-MX" sz="800" dirty="0">
+                          <a:latin typeface="Calibri" panose="020F0502020204030204" pitchFamily="34" charset="0"/>
+                          <a:cs typeface="Calibri" panose="020F0502020204030204" pitchFamily="34" charset="0"/>
+                        </a:rPr>
+                        <a:t>TIPO_DATO</a:t>
+                      </a:r>
+                      <a:endParaRPr lang="es-CO" sz="800" dirty="0">
+                        <a:latin typeface="Calibri" panose="020F0502020204030204" pitchFamily="34" charset="0"/>
+                        <a:cs typeface="Calibri" panose="020F0502020204030204" pitchFamily="34" charset="0"/>
+                      </a:endParaRPr>
+                    </a:p>
+                  </a:txBody>
+                  <a:tcPr>
+                    <a:lnL w="12700" cap="flat" cmpd="sng" algn="ctr">
+                      <a:solidFill>
+                        <a:schemeClr val="tx1"/>
+                      </a:solidFill>
+                      <a:prstDash val="solid"/>
+                      <a:round/>
+                      <a:headEnd type="none" w="med" len="med"/>
+                      <a:tailEnd type="none" w="med" len="med"/>
+                    </a:lnL>
+                    <a:lnR w="12700" cap="flat" cmpd="sng" algn="ctr">
+                      <a:solidFill>
+                        <a:schemeClr val="tx1"/>
+                      </a:solidFill>
+                      <a:prstDash val="solid"/>
+                      <a:round/>
+                      <a:headEnd type="none" w="med" len="med"/>
+                      <a:tailEnd type="none" w="med" len="med"/>
+                    </a:lnR>
+                    <a:lnT w="12700" cap="flat" cmpd="sng" algn="ctr">
+                      <a:solidFill>
+                        <a:schemeClr val="tx1"/>
+                      </a:solidFill>
+                      <a:prstDash val="solid"/>
+                      <a:round/>
+                      <a:headEnd type="none" w="med" len="med"/>
+                      <a:tailEnd type="none" w="med" len="med"/>
+                    </a:lnT>
+                    <a:lnB w="12700" cap="flat" cmpd="sng" algn="ctr">
+                      <a:solidFill>
+                        <a:schemeClr val="tx1"/>
+                      </a:solidFill>
+                      <a:prstDash val="solid"/>
+                      <a:round/>
+                      <a:headEnd type="none" w="med" len="med"/>
+                      <a:tailEnd type="none" w="med" len="med"/>
+                    </a:lnB>
+                    <a:solidFill>
+                      <a:schemeClr val="accent6"/>
+                    </a:solidFill>
+                  </a:tcPr>
+                </a:tc>
+                <a:tc>
+                  <a:txBody>
+                    <a:bodyPr/>
+                    <a:lstStyle/>
+                    <a:p>
+                      <a:r>
+                        <a:rPr lang="es-MX" sz="800" dirty="0">
+                          <a:latin typeface="Calibri" panose="020F0502020204030204" pitchFamily="34" charset="0"/>
+                          <a:cs typeface="Calibri" panose="020F0502020204030204" pitchFamily="34" charset="0"/>
+                        </a:rPr>
+                        <a:t>LONGITUD</a:t>
+                      </a:r>
+                      <a:endParaRPr lang="es-CO" sz="800" dirty="0">
+                        <a:latin typeface="Calibri" panose="020F0502020204030204" pitchFamily="34" charset="0"/>
+                        <a:cs typeface="Calibri" panose="020F0502020204030204" pitchFamily="34" charset="0"/>
+                      </a:endParaRPr>
+                    </a:p>
+                  </a:txBody>
+                  <a:tcPr>
+                    <a:lnL w="12700" cap="flat" cmpd="sng" algn="ctr">
+                      <a:solidFill>
+                        <a:schemeClr val="tx1"/>
+                      </a:solidFill>
+                      <a:prstDash val="solid"/>
+                      <a:round/>
+                      <a:headEnd type="none" w="med" len="med"/>
+                      <a:tailEnd type="none" w="med" len="med"/>
+                    </a:lnL>
+                    <a:lnR w="12700" cap="flat" cmpd="sng" algn="ctr">
+                      <a:solidFill>
+                        <a:schemeClr val="tx1"/>
+                      </a:solidFill>
+                      <a:prstDash val="solid"/>
+                      <a:round/>
+                      <a:headEnd type="none" w="med" len="med"/>
+                      <a:tailEnd type="none" w="med" len="med"/>
+                    </a:lnR>
+                    <a:lnT w="12700" cap="flat" cmpd="sng" algn="ctr">
+                      <a:solidFill>
+                        <a:schemeClr val="tx1"/>
+                      </a:solidFill>
+                      <a:prstDash val="solid"/>
+                      <a:round/>
+                      <a:headEnd type="none" w="med" len="med"/>
+                      <a:tailEnd type="none" w="med" len="med"/>
+                    </a:lnT>
+                    <a:lnB w="12700" cap="flat" cmpd="sng" algn="ctr">
+                      <a:solidFill>
+                        <a:schemeClr val="tx1"/>
+                      </a:solidFill>
+                      <a:prstDash val="solid"/>
+                      <a:round/>
+                      <a:headEnd type="none" w="med" len="med"/>
+                      <a:tailEnd type="none" w="med" len="med"/>
+                    </a:lnB>
+                    <a:solidFill>
+                      <a:schemeClr val="accent6"/>
+                    </a:solidFill>
+                  </a:tcPr>
+                </a:tc>
+                <a:tc>
+                  <a:txBody>
+                    <a:bodyPr/>
+                    <a:lstStyle/>
+                    <a:p>
+                      <a:r>
+                        <a:rPr lang="es-MX" sz="800" dirty="0">
+                          <a:latin typeface="Calibri" panose="020F0502020204030204" pitchFamily="34" charset="0"/>
+                          <a:cs typeface="Calibri" panose="020F0502020204030204" pitchFamily="34" charset="0"/>
+                        </a:rPr>
+                        <a:t>DESCRIPCION </a:t>
+                      </a:r>
+                      <a:endParaRPr lang="es-CO" sz="800" dirty="0">
+                        <a:latin typeface="Calibri" panose="020F0502020204030204" pitchFamily="34" charset="0"/>
+                        <a:cs typeface="Calibri" panose="020F0502020204030204" pitchFamily="34" charset="0"/>
+                      </a:endParaRPr>
+                    </a:p>
+                  </a:txBody>
+                  <a:tcPr>
+                    <a:lnL w="12700" cap="flat" cmpd="sng" algn="ctr">
+                      <a:solidFill>
+                        <a:schemeClr val="tx1"/>
+                      </a:solidFill>
+                      <a:prstDash val="solid"/>
+                      <a:round/>
+                      <a:headEnd type="none" w="med" len="med"/>
+                      <a:tailEnd type="none" w="med" len="med"/>
+                    </a:lnL>
+                    <a:lnR w="12700" cap="flat" cmpd="sng" algn="ctr">
+                      <a:solidFill>
+                        <a:schemeClr val="tx1"/>
+                      </a:solidFill>
+                      <a:prstDash val="solid"/>
+                      <a:round/>
+                      <a:headEnd type="none" w="med" len="med"/>
+                      <a:tailEnd type="none" w="med" len="med"/>
+                    </a:lnR>
+                    <a:lnT w="12700" cap="flat" cmpd="sng" algn="ctr">
+                      <a:solidFill>
+                        <a:schemeClr val="tx1"/>
+                      </a:solidFill>
+                      <a:prstDash val="solid"/>
+                      <a:round/>
+                      <a:headEnd type="none" w="med" len="med"/>
+                      <a:tailEnd type="none" w="med" len="med"/>
+                    </a:lnT>
+                    <a:lnB w="12700" cap="flat" cmpd="sng" algn="ctr">
+                      <a:solidFill>
+                        <a:schemeClr val="tx1"/>
+                      </a:solidFill>
+                      <a:prstDash val="solid"/>
+                      <a:round/>
+                      <a:headEnd type="none" w="med" len="med"/>
+                      <a:tailEnd type="none" w="med" len="med"/>
+                    </a:lnB>
+                    <a:solidFill>
+                      <a:schemeClr val="accent6"/>
+                    </a:solidFill>
+                  </a:tcPr>
+                </a:tc>
+                <a:extLst>
+                  <a:ext uri="{0D108BD9-81ED-4DB2-BD59-A6C34878D82A}">
+                    <a16:rowId xmlns:a16="http://schemas.microsoft.com/office/drawing/2014/main" val="2954781391"/>
+                  </a:ext>
+                </a:extLst>
+              </a:tr>
+              <a:tr h="370840">
+                <a:tc>
+                  <a:txBody>
+                    <a:bodyPr/>
+                    <a:lstStyle/>
+                    <a:p>
+                      <a:r>
+                        <a:rPr lang="es-MX" sz="800" dirty="0">
+                          <a:latin typeface="Calibri" panose="020F0502020204030204" pitchFamily="34" charset="0"/>
+                          <a:cs typeface="Calibri" panose="020F0502020204030204" pitchFamily="34" charset="0"/>
+                        </a:rPr>
+                        <a:t>IDPERFILES</a:t>
+                      </a:r>
+                      <a:endParaRPr lang="es-CO" sz="800" dirty="0">
+                        <a:latin typeface="Calibri" panose="020F0502020204030204" pitchFamily="34" charset="0"/>
+                        <a:cs typeface="Calibri" panose="020F0502020204030204" pitchFamily="34" charset="0"/>
+                      </a:endParaRPr>
+                    </a:p>
+                  </a:txBody>
+                  <a:tcPr>
+                    <a:lnL w="12700" cap="flat" cmpd="sng" algn="ctr">
+                      <a:solidFill>
+                        <a:schemeClr val="tx1"/>
+                      </a:solidFill>
+                      <a:prstDash val="solid"/>
+                      <a:round/>
+                      <a:headEnd type="none" w="med" len="med"/>
+                      <a:tailEnd type="none" w="med" len="med"/>
+                    </a:lnL>
+                    <a:lnR w="12700" cap="flat" cmpd="sng" algn="ctr">
+                      <a:solidFill>
+                        <a:schemeClr val="tx1"/>
+                      </a:solidFill>
+                      <a:prstDash val="solid"/>
+                      <a:round/>
+                      <a:headEnd type="none" w="med" len="med"/>
+                      <a:tailEnd type="none" w="med" len="med"/>
+                    </a:lnR>
+                    <a:lnT w="12700" cap="flat" cmpd="sng" algn="ctr">
+                      <a:solidFill>
+                        <a:schemeClr val="tx1"/>
+                      </a:solidFill>
+                      <a:prstDash val="solid"/>
+                      <a:round/>
+                      <a:headEnd type="none" w="med" len="med"/>
+                      <a:tailEnd type="none" w="med" len="med"/>
+                    </a:lnT>
+                    <a:lnB w="12700" cap="flat" cmpd="sng" algn="ctr">
+                      <a:solidFill>
+                        <a:schemeClr val="tx1"/>
+                      </a:solidFill>
+                      <a:prstDash val="solid"/>
+                      <a:round/>
+                      <a:headEnd type="none" w="med" len="med"/>
+                      <a:tailEnd type="none" w="med" len="med"/>
+                    </a:lnB>
+                    <a:solidFill>
+                      <a:schemeClr val="accent6">
+                        <a:lumMod val="60000"/>
+                        <a:lumOff val="40000"/>
+                      </a:schemeClr>
+                    </a:solidFill>
+                  </a:tcPr>
+                </a:tc>
+                <a:tc>
+                  <a:txBody>
+                    <a:bodyPr/>
+                    <a:lstStyle/>
+                    <a:p>
+                      <a:r>
+                        <a:rPr lang="es-MX" sz="800" dirty="0">
+                          <a:latin typeface="Calibri" panose="020F0502020204030204" pitchFamily="34" charset="0"/>
+                          <a:cs typeface="Calibri" panose="020F0502020204030204" pitchFamily="34" charset="0"/>
+                        </a:rPr>
+                        <a:t>PRIMARIA</a:t>
+                      </a:r>
+                      <a:endParaRPr lang="es-CO" sz="800" dirty="0">
+                        <a:latin typeface="Calibri" panose="020F0502020204030204" pitchFamily="34" charset="0"/>
+                        <a:cs typeface="Calibri" panose="020F0502020204030204" pitchFamily="34" charset="0"/>
+                      </a:endParaRPr>
+                    </a:p>
+                  </a:txBody>
+                  <a:tcPr>
+                    <a:lnL w="12700" cap="flat" cmpd="sng" algn="ctr">
+                      <a:solidFill>
+                        <a:schemeClr val="tx1"/>
+                      </a:solidFill>
+                      <a:prstDash val="solid"/>
+                      <a:round/>
+                      <a:headEnd type="none" w="med" len="med"/>
+                      <a:tailEnd type="none" w="med" len="med"/>
+                    </a:lnL>
+                    <a:lnR w="12700" cap="flat" cmpd="sng" algn="ctr">
+                      <a:solidFill>
+                        <a:schemeClr val="tx1"/>
+                      </a:solidFill>
+                      <a:prstDash val="solid"/>
+                      <a:round/>
+                      <a:headEnd type="none" w="med" len="med"/>
+                      <a:tailEnd type="none" w="med" len="med"/>
+                    </a:lnR>
+                    <a:lnT w="12700" cap="flat" cmpd="sng" algn="ctr">
+                      <a:solidFill>
+                        <a:schemeClr val="tx1"/>
+                      </a:solidFill>
+                      <a:prstDash val="solid"/>
+                      <a:round/>
+                      <a:headEnd type="none" w="med" len="med"/>
+                      <a:tailEnd type="none" w="med" len="med"/>
+                    </a:lnT>
+                    <a:lnB w="12700" cap="flat" cmpd="sng" algn="ctr">
+                      <a:solidFill>
+                        <a:schemeClr val="tx1"/>
+                      </a:solidFill>
+                      <a:prstDash val="solid"/>
+                      <a:round/>
+                      <a:headEnd type="none" w="med" len="med"/>
+                      <a:tailEnd type="none" w="med" len="med"/>
+                    </a:lnB>
+                    <a:solidFill>
+                      <a:schemeClr val="accent6">
+                        <a:lumMod val="60000"/>
+                        <a:lumOff val="40000"/>
+                      </a:schemeClr>
+                    </a:solidFill>
+                  </a:tcPr>
+                </a:tc>
+                <a:tc>
+                  <a:txBody>
+                    <a:bodyPr/>
+                    <a:lstStyle/>
+                    <a:p>
+                      <a:r>
+                        <a:rPr lang="es-MX" sz="800" dirty="0">
+                          <a:latin typeface="Calibri" panose="020F0502020204030204" pitchFamily="34" charset="0"/>
+                          <a:cs typeface="Calibri" panose="020F0502020204030204" pitchFamily="34" charset="0"/>
+                        </a:rPr>
+                        <a:t>INT</a:t>
+                      </a:r>
+                      <a:endParaRPr lang="es-CO" sz="800" dirty="0">
+                        <a:latin typeface="Calibri" panose="020F0502020204030204" pitchFamily="34" charset="0"/>
+                        <a:cs typeface="Calibri" panose="020F0502020204030204" pitchFamily="34" charset="0"/>
+                      </a:endParaRPr>
+                    </a:p>
+                  </a:txBody>
+                  <a:tcPr>
+                    <a:lnL w="12700" cap="flat" cmpd="sng" algn="ctr">
+                      <a:solidFill>
+                        <a:schemeClr val="tx1"/>
+                      </a:solidFill>
+                      <a:prstDash val="solid"/>
+                      <a:round/>
+                      <a:headEnd type="none" w="med" len="med"/>
+                      <a:tailEnd type="none" w="med" len="med"/>
+                    </a:lnL>
+                    <a:lnR w="12700" cap="flat" cmpd="sng" algn="ctr">
+                      <a:solidFill>
+                        <a:schemeClr val="tx1"/>
+                      </a:solidFill>
+                      <a:prstDash val="solid"/>
+                      <a:round/>
+                      <a:headEnd type="none" w="med" len="med"/>
+                      <a:tailEnd type="none" w="med" len="med"/>
+                    </a:lnR>
+                    <a:lnT w="12700" cap="flat" cmpd="sng" algn="ctr">
+                      <a:solidFill>
+                        <a:schemeClr val="tx1"/>
+                      </a:solidFill>
+                      <a:prstDash val="solid"/>
+                      <a:round/>
+                      <a:headEnd type="none" w="med" len="med"/>
+                      <a:tailEnd type="none" w="med" len="med"/>
+                    </a:lnT>
+                    <a:lnB w="12700" cap="flat" cmpd="sng" algn="ctr">
+                      <a:solidFill>
+                        <a:schemeClr val="tx1"/>
+                      </a:solidFill>
+                      <a:prstDash val="solid"/>
+                      <a:round/>
+                      <a:headEnd type="none" w="med" len="med"/>
+                      <a:tailEnd type="none" w="med" len="med"/>
+                    </a:lnB>
+                    <a:solidFill>
+                      <a:schemeClr val="accent6">
+                        <a:lumMod val="60000"/>
+                        <a:lumOff val="40000"/>
+                      </a:schemeClr>
+                    </a:solidFill>
+                  </a:tcPr>
+                </a:tc>
+                <a:tc>
+                  <a:txBody>
+                    <a:bodyPr/>
+                    <a:lstStyle/>
+                    <a:p>
+                      <a:r>
+                        <a:rPr lang="es-MX" sz="800" dirty="0">
+                          <a:latin typeface="Calibri" panose="020F0502020204030204" pitchFamily="34" charset="0"/>
+                          <a:cs typeface="Calibri" panose="020F0502020204030204" pitchFamily="34" charset="0"/>
+                        </a:rPr>
+                        <a:t>10</a:t>
+                      </a:r>
+                      <a:endParaRPr lang="es-CO" sz="800" dirty="0">
+                        <a:latin typeface="Calibri" panose="020F0502020204030204" pitchFamily="34" charset="0"/>
+                        <a:cs typeface="Calibri" panose="020F0502020204030204" pitchFamily="34" charset="0"/>
+                      </a:endParaRPr>
+                    </a:p>
+                  </a:txBody>
+                  <a:tcPr>
+                    <a:lnL w="12700" cap="flat" cmpd="sng" algn="ctr">
+                      <a:solidFill>
+                        <a:schemeClr val="tx1"/>
+                      </a:solidFill>
+                      <a:prstDash val="solid"/>
+                      <a:round/>
+                      <a:headEnd type="none" w="med" len="med"/>
+                      <a:tailEnd type="none" w="med" len="med"/>
+                    </a:lnL>
+                    <a:lnR w="12700" cap="flat" cmpd="sng" algn="ctr">
+                      <a:solidFill>
+                        <a:schemeClr val="tx1"/>
+                      </a:solidFill>
+                      <a:prstDash val="solid"/>
+                      <a:round/>
+                      <a:headEnd type="none" w="med" len="med"/>
+                      <a:tailEnd type="none" w="med" len="med"/>
+                    </a:lnR>
+                    <a:lnT w="12700" cap="flat" cmpd="sng" algn="ctr">
+                      <a:solidFill>
+                        <a:schemeClr val="tx1"/>
+                      </a:solidFill>
+                      <a:prstDash val="solid"/>
+                      <a:round/>
+                      <a:headEnd type="none" w="med" len="med"/>
+                      <a:tailEnd type="none" w="med" len="med"/>
+                    </a:lnT>
+                    <a:lnB w="12700" cap="flat" cmpd="sng" algn="ctr">
+                      <a:solidFill>
+                        <a:schemeClr val="tx1"/>
+                      </a:solidFill>
+                      <a:prstDash val="solid"/>
+                      <a:round/>
+                      <a:headEnd type="none" w="med" len="med"/>
+                      <a:tailEnd type="none" w="med" len="med"/>
+                    </a:lnB>
+                    <a:solidFill>
+                      <a:schemeClr val="accent6">
+                        <a:lumMod val="60000"/>
+                        <a:lumOff val="40000"/>
+                      </a:schemeClr>
+                    </a:solidFill>
+                  </a:tcPr>
+                </a:tc>
+                <a:tc>
+                  <a:txBody>
+                    <a:bodyPr/>
+                    <a:lstStyle/>
+                    <a:p>
+                      <a:r>
+                        <a:rPr lang="es-MX" sz="800" dirty="0">
+                          <a:latin typeface="Calibri" panose="020F0502020204030204" pitchFamily="34" charset="0"/>
+                          <a:cs typeface="Calibri" panose="020F0502020204030204" pitchFamily="34" charset="0"/>
+                        </a:rPr>
+                        <a:t>Numero de identificación de los perfiles  de los usuarios</a:t>
+                      </a:r>
+                      <a:endParaRPr lang="es-CO" sz="800" dirty="0">
+                        <a:latin typeface="Calibri" panose="020F0502020204030204" pitchFamily="34" charset="0"/>
+                        <a:cs typeface="Calibri" panose="020F0502020204030204" pitchFamily="34" charset="0"/>
+                      </a:endParaRPr>
+                    </a:p>
+                  </a:txBody>
+                  <a:tcPr>
+                    <a:lnL w="12700" cap="flat" cmpd="sng" algn="ctr">
+                      <a:solidFill>
+                        <a:schemeClr val="tx1"/>
+                      </a:solidFill>
+                      <a:prstDash val="solid"/>
+                      <a:round/>
+                      <a:headEnd type="none" w="med" len="med"/>
+                      <a:tailEnd type="none" w="med" len="med"/>
+                    </a:lnL>
+                    <a:lnR w="12700" cap="flat" cmpd="sng" algn="ctr">
+                      <a:solidFill>
+                        <a:schemeClr val="tx1"/>
+                      </a:solidFill>
+                      <a:prstDash val="solid"/>
+                      <a:round/>
+                      <a:headEnd type="none" w="med" len="med"/>
+                      <a:tailEnd type="none" w="med" len="med"/>
+                    </a:lnR>
+                    <a:lnT w="12700" cap="flat" cmpd="sng" algn="ctr">
+                      <a:solidFill>
+                        <a:schemeClr val="tx1"/>
+                      </a:solidFill>
+                      <a:prstDash val="solid"/>
+                      <a:round/>
+                      <a:headEnd type="none" w="med" len="med"/>
+                      <a:tailEnd type="none" w="med" len="med"/>
+                    </a:lnT>
+                    <a:lnB w="12700" cap="flat" cmpd="sng" algn="ctr">
+                      <a:solidFill>
+                        <a:schemeClr val="tx1"/>
+                      </a:solidFill>
+                      <a:prstDash val="solid"/>
+                      <a:round/>
+                      <a:headEnd type="none" w="med" len="med"/>
+                      <a:tailEnd type="none" w="med" len="med"/>
+                    </a:lnB>
+                    <a:solidFill>
+                      <a:schemeClr val="accent6">
+                        <a:lumMod val="60000"/>
+                        <a:lumOff val="40000"/>
+                      </a:schemeClr>
+                    </a:solidFill>
+                  </a:tcPr>
+                </a:tc>
+                <a:extLst>
+                  <a:ext uri="{0D108BD9-81ED-4DB2-BD59-A6C34878D82A}">
+                    <a16:rowId xmlns:a16="http://schemas.microsoft.com/office/drawing/2014/main" val="2087476772"/>
+                  </a:ext>
+                </a:extLst>
+              </a:tr>
+              <a:tr h="370840">
+                <a:tc>
+                  <a:txBody>
+                    <a:bodyPr/>
+                    <a:lstStyle/>
+                    <a:p>
+                      <a:r>
+                        <a:rPr lang="es-MX" sz="800" dirty="0">
+                          <a:latin typeface="Calibri" panose="020F0502020204030204" pitchFamily="34" charset="0"/>
+                          <a:cs typeface="Calibri" panose="020F0502020204030204" pitchFamily="34" charset="0"/>
+                        </a:rPr>
+                        <a:t>NOMBRE_USUARIO</a:t>
+                      </a:r>
+                      <a:endParaRPr lang="es-CO" sz="800" dirty="0">
+                        <a:latin typeface="Calibri" panose="020F0502020204030204" pitchFamily="34" charset="0"/>
+                        <a:cs typeface="Calibri" panose="020F0502020204030204" pitchFamily="34" charset="0"/>
+                      </a:endParaRPr>
+                    </a:p>
+                  </a:txBody>
+                  <a:tcPr>
+                    <a:lnL w="12700" cap="flat" cmpd="sng" algn="ctr">
+                      <a:solidFill>
+                        <a:schemeClr val="tx1"/>
+                      </a:solidFill>
+                      <a:prstDash val="solid"/>
+                      <a:round/>
+                      <a:headEnd type="none" w="med" len="med"/>
+                      <a:tailEnd type="none" w="med" len="med"/>
+                    </a:lnL>
+                    <a:lnR w="12700" cap="flat" cmpd="sng" algn="ctr">
+                      <a:solidFill>
+                        <a:schemeClr val="tx1"/>
+                      </a:solidFill>
+                      <a:prstDash val="solid"/>
+                      <a:round/>
+                      <a:headEnd type="none" w="med" len="med"/>
+                      <a:tailEnd type="none" w="med" len="med"/>
+                    </a:lnR>
+                    <a:lnT w="12700" cap="flat" cmpd="sng" algn="ctr">
+                      <a:solidFill>
+                        <a:schemeClr val="tx1"/>
+                      </a:solidFill>
+                      <a:prstDash val="solid"/>
+                      <a:round/>
+                      <a:headEnd type="none" w="med" len="med"/>
+                      <a:tailEnd type="none" w="med" len="med"/>
+                    </a:lnT>
+                    <a:lnB w="12700" cap="flat" cmpd="sng" algn="ctr">
+                      <a:solidFill>
+                        <a:schemeClr val="tx1"/>
+                      </a:solidFill>
+                      <a:prstDash val="solid"/>
+                      <a:round/>
+                      <a:headEnd type="none" w="med" len="med"/>
+                      <a:tailEnd type="none" w="med" len="med"/>
+                    </a:lnB>
+                    <a:solidFill>
+                      <a:schemeClr val="accent6">
+                        <a:lumMod val="60000"/>
+                        <a:lumOff val="40000"/>
+                      </a:schemeClr>
+                    </a:solidFill>
+                  </a:tcPr>
+                </a:tc>
+                <a:tc>
+                  <a:txBody>
+                    <a:bodyPr/>
+                    <a:lstStyle/>
+                    <a:p>
+                      <a:endParaRPr lang="es-CO" sz="800" dirty="0">
+                        <a:latin typeface="Calibri" panose="020F0502020204030204" pitchFamily="34" charset="0"/>
+                        <a:cs typeface="Calibri" panose="020F0502020204030204" pitchFamily="34" charset="0"/>
+                      </a:endParaRPr>
+                    </a:p>
+                  </a:txBody>
+                  <a:tcPr>
+                    <a:lnL w="12700" cap="flat" cmpd="sng" algn="ctr">
+                      <a:solidFill>
+                        <a:schemeClr val="tx1"/>
+                      </a:solidFill>
+                      <a:prstDash val="solid"/>
+                      <a:round/>
+                      <a:headEnd type="none" w="med" len="med"/>
+                      <a:tailEnd type="none" w="med" len="med"/>
+                    </a:lnL>
+                    <a:lnR w="12700" cap="flat" cmpd="sng" algn="ctr">
+                      <a:solidFill>
+                        <a:schemeClr val="tx1"/>
+                      </a:solidFill>
+                      <a:prstDash val="solid"/>
+                      <a:round/>
+                      <a:headEnd type="none" w="med" len="med"/>
+                      <a:tailEnd type="none" w="med" len="med"/>
+                    </a:lnR>
+                    <a:lnT w="12700" cap="flat" cmpd="sng" algn="ctr">
+                      <a:solidFill>
+                        <a:schemeClr val="tx1"/>
+                      </a:solidFill>
+                      <a:prstDash val="solid"/>
+                      <a:round/>
+                      <a:headEnd type="none" w="med" len="med"/>
+                      <a:tailEnd type="none" w="med" len="med"/>
+                    </a:lnT>
+                    <a:lnB w="12700" cap="flat" cmpd="sng" algn="ctr">
+                      <a:solidFill>
+                        <a:schemeClr val="tx1"/>
+                      </a:solidFill>
+                      <a:prstDash val="solid"/>
+                      <a:round/>
+                      <a:headEnd type="none" w="med" len="med"/>
+                      <a:tailEnd type="none" w="med" len="med"/>
+                    </a:lnB>
+                    <a:solidFill>
+                      <a:schemeClr val="accent6">
+                        <a:lumMod val="60000"/>
+                        <a:lumOff val="40000"/>
+                      </a:schemeClr>
+                    </a:solidFill>
+                  </a:tcPr>
+                </a:tc>
+                <a:tc>
+                  <a:txBody>
+                    <a:bodyPr/>
+                    <a:lstStyle/>
+                    <a:p>
+                      <a:r>
+                        <a:rPr lang="es-MX" sz="800" dirty="0">
+                          <a:latin typeface="Calibri" panose="020F0502020204030204" pitchFamily="34" charset="0"/>
+                          <a:cs typeface="Calibri" panose="020F0502020204030204" pitchFamily="34" charset="0"/>
+                        </a:rPr>
+                        <a:t>VARCHAR</a:t>
+                      </a:r>
+                      <a:endParaRPr lang="es-CO" sz="800" dirty="0">
+                        <a:latin typeface="Calibri" panose="020F0502020204030204" pitchFamily="34" charset="0"/>
+                        <a:cs typeface="Calibri" panose="020F0502020204030204" pitchFamily="34" charset="0"/>
+                      </a:endParaRPr>
+                    </a:p>
+                  </a:txBody>
+                  <a:tcPr>
+                    <a:lnL w="12700" cap="flat" cmpd="sng" algn="ctr">
+                      <a:solidFill>
+                        <a:schemeClr val="tx1"/>
+                      </a:solidFill>
+                      <a:prstDash val="solid"/>
+                      <a:round/>
+                      <a:headEnd type="none" w="med" len="med"/>
+                      <a:tailEnd type="none" w="med" len="med"/>
+                    </a:lnL>
+                    <a:lnR w="12700" cap="flat" cmpd="sng" algn="ctr">
+                      <a:solidFill>
+                        <a:schemeClr val="tx1"/>
+                      </a:solidFill>
+                      <a:prstDash val="solid"/>
+                      <a:round/>
+                      <a:headEnd type="none" w="med" len="med"/>
+                      <a:tailEnd type="none" w="med" len="med"/>
+                    </a:lnR>
+                    <a:lnT w="12700" cap="flat" cmpd="sng" algn="ctr">
+                      <a:solidFill>
+                        <a:schemeClr val="tx1"/>
+                      </a:solidFill>
+                      <a:prstDash val="solid"/>
+                      <a:round/>
+                      <a:headEnd type="none" w="med" len="med"/>
+                      <a:tailEnd type="none" w="med" len="med"/>
+                    </a:lnT>
+                    <a:lnB w="12700" cap="flat" cmpd="sng" algn="ctr">
+                      <a:solidFill>
+                        <a:schemeClr val="tx1"/>
+                      </a:solidFill>
+                      <a:prstDash val="solid"/>
+                      <a:round/>
+                      <a:headEnd type="none" w="med" len="med"/>
+                      <a:tailEnd type="none" w="med" len="med"/>
+                    </a:lnB>
+                    <a:solidFill>
+                      <a:schemeClr val="accent6">
+                        <a:lumMod val="60000"/>
+                        <a:lumOff val="40000"/>
+                      </a:schemeClr>
+                    </a:solidFill>
+                  </a:tcPr>
+                </a:tc>
+                <a:tc>
+                  <a:txBody>
+                    <a:bodyPr/>
+                    <a:lstStyle/>
+                    <a:p>
+                      <a:r>
+                        <a:rPr lang="es-MX" sz="800" dirty="0">
+                          <a:latin typeface="Calibri" panose="020F0502020204030204" pitchFamily="34" charset="0"/>
+                          <a:cs typeface="Calibri" panose="020F0502020204030204" pitchFamily="34" charset="0"/>
+                        </a:rPr>
+                        <a:t>45</a:t>
+                      </a:r>
+                      <a:endParaRPr lang="es-CO" sz="800" dirty="0">
+                        <a:latin typeface="Calibri" panose="020F0502020204030204" pitchFamily="34" charset="0"/>
+                        <a:cs typeface="Calibri" panose="020F0502020204030204" pitchFamily="34" charset="0"/>
+                      </a:endParaRPr>
+                    </a:p>
+                  </a:txBody>
+                  <a:tcPr>
+                    <a:lnL w="12700" cap="flat" cmpd="sng" algn="ctr">
+                      <a:solidFill>
+                        <a:schemeClr val="tx1"/>
+                      </a:solidFill>
+                      <a:prstDash val="solid"/>
+                      <a:round/>
+                      <a:headEnd type="none" w="med" len="med"/>
+                      <a:tailEnd type="none" w="med" len="med"/>
+                    </a:lnL>
+                    <a:lnR w="12700" cap="flat" cmpd="sng" algn="ctr">
+                      <a:solidFill>
+                        <a:schemeClr val="tx1"/>
+                      </a:solidFill>
+                      <a:prstDash val="solid"/>
+                      <a:round/>
+                      <a:headEnd type="none" w="med" len="med"/>
+                      <a:tailEnd type="none" w="med" len="med"/>
+                    </a:lnR>
+                    <a:lnT w="12700" cap="flat" cmpd="sng" algn="ctr">
+                      <a:solidFill>
+                        <a:schemeClr val="tx1"/>
+                      </a:solidFill>
+                      <a:prstDash val="solid"/>
+                      <a:round/>
+                      <a:headEnd type="none" w="med" len="med"/>
+                      <a:tailEnd type="none" w="med" len="med"/>
+                    </a:lnT>
+                    <a:lnB w="12700" cap="flat" cmpd="sng" algn="ctr">
+                      <a:solidFill>
+                        <a:schemeClr val="tx1"/>
+                      </a:solidFill>
+                      <a:prstDash val="solid"/>
+                      <a:round/>
+                      <a:headEnd type="none" w="med" len="med"/>
+                      <a:tailEnd type="none" w="med" len="med"/>
+                    </a:lnB>
+                    <a:solidFill>
+                      <a:schemeClr val="accent6">
+                        <a:lumMod val="60000"/>
+                        <a:lumOff val="40000"/>
+                      </a:schemeClr>
+                    </a:solidFill>
+                  </a:tcPr>
+                </a:tc>
+                <a:tc>
+                  <a:txBody>
+                    <a:bodyPr/>
+                    <a:lstStyle/>
+                    <a:p>
+                      <a:r>
+                        <a:rPr lang="es-MX" sz="800" dirty="0">
+                          <a:latin typeface="Calibri" panose="020F0502020204030204" pitchFamily="34" charset="0"/>
+                          <a:cs typeface="Calibri" panose="020F0502020204030204" pitchFamily="34" charset="0"/>
+                        </a:rPr>
+                        <a:t>Nombre del usuario</a:t>
+                      </a:r>
+                      <a:endParaRPr lang="es-CO" sz="800" dirty="0">
+                        <a:latin typeface="Calibri" panose="020F0502020204030204" pitchFamily="34" charset="0"/>
+                        <a:cs typeface="Calibri" panose="020F0502020204030204" pitchFamily="34" charset="0"/>
+                      </a:endParaRPr>
+                    </a:p>
+                  </a:txBody>
+                  <a:tcPr>
+                    <a:lnL w="12700" cap="flat" cmpd="sng" algn="ctr">
+                      <a:solidFill>
+                        <a:schemeClr val="tx1"/>
+                      </a:solidFill>
+                      <a:prstDash val="solid"/>
+                      <a:round/>
+                      <a:headEnd type="none" w="med" len="med"/>
+                      <a:tailEnd type="none" w="med" len="med"/>
+                    </a:lnL>
+                    <a:lnR w="12700" cap="flat" cmpd="sng" algn="ctr">
+                      <a:solidFill>
+                        <a:schemeClr val="tx1"/>
+                      </a:solidFill>
+                      <a:prstDash val="solid"/>
+                      <a:round/>
+                      <a:headEnd type="none" w="med" len="med"/>
+                      <a:tailEnd type="none" w="med" len="med"/>
+                    </a:lnR>
+                    <a:lnT w="12700" cap="flat" cmpd="sng" algn="ctr">
+                      <a:solidFill>
+                        <a:schemeClr val="tx1"/>
+                      </a:solidFill>
+                      <a:prstDash val="solid"/>
+                      <a:round/>
+                      <a:headEnd type="none" w="med" len="med"/>
+                      <a:tailEnd type="none" w="med" len="med"/>
+                    </a:lnT>
+                    <a:lnB w="12700" cap="flat" cmpd="sng" algn="ctr">
+                      <a:solidFill>
+                        <a:schemeClr val="tx1"/>
+                      </a:solidFill>
+                      <a:prstDash val="solid"/>
+                      <a:round/>
+                      <a:headEnd type="none" w="med" len="med"/>
+                      <a:tailEnd type="none" w="med" len="med"/>
+                    </a:lnB>
+                    <a:solidFill>
+                      <a:schemeClr val="accent6">
+                        <a:lumMod val="60000"/>
+                        <a:lumOff val="40000"/>
+                      </a:schemeClr>
+                    </a:solidFill>
+                  </a:tcPr>
+                </a:tc>
+                <a:extLst>
+                  <a:ext uri="{0D108BD9-81ED-4DB2-BD59-A6C34878D82A}">
+                    <a16:rowId xmlns:a16="http://schemas.microsoft.com/office/drawing/2014/main" val="2052450053"/>
+                  </a:ext>
+                </a:extLst>
+              </a:tr>
+              <a:tr h="370840">
+                <a:tc>
+                  <a:txBody>
+                    <a:bodyPr/>
+                    <a:lstStyle/>
+                    <a:p>
+                      <a:r>
+                        <a:rPr lang="es-MX" sz="800" dirty="0">
+                          <a:latin typeface="Calibri" panose="020F0502020204030204" pitchFamily="34" charset="0"/>
+                          <a:cs typeface="Calibri" panose="020F0502020204030204" pitchFamily="34" charset="0"/>
+                        </a:rPr>
+                        <a:t>CONTRASENA_USUARIO</a:t>
+                      </a:r>
+                      <a:endParaRPr lang="es-CO" sz="800" dirty="0">
+                        <a:latin typeface="Calibri" panose="020F0502020204030204" pitchFamily="34" charset="0"/>
+                        <a:cs typeface="Calibri" panose="020F0502020204030204" pitchFamily="34" charset="0"/>
+                      </a:endParaRPr>
+                    </a:p>
+                  </a:txBody>
+                  <a:tcPr>
+                    <a:lnL w="12700" cap="flat" cmpd="sng" algn="ctr">
+                      <a:solidFill>
+                        <a:schemeClr val="tx1"/>
+                      </a:solidFill>
+                      <a:prstDash val="solid"/>
+                      <a:round/>
+                      <a:headEnd type="none" w="med" len="med"/>
+                      <a:tailEnd type="none" w="med" len="med"/>
+                    </a:lnL>
+                    <a:lnR w="12700" cap="flat" cmpd="sng" algn="ctr">
+                      <a:solidFill>
+                        <a:schemeClr val="tx1"/>
+                      </a:solidFill>
+                      <a:prstDash val="solid"/>
+                      <a:round/>
+                      <a:headEnd type="none" w="med" len="med"/>
+                      <a:tailEnd type="none" w="med" len="med"/>
+                    </a:lnR>
+                    <a:lnT w="12700" cap="flat" cmpd="sng" algn="ctr">
+                      <a:solidFill>
+                        <a:schemeClr val="tx1"/>
+                      </a:solidFill>
+                      <a:prstDash val="solid"/>
+                      <a:round/>
+                      <a:headEnd type="none" w="med" len="med"/>
+                      <a:tailEnd type="none" w="med" len="med"/>
+                    </a:lnT>
+                    <a:lnB w="12700" cap="flat" cmpd="sng" algn="ctr">
+                      <a:solidFill>
+                        <a:schemeClr val="tx1"/>
+                      </a:solidFill>
+                      <a:prstDash val="solid"/>
+                      <a:round/>
+                      <a:headEnd type="none" w="med" len="med"/>
+                      <a:tailEnd type="none" w="med" len="med"/>
+                    </a:lnB>
+                    <a:solidFill>
+                      <a:schemeClr val="accent6">
+                        <a:lumMod val="60000"/>
+                        <a:lumOff val="40000"/>
+                      </a:schemeClr>
+                    </a:solidFill>
+                  </a:tcPr>
+                </a:tc>
+                <a:tc>
+                  <a:txBody>
+                    <a:bodyPr/>
+                    <a:lstStyle/>
+                    <a:p>
+                      <a:endParaRPr lang="es-CO" sz="800" dirty="0">
+                        <a:latin typeface="Calibri" panose="020F0502020204030204" pitchFamily="34" charset="0"/>
+                        <a:cs typeface="Calibri" panose="020F0502020204030204" pitchFamily="34" charset="0"/>
+                      </a:endParaRPr>
+                    </a:p>
+                  </a:txBody>
+                  <a:tcPr>
+                    <a:lnL w="12700" cap="flat" cmpd="sng" algn="ctr">
+                      <a:solidFill>
+                        <a:schemeClr val="tx1"/>
+                      </a:solidFill>
+                      <a:prstDash val="solid"/>
+                      <a:round/>
+                      <a:headEnd type="none" w="med" len="med"/>
+                      <a:tailEnd type="none" w="med" len="med"/>
+                    </a:lnL>
+                    <a:lnR w="12700" cap="flat" cmpd="sng" algn="ctr">
+                      <a:solidFill>
+                        <a:schemeClr val="tx1"/>
+                      </a:solidFill>
+                      <a:prstDash val="solid"/>
+                      <a:round/>
+                      <a:headEnd type="none" w="med" len="med"/>
+                      <a:tailEnd type="none" w="med" len="med"/>
+                    </a:lnR>
+                    <a:lnT w="12700" cap="flat" cmpd="sng" algn="ctr">
+                      <a:solidFill>
+                        <a:schemeClr val="tx1"/>
+                      </a:solidFill>
+                      <a:prstDash val="solid"/>
+                      <a:round/>
+                      <a:headEnd type="none" w="med" len="med"/>
+                      <a:tailEnd type="none" w="med" len="med"/>
+                    </a:lnT>
+                    <a:lnB w="12700" cap="flat" cmpd="sng" algn="ctr">
+                      <a:solidFill>
+                        <a:schemeClr val="tx1"/>
+                      </a:solidFill>
+                      <a:prstDash val="solid"/>
+                      <a:round/>
+                      <a:headEnd type="none" w="med" len="med"/>
+                      <a:tailEnd type="none" w="med" len="med"/>
+                    </a:lnB>
+                    <a:solidFill>
+                      <a:schemeClr val="accent6">
+                        <a:lumMod val="60000"/>
+                        <a:lumOff val="40000"/>
+                      </a:schemeClr>
+                    </a:solidFill>
+                  </a:tcPr>
+                </a:tc>
+                <a:tc>
+                  <a:txBody>
+                    <a:bodyPr/>
+                    <a:lstStyle/>
+                    <a:p>
+                      <a:r>
+                        <a:rPr lang="es-MX" sz="800" dirty="0">
+                          <a:latin typeface="Calibri" panose="020F0502020204030204" pitchFamily="34" charset="0"/>
+                          <a:cs typeface="Calibri" panose="020F0502020204030204" pitchFamily="34" charset="0"/>
+                        </a:rPr>
+                        <a:t>VARCHAR</a:t>
+                      </a:r>
+                      <a:endParaRPr lang="es-CO" sz="800" dirty="0">
+                        <a:latin typeface="Calibri" panose="020F0502020204030204" pitchFamily="34" charset="0"/>
+                        <a:cs typeface="Calibri" panose="020F0502020204030204" pitchFamily="34" charset="0"/>
+                      </a:endParaRPr>
+                    </a:p>
+                  </a:txBody>
+                  <a:tcPr>
+                    <a:lnL w="12700" cap="flat" cmpd="sng" algn="ctr">
+                      <a:solidFill>
+                        <a:schemeClr val="tx1"/>
+                      </a:solidFill>
+                      <a:prstDash val="solid"/>
+                      <a:round/>
+                      <a:headEnd type="none" w="med" len="med"/>
+                      <a:tailEnd type="none" w="med" len="med"/>
+                    </a:lnL>
+                    <a:lnR w="12700" cap="flat" cmpd="sng" algn="ctr">
+                      <a:solidFill>
+                        <a:schemeClr val="tx1"/>
+                      </a:solidFill>
+                      <a:prstDash val="solid"/>
+                      <a:round/>
+                      <a:headEnd type="none" w="med" len="med"/>
+                      <a:tailEnd type="none" w="med" len="med"/>
+                    </a:lnR>
+                    <a:lnT w="12700" cap="flat" cmpd="sng" algn="ctr">
+                      <a:solidFill>
+                        <a:schemeClr val="tx1"/>
+                      </a:solidFill>
+                      <a:prstDash val="solid"/>
+                      <a:round/>
+                      <a:headEnd type="none" w="med" len="med"/>
+                      <a:tailEnd type="none" w="med" len="med"/>
+                    </a:lnT>
+                    <a:lnB w="12700" cap="flat" cmpd="sng" algn="ctr">
+                      <a:solidFill>
+                        <a:schemeClr val="tx1"/>
+                      </a:solidFill>
+                      <a:prstDash val="solid"/>
+                      <a:round/>
+                      <a:headEnd type="none" w="med" len="med"/>
+                      <a:tailEnd type="none" w="med" len="med"/>
+                    </a:lnB>
+                    <a:solidFill>
+                      <a:schemeClr val="accent6">
+                        <a:lumMod val="60000"/>
+                        <a:lumOff val="40000"/>
+                      </a:schemeClr>
+                    </a:solidFill>
+                  </a:tcPr>
+                </a:tc>
+                <a:tc>
+                  <a:txBody>
+                    <a:bodyPr/>
+                    <a:lstStyle/>
+                    <a:p>
+                      <a:r>
+                        <a:rPr lang="es-MX" sz="800" dirty="0">
+                          <a:latin typeface="Calibri" panose="020F0502020204030204" pitchFamily="34" charset="0"/>
+                          <a:cs typeface="Calibri" panose="020F0502020204030204" pitchFamily="34" charset="0"/>
+                        </a:rPr>
+                        <a:t>45</a:t>
+                      </a:r>
+                      <a:endParaRPr lang="es-CO" sz="800" dirty="0">
+                        <a:latin typeface="Calibri" panose="020F0502020204030204" pitchFamily="34" charset="0"/>
+                        <a:cs typeface="Calibri" panose="020F0502020204030204" pitchFamily="34" charset="0"/>
+                      </a:endParaRPr>
+                    </a:p>
+                  </a:txBody>
+                  <a:tcPr>
+                    <a:lnL w="12700" cap="flat" cmpd="sng" algn="ctr">
+                      <a:solidFill>
+                        <a:schemeClr val="tx1"/>
+                      </a:solidFill>
+                      <a:prstDash val="solid"/>
+                      <a:round/>
+                      <a:headEnd type="none" w="med" len="med"/>
+                      <a:tailEnd type="none" w="med" len="med"/>
+                    </a:lnL>
+                    <a:lnR w="12700" cap="flat" cmpd="sng" algn="ctr">
+                      <a:solidFill>
+                        <a:schemeClr val="tx1"/>
+                      </a:solidFill>
+                      <a:prstDash val="solid"/>
+                      <a:round/>
+                      <a:headEnd type="none" w="med" len="med"/>
+                      <a:tailEnd type="none" w="med" len="med"/>
+                    </a:lnR>
+                    <a:lnT w="12700" cap="flat" cmpd="sng" algn="ctr">
+                      <a:solidFill>
+                        <a:schemeClr val="tx1"/>
+                      </a:solidFill>
+                      <a:prstDash val="solid"/>
+                      <a:round/>
+                      <a:headEnd type="none" w="med" len="med"/>
+                      <a:tailEnd type="none" w="med" len="med"/>
+                    </a:lnT>
+                    <a:lnB w="12700" cap="flat" cmpd="sng" algn="ctr">
+                      <a:solidFill>
+                        <a:schemeClr val="tx1"/>
+                      </a:solidFill>
+                      <a:prstDash val="solid"/>
+                      <a:round/>
+                      <a:headEnd type="none" w="med" len="med"/>
+                      <a:tailEnd type="none" w="med" len="med"/>
+                    </a:lnB>
+                    <a:solidFill>
+                      <a:schemeClr val="accent6">
+                        <a:lumMod val="60000"/>
+                        <a:lumOff val="40000"/>
+                      </a:schemeClr>
+                    </a:solidFill>
+                  </a:tcPr>
+                </a:tc>
+                <a:tc>
+                  <a:txBody>
+                    <a:bodyPr/>
+                    <a:lstStyle/>
+                    <a:p>
+                      <a:r>
+                        <a:rPr lang="es-MX" sz="800" dirty="0">
+                          <a:latin typeface="Calibri" panose="020F0502020204030204" pitchFamily="34" charset="0"/>
+                          <a:cs typeface="Calibri" panose="020F0502020204030204" pitchFamily="34" charset="0"/>
+                        </a:rPr>
+                        <a:t>Contraseña del usuario</a:t>
+                      </a:r>
+                      <a:endParaRPr lang="es-CO" sz="800" dirty="0">
+                        <a:latin typeface="Calibri" panose="020F0502020204030204" pitchFamily="34" charset="0"/>
+                        <a:cs typeface="Calibri" panose="020F0502020204030204" pitchFamily="34" charset="0"/>
+                      </a:endParaRPr>
+                    </a:p>
+                  </a:txBody>
+                  <a:tcPr>
+                    <a:lnL w="12700" cap="flat" cmpd="sng" algn="ctr">
+                      <a:solidFill>
+                        <a:schemeClr val="tx1"/>
+                      </a:solidFill>
+                      <a:prstDash val="solid"/>
+                      <a:round/>
+                      <a:headEnd type="none" w="med" len="med"/>
+                      <a:tailEnd type="none" w="med" len="med"/>
+                    </a:lnL>
+                    <a:lnR w="12700" cap="flat" cmpd="sng" algn="ctr">
+                      <a:solidFill>
+                        <a:schemeClr val="tx1"/>
+                      </a:solidFill>
+                      <a:prstDash val="solid"/>
+                      <a:round/>
+                      <a:headEnd type="none" w="med" len="med"/>
+                      <a:tailEnd type="none" w="med" len="med"/>
+                    </a:lnR>
+                    <a:lnT w="12700" cap="flat" cmpd="sng" algn="ctr">
+                      <a:solidFill>
+                        <a:schemeClr val="tx1"/>
+                      </a:solidFill>
+                      <a:prstDash val="solid"/>
+                      <a:round/>
+                      <a:headEnd type="none" w="med" len="med"/>
+                      <a:tailEnd type="none" w="med" len="med"/>
+                    </a:lnT>
+                    <a:lnB w="12700" cap="flat" cmpd="sng" algn="ctr">
+                      <a:solidFill>
+                        <a:schemeClr val="tx1"/>
+                      </a:solidFill>
+                      <a:prstDash val="solid"/>
+                      <a:round/>
+                      <a:headEnd type="none" w="med" len="med"/>
+                      <a:tailEnd type="none" w="med" len="med"/>
+                    </a:lnB>
+                    <a:solidFill>
+                      <a:schemeClr val="accent6">
+                        <a:lumMod val="60000"/>
+                        <a:lumOff val="40000"/>
+                      </a:schemeClr>
+                    </a:solidFill>
+                  </a:tcPr>
+                </a:tc>
+                <a:extLst>
+                  <a:ext uri="{0D108BD9-81ED-4DB2-BD59-A6C34878D82A}">
+                    <a16:rowId xmlns:a16="http://schemas.microsoft.com/office/drawing/2014/main" val="1834159154"/>
+                  </a:ext>
+                </a:extLst>
+              </a:tr>
+            </a:tbl>
+          </a:graphicData>
+        </a:graphic>
+      </p:graphicFrame>
+    </p:spTree>
+    <p:extLst>
+      <p:ext uri="{BB962C8B-B14F-4D97-AF65-F5344CB8AC3E}">
+        <p14:creationId xmlns:p14="http://schemas.microsoft.com/office/powerpoint/2010/main" val="2365352243"/>
+      </p:ext>
+    </p:extLst>
+  </p:cSld>
+  <p:clrMapOvr>
+    <a:masterClrMapping/>
+  </p:clrMapOvr>
+</p:sld>
+</file>
+
+<file path=ppt/slides/slide21.xml><?xml version="1.0" encoding="utf-8"?>
+<p:sld xmlns:a="http://schemas.openxmlformats.org/drawingml/2006/main" xmlns:r="http://schemas.openxmlformats.org/officeDocument/2006/relationships" xmlns:p="http://schemas.openxmlformats.org/presentationml/2006/main">
+  <p:cSld>
+    <p:spTree>
+      <p:nvGrpSpPr>
+        <p:cNvPr id="1" name=""/>
+        <p:cNvGrpSpPr/>
+        <p:nvPr/>
+      </p:nvGrpSpPr>
+      <p:grpSpPr>
+        <a:xfrm>
+          <a:off x="0" y="0"/>
+          <a:ext cx="0" cy="0"/>
+          <a:chOff x="0" y="0"/>
+          <a:chExt cx="0" cy="0"/>
+        </a:xfrm>
+      </p:grpSpPr>
+      <p:sp>
+        <p:nvSpPr>
+          <p:cNvPr id="2" name="Rectángulo 1">
+            <a:extLst>
+              <a:ext uri="{FF2B5EF4-FFF2-40B4-BE49-F238E27FC236}">
+                <a16:creationId xmlns:a16="http://schemas.microsoft.com/office/drawing/2014/main" id="{E2D1563D-EAC0-50D4-3C9B-44955903CC06}"/>
+              </a:ext>
+            </a:extLst>
+          </p:cNvPr>
+          <p:cNvSpPr/>
+          <p:nvPr/>
+        </p:nvSpPr>
+        <p:spPr>
+          <a:xfrm>
+            <a:off x="3287033" y="2110085"/>
+            <a:ext cx="2569934" cy="923330"/>
+          </a:xfrm>
+          <a:prstGeom prst="rect">
+            <a:avLst/>
+          </a:prstGeom>
+          <a:noFill/>
+        </p:spPr>
+        <p:txBody>
+          <a:bodyPr wrap="none" lIns="91440" tIns="45720" rIns="91440" bIns="45720">
+            <a:spAutoFit/>
+          </a:bodyPr>
+          <a:lstStyle/>
+          <a:p>
+            <a:pPr algn="ctr"/>
+            <a:r>
+              <a:rPr lang="es-ES" sz="5400" b="0" cap="none" spc="0" dirty="0">
+                <a:ln w="0"/>
+                <a:solidFill>
+                  <a:schemeClr val="accent6">
+                    <a:lumMod val="75000"/>
+                  </a:schemeClr>
+                </a:solidFill>
+                <a:effectLst/>
+              </a:rPr>
+              <a:t>Gracias</a:t>
+            </a:r>
+            <a:endParaRPr lang="es-ES" sz="5400" b="0" cap="none" spc="0" dirty="0">
+              <a:ln w="0"/>
+              <a:gradFill>
+                <a:gsLst>
+                  <a:gs pos="21000">
+                    <a:srgbClr val="53575C"/>
+                  </a:gs>
+                  <a:gs pos="88000">
+                    <a:srgbClr val="C5C7CA"/>
+                  </a:gs>
+                </a:gsLst>
+                <a:lin ang="5400000"/>
+              </a:gradFill>
+              <a:effectLst/>
+            </a:endParaRPr>
+          </a:p>
+        </p:txBody>
+      </p:sp>
+      <p:sp>
+        <p:nvSpPr>
+          <p:cNvPr id="5" name="CuadroTexto 4">
+            <a:extLst>
+              <a:ext uri="{FF2B5EF4-FFF2-40B4-BE49-F238E27FC236}">
+                <a16:creationId xmlns:a16="http://schemas.microsoft.com/office/drawing/2014/main" id="{F4EAEC90-6274-16C1-852A-09D24220DB54}"/>
+              </a:ext>
+            </a:extLst>
+          </p:cNvPr>
+          <p:cNvSpPr txBox="1"/>
+          <p:nvPr/>
+        </p:nvSpPr>
+        <p:spPr>
+          <a:xfrm>
+            <a:off x="3287033" y="2110085"/>
+            <a:ext cx="2569934" cy="923330"/>
+          </a:xfrm>
+          <a:prstGeom prst="rect">
+            <a:avLst/>
+          </a:prstGeom>
+          <a:noFill/>
+        </p:spPr>
+        <p:txBody>
+          <a:bodyPr wrap="none" rtlCol="0">
+            <a:spAutoFit/>
+          </a:bodyPr>
+          <a:lstStyle/>
+          <a:p>
+            <a:r>
+              <a:rPr lang="es-ES" sz="5400" b="0" cap="none" spc="0" dirty="0">
+                <a:ln w="0"/>
+                <a:solidFill>
+                  <a:schemeClr val="tx1">
+                    <a:lumMod val="85000"/>
+                    <a:lumOff val="15000"/>
+                  </a:schemeClr>
+                </a:solidFill>
+                <a:effectLst>
+                  <a:outerShdw blurRad="60007" dist="200025" dir="15000000" sy="30000" kx="-1800000" algn="bl" rotWithShape="0">
+                    <a:prstClr val="black">
+                      <a:alpha val="32000"/>
+                    </a:prstClr>
+                  </a:outerShdw>
+                </a:effectLst>
+              </a:rPr>
+              <a:t>Gracias</a:t>
+            </a:r>
+            <a:endParaRPr lang="es-CO" sz="5400" dirty="0">
+              <a:solidFill>
+                <a:schemeClr val="tx1">
+                  <a:lumMod val="85000"/>
+                  <a:lumOff val="15000"/>
+                </a:schemeClr>
+              </a:solidFill>
+              <a:effectLst>
+                <a:outerShdw blurRad="60007" dist="200025" dir="15000000" sy="30000" kx="-1800000" algn="bl" rotWithShape="0">
+                  <a:prstClr val="black">
+                    <a:alpha val="32000"/>
+                  </a:prstClr>
+                </a:outerShdw>
+              </a:effectLst>
+            </a:endParaRPr>
+          </a:p>
+        </p:txBody>
+      </p:sp>
+    </p:spTree>
+    <p:extLst>
+      <p:ext uri="{BB962C8B-B14F-4D97-AF65-F5344CB8AC3E}">
+        <p14:creationId xmlns:p14="http://schemas.microsoft.com/office/powerpoint/2010/main" val="2639355013"/>
+      </p:ext>
+    </p:extLst>
+  </p:cSld>
+  <p:clrMapOvr>
+    <a:masterClrMapping/>
+  </p:clrMapOvr>
+</p:sld>
+</file>
+
 <file path=ppt/slides/slide3.xml><?xml version="1.0" encoding="utf-8"?>
 <p:sld xmlns:a="http://schemas.openxmlformats.org/drawingml/2006/main" xmlns:r="http://schemas.openxmlformats.org/officeDocument/2006/relationships" xmlns:p="http://schemas.openxmlformats.org/presentationml/2006/main">
   <p:cSld>
@@ -27830,23 +30249,9 @@
           <a:lstStyle/>
           <a:p>
             <a:r>
-              <a:rPr lang="es-MX" sz="1400" b="0" i="0" u="none" strike="noStrike" dirty="0">
-                <a:solidFill>
-                  <a:schemeClr val="tx1"/>
-                </a:solidFill>
-                <a:effectLst/>
-                <a:latin typeface="Calibri" panose="020F0502020204030204" pitchFamily="34" charset="0"/>
-                <a:cs typeface="Calibri" panose="020F0502020204030204" pitchFamily="34" charset="0"/>
-              </a:rPr>
-              <a:t>Desarrollar un aplicativo web que permita que las empresas puedan guardar, filtrar y consultar, llevar un seguimiento, acceder a un historial completo de las conversaciones entre clientes, mediante un sistema de tickets otorgar un boleto digital de acuerdo con los requerimientos especificados por los clientes</a:t>
+              <a:rPr lang="es-CO" dirty="0"/>
+              <a:t>REALIZAR UN APLICATIVO WEB PARA EL CONTROL DE MANTENIMIENTO DE EWQUIPO DE COMPUTO PARA UNA EMPRESA POR MEDIO DE TICKETS </a:t>
             </a:r>
-            <a:endParaRPr lang="es-CO" sz="1400" dirty="0">
-              <a:solidFill>
-                <a:schemeClr val="tx1"/>
-              </a:solidFill>
-              <a:latin typeface="Calibri" panose="020F0502020204030204" pitchFamily="34" charset="0"/>
-              <a:cs typeface="Calibri" panose="020F0502020204030204" pitchFamily="34" charset="0"/>
-            </a:endParaRPr>
           </a:p>
         </p:txBody>
       </p:sp>
@@ -27864,6 +30269,663 @@
 </file>
 
 <file path=ppt/slides/slide4.xml><?xml version="1.0" encoding="utf-8"?>
+<p:sld xmlns:a="http://schemas.openxmlformats.org/drawingml/2006/main" xmlns:r="http://schemas.openxmlformats.org/officeDocument/2006/relationships" xmlns:p="http://schemas.openxmlformats.org/presentationml/2006/main">
+  <p:cSld>
+    <p:spTree>
+      <p:nvGrpSpPr>
+        <p:cNvPr id="1" name=""/>
+        <p:cNvGrpSpPr/>
+        <p:nvPr/>
+      </p:nvGrpSpPr>
+      <p:grpSpPr>
+        <a:xfrm>
+          <a:off x="0" y="0"/>
+          <a:ext cx="0" cy="0"/>
+          <a:chOff x="0" y="0"/>
+          <a:chExt cx="0" cy="0"/>
+        </a:xfrm>
+      </p:grpSpPr>
+      <p:sp>
+        <p:nvSpPr>
+          <p:cNvPr id="2" name="CuadroTexto 1">
+            <a:extLst>
+              <a:ext uri="{FF2B5EF4-FFF2-40B4-BE49-F238E27FC236}">
+                <a16:creationId xmlns:a16="http://schemas.microsoft.com/office/drawing/2014/main" id="{19999C26-7CBF-E090-6CE9-F86A52374C72}"/>
+              </a:ext>
+            </a:extLst>
+          </p:cNvPr>
+          <p:cNvSpPr txBox="1"/>
+          <p:nvPr/>
+        </p:nvSpPr>
+        <p:spPr>
+          <a:xfrm>
+            <a:off x="2418460" y="777667"/>
+            <a:ext cx="4477996" cy="307777"/>
+          </a:xfrm>
+          <a:prstGeom prst="rect">
+            <a:avLst/>
+          </a:prstGeom>
+          <a:noFill/>
+        </p:spPr>
+        <p:txBody>
+          <a:bodyPr wrap="square" rtlCol="0">
+            <a:spAutoFit/>
+          </a:bodyPr>
+          <a:lstStyle/>
+          <a:p>
+            <a:r>
+              <a:rPr lang="es-MX" dirty="0"/>
+              <a:t>OBJETIVOS ESPECIFICOS DEL PROYECTO</a:t>
+            </a:r>
+            <a:endParaRPr lang="es-CO" dirty="0"/>
+          </a:p>
+        </p:txBody>
+      </p:sp>
+      <p:sp>
+        <p:nvSpPr>
+          <p:cNvPr id="5" name="CuadroTexto 4">
+            <a:extLst>
+              <a:ext uri="{FF2B5EF4-FFF2-40B4-BE49-F238E27FC236}">
+                <a16:creationId xmlns:a16="http://schemas.microsoft.com/office/drawing/2014/main" id="{4A45D7A7-5CDD-E39A-34B7-8FFD913D9ABF}"/>
+              </a:ext>
+            </a:extLst>
+          </p:cNvPr>
+          <p:cNvSpPr txBox="1"/>
+          <p:nvPr/>
+        </p:nvSpPr>
+        <p:spPr>
+          <a:xfrm>
+            <a:off x="1709159" y="1555335"/>
+            <a:ext cx="418743" cy="307777"/>
+          </a:xfrm>
+          <a:prstGeom prst="rect">
+            <a:avLst/>
+          </a:prstGeom>
+          <a:noFill/>
+        </p:spPr>
+        <p:txBody>
+          <a:bodyPr wrap="square" rtlCol="0">
+            <a:spAutoFit/>
+          </a:bodyPr>
+          <a:lstStyle/>
+          <a:p>
+            <a:r>
+              <a:rPr lang="es-MX" dirty="0"/>
+              <a:t>02</a:t>
+            </a:r>
+            <a:endParaRPr lang="es-CO" dirty="0"/>
+          </a:p>
+        </p:txBody>
+      </p:sp>
+      <p:sp>
+        <p:nvSpPr>
+          <p:cNvPr id="6" name="CuadroTexto 5">
+            <a:extLst>
+              <a:ext uri="{FF2B5EF4-FFF2-40B4-BE49-F238E27FC236}">
+                <a16:creationId xmlns:a16="http://schemas.microsoft.com/office/drawing/2014/main" id="{B3A586D0-83BF-52C2-821E-0D5E9C75A380}"/>
+              </a:ext>
+            </a:extLst>
+          </p:cNvPr>
+          <p:cNvSpPr txBox="1"/>
+          <p:nvPr/>
+        </p:nvSpPr>
+        <p:spPr>
+          <a:xfrm>
+            <a:off x="5503492" y="1555334"/>
+            <a:ext cx="418743" cy="307777"/>
+          </a:xfrm>
+          <a:prstGeom prst="rect">
+            <a:avLst/>
+          </a:prstGeom>
+          <a:noFill/>
+        </p:spPr>
+        <p:txBody>
+          <a:bodyPr wrap="square" rtlCol="0">
+            <a:spAutoFit/>
+          </a:bodyPr>
+          <a:lstStyle/>
+          <a:p>
+            <a:r>
+              <a:rPr lang="es-MX" dirty="0"/>
+              <a:t>01</a:t>
+            </a:r>
+            <a:endParaRPr lang="es-CO" dirty="0"/>
+          </a:p>
+        </p:txBody>
+      </p:sp>
+      <p:sp>
+        <p:nvSpPr>
+          <p:cNvPr id="7" name="CuadroTexto 6">
+            <a:extLst>
+              <a:ext uri="{FF2B5EF4-FFF2-40B4-BE49-F238E27FC236}">
+                <a16:creationId xmlns:a16="http://schemas.microsoft.com/office/drawing/2014/main" id="{ED9A5E60-D84F-ED1D-CF43-469B6921B367}"/>
+              </a:ext>
+            </a:extLst>
+          </p:cNvPr>
+          <p:cNvSpPr txBox="1"/>
+          <p:nvPr/>
+        </p:nvSpPr>
+        <p:spPr>
+          <a:xfrm>
+            <a:off x="1709159" y="2972515"/>
+            <a:ext cx="418743" cy="523220"/>
+          </a:xfrm>
+          <a:prstGeom prst="rect">
+            <a:avLst/>
+          </a:prstGeom>
+          <a:noFill/>
+        </p:spPr>
+        <p:txBody>
+          <a:bodyPr wrap="square" rtlCol="0">
+            <a:spAutoFit/>
+          </a:bodyPr>
+          <a:lstStyle/>
+          <a:p>
+            <a:r>
+              <a:rPr lang="es-MX" dirty="0"/>
+              <a:t>04</a:t>
+            </a:r>
+          </a:p>
+          <a:p>
+            <a:endParaRPr lang="es-CO" dirty="0"/>
+          </a:p>
+        </p:txBody>
+      </p:sp>
+      <p:sp>
+        <p:nvSpPr>
+          <p:cNvPr id="8" name="CuadroTexto 7">
+            <a:extLst>
+              <a:ext uri="{FF2B5EF4-FFF2-40B4-BE49-F238E27FC236}">
+                <a16:creationId xmlns:a16="http://schemas.microsoft.com/office/drawing/2014/main" id="{0607CADA-F6C9-CAB7-BCF7-DC7636669255}"/>
+              </a:ext>
+            </a:extLst>
+          </p:cNvPr>
+          <p:cNvSpPr txBox="1"/>
+          <p:nvPr/>
+        </p:nvSpPr>
+        <p:spPr>
+          <a:xfrm>
+            <a:off x="5503492" y="2972514"/>
+            <a:ext cx="418743" cy="307777"/>
+          </a:xfrm>
+          <a:prstGeom prst="rect">
+            <a:avLst/>
+          </a:prstGeom>
+          <a:noFill/>
+        </p:spPr>
+        <p:txBody>
+          <a:bodyPr wrap="square" rtlCol="0">
+            <a:spAutoFit/>
+          </a:bodyPr>
+          <a:lstStyle/>
+          <a:p>
+            <a:r>
+              <a:rPr lang="es-MX" dirty="0"/>
+              <a:t>03</a:t>
+            </a:r>
+            <a:endParaRPr lang="es-CO" dirty="0"/>
+          </a:p>
+        </p:txBody>
+      </p:sp>
+      <p:sp>
+        <p:nvSpPr>
+          <p:cNvPr id="11" name="CuadroTexto 10">
+            <a:extLst>
+              <a:ext uri="{FF2B5EF4-FFF2-40B4-BE49-F238E27FC236}">
+                <a16:creationId xmlns:a16="http://schemas.microsoft.com/office/drawing/2014/main" id="{C6724079-A3D0-70BA-0AA2-9A9B0F9D1C4C}"/>
+              </a:ext>
+            </a:extLst>
+          </p:cNvPr>
+          <p:cNvSpPr txBox="1"/>
+          <p:nvPr/>
+        </p:nvSpPr>
+        <p:spPr>
+          <a:xfrm>
+            <a:off x="2127902" y="1555333"/>
+            <a:ext cx="1367328" cy="307777"/>
+          </a:xfrm>
+          <a:prstGeom prst="rect">
+            <a:avLst/>
+          </a:prstGeom>
+          <a:noFill/>
+        </p:spPr>
+        <p:txBody>
+          <a:bodyPr wrap="square" rtlCol="0">
+            <a:spAutoFit/>
+          </a:bodyPr>
+          <a:lstStyle/>
+          <a:p>
+            <a:r>
+              <a:rPr lang="es-MX" dirty="0"/>
+              <a:t>CREAR</a:t>
+            </a:r>
+            <a:endParaRPr lang="es-CO" dirty="0"/>
+          </a:p>
+        </p:txBody>
+      </p:sp>
+      <p:sp>
+        <p:nvSpPr>
+          <p:cNvPr id="13" name="CuadroTexto 12">
+            <a:extLst>
+              <a:ext uri="{FF2B5EF4-FFF2-40B4-BE49-F238E27FC236}">
+                <a16:creationId xmlns:a16="http://schemas.microsoft.com/office/drawing/2014/main" id="{D7AD9336-18B3-73E8-E4A3-76097A977336}"/>
+              </a:ext>
+            </a:extLst>
+          </p:cNvPr>
+          <p:cNvSpPr txBox="1"/>
+          <p:nvPr/>
+        </p:nvSpPr>
+        <p:spPr>
+          <a:xfrm>
+            <a:off x="2243269" y="2979634"/>
+            <a:ext cx="1397240" cy="307777"/>
+          </a:xfrm>
+          <a:prstGeom prst="rect">
+            <a:avLst/>
+          </a:prstGeom>
+          <a:noFill/>
+        </p:spPr>
+        <p:txBody>
+          <a:bodyPr wrap="square" rtlCol="0">
+            <a:spAutoFit/>
+          </a:bodyPr>
+          <a:lstStyle/>
+          <a:p>
+            <a:r>
+              <a:rPr lang="es-MX" dirty="0"/>
+              <a:t>PRESENTAR</a:t>
+            </a:r>
+            <a:endParaRPr lang="es-CO" dirty="0"/>
+          </a:p>
+        </p:txBody>
+      </p:sp>
+      <p:sp>
+        <p:nvSpPr>
+          <p:cNvPr id="14" name="CuadroTexto 13">
+            <a:extLst>
+              <a:ext uri="{FF2B5EF4-FFF2-40B4-BE49-F238E27FC236}">
+                <a16:creationId xmlns:a16="http://schemas.microsoft.com/office/drawing/2014/main" id="{5FE7EEE2-FEE3-3114-71C8-63A219485237}"/>
+              </a:ext>
+            </a:extLst>
+          </p:cNvPr>
+          <p:cNvSpPr txBox="1"/>
+          <p:nvPr/>
+        </p:nvSpPr>
+        <p:spPr>
+          <a:xfrm>
+            <a:off x="6007695" y="1555333"/>
+            <a:ext cx="1684876" cy="307777"/>
+          </a:xfrm>
+          <a:prstGeom prst="rect">
+            <a:avLst/>
+          </a:prstGeom>
+          <a:noFill/>
+        </p:spPr>
+        <p:txBody>
+          <a:bodyPr wrap="square" rtlCol="0">
+            <a:spAutoFit/>
+          </a:bodyPr>
+          <a:lstStyle/>
+          <a:p>
+            <a:r>
+              <a:rPr lang="es-MX" dirty="0"/>
+              <a:t>RECOPILAR</a:t>
+            </a:r>
+            <a:endParaRPr lang="es-CO" dirty="0"/>
+          </a:p>
+        </p:txBody>
+      </p:sp>
+      <p:sp>
+        <p:nvSpPr>
+          <p:cNvPr id="15" name="CuadroTexto 14">
+            <a:extLst>
+              <a:ext uri="{FF2B5EF4-FFF2-40B4-BE49-F238E27FC236}">
+                <a16:creationId xmlns:a16="http://schemas.microsoft.com/office/drawing/2014/main" id="{6CF7EDC2-CBFB-8E3D-DC85-BBEA5F94D258}"/>
+              </a:ext>
+            </a:extLst>
+          </p:cNvPr>
+          <p:cNvSpPr txBox="1"/>
+          <p:nvPr/>
+        </p:nvSpPr>
+        <p:spPr>
+          <a:xfrm>
+            <a:off x="6007695" y="2979634"/>
+            <a:ext cx="1008405" cy="307777"/>
+          </a:xfrm>
+          <a:prstGeom prst="rect">
+            <a:avLst/>
+          </a:prstGeom>
+          <a:noFill/>
+        </p:spPr>
+        <p:txBody>
+          <a:bodyPr wrap="square" rtlCol="0">
+            <a:spAutoFit/>
+          </a:bodyPr>
+          <a:lstStyle/>
+          <a:p>
+            <a:r>
+              <a:rPr lang="es-MX" dirty="0"/>
+              <a:t>DISEÑAR</a:t>
+            </a:r>
+            <a:endParaRPr lang="es-CO" dirty="0"/>
+          </a:p>
+        </p:txBody>
+      </p:sp>
+      <p:sp>
+        <p:nvSpPr>
+          <p:cNvPr id="17" name="CuadroTexto 16">
+            <a:extLst>
+              <a:ext uri="{FF2B5EF4-FFF2-40B4-BE49-F238E27FC236}">
+                <a16:creationId xmlns:a16="http://schemas.microsoft.com/office/drawing/2014/main" id="{2374E028-9D58-AC8C-68C2-07ECDC4C4FAE}"/>
+              </a:ext>
+            </a:extLst>
+          </p:cNvPr>
+          <p:cNvSpPr txBox="1"/>
+          <p:nvPr/>
+        </p:nvSpPr>
+        <p:spPr>
+          <a:xfrm>
+            <a:off x="2170632" y="1802963"/>
+            <a:ext cx="1367328" cy="769441"/>
+          </a:xfrm>
+          <a:prstGeom prst="rect">
+            <a:avLst/>
+          </a:prstGeom>
+          <a:noFill/>
+        </p:spPr>
+        <p:txBody>
+          <a:bodyPr wrap="square">
+            <a:spAutoFit/>
+          </a:bodyPr>
+          <a:lstStyle/>
+          <a:p>
+            <a:r>
+              <a:rPr lang="es-MX" sz="1100" b="0" i="0" u="none" strike="noStrike" dirty="0">
+                <a:solidFill>
+                  <a:schemeClr val="tx1"/>
+                </a:solidFill>
+                <a:effectLst/>
+                <a:latin typeface="Calibri" panose="020F0502020204030204" pitchFamily="34" charset="0"/>
+                <a:cs typeface="Calibri" panose="020F0502020204030204" pitchFamily="34" charset="0"/>
+              </a:rPr>
+              <a:t>Crear un aplicativo web que cumpla con los requerimientos establecidos</a:t>
+            </a:r>
+            <a:endParaRPr lang="es-CO" sz="1100" dirty="0">
+              <a:solidFill>
+                <a:schemeClr val="tx1"/>
+              </a:solidFill>
+              <a:latin typeface="Calibri" panose="020F0502020204030204" pitchFamily="34" charset="0"/>
+              <a:cs typeface="Calibri" panose="020F0502020204030204" pitchFamily="34" charset="0"/>
+            </a:endParaRPr>
+          </a:p>
+        </p:txBody>
+      </p:sp>
+      <p:sp>
+        <p:nvSpPr>
+          <p:cNvPr id="18" name="CuadroTexto 17">
+            <a:extLst>
+              <a:ext uri="{FF2B5EF4-FFF2-40B4-BE49-F238E27FC236}">
+                <a16:creationId xmlns:a16="http://schemas.microsoft.com/office/drawing/2014/main" id="{E8CF472C-5A16-F351-E617-AF1809B8122F}"/>
+              </a:ext>
+            </a:extLst>
+          </p:cNvPr>
+          <p:cNvSpPr txBox="1"/>
+          <p:nvPr/>
+        </p:nvSpPr>
+        <p:spPr>
+          <a:xfrm>
+            <a:off x="6007694" y="1863110"/>
+            <a:ext cx="2311639" cy="769441"/>
+          </a:xfrm>
+          <a:prstGeom prst="rect">
+            <a:avLst/>
+          </a:prstGeom>
+          <a:noFill/>
+        </p:spPr>
+        <p:txBody>
+          <a:bodyPr wrap="square">
+            <a:spAutoFit/>
+          </a:bodyPr>
+          <a:lstStyle/>
+          <a:p>
+            <a:r>
+              <a:rPr lang="es-MX" sz="1100" b="0" i="0" u="none" strike="noStrike" dirty="0">
+                <a:solidFill>
+                  <a:schemeClr val="tx1"/>
+                </a:solidFill>
+                <a:effectLst/>
+                <a:latin typeface="DM Sans" pitchFamily="2" charset="0"/>
+              </a:rPr>
+              <a:t>Información en base en la encuesta y asi consolidar los requerimientos funcionales del sistema de información</a:t>
+            </a:r>
+            <a:endParaRPr lang="es-CO" sz="1100" dirty="0">
+              <a:solidFill>
+                <a:schemeClr val="tx1"/>
+              </a:solidFill>
+              <a:latin typeface="Calibri" panose="020F0502020204030204" pitchFamily="34" charset="0"/>
+              <a:cs typeface="Calibri" panose="020F0502020204030204" pitchFamily="34" charset="0"/>
+            </a:endParaRPr>
+          </a:p>
+        </p:txBody>
+      </p:sp>
+      <p:sp>
+        <p:nvSpPr>
+          <p:cNvPr id="21" name="CuadroTexto 20">
+            <a:extLst>
+              <a:ext uri="{FF2B5EF4-FFF2-40B4-BE49-F238E27FC236}">
+                <a16:creationId xmlns:a16="http://schemas.microsoft.com/office/drawing/2014/main" id="{0A54D9A7-3D79-4E54-955B-9345DB5E6FD5}"/>
+              </a:ext>
+            </a:extLst>
+          </p:cNvPr>
+          <p:cNvSpPr txBox="1"/>
+          <p:nvPr/>
+        </p:nvSpPr>
+        <p:spPr>
+          <a:xfrm>
+            <a:off x="2170632" y="3320064"/>
+            <a:ext cx="1367328" cy="815608"/>
+          </a:xfrm>
+          <a:prstGeom prst="rect">
+            <a:avLst/>
+          </a:prstGeom>
+          <a:noFill/>
+        </p:spPr>
+        <p:txBody>
+          <a:bodyPr wrap="square">
+            <a:spAutoFit/>
+          </a:bodyPr>
+          <a:lstStyle/>
+          <a:p>
+            <a:pPr rtl="0">
+              <a:spcBef>
+                <a:spcPts val="0"/>
+              </a:spcBef>
+              <a:spcAft>
+                <a:spcPts val="0"/>
+              </a:spcAft>
+            </a:pPr>
+            <a:r>
+              <a:rPr lang="es-MX" sz="1100" b="0" i="0" u="none" strike="noStrike" dirty="0">
+                <a:solidFill>
+                  <a:schemeClr val="tx1"/>
+                </a:solidFill>
+                <a:effectLst/>
+                <a:latin typeface="DM Sans" pitchFamily="2" charset="0"/>
+              </a:rPr>
+              <a:t>El aplicativo a los usuarios</a:t>
+            </a:r>
+            <a:endParaRPr lang="es-MX" sz="1400" b="0" dirty="0">
+              <a:solidFill>
+                <a:schemeClr val="tx1"/>
+              </a:solidFill>
+              <a:effectLst/>
+            </a:endParaRPr>
+          </a:p>
+          <a:p>
+            <a:br>
+              <a:rPr lang="es-MX" sz="1400" dirty="0"/>
+            </a:br>
+            <a:endParaRPr lang="es-CO" sz="1100" dirty="0">
+              <a:solidFill>
+                <a:schemeClr val="tx1"/>
+              </a:solidFill>
+              <a:latin typeface="Calibri" panose="020F0502020204030204" pitchFamily="34" charset="0"/>
+              <a:cs typeface="Calibri" panose="020F0502020204030204" pitchFamily="34" charset="0"/>
+            </a:endParaRPr>
+          </a:p>
+        </p:txBody>
+      </p:sp>
+      <p:sp>
+        <p:nvSpPr>
+          <p:cNvPr id="22" name="CuadroTexto 21">
+            <a:extLst>
+              <a:ext uri="{FF2B5EF4-FFF2-40B4-BE49-F238E27FC236}">
+                <a16:creationId xmlns:a16="http://schemas.microsoft.com/office/drawing/2014/main" id="{7D3004E2-73D0-D6B5-B0EF-D10D670DC85E}"/>
+              </a:ext>
+            </a:extLst>
+          </p:cNvPr>
+          <p:cNvSpPr txBox="1"/>
+          <p:nvPr/>
+        </p:nvSpPr>
+        <p:spPr>
+          <a:xfrm>
+            <a:off x="6007695" y="3320064"/>
+            <a:ext cx="1367328" cy="600164"/>
+          </a:xfrm>
+          <a:prstGeom prst="rect">
+            <a:avLst/>
+          </a:prstGeom>
+          <a:noFill/>
+        </p:spPr>
+        <p:txBody>
+          <a:bodyPr wrap="square">
+            <a:spAutoFit/>
+          </a:bodyPr>
+          <a:lstStyle/>
+          <a:p>
+            <a:r>
+              <a:rPr lang="es-MX" sz="1100" b="0" i="0" u="none" strike="noStrike" dirty="0">
+                <a:solidFill>
+                  <a:schemeClr val="tx1"/>
+                </a:solidFill>
+                <a:effectLst/>
+                <a:latin typeface="Calibri" panose="020F0502020204030204" pitchFamily="34" charset="0"/>
+                <a:cs typeface="Calibri" panose="020F0502020204030204" pitchFamily="34" charset="0"/>
+              </a:rPr>
+              <a:t>El aplicativo en base a la información analizada.</a:t>
+            </a:r>
+            <a:endParaRPr lang="es-CO" sz="1100" dirty="0">
+              <a:solidFill>
+                <a:schemeClr val="tx1"/>
+              </a:solidFill>
+              <a:latin typeface="Calibri" panose="020F0502020204030204" pitchFamily="34" charset="0"/>
+              <a:cs typeface="Calibri" panose="020F0502020204030204" pitchFamily="34" charset="0"/>
+            </a:endParaRPr>
+          </a:p>
+        </p:txBody>
+      </p:sp>
+      <p:sp>
+        <p:nvSpPr>
+          <p:cNvPr id="24" name="Rectángulo 23">
+            <a:extLst>
+              <a:ext uri="{FF2B5EF4-FFF2-40B4-BE49-F238E27FC236}">
+                <a16:creationId xmlns:a16="http://schemas.microsoft.com/office/drawing/2014/main" id="{F6211A88-6109-F74F-5351-46FBE3F2378F}"/>
+              </a:ext>
+            </a:extLst>
+          </p:cNvPr>
+          <p:cNvSpPr/>
+          <p:nvPr/>
+        </p:nvSpPr>
+        <p:spPr>
+          <a:xfrm>
+            <a:off x="1709159" y="2801829"/>
+            <a:ext cx="5665864" cy="45719"/>
+          </a:xfrm>
+          <a:prstGeom prst="rect">
+            <a:avLst/>
+          </a:prstGeom>
+        </p:spPr>
+        <p:style>
+          <a:lnRef idx="2">
+            <a:schemeClr val="accent6"/>
+          </a:lnRef>
+          <a:fillRef idx="1">
+            <a:schemeClr val="lt1"/>
+          </a:fillRef>
+          <a:effectRef idx="0">
+            <a:schemeClr val="accent6"/>
+          </a:effectRef>
+          <a:fontRef idx="minor">
+            <a:schemeClr val="dk1"/>
+          </a:fontRef>
+        </p:style>
+        <p:txBody>
+          <a:bodyPr rtlCol="0" anchor="ctr"/>
+          <a:lstStyle/>
+          <a:p>
+            <a:pPr algn="ctr"/>
+            <a:endParaRPr lang="es-CO"/>
+          </a:p>
+        </p:txBody>
+      </p:sp>
+      <p:sp>
+        <p:nvSpPr>
+          <p:cNvPr id="26" name="Rectángulo 25">
+            <a:extLst>
+              <a:ext uri="{FF2B5EF4-FFF2-40B4-BE49-F238E27FC236}">
+                <a16:creationId xmlns:a16="http://schemas.microsoft.com/office/drawing/2014/main" id="{55AA2258-55F4-B0A6-3BC8-4892C15C53F4}"/>
+              </a:ext>
+            </a:extLst>
+          </p:cNvPr>
+          <p:cNvSpPr/>
+          <p:nvPr/>
+        </p:nvSpPr>
+        <p:spPr>
+          <a:xfrm>
+            <a:off x="4439541" y="1433714"/>
+            <a:ext cx="55547" cy="2932120"/>
+          </a:xfrm>
+          <a:prstGeom prst="rect">
+            <a:avLst/>
+          </a:prstGeom>
+        </p:spPr>
+        <p:style>
+          <a:lnRef idx="2">
+            <a:schemeClr val="accent6"/>
+          </a:lnRef>
+          <a:fillRef idx="1">
+            <a:schemeClr val="lt1"/>
+          </a:fillRef>
+          <a:effectRef idx="0">
+            <a:schemeClr val="accent6"/>
+          </a:effectRef>
+          <a:fontRef idx="minor">
+            <a:schemeClr val="dk1"/>
+          </a:fontRef>
+        </p:style>
+        <p:txBody>
+          <a:bodyPr rtlCol="0" anchor="ctr"/>
+          <a:lstStyle/>
+          <a:p>
+            <a:pPr algn="ctr"/>
+            <a:endParaRPr lang="es-CO"/>
+          </a:p>
+        </p:txBody>
+      </p:sp>
+    </p:spTree>
+    <p:extLst>
+      <p:ext uri="{BB962C8B-B14F-4D97-AF65-F5344CB8AC3E}">
+        <p14:creationId xmlns:p14="http://schemas.microsoft.com/office/powerpoint/2010/main" val="2364285064"/>
+      </p:ext>
+    </p:extLst>
+  </p:cSld>
+  <p:clrMapOvr>
+    <a:masterClrMapping/>
+  </p:clrMapOvr>
+</p:sld>
+</file>
+
+<file path=ppt/slides/slide5.xml><?xml version="1.0" encoding="utf-8"?>
 <p:sld xmlns:a="http://schemas.openxmlformats.org/drawingml/2006/main" xmlns:r="http://schemas.openxmlformats.org/officeDocument/2006/relationships" xmlns:p="http://schemas.openxmlformats.org/presentationml/2006/main">
   <p:cSld>
     <p:spTree>
@@ -28550,661 +31612,6 @@
 </p:sld>
 </file>
 
-<file path=ppt/slides/slide5.xml><?xml version="1.0" encoding="utf-8"?>
-<p:sld xmlns:a="http://schemas.openxmlformats.org/drawingml/2006/main" xmlns:r="http://schemas.openxmlformats.org/officeDocument/2006/relationships" xmlns:p="http://schemas.openxmlformats.org/presentationml/2006/main">
-  <p:cSld>
-    <p:spTree>
-      <p:nvGrpSpPr>
-        <p:cNvPr id="1" name=""/>
-        <p:cNvGrpSpPr/>
-        <p:nvPr/>
-      </p:nvGrpSpPr>
-      <p:grpSpPr>
-        <a:xfrm>
-          <a:off x="0" y="0"/>
-          <a:ext cx="0" cy="0"/>
-          <a:chOff x="0" y="0"/>
-          <a:chExt cx="0" cy="0"/>
-        </a:xfrm>
-      </p:grpSpPr>
-      <p:sp>
-        <p:nvSpPr>
-          <p:cNvPr id="2" name="CuadroTexto 1">
-            <a:extLst>
-              <a:ext uri="{FF2B5EF4-FFF2-40B4-BE49-F238E27FC236}">
-                <a16:creationId xmlns:a16="http://schemas.microsoft.com/office/drawing/2014/main" id="{19999C26-7CBF-E090-6CE9-F86A52374C72}"/>
-              </a:ext>
-            </a:extLst>
-          </p:cNvPr>
-          <p:cNvSpPr txBox="1"/>
-          <p:nvPr/>
-        </p:nvSpPr>
-        <p:spPr>
-          <a:xfrm>
-            <a:off x="2418460" y="777667"/>
-            <a:ext cx="4477996" cy="307777"/>
-          </a:xfrm>
-          <a:prstGeom prst="rect">
-            <a:avLst/>
-          </a:prstGeom>
-          <a:noFill/>
-        </p:spPr>
-        <p:txBody>
-          <a:bodyPr wrap="square" rtlCol="0">
-            <a:spAutoFit/>
-          </a:bodyPr>
-          <a:lstStyle/>
-          <a:p>
-            <a:r>
-              <a:rPr lang="es-MX" dirty="0"/>
-              <a:t>OBJETIVOS ESPECIFICOS DEL PROYECTO</a:t>
-            </a:r>
-            <a:endParaRPr lang="es-CO" dirty="0"/>
-          </a:p>
-        </p:txBody>
-      </p:sp>
-      <p:sp>
-        <p:nvSpPr>
-          <p:cNvPr id="5" name="CuadroTexto 4">
-            <a:extLst>
-              <a:ext uri="{FF2B5EF4-FFF2-40B4-BE49-F238E27FC236}">
-                <a16:creationId xmlns:a16="http://schemas.microsoft.com/office/drawing/2014/main" id="{4A45D7A7-5CDD-E39A-34B7-8FFD913D9ABF}"/>
-              </a:ext>
-            </a:extLst>
-          </p:cNvPr>
-          <p:cNvSpPr txBox="1"/>
-          <p:nvPr/>
-        </p:nvSpPr>
-        <p:spPr>
-          <a:xfrm>
-            <a:off x="1709159" y="1555335"/>
-            <a:ext cx="418743" cy="307777"/>
-          </a:xfrm>
-          <a:prstGeom prst="rect">
-            <a:avLst/>
-          </a:prstGeom>
-          <a:noFill/>
-        </p:spPr>
-        <p:txBody>
-          <a:bodyPr wrap="square" rtlCol="0">
-            <a:spAutoFit/>
-          </a:bodyPr>
-          <a:lstStyle/>
-          <a:p>
-            <a:r>
-              <a:rPr lang="es-MX" dirty="0"/>
-              <a:t>01</a:t>
-            </a:r>
-            <a:endParaRPr lang="es-CO" dirty="0"/>
-          </a:p>
-        </p:txBody>
-      </p:sp>
-      <p:sp>
-        <p:nvSpPr>
-          <p:cNvPr id="6" name="CuadroTexto 5">
-            <a:extLst>
-              <a:ext uri="{FF2B5EF4-FFF2-40B4-BE49-F238E27FC236}">
-                <a16:creationId xmlns:a16="http://schemas.microsoft.com/office/drawing/2014/main" id="{B3A586D0-83BF-52C2-821E-0D5E9C75A380}"/>
-              </a:ext>
-            </a:extLst>
-          </p:cNvPr>
-          <p:cNvSpPr txBox="1"/>
-          <p:nvPr/>
-        </p:nvSpPr>
-        <p:spPr>
-          <a:xfrm>
-            <a:off x="5503492" y="1555334"/>
-            <a:ext cx="418743" cy="307777"/>
-          </a:xfrm>
-          <a:prstGeom prst="rect">
-            <a:avLst/>
-          </a:prstGeom>
-          <a:noFill/>
-        </p:spPr>
-        <p:txBody>
-          <a:bodyPr wrap="square" rtlCol="0">
-            <a:spAutoFit/>
-          </a:bodyPr>
-          <a:lstStyle/>
-          <a:p>
-            <a:r>
-              <a:rPr lang="es-MX" dirty="0"/>
-              <a:t>02</a:t>
-            </a:r>
-            <a:endParaRPr lang="es-CO" dirty="0"/>
-          </a:p>
-        </p:txBody>
-      </p:sp>
-      <p:sp>
-        <p:nvSpPr>
-          <p:cNvPr id="7" name="CuadroTexto 6">
-            <a:extLst>
-              <a:ext uri="{FF2B5EF4-FFF2-40B4-BE49-F238E27FC236}">
-                <a16:creationId xmlns:a16="http://schemas.microsoft.com/office/drawing/2014/main" id="{ED9A5E60-D84F-ED1D-CF43-469B6921B367}"/>
-              </a:ext>
-            </a:extLst>
-          </p:cNvPr>
-          <p:cNvSpPr txBox="1"/>
-          <p:nvPr/>
-        </p:nvSpPr>
-        <p:spPr>
-          <a:xfrm>
-            <a:off x="1709159" y="2972515"/>
-            <a:ext cx="418743" cy="307777"/>
-          </a:xfrm>
-          <a:prstGeom prst="rect">
-            <a:avLst/>
-          </a:prstGeom>
-          <a:noFill/>
-        </p:spPr>
-        <p:txBody>
-          <a:bodyPr wrap="square" rtlCol="0">
-            <a:spAutoFit/>
-          </a:bodyPr>
-          <a:lstStyle/>
-          <a:p>
-            <a:r>
-              <a:rPr lang="es-MX" dirty="0"/>
-              <a:t>03</a:t>
-            </a:r>
-            <a:endParaRPr lang="es-CO" dirty="0"/>
-          </a:p>
-        </p:txBody>
-      </p:sp>
-      <p:sp>
-        <p:nvSpPr>
-          <p:cNvPr id="8" name="CuadroTexto 7">
-            <a:extLst>
-              <a:ext uri="{FF2B5EF4-FFF2-40B4-BE49-F238E27FC236}">
-                <a16:creationId xmlns:a16="http://schemas.microsoft.com/office/drawing/2014/main" id="{0607CADA-F6C9-CAB7-BCF7-DC7636669255}"/>
-              </a:ext>
-            </a:extLst>
-          </p:cNvPr>
-          <p:cNvSpPr txBox="1"/>
-          <p:nvPr/>
-        </p:nvSpPr>
-        <p:spPr>
-          <a:xfrm>
-            <a:off x="5503492" y="2972514"/>
-            <a:ext cx="418743" cy="307777"/>
-          </a:xfrm>
-          <a:prstGeom prst="rect">
-            <a:avLst/>
-          </a:prstGeom>
-          <a:noFill/>
-        </p:spPr>
-        <p:txBody>
-          <a:bodyPr wrap="square" rtlCol="0">
-            <a:spAutoFit/>
-          </a:bodyPr>
-          <a:lstStyle/>
-          <a:p>
-            <a:r>
-              <a:rPr lang="es-MX" dirty="0"/>
-              <a:t>04</a:t>
-            </a:r>
-            <a:endParaRPr lang="es-CO" dirty="0"/>
-          </a:p>
-        </p:txBody>
-      </p:sp>
-      <p:sp>
-        <p:nvSpPr>
-          <p:cNvPr id="11" name="CuadroTexto 10">
-            <a:extLst>
-              <a:ext uri="{FF2B5EF4-FFF2-40B4-BE49-F238E27FC236}">
-                <a16:creationId xmlns:a16="http://schemas.microsoft.com/office/drawing/2014/main" id="{C6724079-A3D0-70BA-0AA2-9A9B0F9D1C4C}"/>
-              </a:ext>
-            </a:extLst>
-          </p:cNvPr>
-          <p:cNvSpPr txBox="1"/>
-          <p:nvPr/>
-        </p:nvSpPr>
-        <p:spPr>
-          <a:xfrm>
-            <a:off x="2127902" y="1555333"/>
-            <a:ext cx="1367328" cy="307777"/>
-          </a:xfrm>
-          <a:prstGeom prst="rect">
-            <a:avLst/>
-          </a:prstGeom>
-          <a:noFill/>
-        </p:spPr>
-        <p:txBody>
-          <a:bodyPr wrap="square" rtlCol="0">
-            <a:spAutoFit/>
-          </a:bodyPr>
-          <a:lstStyle/>
-          <a:p>
-            <a:r>
-              <a:rPr lang="es-MX" dirty="0"/>
-              <a:t>CREAR</a:t>
-            </a:r>
-            <a:endParaRPr lang="es-CO" dirty="0"/>
-          </a:p>
-        </p:txBody>
-      </p:sp>
-      <p:sp>
-        <p:nvSpPr>
-          <p:cNvPr id="13" name="CuadroTexto 12">
-            <a:extLst>
-              <a:ext uri="{FF2B5EF4-FFF2-40B4-BE49-F238E27FC236}">
-                <a16:creationId xmlns:a16="http://schemas.microsoft.com/office/drawing/2014/main" id="{D7AD9336-18B3-73E8-E4A3-76097A977336}"/>
-              </a:ext>
-            </a:extLst>
-          </p:cNvPr>
-          <p:cNvSpPr txBox="1"/>
-          <p:nvPr/>
-        </p:nvSpPr>
-        <p:spPr>
-          <a:xfrm>
-            <a:off x="2243269" y="2979634"/>
-            <a:ext cx="1397240" cy="307777"/>
-          </a:xfrm>
-          <a:prstGeom prst="rect">
-            <a:avLst/>
-          </a:prstGeom>
-          <a:noFill/>
-        </p:spPr>
-        <p:txBody>
-          <a:bodyPr wrap="square" rtlCol="0">
-            <a:spAutoFit/>
-          </a:bodyPr>
-          <a:lstStyle/>
-          <a:p>
-            <a:r>
-              <a:rPr lang="es-MX" dirty="0"/>
-              <a:t>PRESENTAR</a:t>
-            </a:r>
-            <a:endParaRPr lang="es-CO" dirty="0"/>
-          </a:p>
-        </p:txBody>
-      </p:sp>
-      <p:sp>
-        <p:nvSpPr>
-          <p:cNvPr id="14" name="CuadroTexto 13">
-            <a:extLst>
-              <a:ext uri="{FF2B5EF4-FFF2-40B4-BE49-F238E27FC236}">
-                <a16:creationId xmlns:a16="http://schemas.microsoft.com/office/drawing/2014/main" id="{5FE7EEE2-FEE3-3114-71C8-63A219485237}"/>
-              </a:ext>
-            </a:extLst>
-          </p:cNvPr>
-          <p:cNvSpPr txBox="1"/>
-          <p:nvPr/>
-        </p:nvSpPr>
-        <p:spPr>
-          <a:xfrm>
-            <a:off x="6007695" y="1555333"/>
-            <a:ext cx="1684876" cy="307777"/>
-          </a:xfrm>
-          <a:prstGeom prst="rect">
-            <a:avLst/>
-          </a:prstGeom>
-          <a:noFill/>
-        </p:spPr>
-        <p:txBody>
-          <a:bodyPr wrap="square" rtlCol="0">
-            <a:spAutoFit/>
-          </a:bodyPr>
-          <a:lstStyle/>
-          <a:p>
-            <a:r>
-              <a:rPr lang="es-MX" dirty="0"/>
-              <a:t>RECOPILAR</a:t>
-            </a:r>
-            <a:endParaRPr lang="es-CO" dirty="0"/>
-          </a:p>
-        </p:txBody>
-      </p:sp>
-      <p:sp>
-        <p:nvSpPr>
-          <p:cNvPr id="15" name="CuadroTexto 14">
-            <a:extLst>
-              <a:ext uri="{FF2B5EF4-FFF2-40B4-BE49-F238E27FC236}">
-                <a16:creationId xmlns:a16="http://schemas.microsoft.com/office/drawing/2014/main" id="{6CF7EDC2-CBFB-8E3D-DC85-BBEA5F94D258}"/>
-              </a:ext>
-            </a:extLst>
-          </p:cNvPr>
-          <p:cNvSpPr txBox="1"/>
-          <p:nvPr/>
-        </p:nvSpPr>
-        <p:spPr>
-          <a:xfrm>
-            <a:off x="6007695" y="2979634"/>
-            <a:ext cx="1008405" cy="307777"/>
-          </a:xfrm>
-          <a:prstGeom prst="rect">
-            <a:avLst/>
-          </a:prstGeom>
-          <a:noFill/>
-        </p:spPr>
-        <p:txBody>
-          <a:bodyPr wrap="square" rtlCol="0">
-            <a:spAutoFit/>
-          </a:bodyPr>
-          <a:lstStyle/>
-          <a:p>
-            <a:r>
-              <a:rPr lang="es-MX" dirty="0"/>
-              <a:t>DISEÑAR</a:t>
-            </a:r>
-            <a:endParaRPr lang="es-CO" dirty="0"/>
-          </a:p>
-        </p:txBody>
-      </p:sp>
-      <p:sp>
-        <p:nvSpPr>
-          <p:cNvPr id="17" name="CuadroTexto 16">
-            <a:extLst>
-              <a:ext uri="{FF2B5EF4-FFF2-40B4-BE49-F238E27FC236}">
-                <a16:creationId xmlns:a16="http://schemas.microsoft.com/office/drawing/2014/main" id="{2374E028-9D58-AC8C-68C2-07ECDC4C4FAE}"/>
-              </a:ext>
-            </a:extLst>
-          </p:cNvPr>
-          <p:cNvSpPr txBox="1"/>
-          <p:nvPr/>
-        </p:nvSpPr>
-        <p:spPr>
-          <a:xfrm>
-            <a:off x="2170632" y="1802963"/>
-            <a:ext cx="1367328" cy="769441"/>
-          </a:xfrm>
-          <a:prstGeom prst="rect">
-            <a:avLst/>
-          </a:prstGeom>
-          <a:noFill/>
-        </p:spPr>
-        <p:txBody>
-          <a:bodyPr wrap="square">
-            <a:spAutoFit/>
-          </a:bodyPr>
-          <a:lstStyle/>
-          <a:p>
-            <a:r>
-              <a:rPr lang="es-MX" sz="1100" b="0" i="0" u="none" strike="noStrike" dirty="0">
-                <a:solidFill>
-                  <a:schemeClr val="tx1"/>
-                </a:solidFill>
-                <a:effectLst/>
-                <a:latin typeface="Calibri" panose="020F0502020204030204" pitchFamily="34" charset="0"/>
-                <a:cs typeface="Calibri" panose="020F0502020204030204" pitchFamily="34" charset="0"/>
-              </a:rPr>
-              <a:t>Crear un aplicativo web que cumpla con los requerimientos establecidos</a:t>
-            </a:r>
-            <a:endParaRPr lang="es-CO" sz="1100" dirty="0">
-              <a:solidFill>
-                <a:schemeClr val="tx1"/>
-              </a:solidFill>
-              <a:latin typeface="Calibri" panose="020F0502020204030204" pitchFamily="34" charset="0"/>
-              <a:cs typeface="Calibri" panose="020F0502020204030204" pitchFamily="34" charset="0"/>
-            </a:endParaRPr>
-          </a:p>
-        </p:txBody>
-      </p:sp>
-      <p:sp>
-        <p:nvSpPr>
-          <p:cNvPr id="18" name="CuadroTexto 17">
-            <a:extLst>
-              <a:ext uri="{FF2B5EF4-FFF2-40B4-BE49-F238E27FC236}">
-                <a16:creationId xmlns:a16="http://schemas.microsoft.com/office/drawing/2014/main" id="{E8CF472C-5A16-F351-E617-AF1809B8122F}"/>
-              </a:ext>
-            </a:extLst>
-          </p:cNvPr>
-          <p:cNvSpPr txBox="1"/>
-          <p:nvPr/>
-        </p:nvSpPr>
-        <p:spPr>
-          <a:xfrm>
-            <a:off x="6007694" y="1863110"/>
-            <a:ext cx="2311639" cy="769441"/>
-          </a:xfrm>
-          <a:prstGeom prst="rect">
-            <a:avLst/>
-          </a:prstGeom>
-          <a:noFill/>
-        </p:spPr>
-        <p:txBody>
-          <a:bodyPr wrap="square">
-            <a:spAutoFit/>
-          </a:bodyPr>
-          <a:lstStyle/>
-          <a:p>
-            <a:r>
-              <a:rPr lang="es-MX" sz="1100" b="0" i="0" u="none" strike="noStrike" dirty="0">
-                <a:solidFill>
-                  <a:schemeClr val="tx1"/>
-                </a:solidFill>
-                <a:effectLst/>
-                <a:latin typeface="DM Sans" pitchFamily="2" charset="0"/>
-              </a:rPr>
-              <a:t>Información en base en la encuesta y asi consolidar los requerimientos funcionales del sistema de información</a:t>
-            </a:r>
-            <a:endParaRPr lang="es-CO" sz="1100" dirty="0">
-              <a:solidFill>
-                <a:schemeClr val="tx1"/>
-              </a:solidFill>
-              <a:latin typeface="Calibri" panose="020F0502020204030204" pitchFamily="34" charset="0"/>
-              <a:cs typeface="Calibri" panose="020F0502020204030204" pitchFamily="34" charset="0"/>
-            </a:endParaRPr>
-          </a:p>
-        </p:txBody>
-      </p:sp>
-      <p:sp>
-        <p:nvSpPr>
-          <p:cNvPr id="21" name="CuadroTexto 20">
-            <a:extLst>
-              <a:ext uri="{FF2B5EF4-FFF2-40B4-BE49-F238E27FC236}">
-                <a16:creationId xmlns:a16="http://schemas.microsoft.com/office/drawing/2014/main" id="{0A54D9A7-3D79-4E54-955B-9345DB5E6FD5}"/>
-              </a:ext>
-            </a:extLst>
-          </p:cNvPr>
-          <p:cNvSpPr txBox="1"/>
-          <p:nvPr/>
-        </p:nvSpPr>
-        <p:spPr>
-          <a:xfrm>
-            <a:off x="2170632" y="3320064"/>
-            <a:ext cx="1367328" cy="815608"/>
-          </a:xfrm>
-          <a:prstGeom prst="rect">
-            <a:avLst/>
-          </a:prstGeom>
-          <a:noFill/>
-        </p:spPr>
-        <p:txBody>
-          <a:bodyPr wrap="square">
-            <a:spAutoFit/>
-          </a:bodyPr>
-          <a:lstStyle/>
-          <a:p>
-            <a:pPr rtl="0">
-              <a:spcBef>
-                <a:spcPts val="0"/>
-              </a:spcBef>
-              <a:spcAft>
-                <a:spcPts val="0"/>
-              </a:spcAft>
-            </a:pPr>
-            <a:r>
-              <a:rPr lang="es-MX" sz="1100" b="0" i="0" u="none" strike="noStrike" dirty="0">
-                <a:solidFill>
-                  <a:schemeClr val="tx1"/>
-                </a:solidFill>
-                <a:effectLst/>
-                <a:latin typeface="DM Sans" pitchFamily="2" charset="0"/>
-              </a:rPr>
-              <a:t>El aplicativo a los usuarios</a:t>
-            </a:r>
-            <a:endParaRPr lang="es-MX" sz="1400" b="0" dirty="0">
-              <a:solidFill>
-                <a:schemeClr val="tx1"/>
-              </a:solidFill>
-              <a:effectLst/>
-            </a:endParaRPr>
-          </a:p>
-          <a:p>
-            <a:br>
-              <a:rPr lang="es-MX" sz="1400" dirty="0"/>
-            </a:br>
-            <a:endParaRPr lang="es-CO" sz="1100" dirty="0">
-              <a:solidFill>
-                <a:schemeClr val="tx1"/>
-              </a:solidFill>
-              <a:latin typeface="Calibri" panose="020F0502020204030204" pitchFamily="34" charset="0"/>
-              <a:cs typeface="Calibri" panose="020F0502020204030204" pitchFamily="34" charset="0"/>
-            </a:endParaRPr>
-          </a:p>
-        </p:txBody>
-      </p:sp>
-      <p:sp>
-        <p:nvSpPr>
-          <p:cNvPr id="22" name="CuadroTexto 21">
-            <a:extLst>
-              <a:ext uri="{FF2B5EF4-FFF2-40B4-BE49-F238E27FC236}">
-                <a16:creationId xmlns:a16="http://schemas.microsoft.com/office/drawing/2014/main" id="{7D3004E2-73D0-D6B5-B0EF-D10D670DC85E}"/>
-              </a:ext>
-            </a:extLst>
-          </p:cNvPr>
-          <p:cNvSpPr txBox="1"/>
-          <p:nvPr/>
-        </p:nvSpPr>
-        <p:spPr>
-          <a:xfrm>
-            <a:off x="6007695" y="3320064"/>
-            <a:ext cx="1367328" cy="600164"/>
-          </a:xfrm>
-          <a:prstGeom prst="rect">
-            <a:avLst/>
-          </a:prstGeom>
-          <a:noFill/>
-        </p:spPr>
-        <p:txBody>
-          <a:bodyPr wrap="square">
-            <a:spAutoFit/>
-          </a:bodyPr>
-          <a:lstStyle/>
-          <a:p>
-            <a:r>
-              <a:rPr lang="es-MX" sz="1100" b="0" i="0" u="none" strike="noStrike" dirty="0">
-                <a:solidFill>
-                  <a:schemeClr val="tx1"/>
-                </a:solidFill>
-                <a:effectLst/>
-                <a:latin typeface="Calibri" panose="020F0502020204030204" pitchFamily="34" charset="0"/>
-                <a:cs typeface="Calibri" panose="020F0502020204030204" pitchFamily="34" charset="0"/>
-              </a:rPr>
-              <a:t>El aplicativo en base a la información analizada.</a:t>
-            </a:r>
-            <a:endParaRPr lang="es-CO" sz="1100" dirty="0">
-              <a:solidFill>
-                <a:schemeClr val="tx1"/>
-              </a:solidFill>
-              <a:latin typeface="Calibri" panose="020F0502020204030204" pitchFamily="34" charset="0"/>
-              <a:cs typeface="Calibri" panose="020F0502020204030204" pitchFamily="34" charset="0"/>
-            </a:endParaRPr>
-          </a:p>
-        </p:txBody>
-      </p:sp>
-      <p:sp>
-        <p:nvSpPr>
-          <p:cNvPr id="24" name="Rectángulo 23">
-            <a:extLst>
-              <a:ext uri="{FF2B5EF4-FFF2-40B4-BE49-F238E27FC236}">
-                <a16:creationId xmlns:a16="http://schemas.microsoft.com/office/drawing/2014/main" id="{F6211A88-6109-F74F-5351-46FBE3F2378F}"/>
-              </a:ext>
-            </a:extLst>
-          </p:cNvPr>
-          <p:cNvSpPr/>
-          <p:nvPr/>
-        </p:nvSpPr>
-        <p:spPr>
-          <a:xfrm>
-            <a:off x="1709159" y="2801829"/>
-            <a:ext cx="5665864" cy="45719"/>
-          </a:xfrm>
-          <a:prstGeom prst="rect">
-            <a:avLst/>
-          </a:prstGeom>
-        </p:spPr>
-        <p:style>
-          <a:lnRef idx="2">
-            <a:schemeClr val="accent6"/>
-          </a:lnRef>
-          <a:fillRef idx="1">
-            <a:schemeClr val="lt1"/>
-          </a:fillRef>
-          <a:effectRef idx="0">
-            <a:schemeClr val="accent6"/>
-          </a:effectRef>
-          <a:fontRef idx="minor">
-            <a:schemeClr val="dk1"/>
-          </a:fontRef>
-        </p:style>
-        <p:txBody>
-          <a:bodyPr rtlCol="0" anchor="ctr"/>
-          <a:lstStyle/>
-          <a:p>
-            <a:pPr algn="ctr"/>
-            <a:endParaRPr lang="es-CO"/>
-          </a:p>
-        </p:txBody>
-      </p:sp>
-      <p:sp>
-        <p:nvSpPr>
-          <p:cNvPr id="26" name="Rectángulo 25">
-            <a:extLst>
-              <a:ext uri="{FF2B5EF4-FFF2-40B4-BE49-F238E27FC236}">
-                <a16:creationId xmlns:a16="http://schemas.microsoft.com/office/drawing/2014/main" id="{55AA2258-55F4-B0A6-3BC8-4892C15C53F4}"/>
-              </a:ext>
-            </a:extLst>
-          </p:cNvPr>
-          <p:cNvSpPr/>
-          <p:nvPr/>
-        </p:nvSpPr>
-        <p:spPr>
-          <a:xfrm>
-            <a:off x="4439541" y="1433714"/>
-            <a:ext cx="55547" cy="2932120"/>
-          </a:xfrm>
-          <a:prstGeom prst="rect">
-            <a:avLst/>
-          </a:prstGeom>
-        </p:spPr>
-        <p:style>
-          <a:lnRef idx="2">
-            <a:schemeClr val="accent6"/>
-          </a:lnRef>
-          <a:fillRef idx="1">
-            <a:schemeClr val="lt1"/>
-          </a:fillRef>
-          <a:effectRef idx="0">
-            <a:schemeClr val="accent6"/>
-          </a:effectRef>
-          <a:fontRef idx="minor">
-            <a:schemeClr val="dk1"/>
-          </a:fontRef>
-        </p:style>
-        <p:txBody>
-          <a:bodyPr rtlCol="0" anchor="ctr"/>
-          <a:lstStyle/>
-          <a:p>
-            <a:pPr algn="ctr"/>
-            <a:endParaRPr lang="es-CO"/>
-          </a:p>
-        </p:txBody>
-      </p:sp>
-    </p:spTree>
-    <p:extLst>
-      <p:ext uri="{BB962C8B-B14F-4D97-AF65-F5344CB8AC3E}">
-        <p14:creationId xmlns:p14="http://schemas.microsoft.com/office/powerpoint/2010/main" val="2364285064"/>
-      </p:ext>
-    </p:extLst>
-  </p:cSld>
-  <p:clrMapOvr>
-    <a:masterClrMapping/>
-  </p:clrMapOvr>
-</p:sld>
-</file>
-
 <file path=ppt/slides/slide6.xml><?xml version="1.0" encoding="utf-8"?>
 <p:sld xmlns:a="http://schemas.openxmlformats.org/drawingml/2006/main" xmlns:r="http://schemas.openxmlformats.org/officeDocument/2006/relationships" xmlns:p="http://schemas.openxmlformats.org/presentationml/2006/main">
   <p:cSld>
@@ -29536,6 +31943,84 @@
   <p:cSld>
     <p:spTree>
       <p:nvGrpSpPr>
+        <p:cNvPr id="1" name=""/>
+        <p:cNvGrpSpPr/>
+        <p:nvPr/>
+      </p:nvGrpSpPr>
+      <p:grpSpPr>
+        <a:xfrm>
+          <a:off x="0" y="0"/>
+          <a:ext cx="0" cy="0"/>
+          <a:chOff x="0" y="0"/>
+          <a:chExt cx="0" cy="0"/>
+        </a:xfrm>
+      </p:grpSpPr>
+      <p:pic>
+        <p:nvPicPr>
+          <p:cNvPr id="1026" name="Picture 2">
+            <a:hlinkClick r:id="rId2" action="ppaction://hlinkfile"/>
+            <a:extLst>
+              <a:ext uri="{FF2B5EF4-FFF2-40B4-BE49-F238E27FC236}">
+                <a16:creationId xmlns:a16="http://schemas.microsoft.com/office/drawing/2014/main" id="{4C089B9F-02D7-2394-58E4-AA4BEA73B637}"/>
+              </a:ext>
+            </a:extLst>
+          </p:cNvPr>
+          <p:cNvPicPr>
+            <a:picLocks noChangeAspect="1" noChangeArrowheads="1"/>
+          </p:cNvPicPr>
+          <p:nvPr/>
+        </p:nvPicPr>
+        <p:blipFill>
+          <a:blip r:embed="rId3">
+            <a:extLst>
+              <a:ext uri="{28A0092B-C50C-407E-A947-70E740481C1C}">
+                <a14:useLocalDpi xmlns:a14="http://schemas.microsoft.com/office/drawing/2010/main" val="0"/>
+              </a:ext>
+            </a:extLst>
+          </a:blip>
+          <a:srcRect/>
+          <a:stretch>
+            <a:fillRect/>
+          </a:stretch>
+        </p:blipFill>
+        <p:spPr bwMode="auto">
+          <a:xfrm>
+            <a:off x="3783806" y="1603481"/>
+            <a:ext cx="1576388" cy="1936537"/>
+          </a:xfrm>
+          <a:prstGeom prst="rect">
+            <a:avLst/>
+          </a:prstGeom>
+          <a:noFill/>
+          <a:extLst>
+            <a:ext uri="{909E8E84-426E-40DD-AFC4-6F175D3DCCD1}">
+              <a14:hiddenFill xmlns:a14="http://schemas.microsoft.com/office/drawing/2010/main">
+                <a:solidFill>
+                  <a:srgbClr val="FFFFFF"/>
+                </a:solidFill>
+              </a14:hiddenFill>
+            </a:ext>
+          </a:extLst>
+        </p:spPr>
+      </p:pic>
+    </p:spTree>
+    <p:extLst>
+      <p:ext uri="{BB962C8B-B14F-4D97-AF65-F5344CB8AC3E}">
+        <p14:creationId xmlns:p14="http://schemas.microsoft.com/office/powerpoint/2010/main" val="2064275419"/>
+      </p:ext>
+    </p:extLst>
+  </p:cSld>
+  <p:clrMapOvr>
+    <a:masterClrMapping/>
+  </p:clrMapOvr>
+</p:sld>
+</file>
+
+<file path=ppt/slides/slide9.xml><?xml version="1.0" encoding="utf-8"?>
+<p:sld xmlns:a="http://schemas.openxmlformats.org/drawingml/2006/main" xmlns:r="http://schemas.openxmlformats.org/officeDocument/2006/relationships" xmlns:p="http://schemas.openxmlformats.org/presentationml/2006/main">
+  <p:cSld>
+    <p:spTree>
+      <p:nvGrpSpPr>
         <p:cNvPr id="1" name="Shape 74"/>
         <p:cNvGrpSpPr/>
         <p:nvPr/>
@@ -29634,2131 +32119,6 @@
           </a:ln>
         </p:spPr>
       </p:pic>
-    </p:spTree>
-  </p:cSld>
-  <p:clrMapOvr>
-    <a:masterClrMapping/>
-  </p:clrMapOvr>
-</p:sld>
-</file>
-
-<file path=ppt/slides/slide9.xml><?xml version="1.0" encoding="utf-8"?>
-<p:sld xmlns:a="http://schemas.openxmlformats.org/drawingml/2006/main" xmlns:r="http://schemas.openxmlformats.org/officeDocument/2006/relationships" xmlns:p="http://schemas.openxmlformats.org/presentationml/2006/main">
-  <p:cSld>
-    <p:spTree>
-      <p:nvGrpSpPr>
-        <p:cNvPr id="1" name="Shape 80"/>
-        <p:cNvGrpSpPr/>
-        <p:nvPr/>
-      </p:nvGrpSpPr>
-      <p:grpSpPr>
-        <a:xfrm>
-          <a:off x="0" y="0"/>
-          <a:ext cx="0" cy="0"/>
-          <a:chOff x="0" y="0"/>
-          <a:chExt cx="0" cy="0"/>
-        </a:xfrm>
-      </p:grpSpPr>
-      <p:sp>
-        <p:nvSpPr>
-          <p:cNvPr id="81" name="Google Shape;81;gfefd4b1171_0_22"/>
-          <p:cNvSpPr txBox="1"/>
-          <p:nvPr/>
-        </p:nvSpPr>
-        <p:spPr>
-          <a:xfrm>
-            <a:off x="4004350" y="35725"/>
-            <a:ext cx="4605900" cy="523200"/>
-          </a:xfrm>
-          <a:prstGeom prst="rect">
-            <a:avLst/>
-          </a:prstGeom>
-          <a:noFill/>
-          <a:ln>
-            <a:noFill/>
-          </a:ln>
-        </p:spPr>
-        <p:txBody>
-          <a:bodyPr spcFirstLastPara="1" wrap="square" lIns="91425" tIns="45700" rIns="91425" bIns="45700" anchor="t" anchorCtr="0">
-            <a:spAutoFit/>
-          </a:bodyPr>
-          <a:lstStyle/>
-          <a:p>
-            <a:pPr marL="0" marR="0" lvl="0" indent="0" algn="r" rtl="0">
-              <a:spcBef>
-                <a:spcPts val="0"/>
-              </a:spcBef>
-              <a:spcAft>
-                <a:spcPts val="0"/>
-              </a:spcAft>
-              <a:buNone/>
-            </a:pPr>
-            <a:r>
-              <a:rPr lang="es-ES" sz="2800" b="1">
-                <a:solidFill>
-                  <a:srgbClr val="3F3F3F"/>
-                </a:solidFill>
-                <a:latin typeface="Calibri"/>
-                <a:ea typeface="Calibri"/>
-                <a:cs typeface="Calibri"/>
-                <a:sym typeface="Calibri"/>
-              </a:rPr>
-              <a:t>ESTRUCTURA BASE DE DATOS</a:t>
-            </a:r>
-            <a:endParaRPr sz="2800" b="1" i="0" u="none" strike="noStrike" cap="none">
-              <a:solidFill>
-                <a:srgbClr val="3F3F3F"/>
-              </a:solidFill>
-              <a:latin typeface="Calibri"/>
-              <a:ea typeface="Calibri"/>
-              <a:cs typeface="Calibri"/>
-              <a:sym typeface="Calibri"/>
-            </a:endParaRPr>
-          </a:p>
-        </p:txBody>
-      </p:sp>
-      <p:sp>
-        <p:nvSpPr>
-          <p:cNvPr id="82" name="Google Shape;82;gfefd4b1171_0_22"/>
-          <p:cNvSpPr txBox="1"/>
-          <p:nvPr/>
-        </p:nvSpPr>
-        <p:spPr>
-          <a:xfrm>
-            <a:off x="1482392" y="558925"/>
-            <a:ext cx="6627300" cy="1416000"/>
-          </a:xfrm>
-          <a:prstGeom prst="rect">
-            <a:avLst/>
-          </a:prstGeom>
-          <a:noFill/>
-          <a:ln>
-            <a:noFill/>
-          </a:ln>
-        </p:spPr>
-        <p:txBody>
-          <a:bodyPr spcFirstLastPara="1" wrap="square" lIns="91425" tIns="91425" rIns="91425" bIns="91425" anchor="t" anchorCtr="0">
-            <a:spAutoFit/>
-          </a:bodyPr>
-          <a:lstStyle/>
-          <a:p>
-            <a:pPr marL="0" lvl="0" indent="0" algn="l" rtl="0">
-              <a:spcBef>
-                <a:spcPts val="0"/>
-              </a:spcBef>
-              <a:spcAft>
-                <a:spcPts val="0"/>
-              </a:spcAft>
-              <a:buNone/>
-            </a:pPr>
-            <a:r>
-              <a:rPr lang="es-ES" sz="1000" dirty="0">
-                <a:latin typeface="Calibri"/>
-                <a:ea typeface="Calibri"/>
-                <a:cs typeface="Calibri"/>
-                <a:sym typeface="Calibri"/>
-              </a:rPr>
-              <a:t>TABLA TICKET</a:t>
-            </a:r>
-            <a:endParaRPr sz="1000" dirty="0">
-              <a:latin typeface="Calibri"/>
-              <a:ea typeface="Calibri"/>
-              <a:cs typeface="Calibri"/>
-              <a:sym typeface="Calibri"/>
-            </a:endParaRPr>
-          </a:p>
-          <a:p>
-            <a:pPr marL="0" lvl="0" indent="0" algn="l" rtl="0">
-              <a:spcBef>
-                <a:spcPts val="0"/>
-              </a:spcBef>
-              <a:spcAft>
-                <a:spcPts val="0"/>
-              </a:spcAft>
-              <a:buNone/>
-            </a:pPr>
-            <a:endParaRPr sz="1000" dirty="0">
-              <a:latin typeface="Calibri"/>
-              <a:ea typeface="Calibri"/>
-              <a:cs typeface="Calibri"/>
-              <a:sym typeface="Calibri"/>
-            </a:endParaRPr>
-          </a:p>
-          <a:p>
-            <a:pPr marL="0" lvl="0" indent="0" algn="l" rtl="0">
-              <a:spcBef>
-                <a:spcPts val="0"/>
-              </a:spcBef>
-              <a:spcAft>
-                <a:spcPts val="0"/>
-              </a:spcAft>
-              <a:buNone/>
-            </a:pPr>
-            <a:r>
-              <a:rPr lang="es-ES" sz="1000" dirty="0">
-                <a:latin typeface="Calibri"/>
-                <a:ea typeface="Calibri"/>
-                <a:cs typeface="Calibri"/>
-                <a:sym typeface="Calibri"/>
-              </a:rPr>
-              <a:t>Almacena los ticket de los requerimientos que fueron solicitados por los clientes.</a:t>
-            </a:r>
-            <a:endParaRPr sz="1000" dirty="0">
-              <a:latin typeface="Calibri"/>
-              <a:ea typeface="Calibri"/>
-              <a:cs typeface="Calibri"/>
-              <a:sym typeface="Calibri"/>
-            </a:endParaRPr>
-          </a:p>
-          <a:p>
-            <a:pPr marL="0" lvl="0" indent="0" algn="l" rtl="0">
-              <a:spcBef>
-                <a:spcPts val="0"/>
-              </a:spcBef>
-              <a:spcAft>
-                <a:spcPts val="0"/>
-              </a:spcAft>
-              <a:buNone/>
-            </a:pPr>
-            <a:endParaRPr sz="1000" dirty="0">
-              <a:latin typeface="Calibri"/>
-              <a:ea typeface="Calibri"/>
-              <a:cs typeface="Calibri"/>
-              <a:sym typeface="Calibri"/>
-            </a:endParaRPr>
-          </a:p>
-          <a:p>
-            <a:pPr marL="0" lvl="0" indent="0" algn="l" rtl="0">
-              <a:spcBef>
-                <a:spcPts val="0"/>
-              </a:spcBef>
-              <a:spcAft>
-                <a:spcPts val="0"/>
-              </a:spcAft>
-              <a:buNone/>
-            </a:pPr>
-            <a:r>
-              <a:rPr lang="es-ES" sz="1000" dirty="0">
-                <a:latin typeface="Calibri"/>
-                <a:ea typeface="Calibri"/>
-                <a:cs typeface="Calibri"/>
-                <a:sym typeface="Calibri"/>
-              </a:rPr>
-              <a:t>ENTIDAD: Ticket</a:t>
-            </a:r>
-            <a:endParaRPr sz="1000" dirty="0">
-              <a:latin typeface="Calibri"/>
-              <a:ea typeface="Calibri"/>
-              <a:cs typeface="Calibri"/>
-              <a:sym typeface="Calibri"/>
-            </a:endParaRPr>
-          </a:p>
-          <a:p>
-            <a:pPr marL="0" lvl="0" indent="0" algn="l" rtl="0">
-              <a:spcBef>
-                <a:spcPts val="0"/>
-              </a:spcBef>
-              <a:spcAft>
-                <a:spcPts val="0"/>
-              </a:spcAft>
-              <a:buNone/>
-            </a:pPr>
-            <a:r>
-              <a:rPr lang="es-ES" sz="1000" dirty="0">
-                <a:latin typeface="Calibri"/>
-                <a:ea typeface="Calibri"/>
-                <a:cs typeface="Calibri"/>
-                <a:sym typeface="Calibri"/>
-              </a:rPr>
-              <a:t>NOMBRE TÉCNICO: TicK</a:t>
-            </a:r>
-            <a:endParaRPr sz="1000" dirty="0">
-              <a:latin typeface="Calibri"/>
-              <a:ea typeface="Calibri"/>
-              <a:cs typeface="Calibri"/>
-              <a:sym typeface="Calibri"/>
-            </a:endParaRPr>
-          </a:p>
-          <a:p>
-            <a:pPr marL="0" lvl="0" indent="0" algn="l" rtl="0">
-              <a:spcBef>
-                <a:spcPts val="0"/>
-              </a:spcBef>
-              <a:spcAft>
-                <a:spcPts val="0"/>
-              </a:spcAft>
-              <a:buNone/>
-            </a:pPr>
-            <a:r>
-              <a:rPr lang="es-ES" sz="1000" dirty="0">
-                <a:latin typeface="Calibri"/>
-                <a:ea typeface="Calibri"/>
-                <a:cs typeface="Calibri"/>
-                <a:sym typeface="Calibri"/>
-              </a:rPr>
-              <a:t>DESCRIPCIÓN: Datos tickets</a:t>
-            </a:r>
-            <a:endParaRPr sz="1000" dirty="0">
-              <a:latin typeface="Calibri"/>
-              <a:ea typeface="Calibri"/>
-              <a:cs typeface="Calibri"/>
-              <a:sym typeface="Calibri"/>
-            </a:endParaRPr>
-          </a:p>
-          <a:p>
-            <a:pPr marL="0" lvl="0" indent="0" algn="l" rtl="0">
-              <a:spcBef>
-                <a:spcPts val="0"/>
-              </a:spcBef>
-              <a:spcAft>
-                <a:spcPts val="0"/>
-              </a:spcAft>
-              <a:buNone/>
-            </a:pPr>
-            <a:endParaRPr sz="1000" dirty="0">
-              <a:latin typeface="Calibri"/>
-              <a:ea typeface="Calibri"/>
-              <a:cs typeface="Calibri"/>
-              <a:sym typeface="Calibri"/>
-            </a:endParaRPr>
-          </a:p>
-        </p:txBody>
-      </p:sp>
-      <p:graphicFrame>
-        <p:nvGraphicFramePr>
-          <p:cNvPr id="83" name="Google Shape;83;gfefd4b1171_0_22"/>
-          <p:cNvGraphicFramePr/>
-          <p:nvPr>
-            <p:extLst>
-              <p:ext uri="{D42A27DB-BD31-4B8C-83A1-F6EECF244321}">
-                <p14:modId xmlns:p14="http://schemas.microsoft.com/office/powerpoint/2010/main" val="3247278346"/>
-              </p:ext>
-            </p:extLst>
-          </p:nvPr>
-        </p:nvGraphicFramePr>
-        <p:xfrm>
-          <a:off x="870692" y="1974925"/>
-          <a:ext cx="7239000" cy="2087760"/>
-        </p:xfrm>
-        <a:graphic>
-          <a:graphicData uri="http://schemas.openxmlformats.org/drawingml/2006/table">
-            <a:tbl>
-              <a:tblPr>
-                <a:tableStyleId>{710129CB-633A-4B35-92EB-04DC812985FB}</a:tableStyleId>
-              </a:tblPr>
-              <a:tblGrid>
-                <a:gridCol w="1447800">
-                  <a:extLst>
-                    <a:ext uri="{9D8B030D-6E8A-4147-A177-3AD203B41FA5}">
-                      <a16:colId xmlns:a16="http://schemas.microsoft.com/office/drawing/2014/main" val="20000"/>
-                    </a:ext>
-                  </a:extLst>
-                </a:gridCol>
-                <a:gridCol w="1447800">
-                  <a:extLst>
-                    <a:ext uri="{9D8B030D-6E8A-4147-A177-3AD203B41FA5}">
-                      <a16:colId xmlns:a16="http://schemas.microsoft.com/office/drawing/2014/main" val="20001"/>
-                    </a:ext>
-                  </a:extLst>
-                </a:gridCol>
-                <a:gridCol w="1447800">
-                  <a:extLst>
-                    <a:ext uri="{9D8B030D-6E8A-4147-A177-3AD203B41FA5}">
-                      <a16:colId xmlns:a16="http://schemas.microsoft.com/office/drawing/2014/main" val="20002"/>
-                    </a:ext>
-                  </a:extLst>
-                </a:gridCol>
-                <a:gridCol w="1447800">
-                  <a:extLst>
-                    <a:ext uri="{9D8B030D-6E8A-4147-A177-3AD203B41FA5}">
-                      <a16:colId xmlns:a16="http://schemas.microsoft.com/office/drawing/2014/main" val="20003"/>
-                    </a:ext>
-                  </a:extLst>
-                </a:gridCol>
-                <a:gridCol w="1447800">
-                  <a:extLst>
-                    <a:ext uri="{9D8B030D-6E8A-4147-A177-3AD203B41FA5}">
-                      <a16:colId xmlns:a16="http://schemas.microsoft.com/office/drawing/2014/main" val="20004"/>
-                    </a:ext>
-                  </a:extLst>
-                </a:gridCol>
-              </a:tblGrid>
-              <a:tr h="381000">
-                <a:tc>
-                  <a:txBody>
-                    <a:bodyPr/>
-                    <a:lstStyle/>
-                    <a:p>
-                      <a:pPr marL="0" lvl="0" indent="0" algn="l" rtl="0">
-                        <a:spcBef>
-                          <a:spcPts val="0"/>
-                        </a:spcBef>
-                        <a:spcAft>
-                          <a:spcPts val="0"/>
-                        </a:spcAft>
-                        <a:buNone/>
-                      </a:pPr>
-                      <a:r>
-                        <a:rPr lang="es-ES" sz="800" dirty="0">
-                          <a:solidFill>
-                            <a:schemeClr val="tx1"/>
-                          </a:solidFill>
-                        </a:rPr>
-                        <a:t>NEMÓNICO</a:t>
-                      </a:r>
-                      <a:endParaRPr sz="800" dirty="0">
-                        <a:solidFill>
-                          <a:schemeClr val="tx1"/>
-                        </a:solidFill>
-                        <a:latin typeface="Calibri" panose="020F0502020204030204" pitchFamily="34" charset="0"/>
-                        <a:cs typeface="Calibri" panose="020F0502020204030204" pitchFamily="34" charset="0"/>
-                      </a:endParaRPr>
-                    </a:p>
-                  </a:txBody>
-                  <a:tcPr marL="91425" marR="91425" marT="91425" marB="91425">
-                    <a:lnL w="12700" cap="flat" cmpd="sng" algn="ctr">
-                      <a:solidFill>
-                        <a:schemeClr val="tx1"/>
-                      </a:solidFill>
-                      <a:prstDash val="solid"/>
-                      <a:round/>
-                      <a:headEnd type="none" w="med" len="med"/>
-                      <a:tailEnd type="none" w="med" len="med"/>
-                    </a:lnL>
-                    <a:lnR w="12700" cap="flat" cmpd="sng" algn="ctr">
-                      <a:solidFill>
-                        <a:schemeClr val="tx1"/>
-                      </a:solidFill>
-                      <a:prstDash val="solid"/>
-                      <a:round/>
-                      <a:headEnd type="none" w="med" len="med"/>
-                      <a:tailEnd type="none" w="med" len="med"/>
-                    </a:lnR>
-                    <a:lnT w="12700" cap="flat" cmpd="sng" algn="ctr">
-                      <a:solidFill>
-                        <a:schemeClr val="tx1"/>
-                      </a:solidFill>
-                      <a:prstDash val="solid"/>
-                      <a:round/>
-                      <a:headEnd type="none" w="med" len="med"/>
-                      <a:tailEnd type="none" w="med" len="med"/>
-                    </a:lnT>
-                    <a:lnB w="12700" cap="flat" cmpd="sng" algn="ctr">
-                      <a:solidFill>
-                        <a:schemeClr val="tx1"/>
-                      </a:solidFill>
-                      <a:prstDash val="solid"/>
-                      <a:round/>
-                      <a:headEnd type="none" w="med" len="med"/>
-                      <a:tailEnd type="none" w="med" len="med"/>
-                    </a:lnB>
-                    <a:solidFill>
-                      <a:schemeClr val="accent6"/>
-                    </a:solidFill>
-                  </a:tcPr>
-                </a:tc>
-                <a:tc>
-                  <a:txBody>
-                    <a:bodyPr/>
-                    <a:lstStyle/>
-                    <a:p>
-                      <a:pPr marL="0" lvl="0" indent="0" algn="l" rtl="0">
-                        <a:spcBef>
-                          <a:spcPts val="0"/>
-                        </a:spcBef>
-                        <a:spcAft>
-                          <a:spcPts val="0"/>
-                        </a:spcAft>
-                        <a:buNone/>
-                      </a:pPr>
-                      <a:r>
-                        <a:rPr lang="es-ES" sz="800" dirty="0">
-                          <a:solidFill>
-                            <a:schemeClr val="tx1"/>
-                          </a:solidFill>
-                        </a:rPr>
-                        <a:t>TIPO_LLAVE</a:t>
-                      </a:r>
-                      <a:endParaRPr sz="800" dirty="0">
-                        <a:solidFill>
-                          <a:schemeClr val="tx1"/>
-                        </a:solidFill>
-                        <a:latin typeface="Calibri" panose="020F0502020204030204" pitchFamily="34" charset="0"/>
-                        <a:cs typeface="Calibri" panose="020F0502020204030204" pitchFamily="34" charset="0"/>
-                      </a:endParaRPr>
-                    </a:p>
-                  </a:txBody>
-                  <a:tcPr marL="91425" marR="91425" marT="91425" marB="91425">
-                    <a:lnL w="12700" cap="flat" cmpd="sng" algn="ctr">
-                      <a:solidFill>
-                        <a:schemeClr val="tx1"/>
-                      </a:solidFill>
-                      <a:prstDash val="solid"/>
-                      <a:round/>
-                      <a:headEnd type="none" w="med" len="med"/>
-                      <a:tailEnd type="none" w="med" len="med"/>
-                    </a:lnL>
-                    <a:lnR w="12700" cap="flat" cmpd="sng" algn="ctr">
-                      <a:solidFill>
-                        <a:schemeClr val="tx1"/>
-                      </a:solidFill>
-                      <a:prstDash val="solid"/>
-                      <a:round/>
-                      <a:headEnd type="none" w="med" len="med"/>
-                      <a:tailEnd type="none" w="med" len="med"/>
-                    </a:lnR>
-                    <a:lnT w="12700" cap="flat" cmpd="sng" algn="ctr">
-                      <a:solidFill>
-                        <a:schemeClr val="tx1"/>
-                      </a:solidFill>
-                      <a:prstDash val="solid"/>
-                      <a:round/>
-                      <a:headEnd type="none" w="med" len="med"/>
-                      <a:tailEnd type="none" w="med" len="med"/>
-                    </a:lnT>
-                    <a:lnB w="12700" cap="flat" cmpd="sng" algn="ctr">
-                      <a:solidFill>
-                        <a:schemeClr val="tx1"/>
-                      </a:solidFill>
-                      <a:prstDash val="solid"/>
-                      <a:round/>
-                      <a:headEnd type="none" w="med" len="med"/>
-                      <a:tailEnd type="none" w="med" len="med"/>
-                    </a:lnB>
-                    <a:solidFill>
-                      <a:schemeClr val="accent6"/>
-                    </a:solidFill>
-                  </a:tcPr>
-                </a:tc>
-                <a:tc>
-                  <a:txBody>
-                    <a:bodyPr/>
-                    <a:lstStyle/>
-                    <a:p>
-                      <a:pPr marL="0" lvl="0" indent="0" algn="l" rtl="0">
-                        <a:spcBef>
-                          <a:spcPts val="0"/>
-                        </a:spcBef>
-                        <a:spcAft>
-                          <a:spcPts val="0"/>
-                        </a:spcAft>
-                        <a:buNone/>
-                      </a:pPr>
-                      <a:r>
-                        <a:rPr lang="es-ES" sz="800" dirty="0">
-                          <a:solidFill>
-                            <a:schemeClr val="tx1"/>
-                          </a:solidFill>
-                        </a:rPr>
-                        <a:t>TIPO_DATO</a:t>
-                      </a:r>
-                      <a:endParaRPr sz="800" dirty="0">
-                        <a:solidFill>
-                          <a:schemeClr val="tx1"/>
-                        </a:solidFill>
-                        <a:latin typeface="Calibri" panose="020F0502020204030204" pitchFamily="34" charset="0"/>
-                        <a:cs typeface="Calibri" panose="020F0502020204030204" pitchFamily="34" charset="0"/>
-                      </a:endParaRPr>
-                    </a:p>
-                  </a:txBody>
-                  <a:tcPr marL="91425" marR="91425" marT="91425" marB="91425">
-                    <a:lnL w="12700" cap="flat" cmpd="sng" algn="ctr">
-                      <a:solidFill>
-                        <a:schemeClr val="tx1"/>
-                      </a:solidFill>
-                      <a:prstDash val="solid"/>
-                      <a:round/>
-                      <a:headEnd type="none" w="med" len="med"/>
-                      <a:tailEnd type="none" w="med" len="med"/>
-                    </a:lnL>
-                    <a:lnR w="12700" cap="flat" cmpd="sng" algn="ctr">
-                      <a:solidFill>
-                        <a:schemeClr val="tx1"/>
-                      </a:solidFill>
-                      <a:prstDash val="solid"/>
-                      <a:round/>
-                      <a:headEnd type="none" w="med" len="med"/>
-                      <a:tailEnd type="none" w="med" len="med"/>
-                    </a:lnR>
-                    <a:lnT w="12700" cap="flat" cmpd="sng" algn="ctr">
-                      <a:solidFill>
-                        <a:schemeClr val="tx1"/>
-                      </a:solidFill>
-                      <a:prstDash val="solid"/>
-                      <a:round/>
-                      <a:headEnd type="none" w="med" len="med"/>
-                      <a:tailEnd type="none" w="med" len="med"/>
-                    </a:lnT>
-                    <a:lnB w="12700" cap="flat" cmpd="sng" algn="ctr">
-                      <a:solidFill>
-                        <a:schemeClr val="tx1"/>
-                      </a:solidFill>
-                      <a:prstDash val="solid"/>
-                      <a:round/>
-                      <a:headEnd type="none" w="med" len="med"/>
-                      <a:tailEnd type="none" w="med" len="med"/>
-                    </a:lnB>
-                    <a:solidFill>
-                      <a:schemeClr val="accent6"/>
-                    </a:solidFill>
-                  </a:tcPr>
-                </a:tc>
-                <a:tc>
-                  <a:txBody>
-                    <a:bodyPr/>
-                    <a:lstStyle/>
-                    <a:p>
-                      <a:pPr marL="0" lvl="0" indent="0" algn="l" rtl="0">
-                        <a:spcBef>
-                          <a:spcPts val="0"/>
-                        </a:spcBef>
-                        <a:spcAft>
-                          <a:spcPts val="0"/>
-                        </a:spcAft>
-                        <a:buNone/>
-                      </a:pPr>
-                      <a:r>
-                        <a:rPr lang="es-ES" sz="800" dirty="0">
-                          <a:solidFill>
-                            <a:schemeClr val="tx1"/>
-                          </a:solidFill>
-                        </a:rPr>
-                        <a:t>LONGITUD</a:t>
-                      </a:r>
-                      <a:endParaRPr sz="800" dirty="0">
-                        <a:solidFill>
-                          <a:schemeClr val="tx1"/>
-                        </a:solidFill>
-                        <a:latin typeface="Calibri" panose="020F0502020204030204" pitchFamily="34" charset="0"/>
-                        <a:cs typeface="Calibri" panose="020F0502020204030204" pitchFamily="34" charset="0"/>
-                      </a:endParaRPr>
-                    </a:p>
-                  </a:txBody>
-                  <a:tcPr marL="91425" marR="91425" marT="91425" marB="91425">
-                    <a:lnL w="12700" cap="flat" cmpd="sng" algn="ctr">
-                      <a:solidFill>
-                        <a:schemeClr val="tx1"/>
-                      </a:solidFill>
-                      <a:prstDash val="solid"/>
-                      <a:round/>
-                      <a:headEnd type="none" w="med" len="med"/>
-                      <a:tailEnd type="none" w="med" len="med"/>
-                    </a:lnL>
-                    <a:lnR w="12700" cap="flat" cmpd="sng" algn="ctr">
-                      <a:solidFill>
-                        <a:schemeClr val="tx1"/>
-                      </a:solidFill>
-                      <a:prstDash val="solid"/>
-                      <a:round/>
-                      <a:headEnd type="none" w="med" len="med"/>
-                      <a:tailEnd type="none" w="med" len="med"/>
-                    </a:lnR>
-                    <a:lnT w="12700" cap="flat" cmpd="sng" algn="ctr">
-                      <a:solidFill>
-                        <a:schemeClr val="tx1"/>
-                      </a:solidFill>
-                      <a:prstDash val="solid"/>
-                      <a:round/>
-                      <a:headEnd type="none" w="med" len="med"/>
-                      <a:tailEnd type="none" w="med" len="med"/>
-                    </a:lnT>
-                    <a:lnB w="12700" cap="flat" cmpd="sng" algn="ctr">
-                      <a:solidFill>
-                        <a:schemeClr val="tx1"/>
-                      </a:solidFill>
-                      <a:prstDash val="solid"/>
-                      <a:round/>
-                      <a:headEnd type="none" w="med" len="med"/>
-                      <a:tailEnd type="none" w="med" len="med"/>
-                    </a:lnB>
-                    <a:solidFill>
-                      <a:schemeClr val="accent6"/>
-                    </a:solidFill>
-                  </a:tcPr>
-                </a:tc>
-                <a:tc>
-                  <a:txBody>
-                    <a:bodyPr/>
-                    <a:lstStyle/>
-                    <a:p>
-                      <a:pPr marL="0" lvl="0" indent="0" algn="l" rtl="0">
-                        <a:spcBef>
-                          <a:spcPts val="0"/>
-                        </a:spcBef>
-                        <a:spcAft>
-                          <a:spcPts val="0"/>
-                        </a:spcAft>
-                        <a:buNone/>
-                      </a:pPr>
-                      <a:r>
-                        <a:rPr lang="es-ES" sz="800" dirty="0">
-                          <a:solidFill>
-                            <a:schemeClr val="tx1"/>
-                          </a:solidFill>
-                        </a:rPr>
-                        <a:t>DESCRIPCIÓN</a:t>
-                      </a:r>
-                      <a:endParaRPr sz="800" dirty="0">
-                        <a:solidFill>
-                          <a:schemeClr val="tx1"/>
-                        </a:solidFill>
-                        <a:latin typeface="Calibri" panose="020F0502020204030204" pitchFamily="34" charset="0"/>
-                        <a:cs typeface="Calibri" panose="020F0502020204030204" pitchFamily="34" charset="0"/>
-                      </a:endParaRPr>
-                    </a:p>
-                  </a:txBody>
-                  <a:tcPr marL="91425" marR="91425" marT="91425" marB="91425">
-                    <a:lnL w="12700" cap="flat" cmpd="sng" algn="ctr">
-                      <a:solidFill>
-                        <a:schemeClr val="tx1"/>
-                      </a:solidFill>
-                      <a:prstDash val="solid"/>
-                      <a:round/>
-                      <a:headEnd type="none" w="med" len="med"/>
-                      <a:tailEnd type="none" w="med" len="med"/>
-                    </a:lnL>
-                    <a:lnR w="12700" cap="flat" cmpd="sng" algn="ctr">
-                      <a:solidFill>
-                        <a:schemeClr val="tx1"/>
-                      </a:solidFill>
-                      <a:prstDash val="solid"/>
-                      <a:round/>
-                      <a:headEnd type="none" w="med" len="med"/>
-                      <a:tailEnd type="none" w="med" len="med"/>
-                    </a:lnR>
-                    <a:lnT w="12700" cap="flat" cmpd="sng" algn="ctr">
-                      <a:solidFill>
-                        <a:schemeClr val="tx1"/>
-                      </a:solidFill>
-                      <a:prstDash val="solid"/>
-                      <a:round/>
-                      <a:headEnd type="none" w="med" len="med"/>
-                      <a:tailEnd type="none" w="med" len="med"/>
-                    </a:lnT>
-                    <a:lnB w="12700" cap="flat" cmpd="sng" algn="ctr">
-                      <a:solidFill>
-                        <a:schemeClr val="tx1"/>
-                      </a:solidFill>
-                      <a:prstDash val="solid"/>
-                      <a:round/>
-                      <a:headEnd type="none" w="med" len="med"/>
-                      <a:tailEnd type="none" w="med" len="med"/>
-                    </a:lnB>
-                    <a:solidFill>
-                      <a:schemeClr val="accent6"/>
-                    </a:solidFill>
-                  </a:tcPr>
-                </a:tc>
-                <a:extLst>
-                  <a:ext uri="{0D108BD9-81ED-4DB2-BD59-A6C34878D82A}">
-                    <a16:rowId xmlns:a16="http://schemas.microsoft.com/office/drawing/2014/main" val="10000"/>
-                  </a:ext>
-                </a:extLst>
-              </a:tr>
-              <a:tr h="381000">
-                <a:tc>
-                  <a:txBody>
-                    <a:bodyPr/>
-                    <a:lstStyle/>
-                    <a:p>
-                      <a:pPr marL="0" lvl="0" indent="0" algn="l" rtl="0">
-                        <a:spcBef>
-                          <a:spcPts val="0"/>
-                        </a:spcBef>
-                        <a:spcAft>
-                          <a:spcPts val="0"/>
-                        </a:spcAft>
-                        <a:buNone/>
-                      </a:pPr>
-                      <a:r>
-                        <a:rPr lang="es-ES" sz="800" dirty="0"/>
-                        <a:t>IDTICKET</a:t>
-                      </a:r>
-                      <a:endParaRPr sz="800" dirty="0">
-                        <a:latin typeface="Calibri" panose="020F0502020204030204" pitchFamily="34" charset="0"/>
-                        <a:cs typeface="Calibri" panose="020F0502020204030204" pitchFamily="34" charset="0"/>
-                      </a:endParaRPr>
-                    </a:p>
-                  </a:txBody>
-                  <a:tcPr marL="91425" marR="91425" marT="91425" marB="91425">
-                    <a:lnL w="12700" cap="flat" cmpd="sng" algn="ctr">
-                      <a:solidFill>
-                        <a:schemeClr val="tx1"/>
-                      </a:solidFill>
-                      <a:prstDash val="solid"/>
-                      <a:round/>
-                      <a:headEnd type="none" w="med" len="med"/>
-                      <a:tailEnd type="none" w="med" len="med"/>
-                    </a:lnL>
-                    <a:lnR w="12700" cap="flat" cmpd="sng" algn="ctr">
-                      <a:solidFill>
-                        <a:schemeClr val="tx1"/>
-                      </a:solidFill>
-                      <a:prstDash val="solid"/>
-                      <a:round/>
-                      <a:headEnd type="none" w="med" len="med"/>
-                      <a:tailEnd type="none" w="med" len="med"/>
-                    </a:lnR>
-                    <a:lnT w="12700" cap="flat" cmpd="sng" algn="ctr">
-                      <a:solidFill>
-                        <a:schemeClr val="tx1"/>
-                      </a:solidFill>
-                      <a:prstDash val="solid"/>
-                      <a:round/>
-                      <a:headEnd type="none" w="med" len="med"/>
-                      <a:tailEnd type="none" w="med" len="med"/>
-                    </a:lnT>
-                    <a:lnB w="12700" cap="flat" cmpd="sng" algn="ctr">
-                      <a:solidFill>
-                        <a:schemeClr val="tx1"/>
-                      </a:solidFill>
-                      <a:prstDash val="solid"/>
-                      <a:round/>
-                      <a:headEnd type="none" w="med" len="med"/>
-                      <a:tailEnd type="none" w="med" len="med"/>
-                    </a:lnB>
-                    <a:solidFill>
-                      <a:schemeClr val="accent6">
-                        <a:lumMod val="60000"/>
-                        <a:lumOff val="40000"/>
-                      </a:schemeClr>
-                    </a:solidFill>
-                  </a:tcPr>
-                </a:tc>
-                <a:tc>
-                  <a:txBody>
-                    <a:bodyPr/>
-                    <a:lstStyle/>
-                    <a:p>
-                      <a:pPr marL="0" lvl="0" indent="0" algn="l" rtl="0">
-                        <a:spcBef>
-                          <a:spcPts val="0"/>
-                        </a:spcBef>
-                        <a:spcAft>
-                          <a:spcPts val="0"/>
-                        </a:spcAft>
-                        <a:buNone/>
-                      </a:pPr>
-                      <a:r>
-                        <a:rPr lang="es-ES" sz="800" dirty="0"/>
-                        <a:t>PRIMARIA</a:t>
-                      </a:r>
-                      <a:endParaRPr sz="800" dirty="0">
-                        <a:latin typeface="Calibri" panose="020F0502020204030204" pitchFamily="34" charset="0"/>
-                        <a:cs typeface="Calibri" panose="020F0502020204030204" pitchFamily="34" charset="0"/>
-                      </a:endParaRPr>
-                    </a:p>
-                  </a:txBody>
-                  <a:tcPr marL="91425" marR="91425" marT="91425" marB="91425">
-                    <a:lnL w="12700" cap="flat" cmpd="sng" algn="ctr">
-                      <a:solidFill>
-                        <a:schemeClr val="tx1"/>
-                      </a:solidFill>
-                      <a:prstDash val="solid"/>
-                      <a:round/>
-                      <a:headEnd type="none" w="med" len="med"/>
-                      <a:tailEnd type="none" w="med" len="med"/>
-                    </a:lnL>
-                    <a:lnR w="12700" cap="flat" cmpd="sng" algn="ctr">
-                      <a:solidFill>
-                        <a:schemeClr val="tx1"/>
-                      </a:solidFill>
-                      <a:prstDash val="solid"/>
-                      <a:round/>
-                      <a:headEnd type="none" w="med" len="med"/>
-                      <a:tailEnd type="none" w="med" len="med"/>
-                    </a:lnR>
-                    <a:lnT w="12700" cap="flat" cmpd="sng" algn="ctr">
-                      <a:solidFill>
-                        <a:schemeClr val="tx1"/>
-                      </a:solidFill>
-                      <a:prstDash val="solid"/>
-                      <a:round/>
-                      <a:headEnd type="none" w="med" len="med"/>
-                      <a:tailEnd type="none" w="med" len="med"/>
-                    </a:lnT>
-                    <a:lnB w="12700" cap="flat" cmpd="sng" algn="ctr">
-                      <a:solidFill>
-                        <a:schemeClr val="tx1"/>
-                      </a:solidFill>
-                      <a:prstDash val="solid"/>
-                      <a:round/>
-                      <a:headEnd type="none" w="med" len="med"/>
-                      <a:tailEnd type="none" w="med" len="med"/>
-                    </a:lnB>
-                    <a:solidFill>
-                      <a:schemeClr val="accent6">
-                        <a:lumMod val="60000"/>
-                        <a:lumOff val="40000"/>
-                      </a:schemeClr>
-                    </a:solidFill>
-                  </a:tcPr>
-                </a:tc>
-                <a:tc>
-                  <a:txBody>
-                    <a:bodyPr/>
-                    <a:lstStyle/>
-                    <a:p>
-                      <a:pPr marL="0" lvl="0" indent="0" algn="l" rtl="0">
-                        <a:spcBef>
-                          <a:spcPts val="0"/>
-                        </a:spcBef>
-                        <a:spcAft>
-                          <a:spcPts val="0"/>
-                        </a:spcAft>
-                        <a:buNone/>
-                      </a:pPr>
-                      <a:r>
-                        <a:rPr lang="es-ES" sz="800" dirty="0"/>
-                        <a:t>INT</a:t>
-                      </a:r>
-                      <a:endParaRPr sz="800" dirty="0">
-                        <a:latin typeface="Calibri" panose="020F0502020204030204" pitchFamily="34" charset="0"/>
-                        <a:cs typeface="Calibri" panose="020F0502020204030204" pitchFamily="34" charset="0"/>
-                      </a:endParaRPr>
-                    </a:p>
-                  </a:txBody>
-                  <a:tcPr marL="91425" marR="91425" marT="91425" marB="91425">
-                    <a:lnL w="12700" cap="flat" cmpd="sng" algn="ctr">
-                      <a:solidFill>
-                        <a:schemeClr val="tx1"/>
-                      </a:solidFill>
-                      <a:prstDash val="solid"/>
-                      <a:round/>
-                      <a:headEnd type="none" w="med" len="med"/>
-                      <a:tailEnd type="none" w="med" len="med"/>
-                    </a:lnL>
-                    <a:lnR w="12700" cap="flat" cmpd="sng" algn="ctr">
-                      <a:solidFill>
-                        <a:schemeClr val="tx1"/>
-                      </a:solidFill>
-                      <a:prstDash val="solid"/>
-                      <a:round/>
-                      <a:headEnd type="none" w="med" len="med"/>
-                      <a:tailEnd type="none" w="med" len="med"/>
-                    </a:lnR>
-                    <a:lnT w="12700" cap="flat" cmpd="sng" algn="ctr">
-                      <a:solidFill>
-                        <a:schemeClr val="tx1"/>
-                      </a:solidFill>
-                      <a:prstDash val="solid"/>
-                      <a:round/>
-                      <a:headEnd type="none" w="med" len="med"/>
-                      <a:tailEnd type="none" w="med" len="med"/>
-                    </a:lnT>
-                    <a:lnB w="12700" cap="flat" cmpd="sng" algn="ctr">
-                      <a:solidFill>
-                        <a:schemeClr val="tx1"/>
-                      </a:solidFill>
-                      <a:prstDash val="solid"/>
-                      <a:round/>
-                      <a:headEnd type="none" w="med" len="med"/>
-                      <a:tailEnd type="none" w="med" len="med"/>
-                    </a:lnB>
-                    <a:solidFill>
-                      <a:schemeClr val="accent6">
-                        <a:lumMod val="60000"/>
-                        <a:lumOff val="40000"/>
-                      </a:schemeClr>
-                    </a:solidFill>
-                  </a:tcPr>
-                </a:tc>
-                <a:tc>
-                  <a:txBody>
-                    <a:bodyPr/>
-                    <a:lstStyle/>
-                    <a:p>
-                      <a:pPr marL="0" lvl="0" indent="0" algn="l" rtl="0">
-                        <a:spcBef>
-                          <a:spcPts val="0"/>
-                        </a:spcBef>
-                        <a:spcAft>
-                          <a:spcPts val="0"/>
-                        </a:spcAft>
-                        <a:buNone/>
-                      </a:pPr>
-                      <a:r>
-                        <a:rPr lang="es-ES" sz="800"/>
-                        <a:t>10</a:t>
-                      </a:r>
-                      <a:endParaRPr sz="800">
-                        <a:latin typeface="Calibri" panose="020F0502020204030204" pitchFamily="34" charset="0"/>
-                        <a:cs typeface="Calibri" panose="020F0502020204030204" pitchFamily="34" charset="0"/>
-                      </a:endParaRPr>
-                    </a:p>
-                  </a:txBody>
-                  <a:tcPr marL="91425" marR="91425" marT="91425" marB="91425">
-                    <a:lnL w="12700" cap="flat" cmpd="sng" algn="ctr">
-                      <a:solidFill>
-                        <a:schemeClr val="tx1"/>
-                      </a:solidFill>
-                      <a:prstDash val="solid"/>
-                      <a:round/>
-                      <a:headEnd type="none" w="med" len="med"/>
-                      <a:tailEnd type="none" w="med" len="med"/>
-                    </a:lnL>
-                    <a:lnR w="12700" cap="flat" cmpd="sng" algn="ctr">
-                      <a:solidFill>
-                        <a:schemeClr val="tx1"/>
-                      </a:solidFill>
-                      <a:prstDash val="solid"/>
-                      <a:round/>
-                      <a:headEnd type="none" w="med" len="med"/>
-                      <a:tailEnd type="none" w="med" len="med"/>
-                    </a:lnR>
-                    <a:lnT w="12700" cap="flat" cmpd="sng" algn="ctr">
-                      <a:solidFill>
-                        <a:schemeClr val="tx1"/>
-                      </a:solidFill>
-                      <a:prstDash val="solid"/>
-                      <a:round/>
-                      <a:headEnd type="none" w="med" len="med"/>
-                      <a:tailEnd type="none" w="med" len="med"/>
-                    </a:lnT>
-                    <a:lnB w="12700" cap="flat" cmpd="sng" algn="ctr">
-                      <a:solidFill>
-                        <a:schemeClr val="tx1"/>
-                      </a:solidFill>
-                      <a:prstDash val="solid"/>
-                      <a:round/>
-                      <a:headEnd type="none" w="med" len="med"/>
-                      <a:tailEnd type="none" w="med" len="med"/>
-                    </a:lnB>
-                    <a:solidFill>
-                      <a:schemeClr val="accent6">
-                        <a:lumMod val="60000"/>
-                        <a:lumOff val="40000"/>
-                      </a:schemeClr>
-                    </a:solidFill>
-                  </a:tcPr>
-                </a:tc>
-                <a:tc>
-                  <a:txBody>
-                    <a:bodyPr/>
-                    <a:lstStyle/>
-                    <a:p>
-                      <a:pPr marL="0" lvl="0" indent="0" algn="l" rtl="0">
-                        <a:spcBef>
-                          <a:spcPts val="0"/>
-                        </a:spcBef>
-                        <a:spcAft>
-                          <a:spcPts val="0"/>
-                        </a:spcAft>
-                        <a:buNone/>
-                      </a:pPr>
-                      <a:r>
-                        <a:rPr lang="es-ES" sz="800"/>
-                        <a:t>Número de identificación del ticket</a:t>
-                      </a:r>
-                      <a:endParaRPr sz="800">
-                        <a:latin typeface="Calibri" panose="020F0502020204030204" pitchFamily="34" charset="0"/>
-                        <a:cs typeface="Calibri" panose="020F0502020204030204" pitchFamily="34" charset="0"/>
-                      </a:endParaRPr>
-                    </a:p>
-                  </a:txBody>
-                  <a:tcPr marL="91425" marR="91425" marT="91425" marB="91425">
-                    <a:lnL w="12700" cap="flat" cmpd="sng" algn="ctr">
-                      <a:solidFill>
-                        <a:schemeClr val="tx1"/>
-                      </a:solidFill>
-                      <a:prstDash val="solid"/>
-                      <a:round/>
-                      <a:headEnd type="none" w="med" len="med"/>
-                      <a:tailEnd type="none" w="med" len="med"/>
-                    </a:lnL>
-                    <a:lnR w="12700" cap="flat" cmpd="sng" algn="ctr">
-                      <a:solidFill>
-                        <a:schemeClr val="tx1"/>
-                      </a:solidFill>
-                      <a:prstDash val="solid"/>
-                      <a:round/>
-                      <a:headEnd type="none" w="med" len="med"/>
-                      <a:tailEnd type="none" w="med" len="med"/>
-                    </a:lnR>
-                    <a:lnT w="12700" cap="flat" cmpd="sng" algn="ctr">
-                      <a:solidFill>
-                        <a:schemeClr val="tx1"/>
-                      </a:solidFill>
-                      <a:prstDash val="solid"/>
-                      <a:round/>
-                      <a:headEnd type="none" w="med" len="med"/>
-                      <a:tailEnd type="none" w="med" len="med"/>
-                    </a:lnT>
-                    <a:lnB w="12700" cap="flat" cmpd="sng" algn="ctr">
-                      <a:solidFill>
-                        <a:schemeClr val="tx1"/>
-                      </a:solidFill>
-                      <a:prstDash val="solid"/>
-                      <a:round/>
-                      <a:headEnd type="none" w="med" len="med"/>
-                      <a:tailEnd type="none" w="med" len="med"/>
-                    </a:lnB>
-                    <a:solidFill>
-                      <a:schemeClr val="accent6">
-                        <a:lumMod val="60000"/>
-                        <a:lumOff val="40000"/>
-                      </a:schemeClr>
-                    </a:solidFill>
-                  </a:tcPr>
-                </a:tc>
-                <a:extLst>
-                  <a:ext uri="{0D108BD9-81ED-4DB2-BD59-A6C34878D82A}">
-                    <a16:rowId xmlns:a16="http://schemas.microsoft.com/office/drawing/2014/main" val="10001"/>
-                  </a:ext>
-                </a:extLst>
-              </a:tr>
-              <a:tr h="381000">
-                <a:tc>
-                  <a:txBody>
-                    <a:bodyPr/>
-                    <a:lstStyle/>
-                    <a:p>
-                      <a:pPr marL="0" lvl="0" indent="0" algn="l" rtl="0">
-                        <a:spcBef>
-                          <a:spcPts val="0"/>
-                        </a:spcBef>
-                        <a:spcAft>
-                          <a:spcPts val="0"/>
-                        </a:spcAft>
-                        <a:buNone/>
-                      </a:pPr>
-                      <a:r>
-                        <a:rPr lang="es-ES" sz="800"/>
-                        <a:t>FECHA_CREACION</a:t>
-                      </a:r>
-                      <a:endParaRPr sz="800">
-                        <a:latin typeface="Calibri" panose="020F0502020204030204" pitchFamily="34" charset="0"/>
-                        <a:cs typeface="Calibri" panose="020F0502020204030204" pitchFamily="34" charset="0"/>
-                      </a:endParaRPr>
-                    </a:p>
-                  </a:txBody>
-                  <a:tcPr marL="91425" marR="91425" marT="91425" marB="91425">
-                    <a:lnL w="12700" cap="flat" cmpd="sng" algn="ctr">
-                      <a:solidFill>
-                        <a:schemeClr val="tx1"/>
-                      </a:solidFill>
-                      <a:prstDash val="solid"/>
-                      <a:round/>
-                      <a:headEnd type="none" w="med" len="med"/>
-                      <a:tailEnd type="none" w="med" len="med"/>
-                    </a:lnL>
-                    <a:lnR w="12700" cap="flat" cmpd="sng" algn="ctr">
-                      <a:solidFill>
-                        <a:schemeClr val="tx1"/>
-                      </a:solidFill>
-                      <a:prstDash val="solid"/>
-                      <a:round/>
-                      <a:headEnd type="none" w="med" len="med"/>
-                      <a:tailEnd type="none" w="med" len="med"/>
-                    </a:lnR>
-                    <a:lnT w="12700" cap="flat" cmpd="sng" algn="ctr">
-                      <a:solidFill>
-                        <a:schemeClr val="tx1"/>
-                      </a:solidFill>
-                      <a:prstDash val="solid"/>
-                      <a:round/>
-                      <a:headEnd type="none" w="med" len="med"/>
-                      <a:tailEnd type="none" w="med" len="med"/>
-                    </a:lnT>
-                    <a:lnB w="12700" cap="flat" cmpd="sng" algn="ctr">
-                      <a:solidFill>
-                        <a:schemeClr val="tx1"/>
-                      </a:solidFill>
-                      <a:prstDash val="solid"/>
-                      <a:round/>
-                      <a:headEnd type="none" w="med" len="med"/>
-                      <a:tailEnd type="none" w="med" len="med"/>
-                    </a:lnB>
-                    <a:solidFill>
-                      <a:schemeClr val="accent6">
-                        <a:lumMod val="60000"/>
-                        <a:lumOff val="40000"/>
-                      </a:schemeClr>
-                    </a:solidFill>
-                  </a:tcPr>
-                </a:tc>
-                <a:tc>
-                  <a:txBody>
-                    <a:bodyPr/>
-                    <a:lstStyle/>
-                    <a:p>
-                      <a:pPr marL="0" lvl="0" indent="0" algn="l" rtl="0">
-                        <a:spcBef>
-                          <a:spcPts val="0"/>
-                        </a:spcBef>
-                        <a:spcAft>
-                          <a:spcPts val="0"/>
-                        </a:spcAft>
-                        <a:buNone/>
-                      </a:pPr>
-                      <a:endParaRPr sz="800" dirty="0">
-                        <a:latin typeface="Calibri" panose="020F0502020204030204" pitchFamily="34" charset="0"/>
-                        <a:cs typeface="Calibri" panose="020F0502020204030204" pitchFamily="34" charset="0"/>
-                      </a:endParaRPr>
-                    </a:p>
-                  </a:txBody>
-                  <a:tcPr marL="91425" marR="91425" marT="91425" marB="91425">
-                    <a:lnL w="12700" cap="flat" cmpd="sng" algn="ctr">
-                      <a:solidFill>
-                        <a:schemeClr val="tx1"/>
-                      </a:solidFill>
-                      <a:prstDash val="solid"/>
-                      <a:round/>
-                      <a:headEnd type="none" w="med" len="med"/>
-                      <a:tailEnd type="none" w="med" len="med"/>
-                    </a:lnL>
-                    <a:lnR w="12700" cap="flat" cmpd="sng" algn="ctr">
-                      <a:solidFill>
-                        <a:schemeClr val="tx1"/>
-                      </a:solidFill>
-                      <a:prstDash val="solid"/>
-                      <a:round/>
-                      <a:headEnd type="none" w="med" len="med"/>
-                      <a:tailEnd type="none" w="med" len="med"/>
-                    </a:lnR>
-                    <a:lnT w="12700" cap="flat" cmpd="sng" algn="ctr">
-                      <a:solidFill>
-                        <a:schemeClr val="tx1"/>
-                      </a:solidFill>
-                      <a:prstDash val="solid"/>
-                      <a:round/>
-                      <a:headEnd type="none" w="med" len="med"/>
-                      <a:tailEnd type="none" w="med" len="med"/>
-                    </a:lnT>
-                    <a:lnB w="12700" cap="flat" cmpd="sng" algn="ctr">
-                      <a:solidFill>
-                        <a:schemeClr val="tx1"/>
-                      </a:solidFill>
-                      <a:prstDash val="solid"/>
-                      <a:round/>
-                      <a:headEnd type="none" w="med" len="med"/>
-                      <a:tailEnd type="none" w="med" len="med"/>
-                    </a:lnB>
-                    <a:solidFill>
-                      <a:schemeClr val="accent6">
-                        <a:lumMod val="60000"/>
-                        <a:lumOff val="40000"/>
-                      </a:schemeClr>
-                    </a:solidFill>
-                  </a:tcPr>
-                </a:tc>
-                <a:tc>
-                  <a:txBody>
-                    <a:bodyPr/>
-                    <a:lstStyle/>
-                    <a:p>
-                      <a:pPr marL="0" lvl="0" indent="0" algn="l" rtl="0">
-                        <a:spcBef>
-                          <a:spcPts val="0"/>
-                        </a:spcBef>
-                        <a:spcAft>
-                          <a:spcPts val="0"/>
-                        </a:spcAft>
-                        <a:buNone/>
-                      </a:pPr>
-                      <a:r>
-                        <a:rPr lang="es-ES" sz="800" dirty="0"/>
-                        <a:t>DATE</a:t>
-                      </a:r>
-                      <a:endParaRPr sz="800" dirty="0">
-                        <a:latin typeface="Calibri" panose="020F0502020204030204" pitchFamily="34" charset="0"/>
-                        <a:cs typeface="Calibri" panose="020F0502020204030204" pitchFamily="34" charset="0"/>
-                      </a:endParaRPr>
-                    </a:p>
-                  </a:txBody>
-                  <a:tcPr marL="91425" marR="91425" marT="91425" marB="91425">
-                    <a:lnL w="12700" cap="flat" cmpd="sng" algn="ctr">
-                      <a:solidFill>
-                        <a:schemeClr val="tx1"/>
-                      </a:solidFill>
-                      <a:prstDash val="solid"/>
-                      <a:round/>
-                      <a:headEnd type="none" w="med" len="med"/>
-                      <a:tailEnd type="none" w="med" len="med"/>
-                    </a:lnL>
-                    <a:lnR w="12700" cap="flat" cmpd="sng" algn="ctr">
-                      <a:solidFill>
-                        <a:schemeClr val="tx1"/>
-                      </a:solidFill>
-                      <a:prstDash val="solid"/>
-                      <a:round/>
-                      <a:headEnd type="none" w="med" len="med"/>
-                      <a:tailEnd type="none" w="med" len="med"/>
-                    </a:lnR>
-                    <a:lnT w="12700" cap="flat" cmpd="sng" algn="ctr">
-                      <a:solidFill>
-                        <a:schemeClr val="tx1"/>
-                      </a:solidFill>
-                      <a:prstDash val="solid"/>
-                      <a:round/>
-                      <a:headEnd type="none" w="med" len="med"/>
-                      <a:tailEnd type="none" w="med" len="med"/>
-                    </a:lnT>
-                    <a:lnB w="12700" cap="flat" cmpd="sng" algn="ctr">
-                      <a:solidFill>
-                        <a:schemeClr val="tx1"/>
-                      </a:solidFill>
-                      <a:prstDash val="solid"/>
-                      <a:round/>
-                      <a:headEnd type="none" w="med" len="med"/>
-                      <a:tailEnd type="none" w="med" len="med"/>
-                    </a:lnB>
-                    <a:solidFill>
-                      <a:schemeClr val="accent6">
-                        <a:lumMod val="60000"/>
-                        <a:lumOff val="40000"/>
-                      </a:schemeClr>
-                    </a:solidFill>
-                  </a:tcPr>
-                </a:tc>
-                <a:tc>
-                  <a:txBody>
-                    <a:bodyPr/>
-                    <a:lstStyle/>
-                    <a:p>
-                      <a:pPr marL="0" lvl="0" indent="0" algn="l" rtl="0">
-                        <a:spcBef>
-                          <a:spcPts val="0"/>
-                        </a:spcBef>
-                        <a:spcAft>
-                          <a:spcPts val="0"/>
-                        </a:spcAft>
-                        <a:buNone/>
-                      </a:pPr>
-                      <a:r>
-                        <a:rPr lang="es-ES" sz="800" dirty="0"/>
-                        <a:t>1000- 9999</a:t>
-                      </a:r>
-                      <a:endParaRPr sz="800" dirty="0">
-                        <a:latin typeface="Calibri" panose="020F0502020204030204" pitchFamily="34" charset="0"/>
-                        <a:cs typeface="Calibri" panose="020F0502020204030204" pitchFamily="34" charset="0"/>
-                      </a:endParaRPr>
-                    </a:p>
-                  </a:txBody>
-                  <a:tcPr marL="91425" marR="91425" marT="91425" marB="91425">
-                    <a:lnL w="12700" cap="flat" cmpd="sng" algn="ctr">
-                      <a:solidFill>
-                        <a:schemeClr val="tx1"/>
-                      </a:solidFill>
-                      <a:prstDash val="solid"/>
-                      <a:round/>
-                      <a:headEnd type="none" w="med" len="med"/>
-                      <a:tailEnd type="none" w="med" len="med"/>
-                    </a:lnL>
-                    <a:lnR w="12700" cap="flat" cmpd="sng" algn="ctr">
-                      <a:solidFill>
-                        <a:schemeClr val="tx1"/>
-                      </a:solidFill>
-                      <a:prstDash val="solid"/>
-                      <a:round/>
-                      <a:headEnd type="none" w="med" len="med"/>
-                      <a:tailEnd type="none" w="med" len="med"/>
-                    </a:lnR>
-                    <a:lnT w="12700" cap="flat" cmpd="sng" algn="ctr">
-                      <a:solidFill>
-                        <a:schemeClr val="tx1"/>
-                      </a:solidFill>
-                      <a:prstDash val="solid"/>
-                      <a:round/>
-                      <a:headEnd type="none" w="med" len="med"/>
-                      <a:tailEnd type="none" w="med" len="med"/>
-                    </a:lnT>
-                    <a:lnB w="12700" cap="flat" cmpd="sng" algn="ctr">
-                      <a:solidFill>
-                        <a:schemeClr val="tx1"/>
-                      </a:solidFill>
-                      <a:prstDash val="solid"/>
-                      <a:round/>
-                      <a:headEnd type="none" w="med" len="med"/>
-                      <a:tailEnd type="none" w="med" len="med"/>
-                    </a:lnB>
-                    <a:solidFill>
-                      <a:schemeClr val="accent6">
-                        <a:lumMod val="60000"/>
-                        <a:lumOff val="40000"/>
-                      </a:schemeClr>
-                    </a:solidFill>
-                  </a:tcPr>
-                </a:tc>
-                <a:tc>
-                  <a:txBody>
-                    <a:bodyPr/>
-                    <a:lstStyle/>
-                    <a:p>
-                      <a:pPr marL="0" lvl="0" indent="0" algn="l" rtl="0">
-                        <a:spcBef>
-                          <a:spcPts val="0"/>
-                        </a:spcBef>
-                        <a:spcAft>
-                          <a:spcPts val="0"/>
-                        </a:spcAft>
-                        <a:buNone/>
-                      </a:pPr>
-                      <a:r>
-                        <a:rPr lang="es-ES" sz="800"/>
-                        <a:t>Fecha cuando se creó el Ticket</a:t>
-                      </a:r>
-                      <a:endParaRPr sz="800">
-                        <a:latin typeface="Calibri" panose="020F0502020204030204" pitchFamily="34" charset="0"/>
-                        <a:cs typeface="Calibri" panose="020F0502020204030204" pitchFamily="34" charset="0"/>
-                      </a:endParaRPr>
-                    </a:p>
-                  </a:txBody>
-                  <a:tcPr marL="91425" marR="91425" marT="91425" marB="91425">
-                    <a:lnL w="12700" cap="flat" cmpd="sng" algn="ctr">
-                      <a:solidFill>
-                        <a:schemeClr val="tx1"/>
-                      </a:solidFill>
-                      <a:prstDash val="solid"/>
-                      <a:round/>
-                      <a:headEnd type="none" w="med" len="med"/>
-                      <a:tailEnd type="none" w="med" len="med"/>
-                    </a:lnL>
-                    <a:lnR w="12700" cap="flat" cmpd="sng" algn="ctr">
-                      <a:solidFill>
-                        <a:schemeClr val="tx1"/>
-                      </a:solidFill>
-                      <a:prstDash val="solid"/>
-                      <a:round/>
-                      <a:headEnd type="none" w="med" len="med"/>
-                      <a:tailEnd type="none" w="med" len="med"/>
-                    </a:lnR>
-                    <a:lnT w="12700" cap="flat" cmpd="sng" algn="ctr">
-                      <a:solidFill>
-                        <a:schemeClr val="tx1"/>
-                      </a:solidFill>
-                      <a:prstDash val="solid"/>
-                      <a:round/>
-                      <a:headEnd type="none" w="med" len="med"/>
-                      <a:tailEnd type="none" w="med" len="med"/>
-                    </a:lnT>
-                    <a:lnB w="12700" cap="flat" cmpd="sng" algn="ctr">
-                      <a:solidFill>
-                        <a:schemeClr val="tx1"/>
-                      </a:solidFill>
-                      <a:prstDash val="solid"/>
-                      <a:round/>
-                      <a:headEnd type="none" w="med" len="med"/>
-                      <a:tailEnd type="none" w="med" len="med"/>
-                    </a:lnB>
-                    <a:solidFill>
-                      <a:schemeClr val="accent6">
-                        <a:lumMod val="60000"/>
-                        <a:lumOff val="40000"/>
-                      </a:schemeClr>
-                    </a:solidFill>
-                  </a:tcPr>
-                </a:tc>
-                <a:extLst>
-                  <a:ext uri="{0D108BD9-81ED-4DB2-BD59-A6C34878D82A}">
-                    <a16:rowId xmlns:a16="http://schemas.microsoft.com/office/drawing/2014/main" val="10002"/>
-                  </a:ext>
-                </a:extLst>
-              </a:tr>
-              <a:tr h="381000">
-                <a:tc>
-                  <a:txBody>
-                    <a:bodyPr/>
-                    <a:lstStyle/>
-                    <a:p>
-                      <a:pPr marL="0" lvl="0" indent="0" algn="l" rtl="0">
-                        <a:spcBef>
-                          <a:spcPts val="0"/>
-                        </a:spcBef>
-                        <a:spcAft>
-                          <a:spcPts val="0"/>
-                        </a:spcAft>
-                        <a:buNone/>
-                      </a:pPr>
-                      <a:r>
-                        <a:rPr lang="es-ES" sz="800"/>
-                        <a:t>HORA_CREACION</a:t>
-                      </a:r>
-                      <a:endParaRPr sz="800">
-                        <a:latin typeface="Calibri" panose="020F0502020204030204" pitchFamily="34" charset="0"/>
-                        <a:cs typeface="Calibri" panose="020F0502020204030204" pitchFamily="34" charset="0"/>
-                      </a:endParaRPr>
-                    </a:p>
-                  </a:txBody>
-                  <a:tcPr marL="91425" marR="91425" marT="91425" marB="91425">
-                    <a:lnL w="12700" cap="flat" cmpd="sng" algn="ctr">
-                      <a:solidFill>
-                        <a:schemeClr val="tx1"/>
-                      </a:solidFill>
-                      <a:prstDash val="solid"/>
-                      <a:round/>
-                      <a:headEnd type="none" w="med" len="med"/>
-                      <a:tailEnd type="none" w="med" len="med"/>
-                    </a:lnL>
-                    <a:lnR w="12700" cap="flat" cmpd="sng" algn="ctr">
-                      <a:solidFill>
-                        <a:schemeClr val="tx1"/>
-                      </a:solidFill>
-                      <a:prstDash val="solid"/>
-                      <a:round/>
-                      <a:headEnd type="none" w="med" len="med"/>
-                      <a:tailEnd type="none" w="med" len="med"/>
-                    </a:lnR>
-                    <a:lnT w="12700" cap="flat" cmpd="sng" algn="ctr">
-                      <a:solidFill>
-                        <a:schemeClr val="tx1"/>
-                      </a:solidFill>
-                      <a:prstDash val="solid"/>
-                      <a:round/>
-                      <a:headEnd type="none" w="med" len="med"/>
-                      <a:tailEnd type="none" w="med" len="med"/>
-                    </a:lnT>
-                    <a:lnB w="12700" cap="flat" cmpd="sng" algn="ctr">
-                      <a:solidFill>
-                        <a:schemeClr val="tx1"/>
-                      </a:solidFill>
-                      <a:prstDash val="solid"/>
-                      <a:round/>
-                      <a:headEnd type="none" w="med" len="med"/>
-                      <a:tailEnd type="none" w="med" len="med"/>
-                    </a:lnB>
-                    <a:solidFill>
-                      <a:schemeClr val="accent6">
-                        <a:lumMod val="60000"/>
-                        <a:lumOff val="40000"/>
-                      </a:schemeClr>
-                    </a:solidFill>
-                  </a:tcPr>
-                </a:tc>
-                <a:tc>
-                  <a:txBody>
-                    <a:bodyPr/>
-                    <a:lstStyle/>
-                    <a:p>
-                      <a:pPr marL="0" lvl="0" indent="0" algn="l" rtl="0">
-                        <a:spcBef>
-                          <a:spcPts val="0"/>
-                        </a:spcBef>
-                        <a:spcAft>
-                          <a:spcPts val="0"/>
-                        </a:spcAft>
-                        <a:buNone/>
-                      </a:pPr>
-                      <a:endParaRPr sz="800" dirty="0">
-                        <a:latin typeface="Calibri" panose="020F0502020204030204" pitchFamily="34" charset="0"/>
-                        <a:cs typeface="Calibri" panose="020F0502020204030204" pitchFamily="34" charset="0"/>
-                      </a:endParaRPr>
-                    </a:p>
-                  </a:txBody>
-                  <a:tcPr marL="91425" marR="91425" marT="91425" marB="91425">
-                    <a:lnL w="12700" cap="flat" cmpd="sng" algn="ctr">
-                      <a:solidFill>
-                        <a:schemeClr val="tx1"/>
-                      </a:solidFill>
-                      <a:prstDash val="solid"/>
-                      <a:round/>
-                      <a:headEnd type="none" w="med" len="med"/>
-                      <a:tailEnd type="none" w="med" len="med"/>
-                    </a:lnL>
-                    <a:lnR w="12700" cap="flat" cmpd="sng" algn="ctr">
-                      <a:solidFill>
-                        <a:schemeClr val="tx1"/>
-                      </a:solidFill>
-                      <a:prstDash val="solid"/>
-                      <a:round/>
-                      <a:headEnd type="none" w="med" len="med"/>
-                      <a:tailEnd type="none" w="med" len="med"/>
-                    </a:lnR>
-                    <a:lnT w="12700" cap="flat" cmpd="sng" algn="ctr">
-                      <a:solidFill>
-                        <a:schemeClr val="tx1"/>
-                      </a:solidFill>
-                      <a:prstDash val="solid"/>
-                      <a:round/>
-                      <a:headEnd type="none" w="med" len="med"/>
-                      <a:tailEnd type="none" w="med" len="med"/>
-                    </a:lnT>
-                    <a:lnB w="12700" cap="flat" cmpd="sng" algn="ctr">
-                      <a:solidFill>
-                        <a:schemeClr val="tx1"/>
-                      </a:solidFill>
-                      <a:prstDash val="solid"/>
-                      <a:round/>
-                      <a:headEnd type="none" w="med" len="med"/>
-                      <a:tailEnd type="none" w="med" len="med"/>
-                    </a:lnB>
-                    <a:solidFill>
-                      <a:schemeClr val="accent6">
-                        <a:lumMod val="60000"/>
-                        <a:lumOff val="40000"/>
-                      </a:schemeClr>
-                    </a:solidFill>
-                  </a:tcPr>
-                </a:tc>
-                <a:tc>
-                  <a:txBody>
-                    <a:bodyPr/>
-                    <a:lstStyle/>
-                    <a:p>
-                      <a:pPr marL="0" lvl="0" indent="0" algn="l" rtl="0">
-                        <a:spcBef>
-                          <a:spcPts val="0"/>
-                        </a:spcBef>
-                        <a:spcAft>
-                          <a:spcPts val="0"/>
-                        </a:spcAft>
-                        <a:buNone/>
-                      </a:pPr>
-                      <a:r>
-                        <a:rPr lang="es-ES" sz="800" dirty="0"/>
-                        <a:t>TIME</a:t>
-                      </a:r>
-                      <a:endParaRPr sz="800" dirty="0">
-                        <a:latin typeface="Calibri" panose="020F0502020204030204" pitchFamily="34" charset="0"/>
-                        <a:cs typeface="Calibri" panose="020F0502020204030204" pitchFamily="34" charset="0"/>
-                      </a:endParaRPr>
-                    </a:p>
-                  </a:txBody>
-                  <a:tcPr marL="91425" marR="91425" marT="91425" marB="91425">
-                    <a:lnL w="12700" cap="flat" cmpd="sng" algn="ctr">
-                      <a:solidFill>
-                        <a:schemeClr val="tx1"/>
-                      </a:solidFill>
-                      <a:prstDash val="solid"/>
-                      <a:round/>
-                      <a:headEnd type="none" w="med" len="med"/>
-                      <a:tailEnd type="none" w="med" len="med"/>
-                    </a:lnL>
-                    <a:lnR w="12700" cap="flat" cmpd="sng" algn="ctr">
-                      <a:solidFill>
-                        <a:schemeClr val="tx1"/>
-                      </a:solidFill>
-                      <a:prstDash val="solid"/>
-                      <a:round/>
-                      <a:headEnd type="none" w="med" len="med"/>
-                      <a:tailEnd type="none" w="med" len="med"/>
-                    </a:lnR>
-                    <a:lnT w="12700" cap="flat" cmpd="sng" algn="ctr">
-                      <a:solidFill>
-                        <a:schemeClr val="tx1"/>
-                      </a:solidFill>
-                      <a:prstDash val="solid"/>
-                      <a:round/>
-                      <a:headEnd type="none" w="med" len="med"/>
-                      <a:tailEnd type="none" w="med" len="med"/>
-                    </a:lnT>
-                    <a:lnB w="12700" cap="flat" cmpd="sng" algn="ctr">
-                      <a:solidFill>
-                        <a:schemeClr val="tx1"/>
-                      </a:solidFill>
-                      <a:prstDash val="solid"/>
-                      <a:round/>
-                      <a:headEnd type="none" w="med" len="med"/>
-                      <a:tailEnd type="none" w="med" len="med"/>
-                    </a:lnB>
-                    <a:solidFill>
-                      <a:schemeClr val="accent6">
-                        <a:lumMod val="60000"/>
-                        <a:lumOff val="40000"/>
-                      </a:schemeClr>
-                    </a:solidFill>
-                  </a:tcPr>
-                </a:tc>
-                <a:tc>
-                  <a:txBody>
-                    <a:bodyPr/>
-                    <a:lstStyle/>
-                    <a:p>
-                      <a:pPr marL="0" lvl="0" indent="0" algn="l" rtl="0">
-                        <a:spcBef>
-                          <a:spcPts val="0"/>
-                        </a:spcBef>
-                        <a:spcAft>
-                          <a:spcPts val="0"/>
-                        </a:spcAft>
-                        <a:buNone/>
-                      </a:pPr>
-                      <a:r>
-                        <a:rPr lang="es-ES" sz="800" dirty="0"/>
-                        <a:t>1000- 9999</a:t>
-                      </a:r>
-                      <a:endParaRPr sz="800" dirty="0">
-                        <a:latin typeface="Calibri" panose="020F0502020204030204" pitchFamily="34" charset="0"/>
-                        <a:cs typeface="Calibri" panose="020F0502020204030204" pitchFamily="34" charset="0"/>
-                      </a:endParaRPr>
-                    </a:p>
-                  </a:txBody>
-                  <a:tcPr marL="91425" marR="91425" marT="91425" marB="91425">
-                    <a:lnL w="12700" cap="flat" cmpd="sng" algn="ctr">
-                      <a:solidFill>
-                        <a:schemeClr val="tx1"/>
-                      </a:solidFill>
-                      <a:prstDash val="solid"/>
-                      <a:round/>
-                      <a:headEnd type="none" w="med" len="med"/>
-                      <a:tailEnd type="none" w="med" len="med"/>
-                    </a:lnL>
-                    <a:lnR w="12700" cap="flat" cmpd="sng" algn="ctr">
-                      <a:solidFill>
-                        <a:schemeClr val="tx1"/>
-                      </a:solidFill>
-                      <a:prstDash val="solid"/>
-                      <a:round/>
-                      <a:headEnd type="none" w="med" len="med"/>
-                      <a:tailEnd type="none" w="med" len="med"/>
-                    </a:lnR>
-                    <a:lnT w="12700" cap="flat" cmpd="sng" algn="ctr">
-                      <a:solidFill>
-                        <a:schemeClr val="tx1"/>
-                      </a:solidFill>
-                      <a:prstDash val="solid"/>
-                      <a:round/>
-                      <a:headEnd type="none" w="med" len="med"/>
-                      <a:tailEnd type="none" w="med" len="med"/>
-                    </a:lnT>
-                    <a:lnB w="12700" cap="flat" cmpd="sng" algn="ctr">
-                      <a:solidFill>
-                        <a:schemeClr val="tx1"/>
-                      </a:solidFill>
-                      <a:prstDash val="solid"/>
-                      <a:round/>
-                      <a:headEnd type="none" w="med" len="med"/>
-                      <a:tailEnd type="none" w="med" len="med"/>
-                    </a:lnB>
-                    <a:solidFill>
-                      <a:schemeClr val="accent6">
-                        <a:lumMod val="60000"/>
-                        <a:lumOff val="40000"/>
-                      </a:schemeClr>
-                    </a:solidFill>
-                  </a:tcPr>
-                </a:tc>
-                <a:tc>
-                  <a:txBody>
-                    <a:bodyPr/>
-                    <a:lstStyle/>
-                    <a:p>
-                      <a:pPr marL="0" lvl="0" indent="0" algn="l" rtl="0">
-                        <a:spcBef>
-                          <a:spcPts val="0"/>
-                        </a:spcBef>
-                        <a:spcAft>
-                          <a:spcPts val="0"/>
-                        </a:spcAft>
-                        <a:buNone/>
-                      </a:pPr>
-                      <a:r>
-                        <a:rPr lang="es-ES" sz="800" dirty="0"/>
-                        <a:t>Hora cuando se creó el Ticket</a:t>
-                      </a:r>
-                      <a:endParaRPr sz="800" dirty="0">
-                        <a:latin typeface="Calibri" panose="020F0502020204030204" pitchFamily="34" charset="0"/>
-                        <a:cs typeface="Calibri" panose="020F0502020204030204" pitchFamily="34" charset="0"/>
-                      </a:endParaRPr>
-                    </a:p>
-                  </a:txBody>
-                  <a:tcPr marL="91425" marR="91425" marT="91425" marB="91425">
-                    <a:lnL w="12700" cap="flat" cmpd="sng" algn="ctr">
-                      <a:solidFill>
-                        <a:schemeClr val="tx1"/>
-                      </a:solidFill>
-                      <a:prstDash val="solid"/>
-                      <a:round/>
-                      <a:headEnd type="none" w="med" len="med"/>
-                      <a:tailEnd type="none" w="med" len="med"/>
-                    </a:lnL>
-                    <a:lnR w="12700" cap="flat" cmpd="sng" algn="ctr">
-                      <a:solidFill>
-                        <a:schemeClr val="tx1"/>
-                      </a:solidFill>
-                      <a:prstDash val="solid"/>
-                      <a:round/>
-                      <a:headEnd type="none" w="med" len="med"/>
-                      <a:tailEnd type="none" w="med" len="med"/>
-                    </a:lnR>
-                    <a:lnT w="12700" cap="flat" cmpd="sng" algn="ctr">
-                      <a:solidFill>
-                        <a:schemeClr val="tx1"/>
-                      </a:solidFill>
-                      <a:prstDash val="solid"/>
-                      <a:round/>
-                      <a:headEnd type="none" w="med" len="med"/>
-                      <a:tailEnd type="none" w="med" len="med"/>
-                    </a:lnT>
-                    <a:lnB w="12700" cap="flat" cmpd="sng" algn="ctr">
-                      <a:solidFill>
-                        <a:schemeClr val="tx1"/>
-                      </a:solidFill>
-                      <a:prstDash val="solid"/>
-                      <a:round/>
-                      <a:headEnd type="none" w="med" len="med"/>
-                      <a:tailEnd type="none" w="med" len="med"/>
-                    </a:lnB>
-                    <a:solidFill>
-                      <a:schemeClr val="accent6">
-                        <a:lumMod val="60000"/>
-                        <a:lumOff val="40000"/>
-                      </a:schemeClr>
-                    </a:solidFill>
-                  </a:tcPr>
-                </a:tc>
-                <a:extLst>
-                  <a:ext uri="{0D108BD9-81ED-4DB2-BD59-A6C34878D82A}">
-                    <a16:rowId xmlns:a16="http://schemas.microsoft.com/office/drawing/2014/main" val="10003"/>
-                  </a:ext>
-                </a:extLst>
-              </a:tr>
-              <a:tr h="381000">
-                <a:tc>
-                  <a:txBody>
-                    <a:bodyPr/>
-                    <a:lstStyle/>
-                    <a:p>
-                      <a:pPr marL="0" lvl="0" indent="0" algn="l" rtl="0">
-                        <a:spcBef>
-                          <a:spcPts val="0"/>
-                        </a:spcBef>
-                        <a:spcAft>
-                          <a:spcPts val="0"/>
-                        </a:spcAft>
-                        <a:buNone/>
-                      </a:pPr>
-                      <a:r>
-                        <a:rPr lang="es-ES" sz="800"/>
-                        <a:t>REQUERIMIENTOS_IDREQUERIMIENTOS</a:t>
-                      </a:r>
-                      <a:endParaRPr sz="800">
-                        <a:latin typeface="Calibri" panose="020F0502020204030204" pitchFamily="34" charset="0"/>
-                        <a:cs typeface="Calibri" panose="020F0502020204030204" pitchFamily="34" charset="0"/>
-                      </a:endParaRPr>
-                    </a:p>
-                  </a:txBody>
-                  <a:tcPr marL="91425" marR="91425" marT="91425" marB="91425">
-                    <a:lnL w="12700" cap="flat" cmpd="sng" algn="ctr">
-                      <a:solidFill>
-                        <a:schemeClr val="tx1"/>
-                      </a:solidFill>
-                      <a:prstDash val="solid"/>
-                      <a:round/>
-                      <a:headEnd type="none" w="med" len="med"/>
-                      <a:tailEnd type="none" w="med" len="med"/>
-                    </a:lnL>
-                    <a:lnR w="12700" cap="flat" cmpd="sng" algn="ctr">
-                      <a:solidFill>
-                        <a:schemeClr val="tx1"/>
-                      </a:solidFill>
-                      <a:prstDash val="solid"/>
-                      <a:round/>
-                      <a:headEnd type="none" w="med" len="med"/>
-                      <a:tailEnd type="none" w="med" len="med"/>
-                    </a:lnR>
-                    <a:lnT w="12700" cap="flat" cmpd="sng" algn="ctr">
-                      <a:solidFill>
-                        <a:schemeClr val="tx1"/>
-                      </a:solidFill>
-                      <a:prstDash val="solid"/>
-                      <a:round/>
-                      <a:headEnd type="none" w="med" len="med"/>
-                      <a:tailEnd type="none" w="med" len="med"/>
-                    </a:lnT>
-                    <a:lnB w="12700" cap="flat" cmpd="sng" algn="ctr">
-                      <a:solidFill>
-                        <a:schemeClr val="tx1"/>
-                      </a:solidFill>
-                      <a:prstDash val="solid"/>
-                      <a:round/>
-                      <a:headEnd type="none" w="med" len="med"/>
-                      <a:tailEnd type="none" w="med" len="med"/>
-                    </a:lnB>
-                    <a:solidFill>
-                      <a:schemeClr val="accent6">
-                        <a:lumMod val="60000"/>
-                        <a:lumOff val="40000"/>
-                      </a:schemeClr>
-                    </a:solidFill>
-                  </a:tcPr>
-                </a:tc>
-                <a:tc>
-                  <a:txBody>
-                    <a:bodyPr/>
-                    <a:lstStyle/>
-                    <a:p>
-                      <a:pPr marL="0" lvl="0" indent="0" algn="l" rtl="0">
-                        <a:spcBef>
-                          <a:spcPts val="0"/>
-                        </a:spcBef>
-                        <a:spcAft>
-                          <a:spcPts val="0"/>
-                        </a:spcAft>
-                        <a:buNone/>
-                      </a:pPr>
-                      <a:r>
-                        <a:rPr lang="es-ES" sz="800" dirty="0"/>
-                        <a:t>FORANEA</a:t>
-                      </a:r>
-                      <a:endParaRPr sz="800" dirty="0">
-                        <a:latin typeface="Calibri" panose="020F0502020204030204" pitchFamily="34" charset="0"/>
-                        <a:cs typeface="Calibri" panose="020F0502020204030204" pitchFamily="34" charset="0"/>
-                      </a:endParaRPr>
-                    </a:p>
-                  </a:txBody>
-                  <a:tcPr marL="91425" marR="91425" marT="91425" marB="91425">
-                    <a:lnL w="12700" cap="flat" cmpd="sng" algn="ctr">
-                      <a:solidFill>
-                        <a:schemeClr val="tx1"/>
-                      </a:solidFill>
-                      <a:prstDash val="solid"/>
-                      <a:round/>
-                      <a:headEnd type="none" w="med" len="med"/>
-                      <a:tailEnd type="none" w="med" len="med"/>
-                    </a:lnL>
-                    <a:lnR w="12700" cap="flat" cmpd="sng" algn="ctr">
-                      <a:solidFill>
-                        <a:schemeClr val="tx1"/>
-                      </a:solidFill>
-                      <a:prstDash val="solid"/>
-                      <a:round/>
-                      <a:headEnd type="none" w="med" len="med"/>
-                      <a:tailEnd type="none" w="med" len="med"/>
-                    </a:lnR>
-                    <a:lnT w="12700" cap="flat" cmpd="sng" algn="ctr">
-                      <a:solidFill>
-                        <a:schemeClr val="tx1"/>
-                      </a:solidFill>
-                      <a:prstDash val="solid"/>
-                      <a:round/>
-                      <a:headEnd type="none" w="med" len="med"/>
-                      <a:tailEnd type="none" w="med" len="med"/>
-                    </a:lnT>
-                    <a:lnB w="12700" cap="flat" cmpd="sng" algn="ctr">
-                      <a:solidFill>
-                        <a:schemeClr val="tx1"/>
-                      </a:solidFill>
-                      <a:prstDash val="solid"/>
-                      <a:round/>
-                      <a:headEnd type="none" w="med" len="med"/>
-                      <a:tailEnd type="none" w="med" len="med"/>
-                    </a:lnB>
-                    <a:solidFill>
-                      <a:schemeClr val="accent6">
-                        <a:lumMod val="60000"/>
-                        <a:lumOff val="40000"/>
-                      </a:schemeClr>
-                    </a:solidFill>
-                  </a:tcPr>
-                </a:tc>
-                <a:tc>
-                  <a:txBody>
-                    <a:bodyPr/>
-                    <a:lstStyle/>
-                    <a:p>
-                      <a:pPr marL="0" lvl="0" indent="0" algn="l" rtl="0">
-                        <a:spcBef>
-                          <a:spcPts val="0"/>
-                        </a:spcBef>
-                        <a:spcAft>
-                          <a:spcPts val="0"/>
-                        </a:spcAft>
-                        <a:buNone/>
-                      </a:pPr>
-                      <a:r>
-                        <a:rPr lang="es-ES" sz="800" dirty="0"/>
-                        <a:t>INT</a:t>
-                      </a:r>
-                      <a:endParaRPr sz="800" dirty="0">
-                        <a:latin typeface="Calibri" panose="020F0502020204030204" pitchFamily="34" charset="0"/>
-                        <a:cs typeface="Calibri" panose="020F0502020204030204" pitchFamily="34" charset="0"/>
-                      </a:endParaRPr>
-                    </a:p>
-                  </a:txBody>
-                  <a:tcPr marL="91425" marR="91425" marT="91425" marB="91425">
-                    <a:lnL w="12700" cap="flat" cmpd="sng" algn="ctr">
-                      <a:solidFill>
-                        <a:schemeClr val="tx1"/>
-                      </a:solidFill>
-                      <a:prstDash val="solid"/>
-                      <a:round/>
-                      <a:headEnd type="none" w="med" len="med"/>
-                      <a:tailEnd type="none" w="med" len="med"/>
-                    </a:lnL>
-                    <a:lnR w="12700" cap="flat" cmpd="sng" algn="ctr">
-                      <a:solidFill>
-                        <a:schemeClr val="tx1"/>
-                      </a:solidFill>
-                      <a:prstDash val="solid"/>
-                      <a:round/>
-                      <a:headEnd type="none" w="med" len="med"/>
-                      <a:tailEnd type="none" w="med" len="med"/>
-                    </a:lnR>
-                    <a:lnT w="12700" cap="flat" cmpd="sng" algn="ctr">
-                      <a:solidFill>
-                        <a:schemeClr val="tx1"/>
-                      </a:solidFill>
-                      <a:prstDash val="solid"/>
-                      <a:round/>
-                      <a:headEnd type="none" w="med" len="med"/>
-                      <a:tailEnd type="none" w="med" len="med"/>
-                    </a:lnT>
-                    <a:lnB w="12700" cap="flat" cmpd="sng" algn="ctr">
-                      <a:solidFill>
-                        <a:schemeClr val="tx1"/>
-                      </a:solidFill>
-                      <a:prstDash val="solid"/>
-                      <a:round/>
-                      <a:headEnd type="none" w="med" len="med"/>
-                      <a:tailEnd type="none" w="med" len="med"/>
-                    </a:lnB>
-                    <a:solidFill>
-                      <a:schemeClr val="accent6">
-                        <a:lumMod val="60000"/>
-                        <a:lumOff val="40000"/>
-                      </a:schemeClr>
-                    </a:solidFill>
-                  </a:tcPr>
-                </a:tc>
-                <a:tc>
-                  <a:txBody>
-                    <a:bodyPr/>
-                    <a:lstStyle/>
-                    <a:p>
-                      <a:pPr marL="0" lvl="0" indent="0" algn="l" rtl="0">
-                        <a:spcBef>
-                          <a:spcPts val="0"/>
-                        </a:spcBef>
-                        <a:spcAft>
-                          <a:spcPts val="0"/>
-                        </a:spcAft>
-                        <a:buNone/>
-                      </a:pPr>
-                      <a:r>
-                        <a:rPr lang="es-ES" sz="800" dirty="0"/>
-                        <a:t>10</a:t>
-                      </a:r>
-                      <a:endParaRPr sz="800" dirty="0">
-                        <a:latin typeface="Calibri" panose="020F0502020204030204" pitchFamily="34" charset="0"/>
-                        <a:cs typeface="Calibri" panose="020F0502020204030204" pitchFamily="34" charset="0"/>
-                      </a:endParaRPr>
-                    </a:p>
-                  </a:txBody>
-                  <a:tcPr marL="91425" marR="91425" marT="91425" marB="91425">
-                    <a:lnL w="12700" cap="flat" cmpd="sng" algn="ctr">
-                      <a:solidFill>
-                        <a:schemeClr val="tx1"/>
-                      </a:solidFill>
-                      <a:prstDash val="solid"/>
-                      <a:round/>
-                      <a:headEnd type="none" w="med" len="med"/>
-                      <a:tailEnd type="none" w="med" len="med"/>
-                    </a:lnL>
-                    <a:lnR w="12700" cap="flat" cmpd="sng" algn="ctr">
-                      <a:solidFill>
-                        <a:schemeClr val="tx1"/>
-                      </a:solidFill>
-                      <a:prstDash val="solid"/>
-                      <a:round/>
-                      <a:headEnd type="none" w="med" len="med"/>
-                      <a:tailEnd type="none" w="med" len="med"/>
-                    </a:lnR>
-                    <a:lnT w="12700" cap="flat" cmpd="sng" algn="ctr">
-                      <a:solidFill>
-                        <a:schemeClr val="tx1"/>
-                      </a:solidFill>
-                      <a:prstDash val="solid"/>
-                      <a:round/>
-                      <a:headEnd type="none" w="med" len="med"/>
-                      <a:tailEnd type="none" w="med" len="med"/>
-                    </a:lnT>
-                    <a:lnB w="12700" cap="flat" cmpd="sng" algn="ctr">
-                      <a:solidFill>
-                        <a:schemeClr val="tx1"/>
-                      </a:solidFill>
-                      <a:prstDash val="solid"/>
-                      <a:round/>
-                      <a:headEnd type="none" w="med" len="med"/>
-                      <a:tailEnd type="none" w="med" len="med"/>
-                    </a:lnB>
-                    <a:solidFill>
-                      <a:schemeClr val="accent6">
-                        <a:lumMod val="60000"/>
-                        <a:lumOff val="40000"/>
-                      </a:schemeClr>
-                    </a:solidFill>
-                  </a:tcPr>
-                </a:tc>
-                <a:tc>
-                  <a:txBody>
-                    <a:bodyPr/>
-                    <a:lstStyle/>
-                    <a:p>
-                      <a:pPr marL="0" lvl="0" indent="0" algn="l" rtl="0">
-                        <a:spcBef>
-                          <a:spcPts val="0"/>
-                        </a:spcBef>
-                        <a:spcAft>
-                          <a:spcPts val="0"/>
-                        </a:spcAft>
-                        <a:buNone/>
-                      </a:pPr>
-                      <a:r>
-                        <a:rPr lang="es-ES" sz="800" dirty="0"/>
-                        <a:t>Número de identificación del requerimiento</a:t>
-                      </a:r>
-                      <a:endParaRPr sz="800" dirty="0">
-                        <a:latin typeface="Calibri" panose="020F0502020204030204" pitchFamily="34" charset="0"/>
-                        <a:cs typeface="Calibri" panose="020F0502020204030204" pitchFamily="34" charset="0"/>
-                      </a:endParaRPr>
-                    </a:p>
-                  </a:txBody>
-                  <a:tcPr marL="91425" marR="91425" marT="91425" marB="91425">
-                    <a:lnL w="12700" cap="flat" cmpd="sng" algn="ctr">
-                      <a:solidFill>
-                        <a:schemeClr val="tx1"/>
-                      </a:solidFill>
-                      <a:prstDash val="solid"/>
-                      <a:round/>
-                      <a:headEnd type="none" w="med" len="med"/>
-                      <a:tailEnd type="none" w="med" len="med"/>
-                    </a:lnL>
-                    <a:lnR w="12700" cap="flat" cmpd="sng" algn="ctr">
-                      <a:solidFill>
-                        <a:schemeClr val="tx1"/>
-                      </a:solidFill>
-                      <a:prstDash val="solid"/>
-                      <a:round/>
-                      <a:headEnd type="none" w="med" len="med"/>
-                      <a:tailEnd type="none" w="med" len="med"/>
-                    </a:lnR>
-                    <a:lnT w="12700" cap="flat" cmpd="sng" algn="ctr">
-                      <a:solidFill>
-                        <a:schemeClr val="tx1"/>
-                      </a:solidFill>
-                      <a:prstDash val="solid"/>
-                      <a:round/>
-                      <a:headEnd type="none" w="med" len="med"/>
-                      <a:tailEnd type="none" w="med" len="med"/>
-                    </a:lnT>
-                    <a:lnB w="12700" cap="flat" cmpd="sng" algn="ctr">
-                      <a:solidFill>
-                        <a:schemeClr val="tx1"/>
-                      </a:solidFill>
-                      <a:prstDash val="solid"/>
-                      <a:round/>
-                      <a:headEnd type="none" w="med" len="med"/>
-                      <a:tailEnd type="none" w="med" len="med"/>
-                    </a:lnB>
-                    <a:solidFill>
-                      <a:schemeClr val="accent6">
-                        <a:lumMod val="60000"/>
-                        <a:lumOff val="40000"/>
-                      </a:schemeClr>
-                    </a:solidFill>
-                  </a:tcPr>
-                </a:tc>
-                <a:extLst>
-                  <a:ext uri="{0D108BD9-81ED-4DB2-BD59-A6C34878D82A}">
-                    <a16:rowId xmlns:a16="http://schemas.microsoft.com/office/drawing/2014/main" val="10004"/>
-                  </a:ext>
-                </a:extLst>
-              </a:tr>
-            </a:tbl>
-          </a:graphicData>
-        </a:graphic>
-      </p:graphicFrame>
     </p:spTree>
   </p:cSld>
   <p:clrMapOvr>
